--- a/Misc/Nbody drawings.pptx
+++ b/Misc/Nbody drawings.pptx
@@ -21,19 +21,20 @@
     <p:sldId id="283" r:id="rId15"/>
     <p:sldId id="287" r:id="rId16"/>
     <p:sldId id="281" r:id="rId17"/>
-    <p:sldId id="268" r:id="rId18"/>
-    <p:sldId id="257" r:id="rId19"/>
-    <p:sldId id="262" r:id="rId20"/>
-    <p:sldId id="260" r:id="rId21"/>
-    <p:sldId id="263" r:id="rId22"/>
-    <p:sldId id="264" r:id="rId23"/>
-    <p:sldId id="265" r:id="rId24"/>
-    <p:sldId id="266" r:id="rId25"/>
-    <p:sldId id="261" r:id="rId26"/>
-    <p:sldId id="285" r:id="rId27"/>
-    <p:sldId id="286" r:id="rId28"/>
-    <p:sldId id="267" r:id="rId29"/>
-    <p:sldId id="284" r:id="rId30"/>
+    <p:sldId id="288" r:id="rId18"/>
+    <p:sldId id="268" r:id="rId19"/>
+    <p:sldId id="257" r:id="rId20"/>
+    <p:sldId id="262" r:id="rId21"/>
+    <p:sldId id="260" r:id="rId22"/>
+    <p:sldId id="263" r:id="rId23"/>
+    <p:sldId id="264" r:id="rId24"/>
+    <p:sldId id="265" r:id="rId25"/>
+    <p:sldId id="266" r:id="rId26"/>
+    <p:sldId id="261" r:id="rId27"/>
+    <p:sldId id="285" r:id="rId28"/>
+    <p:sldId id="286" r:id="rId29"/>
+    <p:sldId id="267" r:id="rId30"/>
+    <p:sldId id="284" r:id="rId31"/>
   </p:sldIdLst>
   <p:sldSz cx="12192000" cy="6858000"/>
   <p:notesSz cx="6858000" cy="9144000"/>
@@ -143,13 +144,236 @@
 <file path=ppt/revisionInfo.xml><?xml version="1.0" encoding="utf-8"?>
 <p1510:revInfo xmlns:a="http://schemas.openxmlformats.org/drawingml/2006/main" xmlns:r="http://schemas.openxmlformats.org/officeDocument/2006/relationships" xmlns:p1510="http://schemas.microsoft.com/office/powerpoint/2015/10/main">
   <p1510:revLst>
-    <p1510:client id="{ACDACDE4-C99C-488A-A4D4-E82381AF8835}" v="29" dt="2023-04-17T23:27:30.001"/>
+    <p1510:client id="{D7C0658D-90F2-4913-A583-EF94A943791B}" v="90" dt="2023-06-20T18:54:53.249"/>
   </p1510:revLst>
 </p1510:revInfo>
 </file>
 
 <file path=ppt/changesInfos/changesInfo1.xml><?xml version="1.0" encoding="utf-8"?>
 <pc:chgInfo xmlns:a="http://schemas.openxmlformats.org/drawingml/2006/main" xmlns:r="http://schemas.openxmlformats.org/officeDocument/2006/relationships" xmlns:ac="http://schemas.microsoft.com/office/drawing/2013/main/command" xmlns:pc="http://schemas.microsoft.com/office/powerpoint/2013/main/command">
+  <pc:docChgLst>
+    <pc:chgData name="Tay Zhan Keith" userId="c2142f1051427aa6" providerId="LiveId" clId="{D7C0658D-90F2-4913-A583-EF94A943791B}"/>
+    <pc:docChg chg="undo custSel addSld modSld">
+      <pc:chgData name="Tay Zhan Keith" userId="c2142f1051427aa6" providerId="LiveId" clId="{D7C0658D-90F2-4913-A583-EF94A943791B}" dt="2023-06-20T18:56:24.110" v="135" actId="693"/>
+      <pc:docMkLst>
+        <pc:docMk/>
+      </pc:docMkLst>
+      <pc:sldChg chg="addSp modSp mod">
+        <pc:chgData name="Tay Zhan Keith" userId="c2142f1051427aa6" providerId="LiveId" clId="{D7C0658D-90F2-4913-A583-EF94A943791B}" dt="2023-06-20T18:56:24.110" v="135" actId="693"/>
+        <pc:sldMkLst>
+          <pc:docMk/>
+          <pc:sldMk cId="2580235644" sldId="281"/>
+        </pc:sldMkLst>
+        <pc:spChg chg="add mod">
+          <ac:chgData name="Tay Zhan Keith" userId="c2142f1051427aa6" providerId="LiveId" clId="{D7C0658D-90F2-4913-A583-EF94A943791B}" dt="2023-06-20T18:55:33.321" v="132" actId="14100"/>
+          <ac:spMkLst>
+            <pc:docMk/>
+            <pc:sldMk cId="2580235644" sldId="281"/>
+            <ac:spMk id="2" creationId="{D1E91169-D2DF-EFDA-B120-B49BEFA02EB6}"/>
+          </ac:spMkLst>
+        </pc:spChg>
+        <pc:spChg chg="mod">
+          <ac:chgData name="Tay Zhan Keith" userId="c2142f1051427aa6" providerId="LiveId" clId="{D7C0658D-90F2-4913-A583-EF94A943791B}" dt="2023-06-20T18:56:24.110" v="135" actId="693"/>
+          <ac:spMkLst>
+            <pc:docMk/>
+            <pc:sldMk cId="2580235644" sldId="281"/>
+            <ac:spMk id="7" creationId="{D565E45E-DEEA-D604-6A66-C771D9F38C03}"/>
+          </ac:spMkLst>
+        </pc:spChg>
+        <pc:spChg chg="mod">
+          <ac:chgData name="Tay Zhan Keith" userId="c2142f1051427aa6" providerId="LiveId" clId="{D7C0658D-90F2-4913-A583-EF94A943791B}" dt="2023-06-20T18:54:42.212" v="100" actId="693"/>
+          <ac:spMkLst>
+            <pc:docMk/>
+            <pc:sldMk cId="2580235644" sldId="281"/>
+            <ac:spMk id="9" creationId="{ABA763FF-A90C-565B-107F-D4BA9F179490}"/>
+          </ac:spMkLst>
+        </pc:spChg>
+        <pc:spChg chg="mod">
+          <ac:chgData name="Tay Zhan Keith" userId="c2142f1051427aa6" providerId="LiveId" clId="{D7C0658D-90F2-4913-A583-EF94A943791B}" dt="2023-06-20T18:54:42.212" v="100" actId="693"/>
+          <ac:spMkLst>
+            <pc:docMk/>
+            <pc:sldMk cId="2580235644" sldId="281"/>
+            <ac:spMk id="10" creationId="{ABB72B9C-F9F1-7718-CEAA-C6D4D51A260A}"/>
+          </ac:spMkLst>
+        </pc:spChg>
+        <pc:spChg chg="mod">
+          <ac:chgData name="Tay Zhan Keith" userId="c2142f1051427aa6" providerId="LiveId" clId="{D7C0658D-90F2-4913-A583-EF94A943791B}" dt="2023-06-20T18:54:42.212" v="100" actId="693"/>
+          <ac:spMkLst>
+            <pc:docMk/>
+            <pc:sldMk cId="2580235644" sldId="281"/>
+            <ac:spMk id="11" creationId="{EB00C5BB-C7E1-4BAA-E9B3-D788440F7C9D}"/>
+          </ac:spMkLst>
+        </pc:spChg>
+        <pc:spChg chg="mod">
+          <ac:chgData name="Tay Zhan Keith" userId="c2142f1051427aa6" providerId="LiveId" clId="{D7C0658D-90F2-4913-A583-EF94A943791B}" dt="2023-06-20T18:54:42.212" v="100" actId="693"/>
+          <ac:spMkLst>
+            <pc:docMk/>
+            <pc:sldMk cId="2580235644" sldId="281"/>
+            <ac:spMk id="12" creationId="{5EE53F6E-4FD3-6FF6-DF87-FB1D84448B69}"/>
+          </ac:spMkLst>
+        </pc:spChg>
+        <pc:spChg chg="mod">
+          <ac:chgData name="Tay Zhan Keith" userId="c2142f1051427aa6" providerId="LiveId" clId="{D7C0658D-90F2-4913-A583-EF94A943791B}" dt="2023-06-20T18:54:42.212" v="100" actId="693"/>
+          <ac:spMkLst>
+            <pc:docMk/>
+            <pc:sldMk cId="2580235644" sldId="281"/>
+            <ac:spMk id="13" creationId="{531AE43D-81BB-8DEC-E556-E56457E20AE5}"/>
+          </ac:spMkLst>
+        </pc:spChg>
+        <pc:spChg chg="mod">
+          <ac:chgData name="Tay Zhan Keith" userId="c2142f1051427aa6" providerId="LiveId" clId="{D7C0658D-90F2-4913-A583-EF94A943791B}" dt="2023-06-20T18:54:42.212" v="100" actId="693"/>
+          <ac:spMkLst>
+            <pc:docMk/>
+            <pc:sldMk cId="2580235644" sldId="281"/>
+            <ac:spMk id="15" creationId="{20256B71-9318-833B-0C34-68B2C7576CD6}"/>
+          </ac:spMkLst>
+        </pc:spChg>
+        <pc:spChg chg="mod">
+          <ac:chgData name="Tay Zhan Keith" userId="c2142f1051427aa6" providerId="LiveId" clId="{D7C0658D-90F2-4913-A583-EF94A943791B}" dt="2023-06-20T18:54:42.212" v="100" actId="693"/>
+          <ac:spMkLst>
+            <pc:docMk/>
+            <pc:sldMk cId="2580235644" sldId="281"/>
+            <ac:spMk id="16" creationId="{A0665AEF-C6FF-FF55-8AAA-1CE0C86BF8AB}"/>
+          </ac:spMkLst>
+        </pc:spChg>
+        <pc:spChg chg="mod">
+          <ac:chgData name="Tay Zhan Keith" userId="c2142f1051427aa6" providerId="LiveId" clId="{D7C0658D-90F2-4913-A583-EF94A943791B}" dt="2023-06-20T18:54:42.212" v="100" actId="693"/>
+          <ac:spMkLst>
+            <pc:docMk/>
+            <pc:sldMk cId="2580235644" sldId="281"/>
+            <ac:spMk id="17" creationId="{FFE96BEF-BCB1-316A-06C0-26988B45DCDC}"/>
+          </ac:spMkLst>
+        </pc:spChg>
+        <pc:spChg chg="mod">
+          <ac:chgData name="Tay Zhan Keith" userId="c2142f1051427aa6" providerId="LiveId" clId="{D7C0658D-90F2-4913-A583-EF94A943791B}" dt="2023-06-20T18:54:42.212" v="100" actId="693"/>
+          <ac:spMkLst>
+            <pc:docMk/>
+            <pc:sldMk cId="2580235644" sldId="281"/>
+            <ac:spMk id="19" creationId="{8F929802-393C-30DD-5EE3-90C4EAC87008}"/>
+          </ac:spMkLst>
+        </pc:spChg>
+        <pc:spChg chg="mod">
+          <ac:chgData name="Tay Zhan Keith" userId="c2142f1051427aa6" providerId="LiveId" clId="{D7C0658D-90F2-4913-A583-EF94A943791B}" dt="2023-06-20T18:54:42.212" v="100" actId="693"/>
+          <ac:spMkLst>
+            <pc:docMk/>
+            <pc:sldMk cId="2580235644" sldId="281"/>
+            <ac:spMk id="20" creationId="{132E61D1-ADBD-4FB3-1E40-2B578A4F16DC}"/>
+          </ac:spMkLst>
+        </pc:spChg>
+        <pc:spChg chg="mod">
+          <ac:chgData name="Tay Zhan Keith" userId="c2142f1051427aa6" providerId="LiveId" clId="{D7C0658D-90F2-4913-A583-EF94A943791B}" dt="2023-06-20T18:54:42.212" v="100" actId="693"/>
+          <ac:spMkLst>
+            <pc:docMk/>
+            <pc:sldMk cId="2580235644" sldId="281"/>
+            <ac:spMk id="21" creationId="{6B7890FF-D806-9553-0393-73A4BC42C5D1}"/>
+          </ac:spMkLst>
+        </pc:spChg>
+        <pc:spChg chg="mod">
+          <ac:chgData name="Tay Zhan Keith" userId="c2142f1051427aa6" providerId="LiveId" clId="{D7C0658D-90F2-4913-A583-EF94A943791B}" dt="2023-06-20T18:54:42.212" v="100" actId="693"/>
+          <ac:spMkLst>
+            <pc:docMk/>
+            <pc:sldMk cId="2580235644" sldId="281"/>
+            <ac:spMk id="22" creationId="{6FCDC44E-F3F8-D5ED-D4D6-5C43A0E999FB}"/>
+          </ac:spMkLst>
+        </pc:spChg>
+        <pc:spChg chg="mod">
+          <ac:chgData name="Tay Zhan Keith" userId="c2142f1051427aa6" providerId="LiveId" clId="{D7C0658D-90F2-4913-A583-EF94A943791B}" dt="2023-06-20T18:54:42.212" v="100" actId="693"/>
+          <ac:spMkLst>
+            <pc:docMk/>
+            <pc:sldMk cId="2580235644" sldId="281"/>
+            <ac:spMk id="23" creationId="{F95BD384-24CD-DE17-E436-55AB0A70E4B8}"/>
+          </ac:spMkLst>
+        </pc:spChg>
+        <pc:spChg chg="mod">
+          <ac:chgData name="Tay Zhan Keith" userId="c2142f1051427aa6" providerId="LiveId" clId="{D7C0658D-90F2-4913-A583-EF94A943791B}" dt="2023-06-20T18:54:42.212" v="100" actId="693"/>
+          <ac:spMkLst>
+            <pc:docMk/>
+            <pc:sldMk cId="2580235644" sldId="281"/>
+            <ac:spMk id="24" creationId="{2D3C2AB7-5DAD-0CF5-510F-08C00A8F7975}"/>
+          </ac:spMkLst>
+        </pc:spChg>
+        <pc:spChg chg="mod">
+          <ac:chgData name="Tay Zhan Keith" userId="c2142f1051427aa6" providerId="LiveId" clId="{D7C0658D-90F2-4913-A583-EF94A943791B}" dt="2023-06-20T18:54:42.212" v="100" actId="693"/>
+          <ac:spMkLst>
+            <pc:docMk/>
+            <pc:sldMk cId="2580235644" sldId="281"/>
+            <ac:spMk id="25" creationId="{F4AA6735-FE1A-1BCA-4EA6-2152EAD0690E}"/>
+          </ac:spMkLst>
+        </pc:spChg>
+        <pc:spChg chg="mod">
+          <ac:chgData name="Tay Zhan Keith" userId="c2142f1051427aa6" providerId="LiveId" clId="{D7C0658D-90F2-4913-A583-EF94A943791B}" dt="2023-06-20T18:54:42.212" v="100" actId="693"/>
+          <ac:spMkLst>
+            <pc:docMk/>
+            <pc:sldMk cId="2580235644" sldId="281"/>
+            <ac:spMk id="26" creationId="{D5F2448D-B4BA-7B6D-FC23-AE3AFD238B1E}"/>
+          </ac:spMkLst>
+        </pc:spChg>
+        <pc:spChg chg="mod">
+          <ac:chgData name="Tay Zhan Keith" userId="c2142f1051427aa6" providerId="LiveId" clId="{D7C0658D-90F2-4913-A583-EF94A943791B}" dt="2023-06-20T18:54:42.212" v="100" actId="693"/>
+          <ac:spMkLst>
+            <pc:docMk/>
+            <pc:sldMk cId="2580235644" sldId="281"/>
+            <ac:spMk id="27" creationId="{28C8BDA4-514D-39FF-8E73-AB3220C0B35E}"/>
+          </ac:spMkLst>
+        </pc:spChg>
+        <pc:spChg chg="mod">
+          <ac:chgData name="Tay Zhan Keith" userId="c2142f1051427aa6" providerId="LiveId" clId="{D7C0658D-90F2-4913-A583-EF94A943791B}" dt="2023-06-20T18:54:42.212" v="100" actId="693"/>
+          <ac:spMkLst>
+            <pc:docMk/>
+            <pc:sldMk cId="2580235644" sldId="281"/>
+            <ac:spMk id="28" creationId="{E1CE53E0-9B41-95F5-0A2F-D55EF5A9F8C0}"/>
+          </ac:spMkLst>
+        </pc:spChg>
+        <pc:cxnChg chg="mod">
+          <ac:chgData name="Tay Zhan Keith" userId="c2142f1051427aa6" providerId="LiveId" clId="{D7C0658D-90F2-4913-A583-EF94A943791B}" dt="2023-06-20T18:50:51.546" v="6" actId="1076"/>
+          <ac:cxnSpMkLst>
+            <pc:docMk/>
+            <pc:sldMk cId="2580235644" sldId="281"/>
+            <ac:cxnSpMk id="40" creationId="{8D111D02-4E53-A77A-3ACA-CA4DFAAD364B}"/>
+          </ac:cxnSpMkLst>
+        </pc:cxnChg>
+      </pc:sldChg>
+      <pc:sldChg chg="addSp delSp modSp new mod">
+        <pc:chgData name="Tay Zhan Keith" userId="c2142f1051427aa6" providerId="LiveId" clId="{D7C0658D-90F2-4913-A583-EF94A943791B}" dt="2023-06-20T18:53:30.296" v="97" actId="20577"/>
+        <pc:sldMkLst>
+          <pc:docMk/>
+          <pc:sldMk cId="1455899623" sldId="288"/>
+        </pc:sldMkLst>
+        <pc:spChg chg="del">
+          <ac:chgData name="Tay Zhan Keith" userId="c2142f1051427aa6" providerId="LiveId" clId="{D7C0658D-90F2-4913-A583-EF94A943791B}" dt="2023-06-20T18:49:00.914" v="1" actId="478"/>
+          <ac:spMkLst>
+            <pc:docMk/>
+            <pc:sldMk cId="1455899623" sldId="288"/>
+            <ac:spMk id="2" creationId="{2CEC2038-B50D-19D9-32D4-B75E3EFB0782}"/>
+          </ac:spMkLst>
+        </pc:spChg>
+        <pc:spChg chg="del">
+          <ac:chgData name="Tay Zhan Keith" userId="c2142f1051427aa6" providerId="LiveId" clId="{D7C0658D-90F2-4913-A583-EF94A943791B}" dt="2023-06-20T18:49:00.914" v="1" actId="478"/>
+          <ac:spMkLst>
+            <pc:docMk/>
+            <pc:sldMk cId="1455899623" sldId="288"/>
+            <ac:spMk id="3" creationId="{64171ADB-FF78-7CDC-92F5-881CF25F45CB}"/>
+          </ac:spMkLst>
+        </pc:spChg>
+        <pc:graphicFrameChg chg="add del mod modGraphic">
+          <ac:chgData name="Tay Zhan Keith" userId="c2142f1051427aa6" providerId="LiveId" clId="{D7C0658D-90F2-4913-A583-EF94A943791B}" dt="2023-06-20T18:51:02.376" v="7" actId="478"/>
+          <ac:graphicFrameMkLst>
+            <pc:docMk/>
+            <pc:sldMk cId="1455899623" sldId="288"/>
+            <ac:graphicFrameMk id="4" creationId="{8386C58A-15C0-1F94-C308-DA86EA14C9C1}"/>
+          </ac:graphicFrameMkLst>
+        </pc:graphicFrameChg>
+        <pc:graphicFrameChg chg="add del mod modGraphic">
+          <ac:chgData name="Tay Zhan Keith" userId="c2142f1051427aa6" providerId="LiveId" clId="{D7C0658D-90F2-4913-A583-EF94A943791B}" dt="2023-06-20T18:53:30.296" v="97" actId="20577"/>
+          <ac:graphicFrameMkLst>
+            <pc:docMk/>
+            <pc:sldMk cId="1455899623" sldId="288"/>
+            <ac:graphicFrameMk id="5" creationId="{05105525-FAD3-1BA3-3777-DCB2673EF1C1}"/>
+          </ac:graphicFrameMkLst>
+        </pc:graphicFrameChg>
+      </pc:sldChg>
+    </pc:docChg>
+  </pc:docChgLst>
   <pc:docChgLst>
     <pc:chgData name="Zhan Tay" userId="b390a751-f310-4e06-862b-a7f544bbb533" providerId="ADAL" clId="{ACDACDE4-C99C-488A-A4D4-E82381AF8835}"/>
     <pc:docChg chg="undo custSel addSld delSld modSld">
@@ -724,6 +948,7077 @@
     </pc:docChg>
   </pc:docChgLst>
 </pc:chgInfo>
+</file>
+
+<file path=ppt/diagrams/colors1.xml><?xml version="1.0" encoding="utf-8"?>
+<dgm:colorsDef xmlns:dgm="http://schemas.openxmlformats.org/drawingml/2006/diagram" xmlns:a="http://schemas.openxmlformats.org/drawingml/2006/main" uniqueId="urn:microsoft.com/office/officeart/2005/8/colors/accent0_1">
+  <dgm:title val=""/>
+  <dgm:desc val=""/>
+  <dgm:catLst>
+    <dgm:cat type="mainScheme" pri="10100"/>
+  </dgm:catLst>
+  <dgm:styleLbl name="node0">
+    <dgm:fillClrLst meth="repeat">
+      <a:schemeClr val="lt1"/>
+    </dgm:fillClrLst>
+    <dgm:linClrLst meth="repeat">
+      <a:schemeClr val="dk1">
+        <a:shade val="80000"/>
+      </a:schemeClr>
+    </dgm:linClrLst>
+    <dgm:effectClrLst/>
+    <dgm:txLinClrLst/>
+    <dgm:txFillClrLst meth="repeat">
+      <a:schemeClr val="dk1"/>
+    </dgm:txFillClrLst>
+    <dgm:txEffectClrLst/>
+  </dgm:styleLbl>
+  <dgm:styleLbl name="node1">
+    <dgm:fillClrLst meth="repeat">
+      <a:schemeClr val="lt1"/>
+    </dgm:fillClrLst>
+    <dgm:linClrLst meth="repeat">
+      <a:schemeClr val="dk1">
+        <a:shade val="80000"/>
+      </a:schemeClr>
+    </dgm:linClrLst>
+    <dgm:effectClrLst/>
+    <dgm:txLinClrLst/>
+    <dgm:txFillClrLst meth="repeat">
+      <a:schemeClr val="dk1"/>
+    </dgm:txFillClrLst>
+    <dgm:txEffectClrLst/>
+  </dgm:styleLbl>
+  <dgm:styleLbl name="alignNode1">
+    <dgm:fillClrLst meth="repeat">
+      <a:schemeClr val="lt1"/>
+    </dgm:fillClrLst>
+    <dgm:linClrLst meth="repeat">
+      <a:schemeClr val="dk1">
+        <a:shade val="80000"/>
+      </a:schemeClr>
+    </dgm:linClrLst>
+    <dgm:effectClrLst/>
+    <dgm:txLinClrLst/>
+    <dgm:txFillClrLst meth="repeat">
+      <a:schemeClr val="dk1"/>
+    </dgm:txFillClrLst>
+    <dgm:txEffectClrLst/>
+  </dgm:styleLbl>
+  <dgm:styleLbl name="lnNode1">
+    <dgm:fillClrLst meth="repeat">
+      <a:schemeClr val="lt1"/>
+    </dgm:fillClrLst>
+    <dgm:linClrLst meth="repeat">
+      <a:schemeClr val="dk1">
+        <a:shade val="80000"/>
+      </a:schemeClr>
+    </dgm:linClrLst>
+    <dgm:effectClrLst/>
+    <dgm:txLinClrLst/>
+    <dgm:txFillClrLst meth="repeat">
+      <a:schemeClr val="dk1"/>
+    </dgm:txFillClrLst>
+    <dgm:txEffectClrLst/>
+  </dgm:styleLbl>
+  <dgm:styleLbl name="vennNode1">
+    <dgm:fillClrLst meth="repeat">
+      <a:schemeClr val="lt1">
+        <a:alpha val="50000"/>
+      </a:schemeClr>
+    </dgm:fillClrLst>
+    <dgm:linClrLst meth="repeat">
+      <a:schemeClr val="dk1">
+        <a:shade val="80000"/>
+      </a:schemeClr>
+    </dgm:linClrLst>
+    <dgm:effectClrLst/>
+    <dgm:txLinClrLst/>
+    <dgm:txFillClrLst/>
+    <dgm:txEffectClrLst/>
+  </dgm:styleLbl>
+  <dgm:styleLbl name="node2">
+    <dgm:fillClrLst meth="repeat">
+      <a:schemeClr val="lt1"/>
+    </dgm:fillClrLst>
+    <dgm:linClrLst meth="repeat">
+      <a:schemeClr val="dk1">
+        <a:shade val="80000"/>
+      </a:schemeClr>
+    </dgm:linClrLst>
+    <dgm:effectClrLst/>
+    <dgm:txLinClrLst/>
+    <dgm:txFillClrLst meth="repeat">
+      <a:schemeClr val="dk1"/>
+    </dgm:txFillClrLst>
+    <dgm:txEffectClrLst/>
+  </dgm:styleLbl>
+  <dgm:styleLbl name="node3">
+    <dgm:fillClrLst meth="repeat">
+      <a:schemeClr val="lt1"/>
+    </dgm:fillClrLst>
+    <dgm:linClrLst meth="repeat">
+      <a:schemeClr val="dk1">
+        <a:shade val="80000"/>
+      </a:schemeClr>
+    </dgm:linClrLst>
+    <dgm:effectClrLst/>
+    <dgm:txLinClrLst/>
+    <dgm:txFillClrLst meth="repeat">
+      <a:schemeClr val="dk1"/>
+    </dgm:txFillClrLst>
+    <dgm:txEffectClrLst/>
+  </dgm:styleLbl>
+  <dgm:styleLbl name="node4">
+    <dgm:fillClrLst meth="repeat">
+      <a:schemeClr val="lt1"/>
+    </dgm:fillClrLst>
+    <dgm:linClrLst meth="repeat">
+      <a:schemeClr val="dk1">
+        <a:shade val="80000"/>
+      </a:schemeClr>
+    </dgm:linClrLst>
+    <dgm:effectClrLst/>
+    <dgm:txLinClrLst/>
+    <dgm:txFillClrLst meth="repeat">
+      <a:schemeClr val="dk1"/>
+    </dgm:txFillClrLst>
+    <dgm:txEffectClrLst/>
+  </dgm:styleLbl>
+  <dgm:styleLbl name="fgImgPlace1">
+    <dgm:fillClrLst meth="repeat">
+      <a:schemeClr val="dk1">
+        <a:tint val="40000"/>
+      </a:schemeClr>
+    </dgm:fillClrLst>
+    <dgm:linClrLst meth="repeat">
+      <a:schemeClr val="dk1">
+        <a:shade val="80000"/>
+      </a:schemeClr>
+    </dgm:linClrLst>
+    <dgm:effectClrLst/>
+    <dgm:txLinClrLst/>
+    <dgm:txFillClrLst meth="repeat">
+      <a:schemeClr val="lt1"/>
+    </dgm:txFillClrLst>
+    <dgm:txEffectClrLst/>
+  </dgm:styleLbl>
+  <dgm:styleLbl name="alignImgPlace1">
+    <dgm:fillClrLst meth="repeat">
+      <a:schemeClr val="dk1">
+        <a:tint val="40000"/>
+      </a:schemeClr>
+    </dgm:fillClrLst>
+    <dgm:linClrLst meth="repeat">
+      <a:schemeClr val="dk1">
+        <a:shade val="80000"/>
+      </a:schemeClr>
+    </dgm:linClrLst>
+    <dgm:effectClrLst/>
+    <dgm:txLinClrLst/>
+    <dgm:txFillClrLst meth="repeat">
+      <a:schemeClr val="lt1"/>
+    </dgm:txFillClrLst>
+    <dgm:txEffectClrLst/>
+  </dgm:styleLbl>
+  <dgm:styleLbl name="bgImgPlace1">
+    <dgm:fillClrLst meth="repeat">
+      <a:schemeClr val="dk1">
+        <a:tint val="40000"/>
+      </a:schemeClr>
+    </dgm:fillClrLst>
+    <dgm:linClrLst meth="repeat">
+      <a:schemeClr val="dk1">
+        <a:shade val="80000"/>
+      </a:schemeClr>
+    </dgm:linClrLst>
+    <dgm:effectClrLst/>
+    <dgm:txLinClrLst/>
+    <dgm:txFillClrLst meth="repeat">
+      <a:schemeClr val="lt1"/>
+    </dgm:txFillClrLst>
+    <dgm:txEffectClrLst/>
+  </dgm:styleLbl>
+  <dgm:styleLbl name="sibTrans2D1">
+    <dgm:fillClrLst meth="repeat">
+      <a:schemeClr val="dk1">
+        <a:tint val="60000"/>
+      </a:schemeClr>
+    </dgm:fillClrLst>
+    <dgm:linClrLst meth="repeat">
+      <a:schemeClr val="dk1">
+        <a:tint val="60000"/>
+      </a:schemeClr>
+    </dgm:linClrLst>
+    <dgm:effectClrLst/>
+    <dgm:txLinClrLst/>
+    <dgm:txFillClrLst meth="repeat">
+      <a:schemeClr val="dk1"/>
+    </dgm:txFillClrLst>
+    <dgm:txEffectClrLst/>
+  </dgm:styleLbl>
+  <dgm:styleLbl name="fgSibTrans2D1">
+    <dgm:fillClrLst meth="repeat">
+      <a:schemeClr val="dk1">
+        <a:tint val="60000"/>
+      </a:schemeClr>
+    </dgm:fillClrLst>
+    <dgm:linClrLst meth="repeat">
+      <a:schemeClr val="dk1">
+        <a:tint val="60000"/>
+      </a:schemeClr>
+    </dgm:linClrLst>
+    <dgm:effectClrLst/>
+    <dgm:txLinClrLst/>
+    <dgm:txFillClrLst meth="repeat">
+      <a:schemeClr val="dk1"/>
+    </dgm:txFillClrLst>
+    <dgm:txEffectClrLst/>
+  </dgm:styleLbl>
+  <dgm:styleLbl name="bgSibTrans2D1">
+    <dgm:fillClrLst meth="repeat">
+      <a:schemeClr val="dk1">
+        <a:tint val="60000"/>
+      </a:schemeClr>
+    </dgm:fillClrLst>
+    <dgm:linClrLst meth="repeat">
+      <a:schemeClr val="dk1">
+        <a:tint val="60000"/>
+      </a:schemeClr>
+    </dgm:linClrLst>
+    <dgm:effectClrLst/>
+    <dgm:txLinClrLst/>
+    <dgm:txFillClrLst meth="repeat">
+      <a:schemeClr val="dk1"/>
+    </dgm:txFillClrLst>
+    <dgm:txEffectClrLst/>
+  </dgm:styleLbl>
+  <dgm:styleLbl name="sibTrans1D1">
+    <dgm:fillClrLst meth="repeat">
+      <a:schemeClr val="dk1"/>
+    </dgm:fillClrLst>
+    <dgm:linClrLst meth="repeat">
+      <a:schemeClr val="dk1"/>
+    </dgm:linClrLst>
+    <dgm:effectClrLst/>
+    <dgm:txLinClrLst/>
+    <dgm:txFillClrLst meth="repeat">
+      <a:schemeClr val="tx1"/>
+    </dgm:txFillClrLst>
+    <dgm:txEffectClrLst/>
+  </dgm:styleLbl>
+  <dgm:styleLbl name="callout">
+    <dgm:fillClrLst meth="repeat">
+      <a:schemeClr val="dk1"/>
+    </dgm:fillClrLst>
+    <dgm:linClrLst meth="repeat">
+      <a:schemeClr val="dk1"/>
+    </dgm:linClrLst>
+    <dgm:effectClrLst/>
+    <dgm:txLinClrLst/>
+    <dgm:txFillClrLst meth="repeat">
+      <a:schemeClr val="tx1"/>
+    </dgm:txFillClrLst>
+    <dgm:txEffectClrLst/>
+  </dgm:styleLbl>
+  <dgm:styleLbl name="asst0">
+    <dgm:fillClrLst meth="repeat">
+      <a:schemeClr val="lt1"/>
+    </dgm:fillClrLst>
+    <dgm:linClrLst meth="repeat">
+      <a:schemeClr val="dk1">
+        <a:shade val="80000"/>
+      </a:schemeClr>
+    </dgm:linClrLst>
+    <dgm:effectClrLst/>
+    <dgm:txLinClrLst/>
+    <dgm:txFillClrLst meth="repeat">
+      <a:schemeClr val="dk1"/>
+    </dgm:txFillClrLst>
+    <dgm:txEffectClrLst/>
+  </dgm:styleLbl>
+  <dgm:styleLbl name="asst1">
+    <dgm:fillClrLst meth="repeat">
+      <a:schemeClr val="lt1"/>
+    </dgm:fillClrLst>
+    <dgm:linClrLst meth="repeat">
+      <a:schemeClr val="dk1">
+        <a:shade val="80000"/>
+      </a:schemeClr>
+    </dgm:linClrLst>
+    <dgm:effectClrLst/>
+    <dgm:txLinClrLst/>
+    <dgm:txFillClrLst meth="repeat">
+      <a:schemeClr val="dk1"/>
+    </dgm:txFillClrLst>
+    <dgm:txEffectClrLst/>
+  </dgm:styleLbl>
+  <dgm:styleLbl name="asst2">
+    <dgm:fillClrLst meth="repeat">
+      <a:schemeClr val="lt1"/>
+    </dgm:fillClrLst>
+    <dgm:linClrLst meth="repeat">
+      <a:schemeClr val="dk1">
+        <a:shade val="80000"/>
+      </a:schemeClr>
+    </dgm:linClrLst>
+    <dgm:effectClrLst/>
+    <dgm:txLinClrLst/>
+    <dgm:txFillClrLst meth="repeat">
+      <a:schemeClr val="dk1"/>
+    </dgm:txFillClrLst>
+    <dgm:txEffectClrLst/>
+  </dgm:styleLbl>
+  <dgm:styleLbl name="asst3">
+    <dgm:fillClrLst meth="repeat">
+      <a:schemeClr val="lt1"/>
+    </dgm:fillClrLst>
+    <dgm:linClrLst meth="repeat">
+      <a:schemeClr val="dk1">
+        <a:shade val="80000"/>
+      </a:schemeClr>
+    </dgm:linClrLst>
+    <dgm:effectClrLst/>
+    <dgm:txLinClrLst/>
+    <dgm:txFillClrLst meth="repeat">
+      <a:schemeClr val="dk1"/>
+    </dgm:txFillClrLst>
+    <dgm:txEffectClrLst/>
+  </dgm:styleLbl>
+  <dgm:styleLbl name="asst4">
+    <dgm:fillClrLst meth="repeat">
+      <a:schemeClr val="lt1"/>
+    </dgm:fillClrLst>
+    <dgm:linClrLst meth="repeat">
+      <a:schemeClr val="dk1">
+        <a:shade val="80000"/>
+      </a:schemeClr>
+    </dgm:linClrLst>
+    <dgm:effectClrLst/>
+    <dgm:txLinClrLst/>
+    <dgm:txFillClrLst meth="repeat">
+      <a:schemeClr val="dk1"/>
+    </dgm:txFillClrLst>
+    <dgm:txEffectClrLst/>
+  </dgm:styleLbl>
+  <dgm:styleLbl name="parChTrans2D1">
+    <dgm:fillClrLst meth="repeat">
+      <a:schemeClr val="dk1">
+        <a:tint val="60000"/>
+      </a:schemeClr>
+    </dgm:fillClrLst>
+    <dgm:linClrLst meth="repeat">
+      <a:schemeClr val="dk1">
+        <a:tint val="60000"/>
+      </a:schemeClr>
+    </dgm:linClrLst>
+    <dgm:effectClrLst/>
+    <dgm:txLinClrLst/>
+    <dgm:txFillClrLst/>
+    <dgm:txEffectClrLst/>
+  </dgm:styleLbl>
+  <dgm:styleLbl name="parChTrans2D2">
+    <dgm:fillClrLst meth="repeat">
+      <a:schemeClr val="dk1"/>
+    </dgm:fillClrLst>
+    <dgm:linClrLst meth="repeat">
+      <a:schemeClr val="dk1"/>
+    </dgm:linClrLst>
+    <dgm:effectClrLst/>
+    <dgm:txLinClrLst/>
+    <dgm:txFillClrLst/>
+    <dgm:txEffectClrLst/>
+  </dgm:styleLbl>
+  <dgm:styleLbl name="parChTrans2D3">
+    <dgm:fillClrLst meth="repeat">
+      <a:schemeClr val="dk1"/>
+    </dgm:fillClrLst>
+    <dgm:linClrLst meth="repeat">
+      <a:schemeClr val="dk1"/>
+    </dgm:linClrLst>
+    <dgm:effectClrLst/>
+    <dgm:txLinClrLst/>
+    <dgm:txFillClrLst/>
+    <dgm:txEffectClrLst/>
+  </dgm:styleLbl>
+  <dgm:styleLbl name="parChTrans2D4">
+    <dgm:fillClrLst meth="repeat">
+      <a:schemeClr val="dk1"/>
+    </dgm:fillClrLst>
+    <dgm:linClrLst meth="repeat">
+      <a:schemeClr val="dk1"/>
+    </dgm:linClrLst>
+    <dgm:effectClrLst/>
+    <dgm:txLinClrLst/>
+    <dgm:txFillClrLst meth="repeat">
+      <a:schemeClr val="lt1"/>
+    </dgm:txFillClrLst>
+    <dgm:txEffectClrLst/>
+  </dgm:styleLbl>
+  <dgm:styleLbl name="parChTrans1D1">
+    <dgm:fillClrLst meth="repeat">
+      <a:schemeClr val="dk1"/>
+    </dgm:fillClrLst>
+    <dgm:linClrLst meth="repeat">
+      <a:schemeClr val="dk1">
+        <a:shade val="60000"/>
+      </a:schemeClr>
+    </dgm:linClrLst>
+    <dgm:effectClrLst/>
+    <dgm:txLinClrLst/>
+    <dgm:txFillClrLst meth="repeat">
+      <a:schemeClr val="tx1"/>
+    </dgm:txFillClrLst>
+    <dgm:txEffectClrLst/>
+  </dgm:styleLbl>
+  <dgm:styleLbl name="parChTrans1D2">
+    <dgm:fillClrLst meth="repeat">
+      <a:schemeClr val="dk1"/>
+    </dgm:fillClrLst>
+    <dgm:linClrLst meth="repeat">
+      <a:schemeClr val="dk1">
+        <a:shade val="60000"/>
+      </a:schemeClr>
+    </dgm:linClrLst>
+    <dgm:effectClrLst/>
+    <dgm:txLinClrLst/>
+    <dgm:txFillClrLst meth="repeat">
+      <a:schemeClr val="tx1"/>
+    </dgm:txFillClrLst>
+    <dgm:txEffectClrLst/>
+  </dgm:styleLbl>
+  <dgm:styleLbl name="parChTrans1D3">
+    <dgm:fillClrLst meth="repeat">
+      <a:schemeClr val="dk1"/>
+    </dgm:fillClrLst>
+    <dgm:linClrLst meth="repeat">
+      <a:schemeClr val="dk1">
+        <a:shade val="80000"/>
+      </a:schemeClr>
+    </dgm:linClrLst>
+    <dgm:effectClrLst/>
+    <dgm:txLinClrLst/>
+    <dgm:txFillClrLst meth="repeat">
+      <a:schemeClr val="tx1"/>
+    </dgm:txFillClrLst>
+    <dgm:txEffectClrLst/>
+  </dgm:styleLbl>
+  <dgm:styleLbl name="parChTrans1D4">
+    <dgm:fillClrLst meth="repeat">
+      <a:schemeClr val="dk1"/>
+    </dgm:fillClrLst>
+    <dgm:linClrLst meth="repeat">
+      <a:schemeClr val="dk1">
+        <a:shade val="80000"/>
+      </a:schemeClr>
+    </dgm:linClrLst>
+    <dgm:effectClrLst/>
+    <dgm:txLinClrLst/>
+    <dgm:txFillClrLst meth="repeat">
+      <a:schemeClr val="tx1"/>
+    </dgm:txFillClrLst>
+    <dgm:txEffectClrLst/>
+  </dgm:styleLbl>
+  <dgm:styleLbl name="fgAcc1">
+    <dgm:fillClrLst meth="repeat">
+      <a:schemeClr val="dk1">
+        <a:alpha val="90000"/>
+        <a:tint val="40000"/>
+      </a:schemeClr>
+    </dgm:fillClrLst>
+    <dgm:linClrLst meth="repeat">
+      <a:schemeClr val="dk1"/>
+    </dgm:linClrLst>
+    <dgm:effectClrLst/>
+    <dgm:txLinClrLst/>
+    <dgm:txFillClrLst meth="repeat">
+      <a:schemeClr val="dk1"/>
+    </dgm:txFillClrLst>
+    <dgm:txEffectClrLst/>
+  </dgm:styleLbl>
+  <dgm:styleLbl name="conFgAcc1">
+    <dgm:fillClrLst meth="repeat">
+      <a:schemeClr val="dk1">
+        <a:alpha val="90000"/>
+        <a:tint val="40000"/>
+      </a:schemeClr>
+    </dgm:fillClrLst>
+    <dgm:linClrLst meth="repeat">
+      <a:schemeClr val="dk1"/>
+    </dgm:linClrLst>
+    <dgm:effectClrLst/>
+    <dgm:txLinClrLst/>
+    <dgm:txFillClrLst meth="repeat">
+      <a:schemeClr val="dk1"/>
+    </dgm:txFillClrLst>
+    <dgm:txEffectClrLst/>
+  </dgm:styleLbl>
+  <dgm:styleLbl name="alignAcc1">
+    <dgm:fillClrLst meth="repeat">
+      <a:schemeClr val="dk1">
+        <a:alpha val="90000"/>
+        <a:tint val="40000"/>
+      </a:schemeClr>
+    </dgm:fillClrLst>
+    <dgm:linClrLst meth="repeat">
+      <a:schemeClr val="dk1"/>
+    </dgm:linClrLst>
+    <dgm:effectClrLst/>
+    <dgm:txLinClrLst/>
+    <dgm:txFillClrLst meth="repeat">
+      <a:schemeClr val="dk1"/>
+    </dgm:txFillClrLst>
+    <dgm:txEffectClrLst/>
+  </dgm:styleLbl>
+  <dgm:styleLbl name="trAlignAcc1">
+    <dgm:fillClrLst meth="repeat">
+      <a:schemeClr val="dk1">
+        <a:alpha val="40000"/>
+        <a:tint val="40000"/>
+      </a:schemeClr>
+    </dgm:fillClrLst>
+    <dgm:linClrLst meth="repeat">
+      <a:schemeClr val="dk1"/>
+    </dgm:linClrLst>
+    <dgm:effectClrLst/>
+    <dgm:txLinClrLst/>
+    <dgm:txFillClrLst meth="repeat">
+      <a:schemeClr val="dk1"/>
+    </dgm:txFillClrLst>
+    <dgm:txEffectClrLst/>
+  </dgm:styleLbl>
+  <dgm:styleLbl name="bgAcc1">
+    <dgm:fillClrLst meth="repeat">
+      <a:schemeClr val="dk1">
+        <a:alpha val="90000"/>
+        <a:tint val="40000"/>
+      </a:schemeClr>
+    </dgm:fillClrLst>
+    <dgm:linClrLst meth="repeat">
+      <a:schemeClr val="dk1"/>
+    </dgm:linClrLst>
+    <dgm:effectClrLst/>
+    <dgm:txLinClrLst/>
+    <dgm:txFillClrLst meth="repeat">
+      <a:schemeClr val="dk1"/>
+    </dgm:txFillClrLst>
+    <dgm:txEffectClrLst/>
+  </dgm:styleLbl>
+  <dgm:styleLbl name="solidFgAcc1">
+    <dgm:fillClrLst meth="repeat">
+      <a:schemeClr val="lt1"/>
+    </dgm:fillClrLst>
+    <dgm:linClrLst meth="repeat">
+      <a:schemeClr val="dk1"/>
+    </dgm:linClrLst>
+    <dgm:effectClrLst/>
+    <dgm:txLinClrLst/>
+    <dgm:txFillClrLst meth="repeat">
+      <a:schemeClr val="dk1"/>
+    </dgm:txFillClrLst>
+    <dgm:txEffectClrLst/>
+  </dgm:styleLbl>
+  <dgm:styleLbl name="solidAlignAcc1">
+    <dgm:fillClrLst meth="repeat">
+      <a:schemeClr val="lt1"/>
+    </dgm:fillClrLst>
+    <dgm:linClrLst meth="repeat">
+      <a:schemeClr val="dk1"/>
+    </dgm:linClrLst>
+    <dgm:effectClrLst/>
+    <dgm:txLinClrLst/>
+    <dgm:txFillClrLst meth="repeat">
+      <a:schemeClr val="dk1"/>
+    </dgm:txFillClrLst>
+    <dgm:txEffectClrLst/>
+  </dgm:styleLbl>
+  <dgm:styleLbl name="solidBgAcc1">
+    <dgm:fillClrLst meth="repeat">
+      <a:schemeClr val="lt1"/>
+    </dgm:fillClrLst>
+    <dgm:linClrLst meth="repeat">
+      <a:schemeClr val="dk1"/>
+    </dgm:linClrLst>
+    <dgm:effectClrLst/>
+    <dgm:txLinClrLst/>
+    <dgm:txFillClrLst meth="repeat">
+      <a:schemeClr val="dk1"/>
+    </dgm:txFillClrLst>
+    <dgm:txEffectClrLst/>
+  </dgm:styleLbl>
+  <dgm:styleLbl name="fgAccFollowNode1">
+    <dgm:fillClrLst meth="repeat">
+      <a:schemeClr val="lt1">
+        <a:alpha val="90000"/>
+        <a:tint val="40000"/>
+      </a:schemeClr>
+    </dgm:fillClrLst>
+    <dgm:linClrLst meth="repeat">
+      <a:schemeClr val="dk1">
+        <a:alpha val="90000"/>
+      </a:schemeClr>
+    </dgm:linClrLst>
+    <dgm:effectClrLst/>
+    <dgm:txLinClrLst/>
+    <dgm:txFillClrLst meth="repeat">
+      <a:schemeClr val="dk1"/>
+    </dgm:txFillClrLst>
+    <dgm:txEffectClrLst/>
+  </dgm:styleLbl>
+  <dgm:styleLbl name="alignAccFollowNode1">
+    <dgm:fillClrLst meth="repeat">
+      <a:schemeClr val="lt1">
+        <a:alpha val="90000"/>
+        <a:tint val="40000"/>
+      </a:schemeClr>
+    </dgm:fillClrLst>
+    <dgm:linClrLst meth="repeat">
+      <a:schemeClr val="dk1">
+        <a:alpha val="90000"/>
+      </a:schemeClr>
+    </dgm:linClrLst>
+    <dgm:effectClrLst/>
+    <dgm:txLinClrLst/>
+    <dgm:txFillClrLst meth="repeat">
+      <a:schemeClr val="dk1"/>
+    </dgm:txFillClrLst>
+    <dgm:txEffectClrLst/>
+  </dgm:styleLbl>
+  <dgm:styleLbl name="bgAccFollowNode1">
+    <dgm:fillClrLst meth="repeat">
+      <a:schemeClr val="lt1">
+        <a:alpha val="90000"/>
+        <a:tint val="40000"/>
+      </a:schemeClr>
+    </dgm:fillClrLst>
+    <dgm:linClrLst meth="repeat">
+      <a:schemeClr val="dk1">
+        <a:alpha val="90000"/>
+      </a:schemeClr>
+    </dgm:linClrLst>
+    <dgm:effectClrLst/>
+    <dgm:txLinClrLst/>
+    <dgm:txFillClrLst meth="repeat">
+      <a:schemeClr val="dk1"/>
+    </dgm:txFillClrLst>
+    <dgm:txEffectClrLst/>
+  </dgm:styleLbl>
+  <dgm:styleLbl name="fgAcc0">
+    <dgm:fillClrLst meth="repeat">
+      <a:schemeClr val="dk1">
+        <a:alpha val="90000"/>
+        <a:tint val="40000"/>
+      </a:schemeClr>
+    </dgm:fillClrLst>
+    <dgm:linClrLst meth="repeat">
+      <a:schemeClr val="dk1"/>
+    </dgm:linClrLst>
+    <dgm:effectClrLst/>
+    <dgm:txLinClrLst/>
+    <dgm:txFillClrLst meth="repeat">
+      <a:schemeClr val="dk1"/>
+    </dgm:txFillClrLst>
+    <dgm:txEffectClrLst/>
+  </dgm:styleLbl>
+  <dgm:styleLbl name="fgAcc2">
+    <dgm:fillClrLst meth="repeat">
+      <a:schemeClr val="dk1">
+        <a:alpha val="90000"/>
+        <a:tint val="40000"/>
+      </a:schemeClr>
+    </dgm:fillClrLst>
+    <dgm:linClrLst meth="repeat">
+      <a:schemeClr val="dk1"/>
+    </dgm:linClrLst>
+    <dgm:effectClrLst/>
+    <dgm:txLinClrLst/>
+    <dgm:txFillClrLst meth="repeat">
+      <a:schemeClr val="dk1"/>
+    </dgm:txFillClrLst>
+    <dgm:txEffectClrLst/>
+  </dgm:styleLbl>
+  <dgm:styleLbl name="fgAcc3">
+    <dgm:fillClrLst meth="repeat">
+      <a:schemeClr val="dk1">
+        <a:alpha val="90000"/>
+        <a:tint val="40000"/>
+      </a:schemeClr>
+    </dgm:fillClrLst>
+    <dgm:linClrLst meth="repeat">
+      <a:schemeClr val="dk1"/>
+    </dgm:linClrLst>
+    <dgm:effectClrLst/>
+    <dgm:txLinClrLst/>
+    <dgm:txFillClrLst meth="repeat">
+      <a:schemeClr val="dk1"/>
+    </dgm:txFillClrLst>
+    <dgm:txEffectClrLst/>
+  </dgm:styleLbl>
+  <dgm:styleLbl name="fgAcc4">
+    <dgm:fillClrLst meth="repeat">
+      <a:schemeClr val="dk1">
+        <a:alpha val="90000"/>
+        <a:tint val="40000"/>
+      </a:schemeClr>
+    </dgm:fillClrLst>
+    <dgm:linClrLst meth="repeat">
+      <a:schemeClr val="dk1"/>
+    </dgm:linClrLst>
+    <dgm:effectClrLst/>
+    <dgm:txLinClrLst/>
+    <dgm:txFillClrLst meth="repeat">
+      <a:schemeClr val="dk1"/>
+    </dgm:txFillClrLst>
+    <dgm:txEffectClrLst/>
+  </dgm:styleLbl>
+  <dgm:styleLbl name="bgShp">
+    <dgm:fillClrLst meth="repeat">
+      <a:schemeClr val="dk1">
+        <a:tint val="40000"/>
+      </a:schemeClr>
+    </dgm:fillClrLst>
+    <dgm:linClrLst meth="repeat">
+      <a:schemeClr val="dk1"/>
+    </dgm:linClrLst>
+    <dgm:effectClrLst/>
+    <dgm:txLinClrLst/>
+    <dgm:txFillClrLst meth="repeat">
+      <a:schemeClr val="dk1"/>
+    </dgm:txFillClrLst>
+    <dgm:txEffectClrLst/>
+  </dgm:styleLbl>
+  <dgm:styleLbl name="dkBgShp">
+    <dgm:fillClrLst meth="repeat">
+      <a:schemeClr val="dk1">
+        <a:shade val="80000"/>
+      </a:schemeClr>
+    </dgm:fillClrLst>
+    <dgm:linClrLst meth="repeat">
+      <a:schemeClr val="dk1"/>
+    </dgm:linClrLst>
+    <dgm:effectClrLst/>
+    <dgm:txLinClrLst/>
+    <dgm:txFillClrLst meth="repeat">
+      <a:schemeClr val="lt1"/>
+    </dgm:txFillClrLst>
+    <dgm:txEffectClrLst/>
+  </dgm:styleLbl>
+  <dgm:styleLbl name="trBgShp">
+    <dgm:fillClrLst meth="repeat">
+      <a:schemeClr val="dk1">
+        <a:tint val="50000"/>
+        <a:alpha val="40000"/>
+      </a:schemeClr>
+    </dgm:fillClrLst>
+    <dgm:linClrLst meth="repeat">
+      <a:schemeClr val="dk1"/>
+    </dgm:linClrLst>
+    <dgm:effectClrLst/>
+    <dgm:txLinClrLst/>
+    <dgm:txFillClrLst meth="repeat">
+      <a:schemeClr val="lt1"/>
+    </dgm:txFillClrLst>
+    <dgm:txEffectClrLst/>
+  </dgm:styleLbl>
+  <dgm:styleLbl name="fgShp">
+    <dgm:fillClrLst meth="repeat">
+      <a:schemeClr val="dk1">
+        <a:tint val="60000"/>
+      </a:schemeClr>
+    </dgm:fillClrLst>
+    <dgm:linClrLst meth="repeat">
+      <a:schemeClr val="lt1"/>
+    </dgm:linClrLst>
+    <dgm:effectClrLst/>
+    <dgm:txLinClrLst/>
+    <dgm:txFillClrLst meth="repeat">
+      <a:schemeClr val="dk1"/>
+    </dgm:txFillClrLst>
+    <dgm:txEffectClrLst/>
+  </dgm:styleLbl>
+  <dgm:styleLbl name="revTx">
+    <dgm:fillClrLst meth="repeat">
+      <a:schemeClr val="lt1">
+        <a:alpha val="0"/>
+      </a:schemeClr>
+    </dgm:fillClrLst>
+    <dgm:linClrLst meth="repeat">
+      <a:schemeClr val="dk1">
+        <a:alpha val="0"/>
+      </a:schemeClr>
+    </dgm:linClrLst>
+    <dgm:effectClrLst/>
+    <dgm:txLinClrLst/>
+    <dgm:txFillClrLst meth="repeat">
+      <a:schemeClr val="tx1"/>
+    </dgm:txFillClrLst>
+    <dgm:txEffectClrLst/>
+  </dgm:styleLbl>
+</dgm:colorsDef>
+</file>
+
+<file path=ppt/diagrams/data1.xml><?xml version="1.0" encoding="utf-8"?>
+<dgm:dataModel xmlns:dgm="http://schemas.openxmlformats.org/drawingml/2006/diagram" xmlns:a="http://schemas.openxmlformats.org/drawingml/2006/main">
+  <dgm:ptLst>
+    <dgm:pt modelId="{64F27FB9-CF1D-4084-A56A-20D704B164B9}" type="doc">
+      <dgm:prSet loTypeId="urn:microsoft.com/office/officeart/2005/8/layout/orgChart1" loCatId="hierarchy" qsTypeId="urn:microsoft.com/office/officeart/2005/8/quickstyle/simple1" qsCatId="simple" csTypeId="urn:microsoft.com/office/officeart/2005/8/colors/accent0_1" csCatId="mainScheme" phldr="1"/>
+      <dgm:spPr/>
+      <dgm:t>
+        <a:bodyPr/>
+        <a:lstStyle/>
+        <a:p>
+          <a:endParaRPr lang="en-US"/>
+        </a:p>
+      </dgm:t>
+    </dgm:pt>
+    <dgm:pt modelId="{A06E7F51-B64B-402D-B0EC-6E343740A45F}">
+      <dgm:prSet phldrT="[Text]" phldr="1"/>
+      <dgm:spPr/>
+      <dgm:t>
+        <a:bodyPr/>
+        <a:lstStyle/>
+        <a:p>
+          <a:endParaRPr lang="en-US" dirty="0"/>
+        </a:p>
+      </dgm:t>
+    </dgm:pt>
+    <dgm:pt modelId="{161D8265-1333-4CEA-9EAA-04EC06B887C3}" type="parTrans" cxnId="{DD867BF0-2BD1-4ADB-A1C3-A63EDA23D09C}">
+      <dgm:prSet/>
+      <dgm:spPr/>
+      <dgm:t>
+        <a:bodyPr/>
+        <a:lstStyle/>
+        <a:p>
+          <a:endParaRPr lang="en-US"/>
+        </a:p>
+      </dgm:t>
+    </dgm:pt>
+    <dgm:pt modelId="{8678BE6E-0067-4B4C-86A9-46F752CAF866}" type="sibTrans" cxnId="{DD867BF0-2BD1-4ADB-A1C3-A63EDA23D09C}">
+      <dgm:prSet/>
+      <dgm:spPr/>
+      <dgm:t>
+        <a:bodyPr/>
+        <a:lstStyle/>
+        <a:p>
+          <a:endParaRPr lang="en-US"/>
+        </a:p>
+      </dgm:t>
+    </dgm:pt>
+    <dgm:pt modelId="{5609133A-3239-4A32-88F1-15BB01F0CF67}">
+      <dgm:prSet phldrT="[Text]"/>
+      <dgm:spPr/>
+      <dgm:t>
+        <a:bodyPr/>
+        <a:lstStyle/>
+        <a:p>
+          <a:endParaRPr lang="en-US" dirty="0"/>
+        </a:p>
+      </dgm:t>
+    </dgm:pt>
+    <dgm:pt modelId="{06990455-8D06-430A-9955-A57555D0CD5A}" type="parTrans" cxnId="{60D09C57-5D54-458E-A500-431581CA7394}">
+      <dgm:prSet/>
+      <dgm:spPr/>
+      <dgm:t>
+        <a:bodyPr/>
+        <a:lstStyle/>
+        <a:p>
+          <a:endParaRPr lang="en-US"/>
+        </a:p>
+      </dgm:t>
+    </dgm:pt>
+    <dgm:pt modelId="{47790A2F-F039-4737-A667-181AA5E93290}" type="sibTrans" cxnId="{60D09C57-5D54-458E-A500-431581CA7394}">
+      <dgm:prSet/>
+      <dgm:spPr/>
+      <dgm:t>
+        <a:bodyPr/>
+        <a:lstStyle/>
+        <a:p>
+          <a:endParaRPr lang="en-US"/>
+        </a:p>
+      </dgm:t>
+    </dgm:pt>
+    <dgm:pt modelId="{9E0F6BA1-ED46-4C68-AA8E-F38B277573FF}">
+      <dgm:prSet phldrT="[Text]" phldr="1"/>
+      <dgm:spPr/>
+      <dgm:t>
+        <a:bodyPr/>
+        <a:lstStyle/>
+        <a:p>
+          <a:endParaRPr lang="en-US" dirty="0"/>
+        </a:p>
+      </dgm:t>
+    </dgm:pt>
+    <dgm:pt modelId="{A22C5A14-A754-4C66-AF8C-4E3B60F2A115}" type="parTrans" cxnId="{91CF0E8E-658C-4A8F-8424-2F682AD38164}">
+      <dgm:prSet/>
+      <dgm:spPr/>
+      <dgm:t>
+        <a:bodyPr/>
+        <a:lstStyle/>
+        <a:p>
+          <a:endParaRPr lang="en-US"/>
+        </a:p>
+      </dgm:t>
+    </dgm:pt>
+    <dgm:pt modelId="{3A49024C-B743-42A0-82BB-564881B3C196}" type="sibTrans" cxnId="{91CF0E8E-658C-4A8F-8424-2F682AD38164}">
+      <dgm:prSet/>
+      <dgm:spPr/>
+      <dgm:t>
+        <a:bodyPr/>
+        <a:lstStyle/>
+        <a:p>
+          <a:endParaRPr lang="en-US"/>
+        </a:p>
+      </dgm:t>
+    </dgm:pt>
+    <dgm:pt modelId="{4F948AA0-D424-4E2D-A024-93D50F1A98E1}">
+      <dgm:prSet phldrT="[Text]"/>
+      <dgm:spPr/>
+      <dgm:t>
+        <a:bodyPr/>
+        <a:lstStyle/>
+        <a:p>
+          <a:endParaRPr lang="en-US" dirty="0"/>
+        </a:p>
+      </dgm:t>
+    </dgm:pt>
+    <dgm:pt modelId="{32E0511D-90BE-4947-B5A6-71F376CF5D03}" type="parTrans" cxnId="{4ED94F29-43CE-4CAF-B937-5331647CEB99}">
+      <dgm:prSet/>
+      <dgm:spPr/>
+      <dgm:t>
+        <a:bodyPr/>
+        <a:lstStyle/>
+        <a:p>
+          <a:endParaRPr lang="en-US"/>
+        </a:p>
+      </dgm:t>
+    </dgm:pt>
+    <dgm:pt modelId="{464F8637-9EBA-4A54-A27D-7CD51C3D2B1F}" type="sibTrans" cxnId="{4ED94F29-43CE-4CAF-B937-5331647CEB99}">
+      <dgm:prSet/>
+      <dgm:spPr/>
+      <dgm:t>
+        <a:bodyPr/>
+        <a:lstStyle/>
+        <a:p>
+          <a:endParaRPr lang="en-US"/>
+        </a:p>
+      </dgm:t>
+    </dgm:pt>
+    <dgm:pt modelId="{7441F31C-3A0A-4D8C-9E07-35FB178B97C6}">
+      <dgm:prSet phldrT="[Text]"/>
+      <dgm:spPr/>
+      <dgm:t>
+        <a:bodyPr/>
+        <a:lstStyle/>
+        <a:p>
+          <a:endParaRPr lang="en-US" dirty="0"/>
+        </a:p>
+      </dgm:t>
+    </dgm:pt>
+    <dgm:pt modelId="{405F8824-D88D-4FD3-8BA4-AD24B051B462}" type="parTrans" cxnId="{1A58D01A-D35F-4566-9051-6CAC52DA40E6}">
+      <dgm:prSet/>
+      <dgm:spPr/>
+      <dgm:t>
+        <a:bodyPr/>
+        <a:lstStyle/>
+        <a:p>
+          <a:endParaRPr lang="en-US"/>
+        </a:p>
+      </dgm:t>
+    </dgm:pt>
+    <dgm:pt modelId="{2089F4FE-9612-4C15-81A9-1FFEEF768C27}" type="sibTrans" cxnId="{1A58D01A-D35F-4566-9051-6CAC52DA40E6}">
+      <dgm:prSet/>
+      <dgm:spPr/>
+      <dgm:t>
+        <a:bodyPr/>
+        <a:lstStyle/>
+        <a:p>
+          <a:endParaRPr lang="en-US"/>
+        </a:p>
+      </dgm:t>
+    </dgm:pt>
+    <dgm:pt modelId="{F9B7A03E-E5D2-4579-B30D-4665AB971055}">
+      <dgm:prSet phldrT="[Text]"/>
+      <dgm:spPr/>
+      <dgm:t>
+        <a:bodyPr/>
+        <a:lstStyle/>
+        <a:p>
+          <a:endParaRPr lang="en-US" dirty="0"/>
+        </a:p>
+      </dgm:t>
+    </dgm:pt>
+    <dgm:pt modelId="{AE88A343-9CD6-414C-A81A-DEAED450130B}" type="parTrans" cxnId="{BA9F3432-2375-4AE2-A371-C6F9DB13E233}">
+      <dgm:prSet/>
+      <dgm:spPr/>
+    </dgm:pt>
+    <dgm:pt modelId="{497048D4-944E-4851-BFFC-3B3A2BEAAABB}" type="sibTrans" cxnId="{BA9F3432-2375-4AE2-A371-C6F9DB13E233}">
+      <dgm:prSet/>
+      <dgm:spPr/>
+    </dgm:pt>
+    <dgm:pt modelId="{B0FE9662-21B3-46A8-9853-8CE7E12005A8}">
+      <dgm:prSet phldrT="[Text]"/>
+      <dgm:spPr/>
+      <dgm:t>
+        <a:bodyPr/>
+        <a:lstStyle/>
+        <a:p>
+          <a:endParaRPr lang="en-US" dirty="0"/>
+        </a:p>
+      </dgm:t>
+    </dgm:pt>
+    <dgm:pt modelId="{D77FF1DA-D07A-4CBB-B9C3-30D3D9C5BBB8}" type="parTrans" cxnId="{63BC6865-0BCA-4AF5-97A7-4A21D38A16B1}">
+      <dgm:prSet/>
+      <dgm:spPr/>
+    </dgm:pt>
+    <dgm:pt modelId="{DF6A1301-5F56-4CFB-A336-51CFA3A9662A}" type="sibTrans" cxnId="{63BC6865-0BCA-4AF5-97A7-4A21D38A16B1}">
+      <dgm:prSet/>
+      <dgm:spPr/>
+    </dgm:pt>
+    <dgm:pt modelId="{9AFCF6C8-60CD-45C5-8166-B3BCF2D3E63E}">
+      <dgm:prSet phldrT="[Text]"/>
+      <dgm:spPr/>
+      <dgm:t>
+        <a:bodyPr/>
+        <a:lstStyle/>
+        <a:p>
+          <a:endParaRPr lang="en-US" dirty="0"/>
+        </a:p>
+      </dgm:t>
+    </dgm:pt>
+    <dgm:pt modelId="{7628AB4F-3180-4029-8EEE-6D6D47244FEA}" type="parTrans" cxnId="{E5E64B62-C074-4889-950B-B09C0BF6F4BD}">
+      <dgm:prSet/>
+      <dgm:spPr/>
+    </dgm:pt>
+    <dgm:pt modelId="{52F65036-2774-432D-95A2-E094768134D5}" type="sibTrans" cxnId="{E5E64B62-C074-4889-950B-B09C0BF6F4BD}">
+      <dgm:prSet/>
+      <dgm:spPr/>
+    </dgm:pt>
+    <dgm:pt modelId="{E267C67D-550B-42E5-8065-783C65BFB379}">
+      <dgm:prSet phldrT="[Text]"/>
+      <dgm:spPr/>
+      <dgm:t>
+        <a:bodyPr/>
+        <a:lstStyle/>
+        <a:p>
+          <a:endParaRPr lang="en-US" dirty="0"/>
+        </a:p>
+      </dgm:t>
+    </dgm:pt>
+    <dgm:pt modelId="{F34FC01A-3BA0-4597-A9FA-1ACD303F825E}" type="parTrans" cxnId="{55DB3886-66B9-46C7-A265-2B4803860A88}">
+      <dgm:prSet/>
+      <dgm:spPr/>
+    </dgm:pt>
+    <dgm:pt modelId="{5C27D9D9-529D-48E0-9555-A4767B2B445D}" type="sibTrans" cxnId="{55DB3886-66B9-46C7-A265-2B4803860A88}">
+      <dgm:prSet/>
+      <dgm:spPr/>
+    </dgm:pt>
+    <dgm:pt modelId="{DD40AEF9-2276-4AEA-B396-7873F5ADD8AA}">
+      <dgm:prSet phldrT="[Text]"/>
+      <dgm:spPr/>
+      <dgm:t>
+        <a:bodyPr/>
+        <a:lstStyle/>
+        <a:p>
+          <a:endParaRPr lang="en-US" dirty="0"/>
+        </a:p>
+      </dgm:t>
+    </dgm:pt>
+    <dgm:pt modelId="{C367B7B1-7623-4439-9337-7F122ED27589}" type="parTrans" cxnId="{621C2566-62E5-4DBD-B8A8-35276B49269D}">
+      <dgm:prSet/>
+      <dgm:spPr/>
+    </dgm:pt>
+    <dgm:pt modelId="{5143E81D-BCB6-4CCF-88AF-1A288476E95C}" type="sibTrans" cxnId="{621C2566-62E5-4DBD-B8A8-35276B49269D}">
+      <dgm:prSet/>
+      <dgm:spPr/>
+    </dgm:pt>
+    <dgm:pt modelId="{69E25472-4ABB-42E8-9EA6-664BA1C5406F}">
+      <dgm:prSet phldrT="[Text]"/>
+      <dgm:spPr/>
+      <dgm:t>
+        <a:bodyPr/>
+        <a:lstStyle/>
+        <a:p>
+          <a:endParaRPr lang="en-US" dirty="0"/>
+        </a:p>
+      </dgm:t>
+    </dgm:pt>
+    <dgm:pt modelId="{9F3C16A4-CF0D-4A23-B4A2-E2583B8CD74E}" type="parTrans" cxnId="{B7C6FC1D-2D14-47AF-BB6F-BAE71363C8E2}">
+      <dgm:prSet/>
+      <dgm:spPr/>
+    </dgm:pt>
+    <dgm:pt modelId="{DC15B703-DE56-4A27-A828-D94A60646FD2}" type="sibTrans" cxnId="{B7C6FC1D-2D14-47AF-BB6F-BAE71363C8E2}">
+      <dgm:prSet/>
+      <dgm:spPr/>
+    </dgm:pt>
+    <dgm:pt modelId="{465818CE-E041-462F-BACA-CC0FB5948E5B}">
+      <dgm:prSet phldrT="[Text]"/>
+      <dgm:spPr/>
+      <dgm:t>
+        <a:bodyPr/>
+        <a:lstStyle/>
+        <a:p>
+          <a:endParaRPr lang="en-US" dirty="0"/>
+        </a:p>
+      </dgm:t>
+    </dgm:pt>
+    <dgm:pt modelId="{C5269AD4-EEED-4504-A4ED-32F852488B37}" type="parTrans" cxnId="{F3776EC4-665D-45E9-8023-1E755B6A7776}">
+      <dgm:prSet/>
+      <dgm:spPr/>
+    </dgm:pt>
+    <dgm:pt modelId="{1FA39F86-B2D1-4569-84E9-487916B2BCBB}" type="sibTrans" cxnId="{F3776EC4-665D-45E9-8023-1E755B6A7776}">
+      <dgm:prSet/>
+      <dgm:spPr/>
+    </dgm:pt>
+    <dgm:pt modelId="{D2F5E419-77F7-4698-9389-5A270BE7BE4C}">
+      <dgm:prSet phldrT="[Text]"/>
+      <dgm:spPr/>
+      <dgm:t>
+        <a:bodyPr/>
+        <a:lstStyle/>
+        <a:p>
+          <a:endParaRPr lang="en-US" dirty="0"/>
+        </a:p>
+      </dgm:t>
+    </dgm:pt>
+    <dgm:pt modelId="{C26AFA48-AEFA-4AE2-A6D6-CEFC6FDD853B}" type="parTrans" cxnId="{C2EB4BE2-C276-4A63-9074-178088586042}">
+      <dgm:prSet/>
+      <dgm:spPr/>
+    </dgm:pt>
+    <dgm:pt modelId="{C1BFDDE6-83E8-4329-B81C-CB8ED074ECE7}" type="sibTrans" cxnId="{C2EB4BE2-C276-4A63-9074-178088586042}">
+      <dgm:prSet/>
+      <dgm:spPr/>
+    </dgm:pt>
+    <dgm:pt modelId="{FE1C25CC-201D-4DD2-80CD-6BB6EB342AD3}">
+      <dgm:prSet phldrT="[Text]"/>
+      <dgm:spPr/>
+      <dgm:t>
+        <a:bodyPr/>
+        <a:lstStyle/>
+        <a:p>
+          <a:endParaRPr lang="en-US" dirty="0"/>
+        </a:p>
+      </dgm:t>
+    </dgm:pt>
+    <dgm:pt modelId="{9C5ECFA4-92E3-421A-A83D-9F891D5DFBC3}" type="parTrans" cxnId="{E0E1C7BD-FAB5-427F-9287-7E587D74EA80}">
+      <dgm:prSet/>
+      <dgm:spPr/>
+    </dgm:pt>
+    <dgm:pt modelId="{9D0D9F62-B54F-4B65-9DE0-F257351987BA}" type="sibTrans" cxnId="{E0E1C7BD-FAB5-427F-9287-7E587D74EA80}">
+      <dgm:prSet/>
+      <dgm:spPr/>
+    </dgm:pt>
+    <dgm:pt modelId="{C18597E0-1681-4ACC-93E8-852FEC5F1DBD}">
+      <dgm:prSet phldrT="[Text]"/>
+      <dgm:spPr/>
+      <dgm:t>
+        <a:bodyPr/>
+        <a:lstStyle/>
+        <a:p>
+          <a:endParaRPr lang="en-US" dirty="0"/>
+        </a:p>
+      </dgm:t>
+    </dgm:pt>
+    <dgm:pt modelId="{FD5CE55B-5FCE-4086-83CE-43B1DDDB9A0D}" type="parTrans" cxnId="{96C25B58-1202-41C3-A6F3-7F0522303389}">
+      <dgm:prSet/>
+      <dgm:spPr/>
+    </dgm:pt>
+    <dgm:pt modelId="{70409D24-AB66-4FC8-927A-5256E03D9E1F}" type="sibTrans" cxnId="{96C25B58-1202-41C3-A6F3-7F0522303389}">
+      <dgm:prSet/>
+      <dgm:spPr/>
+    </dgm:pt>
+    <dgm:pt modelId="{6D91E283-34A6-4A44-B62E-01AF48A2271E}">
+      <dgm:prSet phldrT="[Text]"/>
+      <dgm:spPr/>
+      <dgm:t>
+        <a:bodyPr/>
+        <a:lstStyle/>
+        <a:p>
+          <a:endParaRPr lang="en-US" dirty="0"/>
+        </a:p>
+      </dgm:t>
+    </dgm:pt>
+    <dgm:pt modelId="{26EF108E-0446-4CE7-91B3-ECD79F2A3AF8}" type="parTrans" cxnId="{CCF04926-9516-4D67-BB8B-2A15DE5BB01D}">
+      <dgm:prSet/>
+      <dgm:spPr/>
+    </dgm:pt>
+    <dgm:pt modelId="{2BB21533-AB65-46B2-AA4A-086115B522F3}" type="sibTrans" cxnId="{CCF04926-9516-4D67-BB8B-2A15DE5BB01D}">
+      <dgm:prSet/>
+      <dgm:spPr/>
+    </dgm:pt>
+    <dgm:pt modelId="{1705AA74-5033-4A4B-9588-45A8BEEB2564}">
+      <dgm:prSet phldrT="[Text]"/>
+      <dgm:spPr/>
+      <dgm:t>
+        <a:bodyPr/>
+        <a:lstStyle/>
+        <a:p>
+          <a:endParaRPr lang="en-US" dirty="0"/>
+        </a:p>
+      </dgm:t>
+    </dgm:pt>
+    <dgm:pt modelId="{F7D81547-01AF-45FF-B6D7-C11489E65391}" type="parTrans" cxnId="{D32658B1-F412-46F3-83C8-88E50D510433}">
+      <dgm:prSet/>
+      <dgm:spPr/>
+    </dgm:pt>
+    <dgm:pt modelId="{37D3189F-9295-4FEE-800A-311FC947EFFC}" type="sibTrans" cxnId="{D32658B1-F412-46F3-83C8-88E50D510433}">
+      <dgm:prSet/>
+      <dgm:spPr/>
+    </dgm:pt>
+    <dgm:pt modelId="{6A5DEE00-2518-49F7-A2EB-3656029B7599}">
+      <dgm:prSet phldrT="[Text]"/>
+      <dgm:spPr/>
+      <dgm:t>
+        <a:bodyPr/>
+        <a:lstStyle/>
+        <a:p>
+          <a:endParaRPr lang="en-US" dirty="0"/>
+        </a:p>
+      </dgm:t>
+    </dgm:pt>
+    <dgm:pt modelId="{22D8A406-18BC-412E-B671-BCCFD7F013B4}" type="parTrans" cxnId="{2544352E-8E13-40F8-87A7-654446A10DEC}">
+      <dgm:prSet/>
+      <dgm:spPr/>
+    </dgm:pt>
+    <dgm:pt modelId="{3182E6E4-33E0-4098-9ABE-9CFDB64B50C3}" type="sibTrans" cxnId="{2544352E-8E13-40F8-87A7-654446A10DEC}">
+      <dgm:prSet/>
+      <dgm:spPr/>
+    </dgm:pt>
+    <dgm:pt modelId="{F228CC46-F438-4C74-9899-400860C2995A}">
+      <dgm:prSet phldrT="[Text]"/>
+      <dgm:spPr/>
+      <dgm:t>
+        <a:bodyPr/>
+        <a:lstStyle/>
+        <a:p>
+          <a:endParaRPr lang="en-US" dirty="0"/>
+        </a:p>
+      </dgm:t>
+    </dgm:pt>
+    <dgm:pt modelId="{BC8CF7F4-DCD4-4BDA-9761-3D16ACCF200B}" type="parTrans" cxnId="{14C84E2C-9340-4E62-8865-4E06388FA928}">
+      <dgm:prSet/>
+      <dgm:spPr/>
+    </dgm:pt>
+    <dgm:pt modelId="{305DE88C-8F10-42E4-ACD3-56D8A761D5CF}" type="sibTrans" cxnId="{14C84E2C-9340-4E62-8865-4E06388FA928}">
+      <dgm:prSet/>
+      <dgm:spPr/>
+    </dgm:pt>
+    <dgm:pt modelId="{16D982F8-0FD6-4470-A716-4A9DCD5FB492}">
+      <dgm:prSet phldrT="[Text]"/>
+      <dgm:spPr/>
+      <dgm:t>
+        <a:bodyPr/>
+        <a:lstStyle/>
+        <a:p>
+          <a:endParaRPr lang="en-US" dirty="0"/>
+        </a:p>
+      </dgm:t>
+    </dgm:pt>
+    <dgm:pt modelId="{B2069FAD-B1C8-43F7-A1B6-92D5DE551E90}" type="parTrans" cxnId="{08F2A9B4-6508-475E-B319-014CE1C33864}">
+      <dgm:prSet/>
+      <dgm:spPr/>
+    </dgm:pt>
+    <dgm:pt modelId="{F4900F13-0B43-42F7-B470-DE040B670F3F}" type="sibTrans" cxnId="{08F2A9B4-6508-475E-B319-014CE1C33864}">
+      <dgm:prSet/>
+      <dgm:spPr/>
+    </dgm:pt>
+    <dgm:pt modelId="{2C7B335B-DC86-4520-9CC5-06F470FA9594}" type="pres">
+      <dgm:prSet presAssocID="{64F27FB9-CF1D-4084-A56A-20D704B164B9}" presName="hierChild1" presStyleCnt="0">
+        <dgm:presLayoutVars>
+          <dgm:orgChart val="1"/>
+          <dgm:chPref val="1"/>
+          <dgm:dir/>
+          <dgm:animOne val="branch"/>
+          <dgm:animLvl val="lvl"/>
+          <dgm:resizeHandles/>
+        </dgm:presLayoutVars>
+      </dgm:prSet>
+      <dgm:spPr/>
+    </dgm:pt>
+    <dgm:pt modelId="{2FE69024-7A43-40E2-8AF8-84E6D4C57CAA}" type="pres">
+      <dgm:prSet presAssocID="{A06E7F51-B64B-402D-B0EC-6E343740A45F}" presName="hierRoot1" presStyleCnt="0">
+        <dgm:presLayoutVars>
+          <dgm:hierBranch val="init"/>
+        </dgm:presLayoutVars>
+      </dgm:prSet>
+      <dgm:spPr/>
+    </dgm:pt>
+    <dgm:pt modelId="{EA7647BF-D523-4A73-ABF3-21EE6F7E8ECF}" type="pres">
+      <dgm:prSet presAssocID="{A06E7F51-B64B-402D-B0EC-6E343740A45F}" presName="rootComposite1" presStyleCnt="0"/>
+      <dgm:spPr/>
+    </dgm:pt>
+    <dgm:pt modelId="{ACB97B87-9E67-424E-86D9-0FDBA2F0D382}" type="pres">
+      <dgm:prSet presAssocID="{A06E7F51-B64B-402D-B0EC-6E343740A45F}" presName="rootText1" presStyleLbl="node0" presStyleIdx="0" presStyleCnt="1" custLinFactY="-20761" custLinFactNeighborX="-356" custLinFactNeighborY="-100000">
+        <dgm:presLayoutVars>
+          <dgm:chPref val="3"/>
+        </dgm:presLayoutVars>
+      </dgm:prSet>
+      <dgm:spPr/>
+    </dgm:pt>
+    <dgm:pt modelId="{BA456B9B-1539-46F0-BD6F-F7C0FC96ACF1}" type="pres">
+      <dgm:prSet presAssocID="{A06E7F51-B64B-402D-B0EC-6E343740A45F}" presName="rootConnector1" presStyleLbl="node1" presStyleIdx="0" presStyleCnt="0"/>
+      <dgm:spPr/>
+    </dgm:pt>
+    <dgm:pt modelId="{B9BEBD7F-7947-4848-98B1-E6275D9A3C8B}" type="pres">
+      <dgm:prSet presAssocID="{A06E7F51-B64B-402D-B0EC-6E343740A45F}" presName="hierChild2" presStyleCnt="0"/>
+      <dgm:spPr/>
+    </dgm:pt>
+    <dgm:pt modelId="{766E2027-4DB3-4C2F-ABFA-C218F25EE5D5}" type="pres">
+      <dgm:prSet presAssocID="{AE88A343-9CD6-414C-A81A-DEAED450130B}" presName="Name37" presStyleLbl="parChTrans1D2" presStyleIdx="0" presStyleCnt="4"/>
+      <dgm:spPr/>
+    </dgm:pt>
+    <dgm:pt modelId="{AAAC5B5F-A843-4E2D-AD97-7985EA35E3DF}" type="pres">
+      <dgm:prSet presAssocID="{F9B7A03E-E5D2-4579-B30D-4665AB971055}" presName="hierRoot2" presStyleCnt="0">
+        <dgm:presLayoutVars>
+          <dgm:hierBranch val="init"/>
+        </dgm:presLayoutVars>
+      </dgm:prSet>
+      <dgm:spPr/>
+    </dgm:pt>
+    <dgm:pt modelId="{A93221FC-2D70-492E-93FC-B821201E2A28}" type="pres">
+      <dgm:prSet presAssocID="{F9B7A03E-E5D2-4579-B30D-4665AB971055}" presName="rootComposite" presStyleCnt="0"/>
+      <dgm:spPr/>
+    </dgm:pt>
+    <dgm:pt modelId="{AE18A72C-8093-48D4-9390-696BA6D151D1}" type="pres">
+      <dgm:prSet presAssocID="{F9B7A03E-E5D2-4579-B30D-4665AB971055}" presName="rootText" presStyleLbl="node2" presStyleIdx="0" presStyleCnt="4">
+        <dgm:presLayoutVars>
+          <dgm:chPref val="3"/>
+        </dgm:presLayoutVars>
+      </dgm:prSet>
+      <dgm:spPr/>
+    </dgm:pt>
+    <dgm:pt modelId="{1AE9DA4E-E642-4D05-8C7B-57488624FDEA}" type="pres">
+      <dgm:prSet presAssocID="{F9B7A03E-E5D2-4579-B30D-4665AB971055}" presName="rootConnector" presStyleLbl="node2" presStyleIdx="0" presStyleCnt="4"/>
+      <dgm:spPr/>
+    </dgm:pt>
+    <dgm:pt modelId="{AA38C7CB-E1B1-4851-826E-2921FA67471D}" type="pres">
+      <dgm:prSet presAssocID="{F9B7A03E-E5D2-4579-B30D-4665AB971055}" presName="hierChild4" presStyleCnt="0"/>
+      <dgm:spPr/>
+    </dgm:pt>
+    <dgm:pt modelId="{5404E120-855B-46E6-AD8E-AA9697728001}" type="pres">
+      <dgm:prSet presAssocID="{D77FF1DA-D07A-4CBB-B9C3-30D3D9C5BBB8}" presName="Name37" presStyleLbl="parChTrans1D3" presStyleIdx="0" presStyleCnt="15"/>
+      <dgm:spPr/>
+    </dgm:pt>
+    <dgm:pt modelId="{80D0ECA5-3093-49C1-B598-81DD9B5E5CD8}" type="pres">
+      <dgm:prSet presAssocID="{B0FE9662-21B3-46A8-9853-8CE7E12005A8}" presName="hierRoot2" presStyleCnt="0">
+        <dgm:presLayoutVars>
+          <dgm:hierBranch val="init"/>
+        </dgm:presLayoutVars>
+      </dgm:prSet>
+      <dgm:spPr/>
+    </dgm:pt>
+    <dgm:pt modelId="{21AF7C40-4A11-4725-8667-23446E19646C}" type="pres">
+      <dgm:prSet presAssocID="{B0FE9662-21B3-46A8-9853-8CE7E12005A8}" presName="rootComposite" presStyleCnt="0"/>
+      <dgm:spPr/>
+    </dgm:pt>
+    <dgm:pt modelId="{88021641-12F4-4FC9-83F1-16451E980259}" type="pres">
+      <dgm:prSet presAssocID="{B0FE9662-21B3-46A8-9853-8CE7E12005A8}" presName="rootText" presStyleLbl="node3" presStyleIdx="0" presStyleCnt="15">
+        <dgm:presLayoutVars>
+          <dgm:chPref val="3"/>
+        </dgm:presLayoutVars>
+      </dgm:prSet>
+      <dgm:spPr/>
+    </dgm:pt>
+    <dgm:pt modelId="{1B228EAC-3534-41D2-BD21-20632DD75CFC}" type="pres">
+      <dgm:prSet presAssocID="{B0FE9662-21B3-46A8-9853-8CE7E12005A8}" presName="rootConnector" presStyleLbl="node3" presStyleIdx="0" presStyleCnt="15"/>
+      <dgm:spPr/>
+    </dgm:pt>
+    <dgm:pt modelId="{05B4F02E-D38D-4B95-A896-29B06130C986}" type="pres">
+      <dgm:prSet presAssocID="{B0FE9662-21B3-46A8-9853-8CE7E12005A8}" presName="hierChild4" presStyleCnt="0"/>
+      <dgm:spPr/>
+    </dgm:pt>
+    <dgm:pt modelId="{EAF9A76F-FF6F-4CEB-9079-2A20E3949D7A}" type="pres">
+      <dgm:prSet presAssocID="{B0FE9662-21B3-46A8-9853-8CE7E12005A8}" presName="hierChild5" presStyleCnt="0"/>
+      <dgm:spPr/>
+    </dgm:pt>
+    <dgm:pt modelId="{774BB48F-9223-42E5-B1DA-DF03860F8F37}" type="pres">
+      <dgm:prSet presAssocID="{7628AB4F-3180-4029-8EEE-6D6D47244FEA}" presName="Name37" presStyleLbl="parChTrans1D3" presStyleIdx="1" presStyleCnt="15"/>
+      <dgm:spPr/>
+    </dgm:pt>
+    <dgm:pt modelId="{C5950A4D-8F23-408E-82CC-EA9A210D0412}" type="pres">
+      <dgm:prSet presAssocID="{9AFCF6C8-60CD-45C5-8166-B3BCF2D3E63E}" presName="hierRoot2" presStyleCnt="0">
+        <dgm:presLayoutVars>
+          <dgm:hierBranch val="init"/>
+        </dgm:presLayoutVars>
+      </dgm:prSet>
+      <dgm:spPr/>
+    </dgm:pt>
+    <dgm:pt modelId="{5E4E734F-6072-4C78-B7E8-EFC3466BA841}" type="pres">
+      <dgm:prSet presAssocID="{9AFCF6C8-60CD-45C5-8166-B3BCF2D3E63E}" presName="rootComposite" presStyleCnt="0"/>
+      <dgm:spPr/>
+    </dgm:pt>
+    <dgm:pt modelId="{82C33C79-7E80-419E-84A1-7181BC601E0A}" type="pres">
+      <dgm:prSet presAssocID="{9AFCF6C8-60CD-45C5-8166-B3BCF2D3E63E}" presName="rootText" presStyleLbl="node3" presStyleIdx="1" presStyleCnt="15">
+        <dgm:presLayoutVars>
+          <dgm:chPref val="3"/>
+        </dgm:presLayoutVars>
+      </dgm:prSet>
+      <dgm:spPr/>
+    </dgm:pt>
+    <dgm:pt modelId="{3E37CC90-85CA-4F80-86A8-22C21B26912D}" type="pres">
+      <dgm:prSet presAssocID="{9AFCF6C8-60CD-45C5-8166-B3BCF2D3E63E}" presName="rootConnector" presStyleLbl="node3" presStyleIdx="1" presStyleCnt="15"/>
+      <dgm:spPr/>
+    </dgm:pt>
+    <dgm:pt modelId="{1A025A15-77D2-409B-8BAD-E7B960D0D566}" type="pres">
+      <dgm:prSet presAssocID="{9AFCF6C8-60CD-45C5-8166-B3BCF2D3E63E}" presName="hierChild4" presStyleCnt="0"/>
+      <dgm:spPr/>
+    </dgm:pt>
+    <dgm:pt modelId="{DFC0520B-2787-4585-B3B8-0CDEAA80B047}" type="pres">
+      <dgm:prSet presAssocID="{9AFCF6C8-60CD-45C5-8166-B3BCF2D3E63E}" presName="hierChild5" presStyleCnt="0"/>
+      <dgm:spPr/>
+    </dgm:pt>
+    <dgm:pt modelId="{7DFF36E6-1685-474C-9875-0723473C42D6}" type="pres">
+      <dgm:prSet presAssocID="{F34FC01A-3BA0-4597-A9FA-1ACD303F825E}" presName="Name37" presStyleLbl="parChTrans1D3" presStyleIdx="2" presStyleCnt="15"/>
+      <dgm:spPr/>
+    </dgm:pt>
+    <dgm:pt modelId="{D8C870DE-19E2-4918-B220-784A8D2FA3B2}" type="pres">
+      <dgm:prSet presAssocID="{E267C67D-550B-42E5-8065-783C65BFB379}" presName="hierRoot2" presStyleCnt="0">
+        <dgm:presLayoutVars>
+          <dgm:hierBranch val="init"/>
+        </dgm:presLayoutVars>
+      </dgm:prSet>
+      <dgm:spPr/>
+    </dgm:pt>
+    <dgm:pt modelId="{C4A9BA0F-6FAE-4E35-A035-3BE7E54DAD76}" type="pres">
+      <dgm:prSet presAssocID="{E267C67D-550B-42E5-8065-783C65BFB379}" presName="rootComposite" presStyleCnt="0"/>
+      <dgm:spPr/>
+    </dgm:pt>
+    <dgm:pt modelId="{6A892B32-1B12-483E-AC85-8EA6B1D70EFF}" type="pres">
+      <dgm:prSet presAssocID="{E267C67D-550B-42E5-8065-783C65BFB379}" presName="rootText" presStyleLbl="node3" presStyleIdx="2" presStyleCnt="15">
+        <dgm:presLayoutVars>
+          <dgm:chPref val="3"/>
+        </dgm:presLayoutVars>
+      </dgm:prSet>
+      <dgm:spPr/>
+    </dgm:pt>
+    <dgm:pt modelId="{1C0D965B-715A-44AC-8EB3-DC97B158766B}" type="pres">
+      <dgm:prSet presAssocID="{E267C67D-550B-42E5-8065-783C65BFB379}" presName="rootConnector" presStyleLbl="node3" presStyleIdx="2" presStyleCnt="15"/>
+      <dgm:spPr/>
+    </dgm:pt>
+    <dgm:pt modelId="{7F862674-0AB7-43D1-9F22-48EAD63B419C}" type="pres">
+      <dgm:prSet presAssocID="{E267C67D-550B-42E5-8065-783C65BFB379}" presName="hierChild4" presStyleCnt="0"/>
+      <dgm:spPr/>
+    </dgm:pt>
+    <dgm:pt modelId="{4C6AEF63-95B4-41F1-9806-11611EB1E5DD}" type="pres">
+      <dgm:prSet presAssocID="{E267C67D-550B-42E5-8065-783C65BFB379}" presName="hierChild5" presStyleCnt="0"/>
+      <dgm:spPr/>
+    </dgm:pt>
+    <dgm:pt modelId="{55628B5D-270F-4E2A-928D-B7A8388A5409}" type="pres">
+      <dgm:prSet presAssocID="{405F8824-D88D-4FD3-8BA4-AD24B051B462}" presName="Name37" presStyleLbl="parChTrans1D3" presStyleIdx="3" presStyleCnt="15"/>
+      <dgm:spPr/>
+    </dgm:pt>
+    <dgm:pt modelId="{6C2B2956-CDB8-4ACE-9930-876D76B3C920}" type="pres">
+      <dgm:prSet presAssocID="{7441F31C-3A0A-4D8C-9E07-35FB178B97C6}" presName="hierRoot2" presStyleCnt="0">
+        <dgm:presLayoutVars>
+          <dgm:hierBranch val="init"/>
+        </dgm:presLayoutVars>
+      </dgm:prSet>
+      <dgm:spPr/>
+    </dgm:pt>
+    <dgm:pt modelId="{75181126-3E79-496B-A294-045AFB17F6D4}" type="pres">
+      <dgm:prSet presAssocID="{7441F31C-3A0A-4D8C-9E07-35FB178B97C6}" presName="rootComposite" presStyleCnt="0"/>
+      <dgm:spPr/>
+    </dgm:pt>
+    <dgm:pt modelId="{F20F155C-210A-4AA6-8C25-4029D481A5F3}" type="pres">
+      <dgm:prSet presAssocID="{7441F31C-3A0A-4D8C-9E07-35FB178B97C6}" presName="rootText" presStyleLbl="node3" presStyleIdx="3" presStyleCnt="15" custLinFactY="-1838" custLinFactNeighborX="4408" custLinFactNeighborY="-100000">
+        <dgm:presLayoutVars>
+          <dgm:chPref val="3"/>
+        </dgm:presLayoutVars>
+      </dgm:prSet>
+      <dgm:spPr/>
+    </dgm:pt>
+    <dgm:pt modelId="{C78A79F0-9208-4E67-B30E-251FAE1A4BDA}" type="pres">
+      <dgm:prSet presAssocID="{7441F31C-3A0A-4D8C-9E07-35FB178B97C6}" presName="rootConnector" presStyleLbl="node3" presStyleIdx="3" presStyleCnt="15"/>
+      <dgm:spPr/>
+    </dgm:pt>
+    <dgm:pt modelId="{9BA0B3D7-184A-4810-88FA-1009D1F45DDD}" type="pres">
+      <dgm:prSet presAssocID="{7441F31C-3A0A-4D8C-9E07-35FB178B97C6}" presName="hierChild4" presStyleCnt="0"/>
+      <dgm:spPr/>
+    </dgm:pt>
+    <dgm:pt modelId="{19FC865B-058A-4C16-9810-B0606ABDBF2D}" type="pres">
+      <dgm:prSet presAssocID="{7441F31C-3A0A-4D8C-9E07-35FB178B97C6}" presName="hierChild5" presStyleCnt="0"/>
+      <dgm:spPr/>
+    </dgm:pt>
+    <dgm:pt modelId="{18EC7780-CC3B-4C4F-A64E-61E8E8F3E792}" type="pres">
+      <dgm:prSet presAssocID="{F9B7A03E-E5D2-4579-B30D-4665AB971055}" presName="hierChild5" presStyleCnt="0"/>
+      <dgm:spPr/>
+    </dgm:pt>
+    <dgm:pt modelId="{B038FDF5-2963-42C0-B632-23CDF9C286E0}" type="pres">
+      <dgm:prSet presAssocID="{C367B7B1-7623-4439-9337-7F122ED27589}" presName="Name37" presStyleLbl="parChTrans1D2" presStyleIdx="1" presStyleCnt="4"/>
+      <dgm:spPr/>
+    </dgm:pt>
+    <dgm:pt modelId="{091E3E80-8D92-4D3B-9AA9-429EF05FE5CB}" type="pres">
+      <dgm:prSet presAssocID="{DD40AEF9-2276-4AEA-B396-7873F5ADD8AA}" presName="hierRoot2" presStyleCnt="0">
+        <dgm:presLayoutVars>
+          <dgm:hierBranch val="init"/>
+        </dgm:presLayoutVars>
+      </dgm:prSet>
+      <dgm:spPr/>
+    </dgm:pt>
+    <dgm:pt modelId="{34F455DE-32B9-4094-AE26-BF2E0E085E2E}" type="pres">
+      <dgm:prSet presAssocID="{DD40AEF9-2276-4AEA-B396-7873F5ADD8AA}" presName="rootComposite" presStyleCnt="0"/>
+      <dgm:spPr/>
+    </dgm:pt>
+    <dgm:pt modelId="{FC370E98-E3C7-4347-A716-E7DA177239C7}" type="pres">
+      <dgm:prSet presAssocID="{DD40AEF9-2276-4AEA-B396-7873F5ADD8AA}" presName="rootText" presStyleLbl="node2" presStyleIdx="1" presStyleCnt="4">
+        <dgm:presLayoutVars>
+          <dgm:chPref val="3"/>
+        </dgm:presLayoutVars>
+      </dgm:prSet>
+      <dgm:spPr/>
+    </dgm:pt>
+    <dgm:pt modelId="{E92387BC-9B6C-47E9-9CF8-C962FAD16555}" type="pres">
+      <dgm:prSet presAssocID="{DD40AEF9-2276-4AEA-B396-7873F5ADD8AA}" presName="rootConnector" presStyleLbl="node2" presStyleIdx="1" presStyleCnt="4"/>
+      <dgm:spPr/>
+    </dgm:pt>
+    <dgm:pt modelId="{3CEA275E-B3D3-4FB7-959F-C899EB00C38C}" type="pres">
+      <dgm:prSet presAssocID="{DD40AEF9-2276-4AEA-B396-7873F5ADD8AA}" presName="hierChild4" presStyleCnt="0"/>
+      <dgm:spPr/>
+    </dgm:pt>
+    <dgm:pt modelId="{AA61B065-B481-440F-A44D-0B0420E0BB0B}" type="pres">
+      <dgm:prSet presAssocID="{9F3C16A4-CF0D-4A23-B4A2-E2583B8CD74E}" presName="Name37" presStyleLbl="parChTrans1D3" presStyleIdx="4" presStyleCnt="15"/>
+      <dgm:spPr/>
+    </dgm:pt>
+    <dgm:pt modelId="{8D7073E1-9AA6-4631-902C-DC554284EDCA}" type="pres">
+      <dgm:prSet presAssocID="{69E25472-4ABB-42E8-9EA6-664BA1C5406F}" presName="hierRoot2" presStyleCnt="0">
+        <dgm:presLayoutVars>
+          <dgm:hierBranch val="init"/>
+        </dgm:presLayoutVars>
+      </dgm:prSet>
+      <dgm:spPr/>
+    </dgm:pt>
+    <dgm:pt modelId="{E316DA24-D3C7-41DC-B9BD-CFCC61DF5015}" type="pres">
+      <dgm:prSet presAssocID="{69E25472-4ABB-42E8-9EA6-664BA1C5406F}" presName="rootComposite" presStyleCnt="0"/>
+      <dgm:spPr/>
+    </dgm:pt>
+    <dgm:pt modelId="{DD28AE78-2818-461C-B6FD-B5748297961B}" type="pres">
+      <dgm:prSet presAssocID="{69E25472-4ABB-42E8-9EA6-664BA1C5406F}" presName="rootText" presStyleLbl="node3" presStyleIdx="4" presStyleCnt="15">
+        <dgm:presLayoutVars>
+          <dgm:chPref val="3"/>
+        </dgm:presLayoutVars>
+      </dgm:prSet>
+      <dgm:spPr/>
+    </dgm:pt>
+    <dgm:pt modelId="{CEA5421F-56D4-4FE3-A4D6-10BE495B69D3}" type="pres">
+      <dgm:prSet presAssocID="{69E25472-4ABB-42E8-9EA6-664BA1C5406F}" presName="rootConnector" presStyleLbl="node3" presStyleIdx="4" presStyleCnt="15"/>
+      <dgm:spPr/>
+    </dgm:pt>
+    <dgm:pt modelId="{4279AB4E-DCE5-426A-B58E-A60DC6F295DF}" type="pres">
+      <dgm:prSet presAssocID="{69E25472-4ABB-42E8-9EA6-664BA1C5406F}" presName="hierChild4" presStyleCnt="0"/>
+      <dgm:spPr/>
+    </dgm:pt>
+    <dgm:pt modelId="{A77C8078-5672-4506-A760-4CD37A9AEAB4}" type="pres">
+      <dgm:prSet presAssocID="{69E25472-4ABB-42E8-9EA6-664BA1C5406F}" presName="hierChild5" presStyleCnt="0"/>
+      <dgm:spPr/>
+    </dgm:pt>
+    <dgm:pt modelId="{5D2DEA48-0850-4DDF-9E12-7FDD1057307B}" type="pres">
+      <dgm:prSet presAssocID="{C5269AD4-EEED-4504-A4ED-32F852488B37}" presName="Name37" presStyleLbl="parChTrans1D3" presStyleIdx="5" presStyleCnt="15"/>
+      <dgm:spPr/>
+    </dgm:pt>
+    <dgm:pt modelId="{23FE03BA-81B5-49AD-937D-3D4ED22FD223}" type="pres">
+      <dgm:prSet presAssocID="{465818CE-E041-462F-BACA-CC0FB5948E5B}" presName="hierRoot2" presStyleCnt="0">
+        <dgm:presLayoutVars>
+          <dgm:hierBranch val="init"/>
+        </dgm:presLayoutVars>
+      </dgm:prSet>
+      <dgm:spPr/>
+    </dgm:pt>
+    <dgm:pt modelId="{C1ED258E-994B-4AD2-91A5-19C5F2F36219}" type="pres">
+      <dgm:prSet presAssocID="{465818CE-E041-462F-BACA-CC0FB5948E5B}" presName="rootComposite" presStyleCnt="0"/>
+      <dgm:spPr/>
+    </dgm:pt>
+    <dgm:pt modelId="{DE5880C4-91AF-4A17-B7F4-C0BFED1F2E11}" type="pres">
+      <dgm:prSet presAssocID="{465818CE-E041-462F-BACA-CC0FB5948E5B}" presName="rootText" presStyleLbl="node3" presStyleIdx="5" presStyleCnt="15">
+        <dgm:presLayoutVars>
+          <dgm:chPref val="3"/>
+        </dgm:presLayoutVars>
+      </dgm:prSet>
+      <dgm:spPr/>
+    </dgm:pt>
+    <dgm:pt modelId="{784E570B-E8ED-48AC-94B5-0852B4E2DCFE}" type="pres">
+      <dgm:prSet presAssocID="{465818CE-E041-462F-BACA-CC0FB5948E5B}" presName="rootConnector" presStyleLbl="node3" presStyleIdx="5" presStyleCnt="15"/>
+      <dgm:spPr/>
+    </dgm:pt>
+    <dgm:pt modelId="{56C210AB-4764-4E00-B834-EC5DD5DF43F2}" type="pres">
+      <dgm:prSet presAssocID="{465818CE-E041-462F-BACA-CC0FB5948E5B}" presName="hierChild4" presStyleCnt="0"/>
+      <dgm:spPr/>
+    </dgm:pt>
+    <dgm:pt modelId="{11623E6B-B73B-42F7-9CB7-D5FCCDA23C4A}" type="pres">
+      <dgm:prSet presAssocID="{465818CE-E041-462F-BACA-CC0FB5948E5B}" presName="hierChild5" presStyleCnt="0"/>
+      <dgm:spPr/>
+    </dgm:pt>
+    <dgm:pt modelId="{D4E333D4-5821-4E35-9CFD-783EAABF094D}" type="pres">
+      <dgm:prSet presAssocID="{C26AFA48-AEFA-4AE2-A6D6-CEFC6FDD853B}" presName="Name37" presStyleLbl="parChTrans1D3" presStyleIdx="6" presStyleCnt="15"/>
+      <dgm:spPr/>
+    </dgm:pt>
+    <dgm:pt modelId="{506F078F-184E-4956-B420-1E6A0DBC9A7E}" type="pres">
+      <dgm:prSet presAssocID="{D2F5E419-77F7-4698-9389-5A270BE7BE4C}" presName="hierRoot2" presStyleCnt="0">
+        <dgm:presLayoutVars>
+          <dgm:hierBranch val="init"/>
+        </dgm:presLayoutVars>
+      </dgm:prSet>
+      <dgm:spPr/>
+    </dgm:pt>
+    <dgm:pt modelId="{F5C38398-D51E-46BC-ACA6-1052267F843A}" type="pres">
+      <dgm:prSet presAssocID="{D2F5E419-77F7-4698-9389-5A270BE7BE4C}" presName="rootComposite" presStyleCnt="0"/>
+      <dgm:spPr/>
+    </dgm:pt>
+    <dgm:pt modelId="{2ADCAF9F-F57D-42BD-94DD-D768767BC94F}" type="pres">
+      <dgm:prSet presAssocID="{D2F5E419-77F7-4698-9389-5A270BE7BE4C}" presName="rootText" presStyleLbl="node3" presStyleIdx="6" presStyleCnt="15">
+        <dgm:presLayoutVars>
+          <dgm:chPref val="3"/>
+        </dgm:presLayoutVars>
+      </dgm:prSet>
+      <dgm:spPr/>
+    </dgm:pt>
+    <dgm:pt modelId="{74A37E94-8DC4-41C2-ABB5-1952494F9526}" type="pres">
+      <dgm:prSet presAssocID="{D2F5E419-77F7-4698-9389-5A270BE7BE4C}" presName="rootConnector" presStyleLbl="node3" presStyleIdx="6" presStyleCnt="15"/>
+      <dgm:spPr/>
+    </dgm:pt>
+    <dgm:pt modelId="{EF0546A5-8A74-4B31-8652-79DE0340A764}" type="pres">
+      <dgm:prSet presAssocID="{D2F5E419-77F7-4698-9389-5A270BE7BE4C}" presName="hierChild4" presStyleCnt="0"/>
+      <dgm:spPr/>
+    </dgm:pt>
+    <dgm:pt modelId="{B42B1BC2-3132-4214-B84B-6A0680299E22}" type="pres">
+      <dgm:prSet presAssocID="{D2F5E419-77F7-4698-9389-5A270BE7BE4C}" presName="hierChild5" presStyleCnt="0"/>
+      <dgm:spPr/>
+    </dgm:pt>
+    <dgm:pt modelId="{6AD11DCB-C664-42E5-BBF3-B4C2D431D3FC}" type="pres">
+      <dgm:prSet presAssocID="{06990455-8D06-430A-9955-A57555D0CD5A}" presName="Name37" presStyleLbl="parChTrans1D3" presStyleIdx="7" presStyleCnt="15"/>
+      <dgm:spPr/>
+    </dgm:pt>
+    <dgm:pt modelId="{140796B1-C67E-494B-862F-773E4D1C3A58}" type="pres">
+      <dgm:prSet presAssocID="{5609133A-3239-4A32-88F1-15BB01F0CF67}" presName="hierRoot2" presStyleCnt="0">
+        <dgm:presLayoutVars>
+          <dgm:hierBranch val="init"/>
+        </dgm:presLayoutVars>
+      </dgm:prSet>
+      <dgm:spPr/>
+    </dgm:pt>
+    <dgm:pt modelId="{B1CABA8D-8825-4C5D-84CF-56B09226F150}" type="pres">
+      <dgm:prSet presAssocID="{5609133A-3239-4A32-88F1-15BB01F0CF67}" presName="rootComposite" presStyleCnt="0"/>
+      <dgm:spPr/>
+    </dgm:pt>
+    <dgm:pt modelId="{5A025A0A-65E4-48FD-888B-FB643B2705E2}" type="pres">
+      <dgm:prSet presAssocID="{5609133A-3239-4A32-88F1-15BB01F0CF67}" presName="rootText" presStyleLbl="node3" presStyleIdx="7" presStyleCnt="15" custLinFactY="-21000" custLinFactNeighborX="5011" custLinFactNeighborY="-100000">
+        <dgm:presLayoutVars>
+          <dgm:chPref val="3"/>
+        </dgm:presLayoutVars>
+      </dgm:prSet>
+      <dgm:spPr/>
+    </dgm:pt>
+    <dgm:pt modelId="{13E48253-D105-4B14-A986-50992EE85CCB}" type="pres">
+      <dgm:prSet presAssocID="{5609133A-3239-4A32-88F1-15BB01F0CF67}" presName="rootConnector" presStyleLbl="node3" presStyleIdx="7" presStyleCnt="15"/>
+      <dgm:spPr/>
+    </dgm:pt>
+    <dgm:pt modelId="{6A54174E-E800-468D-AF33-1049B63ACB7C}" type="pres">
+      <dgm:prSet presAssocID="{5609133A-3239-4A32-88F1-15BB01F0CF67}" presName="hierChild4" presStyleCnt="0"/>
+      <dgm:spPr/>
+    </dgm:pt>
+    <dgm:pt modelId="{1CD8FAAA-726B-46FA-8FCC-3805F8834D3A}" type="pres">
+      <dgm:prSet presAssocID="{5609133A-3239-4A32-88F1-15BB01F0CF67}" presName="hierChild5" presStyleCnt="0"/>
+      <dgm:spPr/>
+    </dgm:pt>
+    <dgm:pt modelId="{88731CEF-EF0D-4EEE-9ECB-EE41B1950AD4}" type="pres">
+      <dgm:prSet presAssocID="{DD40AEF9-2276-4AEA-B396-7873F5ADD8AA}" presName="hierChild5" presStyleCnt="0"/>
+      <dgm:spPr/>
+    </dgm:pt>
+    <dgm:pt modelId="{7966D3F4-0B80-446D-8505-0FF4720872B1}" type="pres">
+      <dgm:prSet presAssocID="{A22C5A14-A754-4C66-AF8C-4E3B60F2A115}" presName="Name37" presStyleLbl="parChTrans1D2" presStyleIdx="2" presStyleCnt="4"/>
+      <dgm:spPr/>
+    </dgm:pt>
+    <dgm:pt modelId="{E3A0B0C1-C004-47D4-96C7-C61F93EDBB99}" type="pres">
+      <dgm:prSet presAssocID="{9E0F6BA1-ED46-4C68-AA8E-F38B277573FF}" presName="hierRoot2" presStyleCnt="0">
+        <dgm:presLayoutVars>
+          <dgm:hierBranch val="init"/>
+        </dgm:presLayoutVars>
+      </dgm:prSet>
+      <dgm:spPr/>
+    </dgm:pt>
+    <dgm:pt modelId="{A82D6E1A-BF28-479C-8CC7-AC6103319417}" type="pres">
+      <dgm:prSet presAssocID="{9E0F6BA1-ED46-4C68-AA8E-F38B277573FF}" presName="rootComposite" presStyleCnt="0"/>
+      <dgm:spPr/>
+    </dgm:pt>
+    <dgm:pt modelId="{2D1BCDA4-C923-467E-B18A-630BDECC5F3D}" type="pres">
+      <dgm:prSet presAssocID="{9E0F6BA1-ED46-4C68-AA8E-F38B277573FF}" presName="rootText" presStyleLbl="node2" presStyleIdx="2" presStyleCnt="4" custLinFactY="-21000" custLinFactNeighborX="14030" custLinFactNeighborY="-100000">
+        <dgm:presLayoutVars>
+          <dgm:chPref val="3"/>
+        </dgm:presLayoutVars>
+      </dgm:prSet>
+      <dgm:spPr/>
+    </dgm:pt>
+    <dgm:pt modelId="{591DEFA7-A72D-44BC-81C2-CF737DE432A6}" type="pres">
+      <dgm:prSet presAssocID="{9E0F6BA1-ED46-4C68-AA8E-F38B277573FF}" presName="rootConnector" presStyleLbl="node2" presStyleIdx="2" presStyleCnt="4"/>
+      <dgm:spPr/>
+    </dgm:pt>
+    <dgm:pt modelId="{00582627-E1B4-4B1E-83E4-E1671F2D4019}" type="pres">
+      <dgm:prSet presAssocID="{9E0F6BA1-ED46-4C68-AA8E-F38B277573FF}" presName="hierChild4" presStyleCnt="0"/>
+      <dgm:spPr/>
+    </dgm:pt>
+    <dgm:pt modelId="{9A143D26-A8D8-4018-A4DD-0FFB1B3FB300}" type="pres">
+      <dgm:prSet presAssocID="{FD5CE55B-5FCE-4086-83CE-43B1DDDB9A0D}" presName="Name37" presStyleLbl="parChTrans1D3" presStyleIdx="8" presStyleCnt="15"/>
+      <dgm:spPr/>
+    </dgm:pt>
+    <dgm:pt modelId="{E9EC557F-7A56-4091-896E-BDCC725A895D}" type="pres">
+      <dgm:prSet presAssocID="{C18597E0-1681-4ACC-93E8-852FEC5F1DBD}" presName="hierRoot2" presStyleCnt="0">
+        <dgm:presLayoutVars>
+          <dgm:hierBranch val="init"/>
+        </dgm:presLayoutVars>
+      </dgm:prSet>
+      <dgm:spPr/>
+    </dgm:pt>
+    <dgm:pt modelId="{5E312E63-8A88-4C71-BD23-545EFD7F4646}" type="pres">
+      <dgm:prSet presAssocID="{C18597E0-1681-4ACC-93E8-852FEC5F1DBD}" presName="rootComposite" presStyleCnt="0"/>
+      <dgm:spPr/>
+    </dgm:pt>
+    <dgm:pt modelId="{FD994018-F17C-4925-9B05-AABEAC518909}" type="pres">
+      <dgm:prSet presAssocID="{C18597E0-1681-4ACC-93E8-852FEC5F1DBD}" presName="rootText" presStyleLbl="node3" presStyleIdx="8" presStyleCnt="15">
+        <dgm:presLayoutVars>
+          <dgm:chPref val="3"/>
+        </dgm:presLayoutVars>
+      </dgm:prSet>
+      <dgm:spPr/>
+    </dgm:pt>
+    <dgm:pt modelId="{7E72D148-6C9D-4DA4-BD56-3E677BDF532B}" type="pres">
+      <dgm:prSet presAssocID="{C18597E0-1681-4ACC-93E8-852FEC5F1DBD}" presName="rootConnector" presStyleLbl="node3" presStyleIdx="8" presStyleCnt="15"/>
+      <dgm:spPr/>
+    </dgm:pt>
+    <dgm:pt modelId="{D63F5067-3A23-4D9F-B740-E970C5D9EC9B}" type="pres">
+      <dgm:prSet presAssocID="{C18597E0-1681-4ACC-93E8-852FEC5F1DBD}" presName="hierChild4" presStyleCnt="0"/>
+      <dgm:spPr/>
+    </dgm:pt>
+    <dgm:pt modelId="{415367E5-854F-4753-9C07-0E94D83BAA69}" type="pres">
+      <dgm:prSet presAssocID="{C18597E0-1681-4ACC-93E8-852FEC5F1DBD}" presName="hierChild5" presStyleCnt="0"/>
+      <dgm:spPr/>
+    </dgm:pt>
+    <dgm:pt modelId="{AC5E50ED-E076-487B-8E7A-9FAD4AE10A5B}" type="pres">
+      <dgm:prSet presAssocID="{26EF108E-0446-4CE7-91B3-ECD79F2A3AF8}" presName="Name37" presStyleLbl="parChTrans1D3" presStyleIdx="9" presStyleCnt="15"/>
+      <dgm:spPr/>
+    </dgm:pt>
+    <dgm:pt modelId="{25E8CFB1-4F86-445E-BF1E-99AED86443F3}" type="pres">
+      <dgm:prSet presAssocID="{6D91E283-34A6-4A44-B62E-01AF48A2271E}" presName="hierRoot2" presStyleCnt="0">
+        <dgm:presLayoutVars>
+          <dgm:hierBranch val="init"/>
+        </dgm:presLayoutVars>
+      </dgm:prSet>
+      <dgm:spPr/>
+    </dgm:pt>
+    <dgm:pt modelId="{8DBE5D51-9062-4A46-A530-73607FEF00EB}" type="pres">
+      <dgm:prSet presAssocID="{6D91E283-34A6-4A44-B62E-01AF48A2271E}" presName="rootComposite" presStyleCnt="0"/>
+      <dgm:spPr/>
+    </dgm:pt>
+    <dgm:pt modelId="{094E8D50-BFD9-48EF-BE69-76EE110401BE}" type="pres">
+      <dgm:prSet presAssocID="{6D91E283-34A6-4A44-B62E-01AF48A2271E}" presName="rootText" presStyleLbl="node3" presStyleIdx="9" presStyleCnt="15">
+        <dgm:presLayoutVars>
+          <dgm:chPref val="3"/>
+        </dgm:presLayoutVars>
+      </dgm:prSet>
+      <dgm:spPr/>
+    </dgm:pt>
+    <dgm:pt modelId="{06764B92-D7DD-4C61-B403-49C3D92F7A25}" type="pres">
+      <dgm:prSet presAssocID="{6D91E283-34A6-4A44-B62E-01AF48A2271E}" presName="rootConnector" presStyleLbl="node3" presStyleIdx="9" presStyleCnt="15"/>
+      <dgm:spPr/>
+    </dgm:pt>
+    <dgm:pt modelId="{01BB6504-395B-45FB-907A-E628D550F6F0}" type="pres">
+      <dgm:prSet presAssocID="{6D91E283-34A6-4A44-B62E-01AF48A2271E}" presName="hierChild4" presStyleCnt="0"/>
+      <dgm:spPr/>
+    </dgm:pt>
+    <dgm:pt modelId="{C1A6F900-7C89-42B0-A81B-2F812940F45F}" type="pres">
+      <dgm:prSet presAssocID="{6D91E283-34A6-4A44-B62E-01AF48A2271E}" presName="hierChild5" presStyleCnt="0"/>
+      <dgm:spPr/>
+    </dgm:pt>
+    <dgm:pt modelId="{D312E270-3312-41ED-AB7E-1DDDB6404E92}" type="pres">
+      <dgm:prSet presAssocID="{F7D81547-01AF-45FF-B6D7-C11489E65391}" presName="Name37" presStyleLbl="parChTrans1D3" presStyleIdx="10" presStyleCnt="15"/>
+      <dgm:spPr/>
+    </dgm:pt>
+    <dgm:pt modelId="{06A694BD-305F-48DA-B296-F1A30B91BD92}" type="pres">
+      <dgm:prSet presAssocID="{1705AA74-5033-4A4B-9588-45A8BEEB2564}" presName="hierRoot2" presStyleCnt="0">
+        <dgm:presLayoutVars>
+          <dgm:hierBranch val="init"/>
+        </dgm:presLayoutVars>
+      </dgm:prSet>
+      <dgm:spPr/>
+    </dgm:pt>
+    <dgm:pt modelId="{1EE70544-E91C-46E8-A16D-8FFDB935BA95}" type="pres">
+      <dgm:prSet presAssocID="{1705AA74-5033-4A4B-9588-45A8BEEB2564}" presName="rootComposite" presStyleCnt="0"/>
+      <dgm:spPr/>
+    </dgm:pt>
+    <dgm:pt modelId="{FAE6A99F-9658-4407-88D4-E11F21CC982F}" type="pres">
+      <dgm:prSet presAssocID="{1705AA74-5033-4A4B-9588-45A8BEEB2564}" presName="rootText" presStyleLbl="node3" presStyleIdx="10" presStyleCnt="15">
+        <dgm:presLayoutVars>
+          <dgm:chPref val="3"/>
+        </dgm:presLayoutVars>
+      </dgm:prSet>
+      <dgm:spPr/>
+    </dgm:pt>
+    <dgm:pt modelId="{88FFD002-CAC3-44AE-B792-2149750F72FC}" type="pres">
+      <dgm:prSet presAssocID="{1705AA74-5033-4A4B-9588-45A8BEEB2564}" presName="rootConnector" presStyleLbl="node3" presStyleIdx="10" presStyleCnt="15"/>
+      <dgm:spPr/>
+    </dgm:pt>
+    <dgm:pt modelId="{C93CCF27-6A15-447E-A8F9-3C3EF40E25A6}" type="pres">
+      <dgm:prSet presAssocID="{1705AA74-5033-4A4B-9588-45A8BEEB2564}" presName="hierChild4" presStyleCnt="0"/>
+      <dgm:spPr/>
+    </dgm:pt>
+    <dgm:pt modelId="{26EC042C-2553-433B-9EC6-D148DEE8D91A}" type="pres">
+      <dgm:prSet presAssocID="{1705AA74-5033-4A4B-9588-45A8BEEB2564}" presName="hierChild5" presStyleCnt="0"/>
+      <dgm:spPr/>
+    </dgm:pt>
+    <dgm:pt modelId="{B54B60F4-D175-464D-80DA-2DF44F98F01A}" type="pres">
+      <dgm:prSet presAssocID="{9C5ECFA4-92E3-421A-A83D-9F891D5DFBC3}" presName="Name37" presStyleLbl="parChTrans1D3" presStyleIdx="11" presStyleCnt="15"/>
+      <dgm:spPr/>
+    </dgm:pt>
+    <dgm:pt modelId="{D4852443-8226-4C6B-872B-0D4F691136CF}" type="pres">
+      <dgm:prSet presAssocID="{FE1C25CC-201D-4DD2-80CD-6BB6EB342AD3}" presName="hierRoot2" presStyleCnt="0">
+        <dgm:presLayoutVars>
+          <dgm:hierBranch val="init"/>
+        </dgm:presLayoutVars>
+      </dgm:prSet>
+      <dgm:spPr/>
+    </dgm:pt>
+    <dgm:pt modelId="{41F3AD55-0DAA-4286-B6E0-A58EC79F24F2}" type="pres">
+      <dgm:prSet presAssocID="{FE1C25CC-201D-4DD2-80CD-6BB6EB342AD3}" presName="rootComposite" presStyleCnt="0"/>
+      <dgm:spPr/>
+    </dgm:pt>
+    <dgm:pt modelId="{3033ED67-32AD-439D-AEEC-69FDCEDF0557}" type="pres">
+      <dgm:prSet presAssocID="{FE1C25CC-201D-4DD2-80CD-6BB6EB342AD3}" presName="rootText" presStyleLbl="node3" presStyleIdx="11" presStyleCnt="15">
+        <dgm:presLayoutVars>
+          <dgm:chPref val="3"/>
+        </dgm:presLayoutVars>
+      </dgm:prSet>
+      <dgm:spPr/>
+    </dgm:pt>
+    <dgm:pt modelId="{57E97796-997E-466B-A8FB-9A0A0BD8D7CF}" type="pres">
+      <dgm:prSet presAssocID="{FE1C25CC-201D-4DD2-80CD-6BB6EB342AD3}" presName="rootConnector" presStyleLbl="node3" presStyleIdx="11" presStyleCnt="15"/>
+      <dgm:spPr/>
+    </dgm:pt>
+    <dgm:pt modelId="{42FB037E-E34B-458B-95CA-06180B2D49A1}" type="pres">
+      <dgm:prSet presAssocID="{FE1C25CC-201D-4DD2-80CD-6BB6EB342AD3}" presName="hierChild4" presStyleCnt="0"/>
+      <dgm:spPr/>
+    </dgm:pt>
+    <dgm:pt modelId="{D418D7F6-F7F9-4152-B0F7-7B18B46EE2D3}" type="pres">
+      <dgm:prSet presAssocID="{FE1C25CC-201D-4DD2-80CD-6BB6EB342AD3}" presName="hierChild5" presStyleCnt="0"/>
+      <dgm:spPr/>
+    </dgm:pt>
+    <dgm:pt modelId="{6334060D-77D1-4199-B3DB-F96832A591F8}" type="pres">
+      <dgm:prSet presAssocID="{9E0F6BA1-ED46-4C68-AA8E-F38B277573FF}" presName="hierChild5" presStyleCnt="0"/>
+      <dgm:spPr/>
+    </dgm:pt>
+    <dgm:pt modelId="{BD07F684-5C7D-45CA-B432-2DAF08FF67AD}" type="pres">
+      <dgm:prSet presAssocID="{22D8A406-18BC-412E-B671-BCCFD7F013B4}" presName="Name37" presStyleLbl="parChTrans1D2" presStyleIdx="3" presStyleCnt="4"/>
+      <dgm:spPr/>
+    </dgm:pt>
+    <dgm:pt modelId="{8542B37F-6D6E-4C81-A6F1-B92EFF11A219}" type="pres">
+      <dgm:prSet presAssocID="{6A5DEE00-2518-49F7-A2EB-3656029B7599}" presName="hierRoot2" presStyleCnt="0">
+        <dgm:presLayoutVars>
+          <dgm:hierBranch val="init"/>
+        </dgm:presLayoutVars>
+      </dgm:prSet>
+      <dgm:spPr/>
+    </dgm:pt>
+    <dgm:pt modelId="{65BCE8C2-D56E-4E1D-BAF8-3F847E860285}" type="pres">
+      <dgm:prSet presAssocID="{6A5DEE00-2518-49F7-A2EB-3656029B7599}" presName="rootComposite" presStyleCnt="0"/>
+      <dgm:spPr/>
+    </dgm:pt>
+    <dgm:pt modelId="{6CC8D5A8-B83C-4E32-AEDB-708EEF218CEA}" type="pres">
+      <dgm:prSet presAssocID="{6A5DEE00-2518-49F7-A2EB-3656029B7599}" presName="rootText" presStyleLbl="node2" presStyleIdx="3" presStyleCnt="4">
+        <dgm:presLayoutVars>
+          <dgm:chPref val="3"/>
+        </dgm:presLayoutVars>
+      </dgm:prSet>
+      <dgm:spPr/>
+    </dgm:pt>
+    <dgm:pt modelId="{2DE932EC-A79B-4768-BEAD-37629C76D7EE}" type="pres">
+      <dgm:prSet presAssocID="{6A5DEE00-2518-49F7-A2EB-3656029B7599}" presName="rootConnector" presStyleLbl="node2" presStyleIdx="3" presStyleCnt="4"/>
+      <dgm:spPr/>
+    </dgm:pt>
+    <dgm:pt modelId="{0360EEB7-0098-47C2-B3B0-3A5F34F1A54B}" type="pres">
+      <dgm:prSet presAssocID="{6A5DEE00-2518-49F7-A2EB-3656029B7599}" presName="hierChild4" presStyleCnt="0"/>
+      <dgm:spPr/>
+    </dgm:pt>
+    <dgm:pt modelId="{495F85BC-107B-4243-8E33-441DA24998B3}" type="pres">
+      <dgm:prSet presAssocID="{BC8CF7F4-DCD4-4BDA-9761-3D16ACCF200B}" presName="Name37" presStyleLbl="parChTrans1D3" presStyleIdx="12" presStyleCnt="15"/>
+      <dgm:spPr/>
+    </dgm:pt>
+    <dgm:pt modelId="{C286BA60-7F5B-4C3A-B631-BAEE21FB11A3}" type="pres">
+      <dgm:prSet presAssocID="{F228CC46-F438-4C74-9899-400860C2995A}" presName="hierRoot2" presStyleCnt="0">
+        <dgm:presLayoutVars>
+          <dgm:hierBranch val="init"/>
+        </dgm:presLayoutVars>
+      </dgm:prSet>
+      <dgm:spPr/>
+    </dgm:pt>
+    <dgm:pt modelId="{9BBB52E4-D5B2-4382-B871-E5D43916D242}" type="pres">
+      <dgm:prSet presAssocID="{F228CC46-F438-4C74-9899-400860C2995A}" presName="rootComposite" presStyleCnt="0"/>
+      <dgm:spPr/>
+    </dgm:pt>
+    <dgm:pt modelId="{2C96B520-DA85-4003-A50C-0D9CBAB20E2E}" type="pres">
+      <dgm:prSet presAssocID="{F228CC46-F438-4C74-9899-400860C2995A}" presName="rootText" presStyleLbl="node3" presStyleIdx="12" presStyleCnt="15">
+        <dgm:presLayoutVars>
+          <dgm:chPref val="3"/>
+        </dgm:presLayoutVars>
+      </dgm:prSet>
+      <dgm:spPr/>
+    </dgm:pt>
+    <dgm:pt modelId="{FF8AEEBC-D6C9-4962-8EAE-A4C6CD8B8D49}" type="pres">
+      <dgm:prSet presAssocID="{F228CC46-F438-4C74-9899-400860C2995A}" presName="rootConnector" presStyleLbl="node3" presStyleIdx="12" presStyleCnt="15"/>
+      <dgm:spPr/>
+    </dgm:pt>
+    <dgm:pt modelId="{C642745F-2007-40C0-8365-1550503F8144}" type="pres">
+      <dgm:prSet presAssocID="{F228CC46-F438-4C74-9899-400860C2995A}" presName="hierChild4" presStyleCnt="0"/>
+      <dgm:spPr/>
+    </dgm:pt>
+    <dgm:pt modelId="{584E1164-9B18-44F6-97FF-C61707714C67}" type="pres">
+      <dgm:prSet presAssocID="{F228CC46-F438-4C74-9899-400860C2995A}" presName="hierChild5" presStyleCnt="0"/>
+      <dgm:spPr/>
+    </dgm:pt>
+    <dgm:pt modelId="{C6510906-FC02-416B-834D-DD3591FBDC86}" type="pres">
+      <dgm:prSet presAssocID="{B2069FAD-B1C8-43F7-A1B6-92D5DE551E90}" presName="Name37" presStyleLbl="parChTrans1D3" presStyleIdx="13" presStyleCnt="15"/>
+      <dgm:spPr/>
+    </dgm:pt>
+    <dgm:pt modelId="{04368A3E-0FF3-49F8-848B-E0A57AA16EA6}" type="pres">
+      <dgm:prSet presAssocID="{16D982F8-0FD6-4470-A716-4A9DCD5FB492}" presName="hierRoot2" presStyleCnt="0">
+        <dgm:presLayoutVars>
+          <dgm:hierBranch val="init"/>
+        </dgm:presLayoutVars>
+      </dgm:prSet>
+      <dgm:spPr/>
+    </dgm:pt>
+    <dgm:pt modelId="{8D2BA7B1-36BA-45AB-85DB-F89C5B498B20}" type="pres">
+      <dgm:prSet presAssocID="{16D982F8-0FD6-4470-A716-4A9DCD5FB492}" presName="rootComposite" presStyleCnt="0"/>
+      <dgm:spPr/>
+    </dgm:pt>
+    <dgm:pt modelId="{21B0C2F9-4491-4771-903E-2E57E65126AE}" type="pres">
+      <dgm:prSet presAssocID="{16D982F8-0FD6-4470-A716-4A9DCD5FB492}" presName="rootText" presStyleLbl="node3" presStyleIdx="13" presStyleCnt="15">
+        <dgm:presLayoutVars>
+          <dgm:chPref val="3"/>
+        </dgm:presLayoutVars>
+      </dgm:prSet>
+      <dgm:spPr/>
+    </dgm:pt>
+    <dgm:pt modelId="{2BD7A2ED-05B3-4AFF-A195-E8834C0274D3}" type="pres">
+      <dgm:prSet presAssocID="{16D982F8-0FD6-4470-A716-4A9DCD5FB492}" presName="rootConnector" presStyleLbl="node3" presStyleIdx="13" presStyleCnt="15"/>
+      <dgm:spPr/>
+    </dgm:pt>
+    <dgm:pt modelId="{71883D35-A6B4-4575-A4FC-AFFAAA2C2299}" type="pres">
+      <dgm:prSet presAssocID="{16D982F8-0FD6-4470-A716-4A9DCD5FB492}" presName="hierChild4" presStyleCnt="0"/>
+      <dgm:spPr/>
+    </dgm:pt>
+    <dgm:pt modelId="{677253E0-52E4-4845-A49B-38664AC3ED57}" type="pres">
+      <dgm:prSet presAssocID="{16D982F8-0FD6-4470-A716-4A9DCD5FB492}" presName="hierChild5" presStyleCnt="0"/>
+      <dgm:spPr/>
+    </dgm:pt>
+    <dgm:pt modelId="{1E3A1824-89A9-43C3-B922-2DE7D11DCEA7}" type="pres">
+      <dgm:prSet presAssocID="{32E0511D-90BE-4947-B5A6-71F376CF5D03}" presName="Name37" presStyleLbl="parChTrans1D3" presStyleIdx="14" presStyleCnt="15"/>
+      <dgm:spPr/>
+    </dgm:pt>
+    <dgm:pt modelId="{C4D77535-DCBE-463F-92F4-8E3B3FD2F320}" type="pres">
+      <dgm:prSet presAssocID="{4F948AA0-D424-4E2D-A024-93D50F1A98E1}" presName="hierRoot2" presStyleCnt="0">
+        <dgm:presLayoutVars>
+          <dgm:hierBranch val="init"/>
+        </dgm:presLayoutVars>
+      </dgm:prSet>
+      <dgm:spPr/>
+    </dgm:pt>
+    <dgm:pt modelId="{79D79AA8-6A32-4186-80AD-5A0FE6FDDCC2}" type="pres">
+      <dgm:prSet presAssocID="{4F948AA0-D424-4E2D-A024-93D50F1A98E1}" presName="rootComposite" presStyleCnt="0"/>
+      <dgm:spPr/>
+    </dgm:pt>
+    <dgm:pt modelId="{A89C9113-97A5-490D-A335-B615D2C403F9}" type="pres">
+      <dgm:prSet presAssocID="{4F948AA0-D424-4E2D-A024-93D50F1A98E1}" presName="rootText" presStyleLbl="node3" presStyleIdx="14" presStyleCnt="15">
+        <dgm:presLayoutVars>
+          <dgm:chPref val="3"/>
+        </dgm:presLayoutVars>
+      </dgm:prSet>
+      <dgm:spPr/>
+    </dgm:pt>
+    <dgm:pt modelId="{9DCABA75-FF5A-498F-8101-2732D2BDDB54}" type="pres">
+      <dgm:prSet presAssocID="{4F948AA0-D424-4E2D-A024-93D50F1A98E1}" presName="rootConnector" presStyleLbl="node3" presStyleIdx="14" presStyleCnt="15"/>
+      <dgm:spPr/>
+    </dgm:pt>
+    <dgm:pt modelId="{4902961E-A663-445B-9980-A9C6EEBF958B}" type="pres">
+      <dgm:prSet presAssocID="{4F948AA0-D424-4E2D-A024-93D50F1A98E1}" presName="hierChild4" presStyleCnt="0"/>
+      <dgm:spPr/>
+    </dgm:pt>
+    <dgm:pt modelId="{99B96DB6-7B57-40D5-B2D3-56E82D24ADE3}" type="pres">
+      <dgm:prSet presAssocID="{4F948AA0-D424-4E2D-A024-93D50F1A98E1}" presName="hierChild5" presStyleCnt="0"/>
+      <dgm:spPr/>
+    </dgm:pt>
+    <dgm:pt modelId="{6899C78C-C4C1-4EEA-80FB-100EECB12C99}" type="pres">
+      <dgm:prSet presAssocID="{6A5DEE00-2518-49F7-A2EB-3656029B7599}" presName="hierChild5" presStyleCnt="0"/>
+      <dgm:spPr/>
+    </dgm:pt>
+    <dgm:pt modelId="{199580FA-8A4F-48D9-B744-FD7AB68B5CAC}" type="pres">
+      <dgm:prSet presAssocID="{A06E7F51-B64B-402D-B0EC-6E343740A45F}" presName="hierChild3" presStyleCnt="0"/>
+      <dgm:spPr/>
+    </dgm:pt>
+  </dgm:ptLst>
+  <dgm:cxnLst>
+    <dgm:cxn modelId="{690CE704-1425-4A50-AAF1-C9A7EAD393B1}" type="presOf" srcId="{F228CC46-F438-4C74-9899-400860C2995A}" destId="{2C96B520-DA85-4003-A50C-0D9CBAB20E2E}" srcOrd="0" destOrd="0" presId="urn:microsoft.com/office/officeart/2005/8/layout/orgChart1"/>
+    <dgm:cxn modelId="{72818209-E2B3-4D48-A2B0-C941035FDADE}" type="presOf" srcId="{465818CE-E041-462F-BACA-CC0FB5948E5B}" destId="{DE5880C4-91AF-4A17-B7F4-C0BFED1F2E11}" srcOrd="0" destOrd="0" presId="urn:microsoft.com/office/officeart/2005/8/layout/orgChart1"/>
+    <dgm:cxn modelId="{D582B509-3705-4950-AD88-7A4E4212E4B2}" type="presOf" srcId="{465818CE-E041-462F-BACA-CC0FB5948E5B}" destId="{784E570B-E8ED-48AC-94B5-0852B4E2DCFE}" srcOrd="1" destOrd="0" presId="urn:microsoft.com/office/officeart/2005/8/layout/orgChart1"/>
+    <dgm:cxn modelId="{F4FB980A-D582-4C29-96B8-D07411EB77E9}" type="presOf" srcId="{F9B7A03E-E5D2-4579-B30D-4665AB971055}" destId="{1AE9DA4E-E642-4D05-8C7B-57488624FDEA}" srcOrd="1" destOrd="0" presId="urn:microsoft.com/office/officeart/2005/8/layout/orgChart1"/>
+    <dgm:cxn modelId="{73081F10-1E98-40BE-BFC3-2239BC4DD0B2}" type="presOf" srcId="{A06E7F51-B64B-402D-B0EC-6E343740A45F}" destId="{ACB97B87-9E67-424E-86D9-0FDBA2F0D382}" srcOrd="0" destOrd="0" presId="urn:microsoft.com/office/officeart/2005/8/layout/orgChart1"/>
+    <dgm:cxn modelId="{BD645A14-B37B-49EF-B89E-66E3F6D6CD96}" type="presOf" srcId="{D2F5E419-77F7-4698-9389-5A270BE7BE4C}" destId="{2ADCAF9F-F57D-42BD-94DD-D768767BC94F}" srcOrd="0" destOrd="0" presId="urn:microsoft.com/office/officeart/2005/8/layout/orgChart1"/>
+    <dgm:cxn modelId="{214F2E15-F93E-4B6E-851A-A151AB281BC7}" type="presOf" srcId="{E267C67D-550B-42E5-8065-783C65BFB379}" destId="{6A892B32-1B12-483E-AC85-8EA6B1D70EFF}" srcOrd="0" destOrd="0" presId="urn:microsoft.com/office/officeart/2005/8/layout/orgChart1"/>
+    <dgm:cxn modelId="{8AE44F19-4527-47EB-AF8A-7B99A50A97C0}" type="presOf" srcId="{AE88A343-9CD6-414C-A81A-DEAED450130B}" destId="{766E2027-4DB3-4C2F-ABFA-C218F25EE5D5}" srcOrd="0" destOrd="0" presId="urn:microsoft.com/office/officeart/2005/8/layout/orgChart1"/>
+    <dgm:cxn modelId="{1A58D01A-D35F-4566-9051-6CAC52DA40E6}" srcId="{F9B7A03E-E5D2-4579-B30D-4665AB971055}" destId="{7441F31C-3A0A-4D8C-9E07-35FB178B97C6}" srcOrd="3" destOrd="0" parTransId="{405F8824-D88D-4FD3-8BA4-AD24B051B462}" sibTransId="{2089F4FE-9612-4C15-81A9-1FFEEF768C27}"/>
+    <dgm:cxn modelId="{B7C6FC1D-2D14-47AF-BB6F-BAE71363C8E2}" srcId="{DD40AEF9-2276-4AEA-B396-7873F5ADD8AA}" destId="{69E25472-4ABB-42E8-9EA6-664BA1C5406F}" srcOrd="0" destOrd="0" parTransId="{9F3C16A4-CF0D-4A23-B4A2-E2583B8CD74E}" sibTransId="{DC15B703-DE56-4A27-A828-D94A60646FD2}"/>
+    <dgm:cxn modelId="{41C0C024-2A41-4B63-97E8-41C0AC121E37}" type="presOf" srcId="{F9B7A03E-E5D2-4579-B30D-4665AB971055}" destId="{AE18A72C-8093-48D4-9390-696BA6D151D1}" srcOrd="0" destOrd="0" presId="urn:microsoft.com/office/officeart/2005/8/layout/orgChart1"/>
+    <dgm:cxn modelId="{CCF04926-9516-4D67-BB8B-2A15DE5BB01D}" srcId="{9E0F6BA1-ED46-4C68-AA8E-F38B277573FF}" destId="{6D91E283-34A6-4A44-B62E-01AF48A2271E}" srcOrd="1" destOrd="0" parTransId="{26EF108E-0446-4CE7-91B3-ECD79F2A3AF8}" sibTransId="{2BB21533-AB65-46B2-AA4A-086115B522F3}"/>
+    <dgm:cxn modelId="{4ED94F29-43CE-4CAF-B937-5331647CEB99}" srcId="{6A5DEE00-2518-49F7-A2EB-3656029B7599}" destId="{4F948AA0-D424-4E2D-A024-93D50F1A98E1}" srcOrd="2" destOrd="0" parTransId="{32E0511D-90BE-4947-B5A6-71F376CF5D03}" sibTransId="{464F8637-9EBA-4A54-A27D-7CD51C3D2B1F}"/>
+    <dgm:cxn modelId="{B248102A-0E50-423D-926A-A7407353A274}" type="presOf" srcId="{22D8A406-18BC-412E-B671-BCCFD7F013B4}" destId="{BD07F684-5C7D-45CA-B432-2DAF08FF67AD}" srcOrd="0" destOrd="0" presId="urn:microsoft.com/office/officeart/2005/8/layout/orgChart1"/>
+    <dgm:cxn modelId="{14C84E2C-9340-4E62-8865-4E06388FA928}" srcId="{6A5DEE00-2518-49F7-A2EB-3656029B7599}" destId="{F228CC46-F438-4C74-9899-400860C2995A}" srcOrd="0" destOrd="0" parTransId="{BC8CF7F4-DCD4-4BDA-9761-3D16ACCF200B}" sibTransId="{305DE88C-8F10-42E4-ACD3-56D8A761D5CF}"/>
+    <dgm:cxn modelId="{2544352E-8E13-40F8-87A7-654446A10DEC}" srcId="{A06E7F51-B64B-402D-B0EC-6E343740A45F}" destId="{6A5DEE00-2518-49F7-A2EB-3656029B7599}" srcOrd="3" destOrd="0" parTransId="{22D8A406-18BC-412E-B671-BCCFD7F013B4}" sibTransId="{3182E6E4-33E0-4098-9ABE-9CFDB64B50C3}"/>
+    <dgm:cxn modelId="{89D28C30-BD68-4592-AD29-56E902583960}" type="presOf" srcId="{BC8CF7F4-DCD4-4BDA-9761-3D16ACCF200B}" destId="{495F85BC-107B-4243-8E33-441DA24998B3}" srcOrd="0" destOrd="0" presId="urn:microsoft.com/office/officeart/2005/8/layout/orgChart1"/>
+    <dgm:cxn modelId="{BA9F3432-2375-4AE2-A371-C6F9DB13E233}" srcId="{A06E7F51-B64B-402D-B0EC-6E343740A45F}" destId="{F9B7A03E-E5D2-4579-B30D-4665AB971055}" srcOrd="0" destOrd="0" parTransId="{AE88A343-9CD6-414C-A81A-DEAED450130B}" sibTransId="{497048D4-944E-4851-BFFC-3B3A2BEAAABB}"/>
+    <dgm:cxn modelId="{C795BA32-8519-4016-BB46-11677DC2AA88}" type="presOf" srcId="{DD40AEF9-2276-4AEA-B396-7873F5ADD8AA}" destId="{FC370E98-E3C7-4347-A716-E7DA177239C7}" srcOrd="0" destOrd="0" presId="urn:microsoft.com/office/officeart/2005/8/layout/orgChart1"/>
+    <dgm:cxn modelId="{B22D3634-20BF-4B4C-9C67-84B9D8C79D97}" type="presOf" srcId="{405F8824-D88D-4FD3-8BA4-AD24B051B462}" destId="{55628B5D-270F-4E2A-928D-B7A8388A5409}" srcOrd="0" destOrd="0" presId="urn:microsoft.com/office/officeart/2005/8/layout/orgChart1"/>
+    <dgm:cxn modelId="{AEE87E3A-71DF-46EB-8D0C-22FB9B8C6841}" type="presOf" srcId="{FE1C25CC-201D-4DD2-80CD-6BB6EB342AD3}" destId="{57E97796-997E-466B-A8FB-9A0A0BD8D7CF}" srcOrd="1" destOrd="0" presId="urn:microsoft.com/office/officeart/2005/8/layout/orgChart1"/>
+    <dgm:cxn modelId="{8C650A3B-11EC-4774-83AA-DD8EEFA55665}" type="presOf" srcId="{4F948AA0-D424-4E2D-A024-93D50F1A98E1}" destId="{9DCABA75-FF5A-498F-8101-2732D2BDDB54}" srcOrd="1" destOrd="0" presId="urn:microsoft.com/office/officeart/2005/8/layout/orgChart1"/>
+    <dgm:cxn modelId="{E5E64B62-C074-4889-950B-B09C0BF6F4BD}" srcId="{F9B7A03E-E5D2-4579-B30D-4665AB971055}" destId="{9AFCF6C8-60CD-45C5-8166-B3BCF2D3E63E}" srcOrd="1" destOrd="0" parTransId="{7628AB4F-3180-4029-8EEE-6D6D47244FEA}" sibTransId="{52F65036-2774-432D-95A2-E094768134D5}"/>
+    <dgm:cxn modelId="{93C27843-E9EC-4CA4-BB48-86370E0505B1}" type="presOf" srcId="{16D982F8-0FD6-4470-A716-4A9DCD5FB492}" destId="{2BD7A2ED-05B3-4AFF-A195-E8834C0274D3}" srcOrd="1" destOrd="0" presId="urn:microsoft.com/office/officeart/2005/8/layout/orgChart1"/>
+    <dgm:cxn modelId="{12A7FB63-2384-4640-A3C4-74BF5612B9D6}" type="presOf" srcId="{9AFCF6C8-60CD-45C5-8166-B3BCF2D3E63E}" destId="{3E37CC90-85CA-4F80-86A8-22C21B26912D}" srcOrd="1" destOrd="0" presId="urn:microsoft.com/office/officeart/2005/8/layout/orgChart1"/>
+    <dgm:cxn modelId="{63BC6865-0BCA-4AF5-97A7-4A21D38A16B1}" srcId="{F9B7A03E-E5D2-4579-B30D-4665AB971055}" destId="{B0FE9662-21B3-46A8-9853-8CE7E12005A8}" srcOrd="0" destOrd="0" parTransId="{D77FF1DA-D07A-4CBB-B9C3-30D3D9C5BBB8}" sibTransId="{DF6A1301-5F56-4CFB-A336-51CFA3A9662A}"/>
+    <dgm:cxn modelId="{621C2566-62E5-4DBD-B8A8-35276B49269D}" srcId="{A06E7F51-B64B-402D-B0EC-6E343740A45F}" destId="{DD40AEF9-2276-4AEA-B396-7873F5ADD8AA}" srcOrd="1" destOrd="0" parTransId="{C367B7B1-7623-4439-9337-7F122ED27589}" sibTransId="{5143E81D-BCB6-4CCF-88AF-1A288476E95C}"/>
+    <dgm:cxn modelId="{E3DCEA48-A949-4E94-A4B6-62A759B55EBC}" type="presOf" srcId="{1705AA74-5033-4A4B-9588-45A8BEEB2564}" destId="{FAE6A99F-9658-4407-88D4-E11F21CC982F}" srcOrd="0" destOrd="0" presId="urn:microsoft.com/office/officeart/2005/8/layout/orgChart1"/>
+    <dgm:cxn modelId="{B1C7CD69-AAFE-4F81-BC2A-EF9C6428339F}" type="presOf" srcId="{6A5DEE00-2518-49F7-A2EB-3656029B7599}" destId="{6CC8D5A8-B83C-4E32-AEDB-708EEF218CEA}" srcOrd="0" destOrd="0" presId="urn:microsoft.com/office/officeart/2005/8/layout/orgChart1"/>
+    <dgm:cxn modelId="{4D0B3F6B-0F2B-4CCD-B275-EB5BDF2B418B}" type="presOf" srcId="{9AFCF6C8-60CD-45C5-8166-B3BCF2D3E63E}" destId="{82C33C79-7E80-419E-84A1-7181BC601E0A}" srcOrd="0" destOrd="0" presId="urn:microsoft.com/office/officeart/2005/8/layout/orgChart1"/>
+    <dgm:cxn modelId="{6752566E-EFA5-4DD6-AA98-A12425076ECD}" type="presOf" srcId="{C367B7B1-7623-4439-9337-7F122ED27589}" destId="{B038FDF5-2963-42C0-B632-23CDF9C286E0}" srcOrd="0" destOrd="0" presId="urn:microsoft.com/office/officeart/2005/8/layout/orgChart1"/>
+    <dgm:cxn modelId="{D02B8B70-2F74-4121-BF0A-395B21067A47}" type="presOf" srcId="{F34FC01A-3BA0-4597-A9FA-1ACD303F825E}" destId="{7DFF36E6-1685-474C-9875-0723473C42D6}" srcOrd="0" destOrd="0" presId="urn:microsoft.com/office/officeart/2005/8/layout/orgChart1"/>
+    <dgm:cxn modelId="{DA208E72-1088-459E-B1CB-C7540D41D87A}" type="presOf" srcId="{9E0F6BA1-ED46-4C68-AA8E-F38B277573FF}" destId="{2D1BCDA4-C923-467E-B18A-630BDECC5F3D}" srcOrd="0" destOrd="0" presId="urn:microsoft.com/office/officeart/2005/8/layout/orgChart1"/>
+    <dgm:cxn modelId="{01B5FA55-B8EE-4A23-A9DE-DFC83CEC8CB3}" type="presOf" srcId="{B0FE9662-21B3-46A8-9853-8CE7E12005A8}" destId="{1B228EAC-3534-41D2-BD21-20632DD75CFC}" srcOrd="1" destOrd="0" presId="urn:microsoft.com/office/officeart/2005/8/layout/orgChart1"/>
+    <dgm:cxn modelId="{60D09C57-5D54-458E-A500-431581CA7394}" srcId="{DD40AEF9-2276-4AEA-B396-7873F5ADD8AA}" destId="{5609133A-3239-4A32-88F1-15BB01F0CF67}" srcOrd="3" destOrd="0" parTransId="{06990455-8D06-430A-9955-A57555D0CD5A}" sibTransId="{47790A2F-F039-4737-A667-181AA5E93290}"/>
+    <dgm:cxn modelId="{DC131E78-B772-4EA1-A955-4AB4809C9545}" type="presOf" srcId="{6D91E283-34A6-4A44-B62E-01AF48A2271E}" destId="{094E8D50-BFD9-48EF-BE69-76EE110401BE}" srcOrd="0" destOrd="0" presId="urn:microsoft.com/office/officeart/2005/8/layout/orgChart1"/>
+    <dgm:cxn modelId="{96C25B58-1202-41C3-A6F3-7F0522303389}" srcId="{9E0F6BA1-ED46-4C68-AA8E-F38B277573FF}" destId="{C18597E0-1681-4ACC-93E8-852FEC5F1DBD}" srcOrd="0" destOrd="0" parTransId="{FD5CE55B-5FCE-4086-83CE-43B1DDDB9A0D}" sibTransId="{70409D24-AB66-4FC8-927A-5256E03D9E1F}"/>
+    <dgm:cxn modelId="{4FC4A658-C879-42F8-A644-8A3F2696CD0F}" type="presOf" srcId="{7441F31C-3A0A-4D8C-9E07-35FB178B97C6}" destId="{F20F155C-210A-4AA6-8C25-4029D481A5F3}" srcOrd="0" destOrd="0" presId="urn:microsoft.com/office/officeart/2005/8/layout/orgChart1"/>
+    <dgm:cxn modelId="{F229F479-7A14-45D0-B095-E3A8AB383C14}" type="presOf" srcId="{7441F31C-3A0A-4D8C-9E07-35FB178B97C6}" destId="{C78A79F0-9208-4E67-B30E-251FAE1A4BDA}" srcOrd="1" destOrd="0" presId="urn:microsoft.com/office/officeart/2005/8/layout/orgChart1"/>
+    <dgm:cxn modelId="{B5586B7B-ABD0-45FC-B15E-359357771F2D}" type="presOf" srcId="{4F948AA0-D424-4E2D-A024-93D50F1A98E1}" destId="{A89C9113-97A5-490D-A335-B615D2C403F9}" srcOrd="0" destOrd="0" presId="urn:microsoft.com/office/officeart/2005/8/layout/orgChart1"/>
+    <dgm:cxn modelId="{794B257D-ADF6-42B9-8257-CACFA9B6A7FE}" type="presOf" srcId="{69E25472-4ABB-42E8-9EA6-664BA1C5406F}" destId="{DD28AE78-2818-461C-B6FD-B5748297961B}" srcOrd="0" destOrd="0" presId="urn:microsoft.com/office/officeart/2005/8/layout/orgChart1"/>
+    <dgm:cxn modelId="{3B694480-0D79-422A-A905-6E11CA41EC9B}" type="presOf" srcId="{D2F5E419-77F7-4698-9389-5A270BE7BE4C}" destId="{74A37E94-8DC4-41C2-ABB5-1952494F9526}" srcOrd="1" destOrd="0" presId="urn:microsoft.com/office/officeart/2005/8/layout/orgChart1"/>
+    <dgm:cxn modelId="{55DB3886-66B9-46C7-A265-2B4803860A88}" srcId="{F9B7A03E-E5D2-4579-B30D-4665AB971055}" destId="{E267C67D-550B-42E5-8065-783C65BFB379}" srcOrd="2" destOrd="0" parTransId="{F34FC01A-3BA0-4597-A9FA-1ACD303F825E}" sibTransId="{5C27D9D9-529D-48E0-9555-A4767B2B445D}"/>
+    <dgm:cxn modelId="{B95F878A-A03F-4DFB-B12F-1DE341C2894F}" type="presOf" srcId="{26EF108E-0446-4CE7-91B3-ECD79F2A3AF8}" destId="{AC5E50ED-E076-487B-8E7A-9FAD4AE10A5B}" srcOrd="0" destOrd="0" presId="urn:microsoft.com/office/officeart/2005/8/layout/orgChart1"/>
+    <dgm:cxn modelId="{65E8928B-5E15-4C8D-A8CB-FBBD19A06866}" type="presOf" srcId="{69E25472-4ABB-42E8-9EA6-664BA1C5406F}" destId="{CEA5421F-56D4-4FE3-A4D6-10BE495B69D3}" srcOrd="1" destOrd="0" presId="urn:microsoft.com/office/officeart/2005/8/layout/orgChart1"/>
+    <dgm:cxn modelId="{91CF0E8E-658C-4A8F-8424-2F682AD38164}" srcId="{A06E7F51-B64B-402D-B0EC-6E343740A45F}" destId="{9E0F6BA1-ED46-4C68-AA8E-F38B277573FF}" srcOrd="2" destOrd="0" parTransId="{A22C5A14-A754-4C66-AF8C-4E3B60F2A115}" sibTransId="{3A49024C-B743-42A0-82BB-564881B3C196}"/>
+    <dgm:cxn modelId="{55D8E991-3526-43D8-AB3B-AB68F55CF756}" type="presOf" srcId="{FD5CE55B-5FCE-4086-83CE-43B1DDDB9A0D}" destId="{9A143D26-A8D8-4018-A4DD-0FFB1B3FB300}" srcOrd="0" destOrd="0" presId="urn:microsoft.com/office/officeart/2005/8/layout/orgChart1"/>
+    <dgm:cxn modelId="{53E30C94-BB80-4FB1-9BE8-AED2703B38C7}" type="presOf" srcId="{9C5ECFA4-92E3-421A-A83D-9F891D5DFBC3}" destId="{B54B60F4-D175-464D-80DA-2DF44F98F01A}" srcOrd="0" destOrd="0" presId="urn:microsoft.com/office/officeart/2005/8/layout/orgChart1"/>
+    <dgm:cxn modelId="{625A0595-FA58-4709-A5B0-A054CE3E41FA}" type="presOf" srcId="{B0FE9662-21B3-46A8-9853-8CE7E12005A8}" destId="{88021641-12F4-4FC9-83F1-16451E980259}" srcOrd="0" destOrd="0" presId="urn:microsoft.com/office/officeart/2005/8/layout/orgChart1"/>
+    <dgm:cxn modelId="{37A45B9B-EC79-4B6E-96EB-53C448BD7CD3}" type="presOf" srcId="{C26AFA48-AEFA-4AE2-A6D6-CEFC6FDD853B}" destId="{D4E333D4-5821-4E35-9CFD-783EAABF094D}" srcOrd="0" destOrd="0" presId="urn:microsoft.com/office/officeart/2005/8/layout/orgChart1"/>
+    <dgm:cxn modelId="{9159759D-5BFB-4384-A259-373891AA7567}" type="presOf" srcId="{C18597E0-1681-4ACC-93E8-852FEC5F1DBD}" destId="{7E72D148-6C9D-4DA4-BD56-3E677BDF532B}" srcOrd="1" destOrd="0" presId="urn:microsoft.com/office/officeart/2005/8/layout/orgChart1"/>
+    <dgm:cxn modelId="{B3709E9F-7382-44AF-8842-81F22B00AE97}" type="presOf" srcId="{DD40AEF9-2276-4AEA-B396-7873F5ADD8AA}" destId="{E92387BC-9B6C-47E9-9CF8-C962FAD16555}" srcOrd="1" destOrd="0" presId="urn:microsoft.com/office/officeart/2005/8/layout/orgChart1"/>
+    <dgm:cxn modelId="{A6257EA1-D525-4100-8BAC-884050C6BEB9}" type="presOf" srcId="{5609133A-3239-4A32-88F1-15BB01F0CF67}" destId="{13E48253-D105-4B14-A986-50992EE85CCB}" srcOrd="1" destOrd="0" presId="urn:microsoft.com/office/officeart/2005/8/layout/orgChart1"/>
+    <dgm:cxn modelId="{124051A3-03BB-4326-96FB-8C2C3E950AE8}" type="presOf" srcId="{C5269AD4-EEED-4504-A4ED-32F852488B37}" destId="{5D2DEA48-0850-4DDF-9E12-7FDD1057307B}" srcOrd="0" destOrd="0" presId="urn:microsoft.com/office/officeart/2005/8/layout/orgChart1"/>
+    <dgm:cxn modelId="{87D289A6-3B45-4514-B96B-DF66848628A2}" type="presOf" srcId="{5609133A-3239-4A32-88F1-15BB01F0CF67}" destId="{5A025A0A-65E4-48FD-888B-FB643B2705E2}" srcOrd="0" destOrd="0" presId="urn:microsoft.com/office/officeart/2005/8/layout/orgChart1"/>
+    <dgm:cxn modelId="{23BA01AD-9E1D-4872-886F-CCAF10AADE8C}" type="presOf" srcId="{E267C67D-550B-42E5-8065-783C65BFB379}" destId="{1C0D965B-715A-44AC-8EB3-DC97B158766B}" srcOrd="1" destOrd="0" presId="urn:microsoft.com/office/officeart/2005/8/layout/orgChart1"/>
+    <dgm:cxn modelId="{7CD071AE-D0AF-490E-AA8A-0C1A876B5ADB}" type="presOf" srcId="{F7D81547-01AF-45FF-B6D7-C11489E65391}" destId="{D312E270-3312-41ED-AB7E-1DDDB6404E92}" srcOrd="0" destOrd="0" presId="urn:microsoft.com/office/officeart/2005/8/layout/orgChart1"/>
+    <dgm:cxn modelId="{D32658B1-F412-46F3-83C8-88E50D510433}" srcId="{9E0F6BA1-ED46-4C68-AA8E-F38B277573FF}" destId="{1705AA74-5033-4A4B-9588-45A8BEEB2564}" srcOrd="2" destOrd="0" parTransId="{F7D81547-01AF-45FF-B6D7-C11489E65391}" sibTransId="{37D3189F-9295-4FEE-800A-311FC947EFFC}"/>
+    <dgm:cxn modelId="{08F2A9B4-6508-475E-B319-014CE1C33864}" srcId="{6A5DEE00-2518-49F7-A2EB-3656029B7599}" destId="{16D982F8-0FD6-4470-A716-4A9DCD5FB492}" srcOrd="1" destOrd="0" parTransId="{B2069FAD-B1C8-43F7-A1B6-92D5DE551E90}" sibTransId="{F4900F13-0B43-42F7-B470-DE040B670F3F}"/>
+    <dgm:cxn modelId="{450C20B6-F1B1-4CA5-8C63-C521DEFA78A4}" type="presOf" srcId="{C18597E0-1681-4ACC-93E8-852FEC5F1DBD}" destId="{FD994018-F17C-4925-9B05-AABEAC518909}" srcOrd="0" destOrd="0" presId="urn:microsoft.com/office/officeart/2005/8/layout/orgChart1"/>
+    <dgm:cxn modelId="{E0E1C7BD-FAB5-427F-9287-7E587D74EA80}" srcId="{9E0F6BA1-ED46-4C68-AA8E-F38B277573FF}" destId="{FE1C25CC-201D-4DD2-80CD-6BB6EB342AD3}" srcOrd="3" destOrd="0" parTransId="{9C5ECFA4-92E3-421A-A83D-9F891D5DFBC3}" sibTransId="{9D0D9F62-B54F-4B65-9DE0-F257351987BA}"/>
+    <dgm:cxn modelId="{190B8EBE-DD58-4143-B6EC-88F3746FC1F0}" type="presOf" srcId="{06990455-8D06-430A-9955-A57555D0CD5A}" destId="{6AD11DCB-C664-42E5-BBF3-B4C2D431D3FC}" srcOrd="0" destOrd="0" presId="urn:microsoft.com/office/officeart/2005/8/layout/orgChart1"/>
+    <dgm:cxn modelId="{40F709C1-068E-407E-9E15-C1FAF3D74743}" type="presOf" srcId="{6A5DEE00-2518-49F7-A2EB-3656029B7599}" destId="{2DE932EC-A79B-4768-BEAD-37629C76D7EE}" srcOrd="1" destOrd="0" presId="urn:microsoft.com/office/officeart/2005/8/layout/orgChart1"/>
+    <dgm:cxn modelId="{09A20FC4-0A67-491C-BA46-ABF9648A25B9}" type="presOf" srcId="{9E0F6BA1-ED46-4C68-AA8E-F38B277573FF}" destId="{591DEFA7-A72D-44BC-81C2-CF737DE432A6}" srcOrd="1" destOrd="0" presId="urn:microsoft.com/office/officeart/2005/8/layout/orgChart1"/>
+    <dgm:cxn modelId="{F3776EC4-665D-45E9-8023-1E755B6A7776}" srcId="{DD40AEF9-2276-4AEA-B396-7873F5ADD8AA}" destId="{465818CE-E041-462F-BACA-CC0FB5948E5B}" srcOrd="1" destOrd="0" parTransId="{C5269AD4-EEED-4504-A4ED-32F852488B37}" sibTransId="{1FA39F86-B2D1-4569-84E9-487916B2BCBB}"/>
+    <dgm:cxn modelId="{F530C3C7-B365-431B-99A8-4FF768497976}" type="presOf" srcId="{B2069FAD-B1C8-43F7-A1B6-92D5DE551E90}" destId="{C6510906-FC02-416B-834D-DD3591FBDC86}" srcOrd="0" destOrd="0" presId="urn:microsoft.com/office/officeart/2005/8/layout/orgChart1"/>
+    <dgm:cxn modelId="{A525BBCF-7555-4096-B329-31D58AD7FA25}" type="presOf" srcId="{A06E7F51-B64B-402D-B0EC-6E343740A45F}" destId="{BA456B9B-1539-46F0-BD6F-F7C0FC96ACF1}" srcOrd="1" destOrd="0" presId="urn:microsoft.com/office/officeart/2005/8/layout/orgChart1"/>
+    <dgm:cxn modelId="{CE604ED0-05D7-4FA6-9B9B-437F2890F38C}" type="presOf" srcId="{FE1C25CC-201D-4DD2-80CD-6BB6EB342AD3}" destId="{3033ED67-32AD-439D-AEEC-69FDCEDF0557}" srcOrd="0" destOrd="0" presId="urn:microsoft.com/office/officeart/2005/8/layout/orgChart1"/>
+    <dgm:cxn modelId="{48E1FAD0-2D53-4DFA-BF9C-AB4BE7481872}" type="presOf" srcId="{F228CC46-F438-4C74-9899-400860C2995A}" destId="{FF8AEEBC-D6C9-4962-8EAE-A4C6CD8B8D49}" srcOrd="1" destOrd="0" presId="urn:microsoft.com/office/officeart/2005/8/layout/orgChart1"/>
+    <dgm:cxn modelId="{6F89B0D3-C768-478F-BC22-6790FBBF7DBD}" type="presOf" srcId="{7628AB4F-3180-4029-8EEE-6D6D47244FEA}" destId="{774BB48F-9223-42E5-B1DA-DF03860F8F37}" srcOrd="0" destOrd="0" presId="urn:microsoft.com/office/officeart/2005/8/layout/orgChart1"/>
+    <dgm:cxn modelId="{B3AC9EDA-677D-48D0-A7AA-85BADCAA6740}" type="presOf" srcId="{1705AA74-5033-4A4B-9588-45A8BEEB2564}" destId="{88FFD002-CAC3-44AE-B792-2149750F72FC}" srcOrd="1" destOrd="0" presId="urn:microsoft.com/office/officeart/2005/8/layout/orgChart1"/>
+    <dgm:cxn modelId="{C2EB4BE2-C276-4A63-9074-178088586042}" srcId="{DD40AEF9-2276-4AEA-B396-7873F5ADD8AA}" destId="{D2F5E419-77F7-4698-9389-5A270BE7BE4C}" srcOrd="2" destOrd="0" parTransId="{C26AFA48-AEFA-4AE2-A6D6-CEFC6FDD853B}" sibTransId="{C1BFDDE6-83E8-4329-B81C-CB8ED074ECE7}"/>
+    <dgm:cxn modelId="{C3D740E5-5A99-4030-ABE3-BC1FF5C965E2}" type="presOf" srcId="{32E0511D-90BE-4947-B5A6-71F376CF5D03}" destId="{1E3A1824-89A9-43C3-B922-2DE7D11DCEA7}" srcOrd="0" destOrd="0" presId="urn:microsoft.com/office/officeart/2005/8/layout/orgChart1"/>
+    <dgm:cxn modelId="{7B13E5EC-6FA1-485B-8B5F-0498094F7362}" type="presOf" srcId="{6D91E283-34A6-4A44-B62E-01AF48A2271E}" destId="{06764B92-D7DD-4C61-B403-49C3D92F7A25}" srcOrd="1" destOrd="0" presId="urn:microsoft.com/office/officeart/2005/8/layout/orgChart1"/>
+    <dgm:cxn modelId="{DD867BF0-2BD1-4ADB-A1C3-A63EDA23D09C}" srcId="{64F27FB9-CF1D-4084-A56A-20D704B164B9}" destId="{A06E7F51-B64B-402D-B0EC-6E343740A45F}" srcOrd="0" destOrd="0" parTransId="{161D8265-1333-4CEA-9EAA-04EC06B887C3}" sibTransId="{8678BE6E-0067-4B4C-86A9-46F752CAF866}"/>
+    <dgm:cxn modelId="{DFEF3DF1-211F-4B39-BFE8-DEBB191DDCC5}" type="presOf" srcId="{16D982F8-0FD6-4470-A716-4A9DCD5FB492}" destId="{21B0C2F9-4491-4771-903E-2E57E65126AE}" srcOrd="0" destOrd="0" presId="urn:microsoft.com/office/officeart/2005/8/layout/orgChart1"/>
+    <dgm:cxn modelId="{5704C2F1-532C-4F21-9B55-06AE12D38093}" type="presOf" srcId="{9F3C16A4-CF0D-4A23-B4A2-E2583B8CD74E}" destId="{AA61B065-B481-440F-A44D-0B0420E0BB0B}" srcOrd="0" destOrd="0" presId="urn:microsoft.com/office/officeart/2005/8/layout/orgChart1"/>
+    <dgm:cxn modelId="{6E57E6F4-9DEA-4311-A775-48EC79F728BC}" type="presOf" srcId="{64F27FB9-CF1D-4084-A56A-20D704B164B9}" destId="{2C7B335B-DC86-4520-9CC5-06F470FA9594}" srcOrd="0" destOrd="0" presId="urn:microsoft.com/office/officeart/2005/8/layout/orgChart1"/>
+    <dgm:cxn modelId="{529265F5-319B-4A79-87EA-DACB4B79D97C}" type="presOf" srcId="{D77FF1DA-D07A-4CBB-B9C3-30D3D9C5BBB8}" destId="{5404E120-855B-46E6-AD8E-AA9697728001}" srcOrd="0" destOrd="0" presId="urn:microsoft.com/office/officeart/2005/8/layout/orgChart1"/>
+    <dgm:cxn modelId="{A64BDCF5-6383-441E-B634-FD26F3426E6E}" type="presOf" srcId="{A22C5A14-A754-4C66-AF8C-4E3B60F2A115}" destId="{7966D3F4-0B80-446D-8505-0FF4720872B1}" srcOrd="0" destOrd="0" presId="urn:microsoft.com/office/officeart/2005/8/layout/orgChart1"/>
+    <dgm:cxn modelId="{341F63C7-5A5D-4568-82EF-0DEA9F51068A}" type="presParOf" srcId="{2C7B335B-DC86-4520-9CC5-06F470FA9594}" destId="{2FE69024-7A43-40E2-8AF8-84E6D4C57CAA}" srcOrd="0" destOrd="0" presId="urn:microsoft.com/office/officeart/2005/8/layout/orgChart1"/>
+    <dgm:cxn modelId="{FFB17B88-86B7-460F-B881-E3C005464098}" type="presParOf" srcId="{2FE69024-7A43-40E2-8AF8-84E6D4C57CAA}" destId="{EA7647BF-D523-4A73-ABF3-21EE6F7E8ECF}" srcOrd="0" destOrd="0" presId="urn:microsoft.com/office/officeart/2005/8/layout/orgChart1"/>
+    <dgm:cxn modelId="{AA930E8F-1F32-48D5-BFD5-517A5A965C57}" type="presParOf" srcId="{EA7647BF-D523-4A73-ABF3-21EE6F7E8ECF}" destId="{ACB97B87-9E67-424E-86D9-0FDBA2F0D382}" srcOrd="0" destOrd="0" presId="urn:microsoft.com/office/officeart/2005/8/layout/orgChart1"/>
+    <dgm:cxn modelId="{8344EB22-CAC4-4478-898B-CC9892C3E04A}" type="presParOf" srcId="{EA7647BF-D523-4A73-ABF3-21EE6F7E8ECF}" destId="{BA456B9B-1539-46F0-BD6F-F7C0FC96ACF1}" srcOrd="1" destOrd="0" presId="urn:microsoft.com/office/officeart/2005/8/layout/orgChart1"/>
+    <dgm:cxn modelId="{E33ECD27-E939-4D2C-B4D7-F2F2DDD35483}" type="presParOf" srcId="{2FE69024-7A43-40E2-8AF8-84E6D4C57CAA}" destId="{B9BEBD7F-7947-4848-98B1-E6275D9A3C8B}" srcOrd="1" destOrd="0" presId="urn:microsoft.com/office/officeart/2005/8/layout/orgChart1"/>
+    <dgm:cxn modelId="{19A4B268-5968-40FA-B76D-4DDEC4F51034}" type="presParOf" srcId="{B9BEBD7F-7947-4848-98B1-E6275D9A3C8B}" destId="{766E2027-4DB3-4C2F-ABFA-C218F25EE5D5}" srcOrd="0" destOrd="0" presId="urn:microsoft.com/office/officeart/2005/8/layout/orgChart1"/>
+    <dgm:cxn modelId="{790BE6A6-47E5-4D23-8FA8-4828F45F082C}" type="presParOf" srcId="{B9BEBD7F-7947-4848-98B1-E6275D9A3C8B}" destId="{AAAC5B5F-A843-4E2D-AD97-7985EA35E3DF}" srcOrd="1" destOrd="0" presId="urn:microsoft.com/office/officeart/2005/8/layout/orgChart1"/>
+    <dgm:cxn modelId="{9F5264B8-771C-4E25-BCAB-6EDC81605EC1}" type="presParOf" srcId="{AAAC5B5F-A843-4E2D-AD97-7985EA35E3DF}" destId="{A93221FC-2D70-492E-93FC-B821201E2A28}" srcOrd="0" destOrd="0" presId="urn:microsoft.com/office/officeart/2005/8/layout/orgChart1"/>
+    <dgm:cxn modelId="{869DF71B-FA0B-4F32-AC74-9652E634C1B3}" type="presParOf" srcId="{A93221FC-2D70-492E-93FC-B821201E2A28}" destId="{AE18A72C-8093-48D4-9390-696BA6D151D1}" srcOrd="0" destOrd="0" presId="urn:microsoft.com/office/officeart/2005/8/layout/orgChart1"/>
+    <dgm:cxn modelId="{822E6B22-CAF8-49EF-95BC-06CBD38F666C}" type="presParOf" srcId="{A93221FC-2D70-492E-93FC-B821201E2A28}" destId="{1AE9DA4E-E642-4D05-8C7B-57488624FDEA}" srcOrd="1" destOrd="0" presId="urn:microsoft.com/office/officeart/2005/8/layout/orgChart1"/>
+    <dgm:cxn modelId="{64F76B2D-285D-425A-A355-26B3DC3C53A0}" type="presParOf" srcId="{AAAC5B5F-A843-4E2D-AD97-7985EA35E3DF}" destId="{AA38C7CB-E1B1-4851-826E-2921FA67471D}" srcOrd="1" destOrd="0" presId="urn:microsoft.com/office/officeart/2005/8/layout/orgChart1"/>
+    <dgm:cxn modelId="{A6ACC1AE-F6D0-4951-86FF-F8691E9BCE6A}" type="presParOf" srcId="{AA38C7CB-E1B1-4851-826E-2921FA67471D}" destId="{5404E120-855B-46E6-AD8E-AA9697728001}" srcOrd="0" destOrd="0" presId="urn:microsoft.com/office/officeart/2005/8/layout/orgChart1"/>
+    <dgm:cxn modelId="{2FA99C69-5D02-4609-AF9A-3430158EA38E}" type="presParOf" srcId="{AA38C7CB-E1B1-4851-826E-2921FA67471D}" destId="{80D0ECA5-3093-49C1-B598-81DD9B5E5CD8}" srcOrd="1" destOrd="0" presId="urn:microsoft.com/office/officeart/2005/8/layout/orgChart1"/>
+    <dgm:cxn modelId="{B9503616-EEEC-41E5-9229-EA2F8B559457}" type="presParOf" srcId="{80D0ECA5-3093-49C1-B598-81DD9B5E5CD8}" destId="{21AF7C40-4A11-4725-8667-23446E19646C}" srcOrd="0" destOrd="0" presId="urn:microsoft.com/office/officeart/2005/8/layout/orgChart1"/>
+    <dgm:cxn modelId="{5AD498CD-6B64-427E-9C13-C602AF12F720}" type="presParOf" srcId="{21AF7C40-4A11-4725-8667-23446E19646C}" destId="{88021641-12F4-4FC9-83F1-16451E980259}" srcOrd="0" destOrd="0" presId="urn:microsoft.com/office/officeart/2005/8/layout/orgChart1"/>
+    <dgm:cxn modelId="{7C728D48-D95E-48F0-B450-007BBDBDE902}" type="presParOf" srcId="{21AF7C40-4A11-4725-8667-23446E19646C}" destId="{1B228EAC-3534-41D2-BD21-20632DD75CFC}" srcOrd="1" destOrd="0" presId="urn:microsoft.com/office/officeart/2005/8/layout/orgChart1"/>
+    <dgm:cxn modelId="{1D1E9B92-59CD-4BAF-BDA2-90C7FB8BE084}" type="presParOf" srcId="{80D0ECA5-3093-49C1-B598-81DD9B5E5CD8}" destId="{05B4F02E-D38D-4B95-A896-29B06130C986}" srcOrd="1" destOrd="0" presId="urn:microsoft.com/office/officeart/2005/8/layout/orgChart1"/>
+    <dgm:cxn modelId="{2EF79CC8-F400-4E41-96E3-CC606FBEC883}" type="presParOf" srcId="{80D0ECA5-3093-49C1-B598-81DD9B5E5CD8}" destId="{EAF9A76F-FF6F-4CEB-9079-2A20E3949D7A}" srcOrd="2" destOrd="0" presId="urn:microsoft.com/office/officeart/2005/8/layout/orgChart1"/>
+    <dgm:cxn modelId="{D31C769B-0765-43A7-A25B-EBE01FD4265D}" type="presParOf" srcId="{AA38C7CB-E1B1-4851-826E-2921FA67471D}" destId="{774BB48F-9223-42E5-B1DA-DF03860F8F37}" srcOrd="2" destOrd="0" presId="urn:microsoft.com/office/officeart/2005/8/layout/orgChart1"/>
+    <dgm:cxn modelId="{974470C6-6CEB-40DB-93DB-E7E373C60ABA}" type="presParOf" srcId="{AA38C7CB-E1B1-4851-826E-2921FA67471D}" destId="{C5950A4D-8F23-408E-82CC-EA9A210D0412}" srcOrd="3" destOrd="0" presId="urn:microsoft.com/office/officeart/2005/8/layout/orgChart1"/>
+    <dgm:cxn modelId="{D165BA30-859A-43B3-A222-C48D3F1D45E2}" type="presParOf" srcId="{C5950A4D-8F23-408E-82CC-EA9A210D0412}" destId="{5E4E734F-6072-4C78-B7E8-EFC3466BA841}" srcOrd="0" destOrd="0" presId="urn:microsoft.com/office/officeart/2005/8/layout/orgChart1"/>
+    <dgm:cxn modelId="{F2ACA635-2A32-48E3-9DF0-6226DE384F41}" type="presParOf" srcId="{5E4E734F-6072-4C78-B7E8-EFC3466BA841}" destId="{82C33C79-7E80-419E-84A1-7181BC601E0A}" srcOrd="0" destOrd="0" presId="urn:microsoft.com/office/officeart/2005/8/layout/orgChart1"/>
+    <dgm:cxn modelId="{8D611972-A1B5-4025-8183-9C69DC95888F}" type="presParOf" srcId="{5E4E734F-6072-4C78-B7E8-EFC3466BA841}" destId="{3E37CC90-85CA-4F80-86A8-22C21B26912D}" srcOrd="1" destOrd="0" presId="urn:microsoft.com/office/officeart/2005/8/layout/orgChart1"/>
+    <dgm:cxn modelId="{3AFD941F-F9AE-45EB-BF7E-70FFCBDBC98E}" type="presParOf" srcId="{C5950A4D-8F23-408E-82CC-EA9A210D0412}" destId="{1A025A15-77D2-409B-8BAD-E7B960D0D566}" srcOrd="1" destOrd="0" presId="urn:microsoft.com/office/officeart/2005/8/layout/orgChart1"/>
+    <dgm:cxn modelId="{1CE8B566-2185-4C6B-B6B6-BFCC206A1CF5}" type="presParOf" srcId="{C5950A4D-8F23-408E-82CC-EA9A210D0412}" destId="{DFC0520B-2787-4585-B3B8-0CDEAA80B047}" srcOrd="2" destOrd="0" presId="urn:microsoft.com/office/officeart/2005/8/layout/orgChart1"/>
+    <dgm:cxn modelId="{ECE0519F-B4D8-4BD2-9305-AD78A45FCD4F}" type="presParOf" srcId="{AA38C7CB-E1B1-4851-826E-2921FA67471D}" destId="{7DFF36E6-1685-474C-9875-0723473C42D6}" srcOrd="4" destOrd="0" presId="urn:microsoft.com/office/officeart/2005/8/layout/orgChart1"/>
+    <dgm:cxn modelId="{D056DA35-3E95-4134-9256-054E2018A31C}" type="presParOf" srcId="{AA38C7CB-E1B1-4851-826E-2921FA67471D}" destId="{D8C870DE-19E2-4918-B220-784A8D2FA3B2}" srcOrd="5" destOrd="0" presId="urn:microsoft.com/office/officeart/2005/8/layout/orgChart1"/>
+    <dgm:cxn modelId="{8C5FA78A-B94F-4C58-A15D-3EB5BDC411A3}" type="presParOf" srcId="{D8C870DE-19E2-4918-B220-784A8D2FA3B2}" destId="{C4A9BA0F-6FAE-4E35-A035-3BE7E54DAD76}" srcOrd="0" destOrd="0" presId="urn:microsoft.com/office/officeart/2005/8/layout/orgChart1"/>
+    <dgm:cxn modelId="{B42AF8CD-CB82-4ABD-A8BC-E19F622E9CED}" type="presParOf" srcId="{C4A9BA0F-6FAE-4E35-A035-3BE7E54DAD76}" destId="{6A892B32-1B12-483E-AC85-8EA6B1D70EFF}" srcOrd="0" destOrd="0" presId="urn:microsoft.com/office/officeart/2005/8/layout/orgChart1"/>
+    <dgm:cxn modelId="{F2E71CAD-631C-4F13-85D2-7FB9BBE67950}" type="presParOf" srcId="{C4A9BA0F-6FAE-4E35-A035-3BE7E54DAD76}" destId="{1C0D965B-715A-44AC-8EB3-DC97B158766B}" srcOrd="1" destOrd="0" presId="urn:microsoft.com/office/officeart/2005/8/layout/orgChart1"/>
+    <dgm:cxn modelId="{EDA179D3-BC77-4E41-8884-FD16AB1C547D}" type="presParOf" srcId="{D8C870DE-19E2-4918-B220-784A8D2FA3B2}" destId="{7F862674-0AB7-43D1-9F22-48EAD63B419C}" srcOrd="1" destOrd="0" presId="urn:microsoft.com/office/officeart/2005/8/layout/orgChart1"/>
+    <dgm:cxn modelId="{F097A36D-110A-4E1B-B155-071F71F9833F}" type="presParOf" srcId="{D8C870DE-19E2-4918-B220-784A8D2FA3B2}" destId="{4C6AEF63-95B4-41F1-9806-11611EB1E5DD}" srcOrd="2" destOrd="0" presId="urn:microsoft.com/office/officeart/2005/8/layout/orgChart1"/>
+    <dgm:cxn modelId="{3D318171-D96B-44FC-A9FB-C375F136FFF1}" type="presParOf" srcId="{AA38C7CB-E1B1-4851-826E-2921FA67471D}" destId="{55628B5D-270F-4E2A-928D-B7A8388A5409}" srcOrd="6" destOrd="0" presId="urn:microsoft.com/office/officeart/2005/8/layout/orgChart1"/>
+    <dgm:cxn modelId="{3898B0B6-E85D-4BFC-B632-58AD63EFD29F}" type="presParOf" srcId="{AA38C7CB-E1B1-4851-826E-2921FA67471D}" destId="{6C2B2956-CDB8-4ACE-9930-876D76B3C920}" srcOrd="7" destOrd="0" presId="urn:microsoft.com/office/officeart/2005/8/layout/orgChart1"/>
+    <dgm:cxn modelId="{7B43BA9F-58B6-4FD5-A2C2-017BCCB4657D}" type="presParOf" srcId="{6C2B2956-CDB8-4ACE-9930-876D76B3C920}" destId="{75181126-3E79-496B-A294-045AFB17F6D4}" srcOrd="0" destOrd="0" presId="urn:microsoft.com/office/officeart/2005/8/layout/orgChart1"/>
+    <dgm:cxn modelId="{2C025709-4C4F-4BA2-869F-98C667DD83F8}" type="presParOf" srcId="{75181126-3E79-496B-A294-045AFB17F6D4}" destId="{F20F155C-210A-4AA6-8C25-4029D481A5F3}" srcOrd="0" destOrd="0" presId="urn:microsoft.com/office/officeart/2005/8/layout/orgChart1"/>
+    <dgm:cxn modelId="{30CBDA52-A64C-4C45-87D7-47D43D0036C5}" type="presParOf" srcId="{75181126-3E79-496B-A294-045AFB17F6D4}" destId="{C78A79F0-9208-4E67-B30E-251FAE1A4BDA}" srcOrd="1" destOrd="0" presId="urn:microsoft.com/office/officeart/2005/8/layout/orgChart1"/>
+    <dgm:cxn modelId="{37A11563-33DB-48A1-B401-A7129AF25EBA}" type="presParOf" srcId="{6C2B2956-CDB8-4ACE-9930-876D76B3C920}" destId="{9BA0B3D7-184A-4810-88FA-1009D1F45DDD}" srcOrd="1" destOrd="0" presId="urn:microsoft.com/office/officeart/2005/8/layout/orgChart1"/>
+    <dgm:cxn modelId="{2CA04616-5A66-49B0-B721-71F28F446D11}" type="presParOf" srcId="{6C2B2956-CDB8-4ACE-9930-876D76B3C920}" destId="{19FC865B-058A-4C16-9810-B0606ABDBF2D}" srcOrd="2" destOrd="0" presId="urn:microsoft.com/office/officeart/2005/8/layout/orgChart1"/>
+    <dgm:cxn modelId="{5791320D-C5A4-4073-B3FD-AD205E4BA61E}" type="presParOf" srcId="{AAAC5B5F-A843-4E2D-AD97-7985EA35E3DF}" destId="{18EC7780-CC3B-4C4F-A64E-61E8E8F3E792}" srcOrd="2" destOrd="0" presId="urn:microsoft.com/office/officeart/2005/8/layout/orgChart1"/>
+    <dgm:cxn modelId="{9FCF9CA5-3AA1-4364-8F6A-0769CCE31998}" type="presParOf" srcId="{B9BEBD7F-7947-4848-98B1-E6275D9A3C8B}" destId="{B038FDF5-2963-42C0-B632-23CDF9C286E0}" srcOrd="2" destOrd="0" presId="urn:microsoft.com/office/officeart/2005/8/layout/orgChart1"/>
+    <dgm:cxn modelId="{665284D9-09FC-498B-9A94-0F134F94A5CA}" type="presParOf" srcId="{B9BEBD7F-7947-4848-98B1-E6275D9A3C8B}" destId="{091E3E80-8D92-4D3B-9AA9-429EF05FE5CB}" srcOrd="3" destOrd="0" presId="urn:microsoft.com/office/officeart/2005/8/layout/orgChart1"/>
+    <dgm:cxn modelId="{B4435FEF-2159-4EE9-8C8F-5399640A26C6}" type="presParOf" srcId="{091E3E80-8D92-4D3B-9AA9-429EF05FE5CB}" destId="{34F455DE-32B9-4094-AE26-BF2E0E085E2E}" srcOrd="0" destOrd="0" presId="urn:microsoft.com/office/officeart/2005/8/layout/orgChart1"/>
+    <dgm:cxn modelId="{3CA6A20C-A424-488E-ACA2-B29859C6E6AC}" type="presParOf" srcId="{34F455DE-32B9-4094-AE26-BF2E0E085E2E}" destId="{FC370E98-E3C7-4347-A716-E7DA177239C7}" srcOrd="0" destOrd="0" presId="urn:microsoft.com/office/officeart/2005/8/layout/orgChart1"/>
+    <dgm:cxn modelId="{1907287C-8D01-4885-8C8A-5CB8390EF4D8}" type="presParOf" srcId="{34F455DE-32B9-4094-AE26-BF2E0E085E2E}" destId="{E92387BC-9B6C-47E9-9CF8-C962FAD16555}" srcOrd="1" destOrd="0" presId="urn:microsoft.com/office/officeart/2005/8/layout/orgChart1"/>
+    <dgm:cxn modelId="{ACC0474A-CF45-4668-9802-9CB1BF0951FE}" type="presParOf" srcId="{091E3E80-8D92-4D3B-9AA9-429EF05FE5CB}" destId="{3CEA275E-B3D3-4FB7-959F-C899EB00C38C}" srcOrd="1" destOrd="0" presId="urn:microsoft.com/office/officeart/2005/8/layout/orgChart1"/>
+    <dgm:cxn modelId="{71C5EA97-4419-4D30-BEDD-8459AC27E6AE}" type="presParOf" srcId="{3CEA275E-B3D3-4FB7-959F-C899EB00C38C}" destId="{AA61B065-B481-440F-A44D-0B0420E0BB0B}" srcOrd="0" destOrd="0" presId="urn:microsoft.com/office/officeart/2005/8/layout/orgChart1"/>
+    <dgm:cxn modelId="{EA009F41-2446-42E8-865C-5D04815094A8}" type="presParOf" srcId="{3CEA275E-B3D3-4FB7-959F-C899EB00C38C}" destId="{8D7073E1-9AA6-4631-902C-DC554284EDCA}" srcOrd="1" destOrd="0" presId="urn:microsoft.com/office/officeart/2005/8/layout/orgChart1"/>
+    <dgm:cxn modelId="{FFD4E802-5CE4-4492-B50D-B1820B454544}" type="presParOf" srcId="{8D7073E1-9AA6-4631-902C-DC554284EDCA}" destId="{E316DA24-D3C7-41DC-B9BD-CFCC61DF5015}" srcOrd="0" destOrd="0" presId="urn:microsoft.com/office/officeart/2005/8/layout/orgChart1"/>
+    <dgm:cxn modelId="{674BD96D-F4B0-40C6-B298-732FCF26A241}" type="presParOf" srcId="{E316DA24-D3C7-41DC-B9BD-CFCC61DF5015}" destId="{DD28AE78-2818-461C-B6FD-B5748297961B}" srcOrd="0" destOrd="0" presId="urn:microsoft.com/office/officeart/2005/8/layout/orgChart1"/>
+    <dgm:cxn modelId="{29C9B3DC-A081-4770-964D-41DF2B57AB71}" type="presParOf" srcId="{E316DA24-D3C7-41DC-B9BD-CFCC61DF5015}" destId="{CEA5421F-56D4-4FE3-A4D6-10BE495B69D3}" srcOrd="1" destOrd="0" presId="urn:microsoft.com/office/officeart/2005/8/layout/orgChart1"/>
+    <dgm:cxn modelId="{1B0A812F-A2B9-4AB6-985D-04C34D32EC2C}" type="presParOf" srcId="{8D7073E1-9AA6-4631-902C-DC554284EDCA}" destId="{4279AB4E-DCE5-426A-B58E-A60DC6F295DF}" srcOrd="1" destOrd="0" presId="urn:microsoft.com/office/officeart/2005/8/layout/orgChart1"/>
+    <dgm:cxn modelId="{0DED4A4E-0334-4361-9A0D-9AE535DFB43B}" type="presParOf" srcId="{8D7073E1-9AA6-4631-902C-DC554284EDCA}" destId="{A77C8078-5672-4506-A760-4CD37A9AEAB4}" srcOrd="2" destOrd="0" presId="urn:microsoft.com/office/officeart/2005/8/layout/orgChart1"/>
+    <dgm:cxn modelId="{CF9B6DC5-BF3F-4776-ADC0-C5CB05D3C718}" type="presParOf" srcId="{3CEA275E-B3D3-4FB7-959F-C899EB00C38C}" destId="{5D2DEA48-0850-4DDF-9E12-7FDD1057307B}" srcOrd="2" destOrd="0" presId="urn:microsoft.com/office/officeart/2005/8/layout/orgChart1"/>
+    <dgm:cxn modelId="{002A1CFA-5AD6-45DD-9CF8-EF91B657FC5D}" type="presParOf" srcId="{3CEA275E-B3D3-4FB7-959F-C899EB00C38C}" destId="{23FE03BA-81B5-49AD-937D-3D4ED22FD223}" srcOrd="3" destOrd="0" presId="urn:microsoft.com/office/officeart/2005/8/layout/orgChart1"/>
+    <dgm:cxn modelId="{4A9FADF7-E537-4D5F-A9ED-16C750E7B70B}" type="presParOf" srcId="{23FE03BA-81B5-49AD-937D-3D4ED22FD223}" destId="{C1ED258E-994B-4AD2-91A5-19C5F2F36219}" srcOrd="0" destOrd="0" presId="urn:microsoft.com/office/officeart/2005/8/layout/orgChart1"/>
+    <dgm:cxn modelId="{0AF6DDF7-DBF8-4198-974F-50FCE1DDF144}" type="presParOf" srcId="{C1ED258E-994B-4AD2-91A5-19C5F2F36219}" destId="{DE5880C4-91AF-4A17-B7F4-C0BFED1F2E11}" srcOrd="0" destOrd="0" presId="urn:microsoft.com/office/officeart/2005/8/layout/orgChart1"/>
+    <dgm:cxn modelId="{1C1AE1A7-5694-48E1-9649-153CA619068D}" type="presParOf" srcId="{C1ED258E-994B-4AD2-91A5-19C5F2F36219}" destId="{784E570B-E8ED-48AC-94B5-0852B4E2DCFE}" srcOrd="1" destOrd="0" presId="urn:microsoft.com/office/officeart/2005/8/layout/orgChart1"/>
+    <dgm:cxn modelId="{7ECF7E8F-687D-489C-BBFD-AB8DBDA292BA}" type="presParOf" srcId="{23FE03BA-81B5-49AD-937D-3D4ED22FD223}" destId="{56C210AB-4764-4E00-B834-EC5DD5DF43F2}" srcOrd="1" destOrd="0" presId="urn:microsoft.com/office/officeart/2005/8/layout/orgChart1"/>
+    <dgm:cxn modelId="{5F56F0DE-D269-4FDC-B58E-34612A8E45E5}" type="presParOf" srcId="{23FE03BA-81B5-49AD-937D-3D4ED22FD223}" destId="{11623E6B-B73B-42F7-9CB7-D5FCCDA23C4A}" srcOrd="2" destOrd="0" presId="urn:microsoft.com/office/officeart/2005/8/layout/orgChart1"/>
+    <dgm:cxn modelId="{7EA45C19-3DC3-4567-AF8B-482FA0C6AEEE}" type="presParOf" srcId="{3CEA275E-B3D3-4FB7-959F-C899EB00C38C}" destId="{D4E333D4-5821-4E35-9CFD-783EAABF094D}" srcOrd="4" destOrd="0" presId="urn:microsoft.com/office/officeart/2005/8/layout/orgChart1"/>
+    <dgm:cxn modelId="{E877FA86-1A01-4B2E-A72B-F526A8E63E58}" type="presParOf" srcId="{3CEA275E-B3D3-4FB7-959F-C899EB00C38C}" destId="{506F078F-184E-4956-B420-1E6A0DBC9A7E}" srcOrd="5" destOrd="0" presId="urn:microsoft.com/office/officeart/2005/8/layout/orgChart1"/>
+    <dgm:cxn modelId="{CEE483BB-50D2-408C-BC2D-6271627ABA32}" type="presParOf" srcId="{506F078F-184E-4956-B420-1E6A0DBC9A7E}" destId="{F5C38398-D51E-46BC-ACA6-1052267F843A}" srcOrd="0" destOrd="0" presId="urn:microsoft.com/office/officeart/2005/8/layout/orgChart1"/>
+    <dgm:cxn modelId="{B5AADAC5-ED32-4F1C-B49C-411C2967A913}" type="presParOf" srcId="{F5C38398-D51E-46BC-ACA6-1052267F843A}" destId="{2ADCAF9F-F57D-42BD-94DD-D768767BC94F}" srcOrd="0" destOrd="0" presId="urn:microsoft.com/office/officeart/2005/8/layout/orgChart1"/>
+    <dgm:cxn modelId="{658DD70D-3840-4A30-A79C-A8CFA93FBEBD}" type="presParOf" srcId="{F5C38398-D51E-46BC-ACA6-1052267F843A}" destId="{74A37E94-8DC4-41C2-ABB5-1952494F9526}" srcOrd="1" destOrd="0" presId="urn:microsoft.com/office/officeart/2005/8/layout/orgChart1"/>
+    <dgm:cxn modelId="{BDB45F6F-0306-42AB-979D-61D99C168228}" type="presParOf" srcId="{506F078F-184E-4956-B420-1E6A0DBC9A7E}" destId="{EF0546A5-8A74-4B31-8652-79DE0340A764}" srcOrd="1" destOrd="0" presId="urn:microsoft.com/office/officeart/2005/8/layout/orgChart1"/>
+    <dgm:cxn modelId="{DBC5BBD2-A559-4B5E-8B15-964999C56058}" type="presParOf" srcId="{506F078F-184E-4956-B420-1E6A0DBC9A7E}" destId="{B42B1BC2-3132-4214-B84B-6A0680299E22}" srcOrd="2" destOrd="0" presId="urn:microsoft.com/office/officeart/2005/8/layout/orgChart1"/>
+    <dgm:cxn modelId="{57ABE277-655B-4823-A8CA-398752ECC874}" type="presParOf" srcId="{3CEA275E-B3D3-4FB7-959F-C899EB00C38C}" destId="{6AD11DCB-C664-42E5-BBF3-B4C2D431D3FC}" srcOrd="6" destOrd="0" presId="urn:microsoft.com/office/officeart/2005/8/layout/orgChart1"/>
+    <dgm:cxn modelId="{5EF4043D-0515-4ED8-8138-C4B42BBD02AB}" type="presParOf" srcId="{3CEA275E-B3D3-4FB7-959F-C899EB00C38C}" destId="{140796B1-C67E-494B-862F-773E4D1C3A58}" srcOrd="7" destOrd="0" presId="urn:microsoft.com/office/officeart/2005/8/layout/orgChart1"/>
+    <dgm:cxn modelId="{E6384C7F-9819-43E3-9CA8-F8DCF6E01DED}" type="presParOf" srcId="{140796B1-C67E-494B-862F-773E4D1C3A58}" destId="{B1CABA8D-8825-4C5D-84CF-56B09226F150}" srcOrd="0" destOrd="0" presId="urn:microsoft.com/office/officeart/2005/8/layout/orgChart1"/>
+    <dgm:cxn modelId="{7AAA6424-FE91-44F9-9803-7149C5D6EA78}" type="presParOf" srcId="{B1CABA8D-8825-4C5D-84CF-56B09226F150}" destId="{5A025A0A-65E4-48FD-888B-FB643B2705E2}" srcOrd="0" destOrd="0" presId="urn:microsoft.com/office/officeart/2005/8/layout/orgChart1"/>
+    <dgm:cxn modelId="{CC06D083-FDF7-4214-BB5A-9E14B5DD6FAE}" type="presParOf" srcId="{B1CABA8D-8825-4C5D-84CF-56B09226F150}" destId="{13E48253-D105-4B14-A986-50992EE85CCB}" srcOrd="1" destOrd="0" presId="urn:microsoft.com/office/officeart/2005/8/layout/orgChart1"/>
+    <dgm:cxn modelId="{B0278E04-E746-4146-922A-F1E1B56EBD55}" type="presParOf" srcId="{140796B1-C67E-494B-862F-773E4D1C3A58}" destId="{6A54174E-E800-468D-AF33-1049B63ACB7C}" srcOrd="1" destOrd="0" presId="urn:microsoft.com/office/officeart/2005/8/layout/orgChart1"/>
+    <dgm:cxn modelId="{A1BF8832-2762-4BBA-9BB2-36E4C42D577D}" type="presParOf" srcId="{140796B1-C67E-494B-862F-773E4D1C3A58}" destId="{1CD8FAAA-726B-46FA-8FCC-3805F8834D3A}" srcOrd="2" destOrd="0" presId="urn:microsoft.com/office/officeart/2005/8/layout/orgChart1"/>
+    <dgm:cxn modelId="{F01D394D-EA9A-4F19-A0C1-CBEEB0B4F2E5}" type="presParOf" srcId="{091E3E80-8D92-4D3B-9AA9-429EF05FE5CB}" destId="{88731CEF-EF0D-4EEE-9ECB-EE41B1950AD4}" srcOrd="2" destOrd="0" presId="urn:microsoft.com/office/officeart/2005/8/layout/orgChart1"/>
+    <dgm:cxn modelId="{CF4B197D-23A8-40BA-84B6-4E1453B6E660}" type="presParOf" srcId="{B9BEBD7F-7947-4848-98B1-E6275D9A3C8B}" destId="{7966D3F4-0B80-446D-8505-0FF4720872B1}" srcOrd="4" destOrd="0" presId="urn:microsoft.com/office/officeart/2005/8/layout/orgChart1"/>
+    <dgm:cxn modelId="{A1384C87-DCCE-4CF1-8D23-BDDA5BA0DFB1}" type="presParOf" srcId="{B9BEBD7F-7947-4848-98B1-E6275D9A3C8B}" destId="{E3A0B0C1-C004-47D4-96C7-C61F93EDBB99}" srcOrd="5" destOrd="0" presId="urn:microsoft.com/office/officeart/2005/8/layout/orgChart1"/>
+    <dgm:cxn modelId="{9059990D-9C13-4129-9009-3899A863B65F}" type="presParOf" srcId="{E3A0B0C1-C004-47D4-96C7-C61F93EDBB99}" destId="{A82D6E1A-BF28-479C-8CC7-AC6103319417}" srcOrd="0" destOrd="0" presId="urn:microsoft.com/office/officeart/2005/8/layout/orgChart1"/>
+    <dgm:cxn modelId="{380BE4FA-E0EF-4501-907E-B8312528E356}" type="presParOf" srcId="{A82D6E1A-BF28-479C-8CC7-AC6103319417}" destId="{2D1BCDA4-C923-467E-B18A-630BDECC5F3D}" srcOrd="0" destOrd="0" presId="urn:microsoft.com/office/officeart/2005/8/layout/orgChart1"/>
+    <dgm:cxn modelId="{FCBBB495-60A1-4241-BE49-82B917C876F2}" type="presParOf" srcId="{A82D6E1A-BF28-479C-8CC7-AC6103319417}" destId="{591DEFA7-A72D-44BC-81C2-CF737DE432A6}" srcOrd="1" destOrd="0" presId="urn:microsoft.com/office/officeart/2005/8/layout/orgChart1"/>
+    <dgm:cxn modelId="{7B5E2E6E-B52A-48B0-A130-4F13ED9E0528}" type="presParOf" srcId="{E3A0B0C1-C004-47D4-96C7-C61F93EDBB99}" destId="{00582627-E1B4-4B1E-83E4-E1671F2D4019}" srcOrd="1" destOrd="0" presId="urn:microsoft.com/office/officeart/2005/8/layout/orgChart1"/>
+    <dgm:cxn modelId="{1A8BA7D5-E7BD-4636-B8CE-88C03600A5FB}" type="presParOf" srcId="{00582627-E1B4-4B1E-83E4-E1671F2D4019}" destId="{9A143D26-A8D8-4018-A4DD-0FFB1B3FB300}" srcOrd="0" destOrd="0" presId="urn:microsoft.com/office/officeart/2005/8/layout/orgChart1"/>
+    <dgm:cxn modelId="{0B50759D-A7CF-4241-9A8B-080DEE52727F}" type="presParOf" srcId="{00582627-E1B4-4B1E-83E4-E1671F2D4019}" destId="{E9EC557F-7A56-4091-896E-BDCC725A895D}" srcOrd="1" destOrd="0" presId="urn:microsoft.com/office/officeart/2005/8/layout/orgChart1"/>
+    <dgm:cxn modelId="{4051731F-5C81-4299-9EE8-5AA276D393C8}" type="presParOf" srcId="{E9EC557F-7A56-4091-896E-BDCC725A895D}" destId="{5E312E63-8A88-4C71-BD23-545EFD7F4646}" srcOrd="0" destOrd="0" presId="urn:microsoft.com/office/officeart/2005/8/layout/orgChart1"/>
+    <dgm:cxn modelId="{79694311-53A2-4B51-9D56-C51FCFBF480A}" type="presParOf" srcId="{5E312E63-8A88-4C71-BD23-545EFD7F4646}" destId="{FD994018-F17C-4925-9B05-AABEAC518909}" srcOrd="0" destOrd="0" presId="urn:microsoft.com/office/officeart/2005/8/layout/orgChart1"/>
+    <dgm:cxn modelId="{70A32FA1-E3BE-40F6-A4E3-B60122C0914D}" type="presParOf" srcId="{5E312E63-8A88-4C71-BD23-545EFD7F4646}" destId="{7E72D148-6C9D-4DA4-BD56-3E677BDF532B}" srcOrd="1" destOrd="0" presId="urn:microsoft.com/office/officeart/2005/8/layout/orgChart1"/>
+    <dgm:cxn modelId="{B473E5B5-4E47-4D53-A005-410739B4B0AE}" type="presParOf" srcId="{E9EC557F-7A56-4091-896E-BDCC725A895D}" destId="{D63F5067-3A23-4D9F-B740-E970C5D9EC9B}" srcOrd="1" destOrd="0" presId="urn:microsoft.com/office/officeart/2005/8/layout/orgChart1"/>
+    <dgm:cxn modelId="{518ADC0D-046B-4D32-98D6-F4A918623966}" type="presParOf" srcId="{E9EC557F-7A56-4091-896E-BDCC725A895D}" destId="{415367E5-854F-4753-9C07-0E94D83BAA69}" srcOrd="2" destOrd="0" presId="urn:microsoft.com/office/officeart/2005/8/layout/orgChart1"/>
+    <dgm:cxn modelId="{40CDE1B3-72EB-41D4-91A5-DE9F3C11C506}" type="presParOf" srcId="{00582627-E1B4-4B1E-83E4-E1671F2D4019}" destId="{AC5E50ED-E076-487B-8E7A-9FAD4AE10A5B}" srcOrd="2" destOrd="0" presId="urn:microsoft.com/office/officeart/2005/8/layout/orgChart1"/>
+    <dgm:cxn modelId="{84F8CF5D-5CCF-4946-9422-A0D5577C6D01}" type="presParOf" srcId="{00582627-E1B4-4B1E-83E4-E1671F2D4019}" destId="{25E8CFB1-4F86-445E-BF1E-99AED86443F3}" srcOrd="3" destOrd="0" presId="urn:microsoft.com/office/officeart/2005/8/layout/orgChart1"/>
+    <dgm:cxn modelId="{0A73CF5C-6C41-407B-AFF1-0F8DCAAF75C0}" type="presParOf" srcId="{25E8CFB1-4F86-445E-BF1E-99AED86443F3}" destId="{8DBE5D51-9062-4A46-A530-73607FEF00EB}" srcOrd="0" destOrd="0" presId="urn:microsoft.com/office/officeart/2005/8/layout/orgChart1"/>
+    <dgm:cxn modelId="{8F215ACA-2A20-4292-BCE2-7D831793B076}" type="presParOf" srcId="{8DBE5D51-9062-4A46-A530-73607FEF00EB}" destId="{094E8D50-BFD9-48EF-BE69-76EE110401BE}" srcOrd="0" destOrd="0" presId="urn:microsoft.com/office/officeart/2005/8/layout/orgChart1"/>
+    <dgm:cxn modelId="{E27AB70C-EB68-4C03-92C4-FC19DA8AEFC5}" type="presParOf" srcId="{8DBE5D51-9062-4A46-A530-73607FEF00EB}" destId="{06764B92-D7DD-4C61-B403-49C3D92F7A25}" srcOrd="1" destOrd="0" presId="urn:microsoft.com/office/officeart/2005/8/layout/orgChart1"/>
+    <dgm:cxn modelId="{19C47B86-E0B9-4535-96E0-4AEAF2C67330}" type="presParOf" srcId="{25E8CFB1-4F86-445E-BF1E-99AED86443F3}" destId="{01BB6504-395B-45FB-907A-E628D550F6F0}" srcOrd="1" destOrd="0" presId="urn:microsoft.com/office/officeart/2005/8/layout/orgChart1"/>
+    <dgm:cxn modelId="{D84DEF30-3F36-499A-93AF-3F6D744C5787}" type="presParOf" srcId="{25E8CFB1-4F86-445E-BF1E-99AED86443F3}" destId="{C1A6F900-7C89-42B0-A81B-2F812940F45F}" srcOrd="2" destOrd="0" presId="urn:microsoft.com/office/officeart/2005/8/layout/orgChart1"/>
+    <dgm:cxn modelId="{889E4E82-2535-4253-8301-68043C26F87F}" type="presParOf" srcId="{00582627-E1B4-4B1E-83E4-E1671F2D4019}" destId="{D312E270-3312-41ED-AB7E-1DDDB6404E92}" srcOrd="4" destOrd="0" presId="urn:microsoft.com/office/officeart/2005/8/layout/orgChart1"/>
+    <dgm:cxn modelId="{8DE171D2-EAFB-42EA-A6A3-40B3A39595C4}" type="presParOf" srcId="{00582627-E1B4-4B1E-83E4-E1671F2D4019}" destId="{06A694BD-305F-48DA-B296-F1A30B91BD92}" srcOrd="5" destOrd="0" presId="urn:microsoft.com/office/officeart/2005/8/layout/orgChart1"/>
+    <dgm:cxn modelId="{15F455C1-6EA4-4493-89E3-FE84EE858D40}" type="presParOf" srcId="{06A694BD-305F-48DA-B296-F1A30B91BD92}" destId="{1EE70544-E91C-46E8-A16D-8FFDB935BA95}" srcOrd="0" destOrd="0" presId="urn:microsoft.com/office/officeart/2005/8/layout/orgChart1"/>
+    <dgm:cxn modelId="{2E9985C7-3C7C-49DE-BDDE-63EECC637F22}" type="presParOf" srcId="{1EE70544-E91C-46E8-A16D-8FFDB935BA95}" destId="{FAE6A99F-9658-4407-88D4-E11F21CC982F}" srcOrd="0" destOrd="0" presId="urn:microsoft.com/office/officeart/2005/8/layout/orgChart1"/>
+    <dgm:cxn modelId="{48B049A0-778A-426C-A72E-E9E4294C16DE}" type="presParOf" srcId="{1EE70544-E91C-46E8-A16D-8FFDB935BA95}" destId="{88FFD002-CAC3-44AE-B792-2149750F72FC}" srcOrd="1" destOrd="0" presId="urn:microsoft.com/office/officeart/2005/8/layout/orgChart1"/>
+    <dgm:cxn modelId="{5998A6D3-33AC-442E-8201-D9818AD82D4D}" type="presParOf" srcId="{06A694BD-305F-48DA-B296-F1A30B91BD92}" destId="{C93CCF27-6A15-447E-A8F9-3C3EF40E25A6}" srcOrd="1" destOrd="0" presId="urn:microsoft.com/office/officeart/2005/8/layout/orgChart1"/>
+    <dgm:cxn modelId="{41EE66E6-5744-417E-99BC-B6243CA56089}" type="presParOf" srcId="{06A694BD-305F-48DA-B296-F1A30B91BD92}" destId="{26EC042C-2553-433B-9EC6-D148DEE8D91A}" srcOrd="2" destOrd="0" presId="urn:microsoft.com/office/officeart/2005/8/layout/orgChart1"/>
+    <dgm:cxn modelId="{0A35AAB0-7F1E-4291-81CB-AF1F9DCD9D1A}" type="presParOf" srcId="{00582627-E1B4-4B1E-83E4-E1671F2D4019}" destId="{B54B60F4-D175-464D-80DA-2DF44F98F01A}" srcOrd="6" destOrd="0" presId="urn:microsoft.com/office/officeart/2005/8/layout/orgChart1"/>
+    <dgm:cxn modelId="{18E86B7B-9A39-40E6-983D-67DD8517720E}" type="presParOf" srcId="{00582627-E1B4-4B1E-83E4-E1671F2D4019}" destId="{D4852443-8226-4C6B-872B-0D4F691136CF}" srcOrd="7" destOrd="0" presId="urn:microsoft.com/office/officeart/2005/8/layout/orgChart1"/>
+    <dgm:cxn modelId="{D57D8A78-A336-42C5-84E9-AAEE8088E6B1}" type="presParOf" srcId="{D4852443-8226-4C6B-872B-0D4F691136CF}" destId="{41F3AD55-0DAA-4286-B6E0-A58EC79F24F2}" srcOrd="0" destOrd="0" presId="urn:microsoft.com/office/officeart/2005/8/layout/orgChart1"/>
+    <dgm:cxn modelId="{AED45BE8-1369-4924-B01B-BAF93060BE80}" type="presParOf" srcId="{41F3AD55-0DAA-4286-B6E0-A58EC79F24F2}" destId="{3033ED67-32AD-439D-AEEC-69FDCEDF0557}" srcOrd="0" destOrd="0" presId="urn:microsoft.com/office/officeart/2005/8/layout/orgChart1"/>
+    <dgm:cxn modelId="{2AA396D9-53B1-4146-A2B5-816A382EBE5F}" type="presParOf" srcId="{41F3AD55-0DAA-4286-B6E0-A58EC79F24F2}" destId="{57E97796-997E-466B-A8FB-9A0A0BD8D7CF}" srcOrd="1" destOrd="0" presId="urn:microsoft.com/office/officeart/2005/8/layout/orgChart1"/>
+    <dgm:cxn modelId="{F678EF72-2C8F-4EE4-AF78-4539CEB3FB18}" type="presParOf" srcId="{D4852443-8226-4C6B-872B-0D4F691136CF}" destId="{42FB037E-E34B-458B-95CA-06180B2D49A1}" srcOrd="1" destOrd="0" presId="urn:microsoft.com/office/officeart/2005/8/layout/orgChart1"/>
+    <dgm:cxn modelId="{80934BCF-1886-4BE5-8E6E-4254F73BF693}" type="presParOf" srcId="{D4852443-8226-4C6B-872B-0D4F691136CF}" destId="{D418D7F6-F7F9-4152-B0F7-7B18B46EE2D3}" srcOrd="2" destOrd="0" presId="urn:microsoft.com/office/officeart/2005/8/layout/orgChart1"/>
+    <dgm:cxn modelId="{C21B974F-5461-4FC0-BBF2-F54EF04EE375}" type="presParOf" srcId="{E3A0B0C1-C004-47D4-96C7-C61F93EDBB99}" destId="{6334060D-77D1-4199-B3DB-F96832A591F8}" srcOrd="2" destOrd="0" presId="urn:microsoft.com/office/officeart/2005/8/layout/orgChart1"/>
+    <dgm:cxn modelId="{F6F253CD-1B8E-441A-9E08-875525F66364}" type="presParOf" srcId="{B9BEBD7F-7947-4848-98B1-E6275D9A3C8B}" destId="{BD07F684-5C7D-45CA-B432-2DAF08FF67AD}" srcOrd="6" destOrd="0" presId="urn:microsoft.com/office/officeart/2005/8/layout/orgChart1"/>
+    <dgm:cxn modelId="{B45F7249-02CD-4E6B-AE2F-CDE0F481E444}" type="presParOf" srcId="{B9BEBD7F-7947-4848-98B1-E6275D9A3C8B}" destId="{8542B37F-6D6E-4C81-A6F1-B92EFF11A219}" srcOrd="7" destOrd="0" presId="urn:microsoft.com/office/officeart/2005/8/layout/orgChart1"/>
+    <dgm:cxn modelId="{FD1CAD31-1532-41D8-A1C5-590257F5B4D7}" type="presParOf" srcId="{8542B37F-6D6E-4C81-A6F1-B92EFF11A219}" destId="{65BCE8C2-D56E-4E1D-BAF8-3F847E860285}" srcOrd="0" destOrd="0" presId="urn:microsoft.com/office/officeart/2005/8/layout/orgChart1"/>
+    <dgm:cxn modelId="{C26BFE3B-8EE4-4901-9944-D579702CA9CF}" type="presParOf" srcId="{65BCE8C2-D56E-4E1D-BAF8-3F847E860285}" destId="{6CC8D5A8-B83C-4E32-AEDB-708EEF218CEA}" srcOrd="0" destOrd="0" presId="urn:microsoft.com/office/officeart/2005/8/layout/orgChart1"/>
+    <dgm:cxn modelId="{9278190A-E71D-44C3-80EF-936E6517FCC9}" type="presParOf" srcId="{65BCE8C2-D56E-4E1D-BAF8-3F847E860285}" destId="{2DE932EC-A79B-4768-BEAD-37629C76D7EE}" srcOrd="1" destOrd="0" presId="urn:microsoft.com/office/officeart/2005/8/layout/orgChart1"/>
+    <dgm:cxn modelId="{44DFDBE1-5628-491E-AC7C-0B057108B020}" type="presParOf" srcId="{8542B37F-6D6E-4C81-A6F1-B92EFF11A219}" destId="{0360EEB7-0098-47C2-B3B0-3A5F34F1A54B}" srcOrd="1" destOrd="0" presId="urn:microsoft.com/office/officeart/2005/8/layout/orgChart1"/>
+    <dgm:cxn modelId="{3D92DE38-E222-43E0-8147-7A3275473D30}" type="presParOf" srcId="{0360EEB7-0098-47C2-B3B0-3A5F34F1A54B}" destId="{495F85BC-107B-4243-8E33-441DA24998B3}" srcOrd="0" destOrd="0" presId="urn:microsoft.com/office/officeart/2005/8/layout/orgChart1"/>
+    <dgm:cxn modelId="{CD76FC41-2A16-4FE0-A3C2-3110E43B5A2D}" type="presParOf" srcId="{0360EEB7-0098-47C2-B3B0-3A5F34F1A54B}" destId="{C286BA60-7F5B-4C3A-B631-BAEE21FB11A3}" srcOrd="1" destOrd="0" presId="urn:microsoft.com/office/officeart/2005/8/layout/orgChart1"/>
+    <dgm:cxn modelId="{EFC55868-791A-4994-A020-5905B251EB23}" type="presParOf" srcId="{C286BA60-7F5B-4C3A-B631-BAEE21FB11A3}" destId="{9BBB52E4-D5B2-4382-B871-E5D43916D242}" srcOrd="0" destOrd="0" presId="urn:microsoft.com/office/officeart/2005/8/layout/orgChart1"/>
+    <dgm:cxn modelId="{3EDE8FDF-B1DB-48CD-A061-CE424E039C47}" type="presParOf" srcId="{9BBB52E4-D5B2-4382-B871-E5D43916D242}" destId="{2C96B520-DA85-4003-A50C-0D9CBAB20E2E}" srcOrd="0" destOrd="0" presId="urn:microsoft.com/office/officeart/2005/8/layout/orgChart1"/>
+    <dgm:cxn modelId="{EAB140E8-3500-4477-AFC6-CB3710F84D25}" type="presParOf" srcId="{9BBB52E4-D5B2-4382-B871-E5D43916D242}" destId="{FF8AEEBC-D6C9-4962-8EAE-A4C6CD8B8D49}" srcOrd="1" destOrd="0" presId="urn:microsoft.com/office/officeart/2005/8/layout/orgChart1"/>
+    <dgm:cxn modelId="{356B6144-BCCF-4EA4-B9BE-A09FE7458570}" type="presParOf" srcId="{C286BA60-7F5B-4C3A-B631-BAEE21FB11A3}" destId="{C642745F-2007-40C0-8365-1550503F8144}" srcOrd="1" destOrd="0" presId="urn:microsoft.com/office/officeart/2005/8/layout/orgChart1"/>
+    <dgm:cxn modelId="{0EB24049-6EF6-44AE-91CD-60FA912973B1}" type="presParOf" srcId="{C286BA60-7F5B-4C3A-B631-BAEE21FB11A3}" destId="{584E1164-9B18-44F6-97FF-C61707714C67}" srcOrd="2" destOrd="0" presId="urn:microsoft.com/office/officeart/2005/8/layout/orgChart1"/>
+    <dgm:cxn modelId="{FBEBF0A7-250D-46AB-BE25-A332E956090E}" type="presParOf" srcId="{0360EEB7-0098-47C2-B3B0-3A5F34F1A54B}" destId="{C6510906-FC02-416B-834D-DD3591FBDC86}" srcOrd="2" destOrd="0" presId="urn:microsoft.com/office/officeart/2005/8/layout/orgChart1"/>
+    <dgm:cxn modelId="{1A4C1903-596B-4078-8749-0EB557572908}" type="presParOf" srcId="{0360EEB7-0098-47C2-B3B0-3A5F34F1A54B}" destId="{04368A3E-0FF3-49F8-848B-E0A57AA16EA6}" srcOrd="3" destOrd="0" presId="urn:microsoft.com/office/officeart/2005/8/layout/orgChart1"/>
+    <dgm:cxn modelId="{407D3CBB-65AA-43A7-A6B6-2F3725F76257}" type="presParOf" srcId="{04368A3E-0FF3-49F8-848B-E0A57AA16EA6}" destId="{8D2BA7B1-36BA-45AB-85DB-F89C5B498B20}" srcOrd="0" destOrd="0" presId="urn:microsoft.com/office/officeart/2005/8/layout/orgChart1"/>
+    <dgm:cxn modelId="{686037F2-CB00-49E2-914B-CF591ABB6613}" type="presParOf" srcId="{8D2BA7B1-36BA-45AB-85DB-F89C5B498B20}" destId="{21B0C2F9-4491-4771-903E-2E57E65126AE}" srcOrd="0" destOrd="0" presId="urn:microsoft.com/office/officeart/2005/8/layout/orgChart1"/>
+    <dgm:cxn modelId="{2ACB9BB5-65E4-4BD6-A268-EC11C4824C2A}" type="presParOf" srcId="{8D2BA7B1-36BA-45AB-85DB-F89C5B498B20}" destId="{2BD7A2ED-05B3-4AFF-A195-E8834C0274D3}" srcOrd="1" destOrd="0" presId="urn:microsoft.com/office/officeart/2005/8/layout/orgChart1"/>
+    <dgm:cxn modelId="{B7438779-E72A-4596-A71E-3039A6C078D6}" type="presParOf" srcId="{04368A3E-0FF3-49F8-848B-E0A57AA16EA6}" destId="{71883D35-A6B4-4575-A4FC-AFFAAA2C2299}" srcOrd="1" destOrd="0" presId="urn:microsoft.com/office/officeart/2005/8/layout/orgChart1"/>
+    <dgm:cxn modelId="{3B142576-7EBE-4A1A-93DC-77A5455DEBB8}" type="presParOf" srcId="{04368A3E-0FF3-49F8-848B-E0A57AA16EA6}" destId="{677253E0-52E4-4845-A49B-38664AC3ED57}" srcOrd="2" destOrd="0" presId="urn:microsoft.com/office/officeart/2005/8/layout/orgChart1"/>
+    <dgm:cxn modelId="{9CDDF917-F7BB-4BAF-9D64-39902FAF026B}" type="presParOf" srcId="{0360EEB7-0098-47C2-B3B0-3A5F34F1A54B}" destId="{1E3A1824-89A9-43C3-B922-2DE7D11DCEA7}" srcOrd="4" destOrd="0" presId="urn:microsoft.com/office/officeart/2005/8/layout/orgChart1"/>
+    <dgm:cxn modelId="{6F5B82BB-ED25-416F-B6B7-A7F8A63CA2B6}" type="presParOf" srcId="{0360EEB7-0098-47C2-B3B0-3A5F34F1A54B}" destId="{C4D77535-DCBE-463F-92F4-8E3B3FD2F320}" srcOrd="5" destOrd="0" presId="urn:microsoft.com/office/officeart/2005/8/layout/orgChart1"/>
+    <dgm:cxn modelId="{4A77713C-F1E8-475A-A91F-086C2F9389C3}" type="presParOf" srcId="{C4D77535-DCBE-463F-92F4-8E3B3FD2F320}" destId="{79D79AA8-6A32-4186-80AD-5A0FE6FDDCC2}" srcOrd="0" destOrd="0" presId="urn:microsoft.com/office/officeart/2005/8/layout/orgChart1"/>
+    <dgm:cxn modelId="{CBD8A39A-E04E-4567-8C1B-74A13299D4F9}" type="presParOf" srcId="{79D79AA8-6A32-4186-80AD-5A0FE6FDDCC2}" destId="{A89C9113-97A5-490D-A335-B615D2C403F9}" srcOrd="0" destOrd="0" presId="urn:microsoft.com/office/officeart/2005/8/layout/orgChart1"/>
+    <dgm:cxn modelId="{AB21ACAA-F6C1-4A7D-B2B8-45A9172A1505}" type="presParOf" srcId="{79D79AA8-6A32-4186-80AD-5A0FE6FDDCC2}" destId="{9DCABA75-FF5A-498F-8101-2732D2BDDB54}" srcOrd="1" destOrd="0" presId="urn:microsoft.com/office/officeart/2005/8/layout/orgChart1"/>
+    <dgm:cxn modelId="{5F40F99D-DA67-4C36-8422-0A948C66A26E}" type="presParOf" srcId="{C4D77535-DCBE-463F-92F4-8E3B3FD2F320}" destId="{4902961E-A663-445B-9980-A9C6EEBF958B}" srcOrd="1" destOrd="0" presId="urn:microsoft.com/office/officeart/2005/8/layout/orgChart1"/>
+    <dgm:cxn modelId="{CE789BD3-3EA2-4E23-9C07-EA47B7FB8B3A}" type="presParOf" srcId="{C4D77535-DCBE-463F-92F4-8E3B3FD2F320}" destId="{99B96DB6-7B57-40D5-B2D3-56E82D24ADE3}" srcOrd="2" destOrd="0" presId="urn:microsoft.com/office/officeart/2005/8/layout/orgChart1"/>
+    <dgm:cxn modelId="{3B6BC1FE-0F0F-4E17-97BC-096793D3A76D}" type="presParOf" srcId="{8542B37F-6D6E-4C81-A6F1-B92EFF11A219}" destId="{6899C78C-C4C1-4EEA-80FB-100EECB12C99}" srcOrd="2" destOrd="0" presId="urn:microsoft.com/office/officeart/2005/8/layout/orgChart1"/>
+    <dgm:cxn modelId="{967E8CE2-CD89-4344-B429-DAE98AE74C61}" type="presParOf" srcId="{2FE69024-7A43-40E2-8AF8-84E6D4C57CAA}" destId="{199580FA-8A4F-48D9-B744-FD7AB68B5CAC}" srcOrd="2" destOrd="0" presId="urn:microsoft.com/office/officeart/2005/8/layout/orgChart1"/>
+  </dgm:cxnLst>
+  <dgm:bg/>
+  <dgm:whole/>
+  <dgm:extLst>
+    <a:ext uri="http://schemas.microsoft.com/office/drawing/2008/diagram">
+      <dsp:dataModelExt xmlns:dsp="http://schemas.microsoft.com/office/drawing/2008/diagram" relId="rId6" minVer="http://schemas.openxmlformats.org/drawingml/2006/diagram"/>
+    </a:ext>
+  </dgm:extLst>
+</dgm:dataModel>
+</file>
+
+<file path=ppt/diagrams/drawing1.xml><?xml version="1.0" encoding="utf-8"?>
+<dsp:drawing xmlns:dgm="http://schemas.openxmlformats.org/drawingml/2006/diagram" xmlns:dsp="http://schemas.microsoft.com/office/drawing/2008/diagram" xmlns:a="http://schemas.openxmlformats.org/drawingml/2006/main">
+  <dsp:spTree>
+    <dsp:nvGrpSpPr>
+      <dsp:cNvPr id="0" name=""/>
+      <dsp:cNvGrpSpPr/>
+    </dsp:nvGrpSpPr>
+    <dsp:grpSpPr/>
+    <dsp:sp modelId="{1E3A1824-89A9-43C3-B922-2DE7D11DCEA7}">
+      <dsp:nvSpPr>
+        <dsp:cNvPr id="0" name=""/>
+        <dsp:cNvSpPr/>
+      </dsp:nvSpPr>
+      <dsp:spPr>
+        <a:xfrm>
+          <a:off x="6424944" y="1618911"/>
+          <a:ext cx="200691" cy="2515330"/>
+        </a:xfrm>
+        <a:custGeom>
+          <a:avLst/>
+          <a:gdLst/>
+          <a:ahLst/>
+          <a:cxnLst/>
+          <a:rect l="0" t="0" r="0" b="0"/>
+          <a:pathLst>
+            <a:path>
+              <a:moveTo>
+                <a:pt x="0" y="0"/>
+              </a:moveTo>
+              <a:lnTo>
+                <a:pt x="0" y="2515330"/>
+              </a:lnTo>
+              <a:lnTo>
+                <a:pt x="200691" y="2515330"/>
+              </a:lnTo>
+            </a:path>
+          </a:pathLst>
+        </a:custGeom>
+        <a:noFill/>
+        <a:ln w="12700" cap="flat" cmpd="sng" algn="ctr">
+          <a:solidFill>
+            <a:schemeClr val="dk1">
+              <a:shade val="80000"/>
+              <a:hueOff val="0"/>
+              <a:satOff val="0"/>
+              <a:lumOff val="0"/>
+              <a:alphaOff val="0"/>
+            </a:schemeClr>
+          </a:solidFill>
+          <a:prstDash val="solid"/>
+          <a:miter lim="800000"/>
+        </a:ln>
+        <a:effectLst/>
+      </dsp:spPr>
+      <dsp:style>
+        <a:lnRef idx="2">
+          <a:scrgbClr r="0" g="0" b="0"/>
+        </a:lnRef>
+        <a:fillRef idx="0">
+          <a:scrgbClr r="0" g="0" b="0"/>
+        </a:fillRef>
+        <a:effectRef idx="0">
+          <a:scrgbClr r="0" g="0" b="0"/>
+        </a:effectRef>
+        <a:fontRef idx="minor"/>
+      </dsp:style>
+    </dsp:sp>
+    <dsp:sp modelId="{C6510906-FC02-416B-834D-DD3591FBDC86}">
+      <dsp:nvSpPr>
+        <dsp:cNvPr id="0" name=""/>
+        <dsp:cNvSpPr/>
+      </dsp:nvSpPr>
+      <dsp:spPr>
+        <a:xfrm>
+          <a:off x="6424944" y="1618911"/>
+          <a:ext cx="200691" cy="1565391"/>
+        </a:xfrm>
+        <a:custGeom>
+          <a:avLst/>
+          <a:gdLst/>
+          <a:ahLst/>
+          <a:cxnLst/>
+          <a:rect l="0" t="0" r="0" b="0"/>
+          <a:pathLst>
+            <a:path>
+              <a:moveTo>
+                <a:pt x="0" y="0"/>
+              </a:moveTo>
+              <a:lnTo>
+                <a:pt x="0" y="1565391"/>
+              </a:lnTo>
+              <a:lnTo>
+                <a:pt x="200691" y="1565391"/>
+              </a:lnTo>
+            </a:path>
+          </a:pathLst>
+        </a:custGeom>
+        <a:noFill/>
+        <a:ln w="12700" cap="flat" cmpd="sng" algn="ctr">
+          <a:solidFill>
+            <a:schemeClr val="dk1">
+              <a:shade val="80000"/>
+              <a:hueOff val="0"/>
+              <a:satOff val="0"/>
+              <a:lumOff val="0"/>
+              <a:alphaOff val="0"/>
+            </a:schemeClr>
+          </a:solidFill>
+          <a:prstDash val="solid"/>
+          <a:miter lim="800000"/>
+        </a:ln>
+        <a:effectLst/>
+      </dsp:spPr>
+      <dsp:style>
+        <a:lnRef idx="2">
+          <a:scrgbClr r="0" g="0" b="0"/>
+        </a:lnRef>
+        <a:fillRef idx="0">
+          <a:scrgbClr r="0" g="0" b="0"/>
+        </a:fillRef>
+        <a:effectRef idx="0">
+          <a:scrgbClr r="0" g="0" b="0"/>
+        </a:effectRef>
+        <a:fontRef idx="minor"/>
+      </dsp:style>
+    </dsp:sp>
+    <dsp:sp modelId="{495F85BC-107B-4243-8E33-441DA24998B3}">
+      <dsp:nvSpPr>
+        <dsp:cNvPr id="0" name=""/>
+        <dsp:cNvSpPr/>
+      </dsp:nvSpPr>
+      <dsp:spPr>
+        <a:xfrm>
+          <a:off x="6424944" y="1618911"/>
+          <a:ext cx="200691" cy="615453"/>
+        </a:xfrm>
+        <a:custGeom>
+          <a:avLst/>
+          <a:gdLst/>
+          <a:ahLst/>
+          <a:cxnLst/>
+          <a:rect l="0" t="0" r="0" b="0"/>
+          <a:pathLst>
+            <a:path>
+              <a:moveTo>
+                <a:pt x="0" y="0"/>
+              </a:moveTo>
+              <a:lnTo>
+                <a:pt x="0" y="615453"/>
+              </a:lnTo>
+              <a:lnTo>
+                <a:pt x="200691" y="615453"/>
+              </a:lnTo>
+            </a:path>
+          </a:pathLst>
+        </a:custGeom>
+        <a:noFill/>
+        <a:ln w="12700" cap="flat" cmpd="sng" algn="ctr">
+          <a:solidFill>
+            <a:schemeClr val="dk1">
+              <a:shade val="80000"/>
+              <a:hueOff val="0"/>
+              <a:satOff val="0"/>
+              <a:lumOff val="0"/>
+              <a:alphaOff val="0"/>
+            </a:schemeClr>
+          </a:solidFill>
+          <a:prstDash val="solid"/>
+          <a:miter lim="800000"/>
+        </a:ln>
+        <a:effectLst/>
+      </dsp:spPr>
+      <dsp:style>
+        <a:lnRef idx="2">
+          <a:scrgbClr r="0" g="0" b="0"/>
+        </a:lnRef>
+        <a:fillRef idx="0">
+          <a:scrgbClr r="0" g="0" b="0"/>
+        </a:fillRef>
+        <a:effectRef idx="0">
+          <a:scrgbClr r="0" g="0" b="0"/>
+        </a:effectRef>
+        <a:fontRef idx="minor"/>
+      </dsp:style>
+    </dsp:sp>
+    <dsp:sp modelId="{BD07F684-5C7D-45CA-B432-2DAF08FF67AD}">
+      <dsp:nvSpPr>
+        <dsp:cNvPr id="0" name=""/>
+        <dsp:cNvSpPr/>
+      </dsp:nvSpPr>
+      <dsp:spPr>
+        <a:xfrm>
+          <a:off x="4526994" y="668970"/>
+          <a:ext cx="2433127" cy="280969"/>
+        </a:xfrm>
+        <a:custGeom>
+          <a:avLst/>
+          <a:gdLst/>
+          <a:ahLst/>
+          <a:cxnLst/>
+          <a:rect l="0" t="0" r="0" b="0"/>
+          <a:pathLst>
+            <a:path>
+              <a:moveTo>
+                <a:pt x="0" y="0"/>
+              </a:moveTo>
+              <a:lnTo>
+                <a:pt x="0" y="140485"/>
+              </a:lnTo>
+              <a:lnTo>
+                <a:pt x="2433127" y="140485"/>
+              </a:lnTo>
+              <a:lnTo>
+                <a:pt x="2433127" y="280969"/>
+              </a:lnTo>
+            </a:path>
+          </a:pathLst>
+        </a:custGeom>
+        <a:noFill/>
+        <a:ln w="12700" cap="flat" cmpd="sng" algn="ctr">
+          <a:solidFill>
+            <a:schemeClr val="dk1">
+              <a:shade val="60000"/>
+              <a:hueOff val="0"/>
+              <a:satOff val="0"/>
+              <a:lumOff val="0"/>
+              <a:alphaOff val="0"/>
+            </a:schemeClr>
+          </a:solidFill>
+          <a:prstDash val="solid"/>
+          <a:miter lim="800000"/>
+        </a:ln>
+        <a:effectLst/>
+      </dsp:spPr>
+      <dsp:style>
+        <a:lnRef idx="2">
+          <a:scrgbClr r="0" g="0" b="0"/>
+        </a:lnRef>
+        <a:fillRef idx="0">
+          <a:scrgbClr r="0" g="0" b="0"/>
+        </a:fillRef>
+        <a:effectRef idx="0">
+          <a:scrgbClr r="0" g="0" b="0"/>
+        </a:effectRef>
+        <a:fontRef idx="minor"/>
+      </dsp:style>
+    </dsp:sp>
+    <dsp:sp modelId="{B54B60F4-D175-464D-80DA-2DF44F98F01A}">
+      <dsp:nvSpPr>
+        <dsp:cNvPr id="0" name=""/>
+        <dsp:cNvSpPr/>
+      </dsp:nvSpPr>
+      <dsp:spPr>
+        <a:xfrm>
+          <a:off x="4948028" y="809456"/>
+          <a:ext cx="91440" cy="4274723"/>
+        </a:xfrm>
+        <a:custGeom>
+          <a:avLst/>
+          <a:gdLst/>
+          <a:ahLst/>
+          <a:cxnLst/>
+          <a:rect l="0" t="0" r="0" b="0"/>
+          <a:pathLst>
+            <a:path>
+              <a:moveTo>
+                <a:pt x="45720" y="0"/>
+              </a:moveTo>
+              <a:lnTo>
+                <a:pt x="45720" y="4274723"/>
+              </a:lnTo>
+              <a:lnTo>
+                <a:pt x="58698" y="4274723"/>
+              </a:lnTo>
+            </a:path>
+          </a:pathLst>
+        </a:custGeom>
+        <a:noFill/>
+        <a:ln w="12700" cap="flat" cmpd="sng" algn="ctr">
+          <a:solidFill>
+            <a:schemeClr val="dk1">
+              <a:shade val="80000"/>
+              <a:hueOff val="0"/>
+              <a:satOff val="0"/>
+              <a:lumOff val="0"/>
+              <a:alphaOff val="0"/>
+            </a:schemeClr>
+          </a:solidFill>
+          <a:prstDash val="solid"/>
+          <a:miter lim="800000"/>
+        </a:ln>
+        <a:effectLst/>
+      </dsp:spPr>
+      <dsp:style>
+        <a:lnRef idx="2">
+          <a:scrgbClr r="0" g="0" b="0"/>
+        </a:lnRef>
+        <a:fillRef idx="0">
+          <a:scrgbClr r="0" g="0" b="0"/>
+        </a:fillRef>
+        <a:effectRef idx="0">
+          <a:scrgbClr r="0" g="0" b="0"/>
+        </a:effectRef>
+        <a:fontRef idx="minor"/>
+      </dsp:style>
+    </dsp:sp>
+    <dsp:sp modelId="{D312E270-3312-41ED-AB7E-1DDDB6404E92}">
+      <dsp:nvSpPr>
+        <dsp:cNvPr id="0" name=""/>
+        <dsp:cNvSpPr/>
+      </dsp:nvSpPr>
+      <dsp:spPr>
+        <a:xfrm>
+          <a:off x="4948028" y="809456"/>
+          <a:ext cx="91440" cy="3324784"/>
+        </a:xfrm>
+        <a:custGeom>
+          <a:avLst/>
+          <a:gdLst/>
+          <a:ahLst/>
+          <a:cxnLst/>
+          <a:rect l="0" t="0" r="0" b="0"/>
+          <a:pathLst>
+            <a:path>
+              <a:moveTo>
+                <a:pt x="45720" y="0"/>
+              </a:moveTo>
+              <a:lnTo>
+                <a:pt x="45720" y="3324784"/>
+              </a:lnTo>
+              <a:lnTo>
+                <a:pt x="58698" y="3324784"/>
+              </a:lnTo>
+            </a:path>
+          </a:pathLst>
+        </a:custGeom>
+        <a:noFill/>
+        <a:ln w="12700" cap="flat" cmpd="sng" algn="ctr">
+          <a:solidFill>
+            <a:schemeClr val="dk1">
+              <a:shade val="80000"/>
+              <a:hueOff val="0"/>
+              <a:satOff val="0"/>
+              <a:lumOff val="0"/>
+              <a:alphaOff val="0"/>
+            </a:schemeClr>
+          </a:solidFill>
+          <a:prstDash val="solid"/>
+          <a:miter lim="800000"/>
+        </a:ln>
+        <a:effectLst/>
+      </dsp:spPr>
+      <dsp:style>
+        <a:lnRef idx="2">
+          <a:scrgbClr r="0" g="0" b="0"/>
+        </a:lnRef>
+        <a:fillRef idx="0">
+          <a:scrgbClr r="0" g="0" b="0"/>
+        </a:fillRef>
+        <a:effectRef idx="0">
+          <a:scrgbClr r="0" g="0" b="0"/>
+        </a:effectRef>
+        <a:fontRef idx="minor"/>
+      </dsp:style>
+    </dsp:sp>
+    <dsp:sp modelId="{AC5E50ED-E076-487B-8E7A-9FAD4AE10A5B}">
+      <dsp:nvSpPr>
+        <dsp:cNvPr id="0" name=""/>
+        <dsp:cNvSpPr/>
+      </dsp:nvSpPr>
+      <dsp:spPr>
+        <a:xfrm>
+          <a:off x="4948028" y="809456"/>
+          <a:ext cx="91440" cy="2374846"/>
+        </a:xfrm>
+        <a:custGeom>
+          <a:avLst/>
+          <a:gdLst/>
+          <a:ahLst/>
+          <a:cxnLst/>
+          <a:rect l="0" t="0" r="0" b="0"/>
+          <a:pathLst>
+            <a:path>
+              <a:moveTo>
+                <a:pt x="45720" y="0"/>
+              </a:moveTo>
+              <a:lnTo>
+                <a:pt x="45720" y="2374846"/>
+              </a:lnTo>
+              <a:lnTo>
+                <a:pt x="58698" y="2374846"/>
+              </a:lnTo>
+            </a:path>
+          </a:pathLst>
+        </a:custGeom>
+        <a:noFill/>
+        <a:ln w="12700" cap="flat" cmpd="sng" algn="ctr">
+          <a:solidFill>
+            <a:schemeClr val="dk1">
+              <a:shade val="80000"/>
+              <a:hueOff val="0"/>
+              <a:satOff val="0"/>
+              <a:lumOff val="0"/>
+              <a:alphaOff val="0"/>
+            </a:schemeClr>
+          </a:solidFill>
+          <a:prstDash val="solid"/>
+          <a:miter lim="800000"/>
+        </a:ln>
+        <a:effectLst/>
+      </dsp:spPr>
+      <dsp:style>
+        <a:lnRef idx="2">
+          <a:scrgbClr r="0" g="0" b="0"/>
+        </a:lnRef>
+        <a:fillRef idx="0">
+          <a:scrgbClr r="0" g="0" b="0"/>
+        </a:fillRef>
+        <a:effectRef idx="0">
+          <a:scrgbClr r="0" g="0" b="0"/>
+        </a:effectRef>
+        <a:fontRef idx="minor"/>
+      </dsp:style>
+    </dsp:sp>
+    <dsp:sp modelId="{9A143D26-A8D8-4018-A4DD-0FFB1B3FB300}">
+      <dsp:nvSpPr>
+        <dsp:cNvPr id="0" name=""/>
+        <dsp:cNvSpPr/>
+      </dsp:nvSpPr>
+      <dsp:spPr>
+        <a:xfrm>
+          <a:off x="4948028" y="809456"/>
+          <a:ext cx="91440" cy="1424907"/>
+        </a:xfrm>
+        <a:custGeom>
+          <a:avLst/>
+          <a:gdLst/>
+          <a:ahLst/>
+          <a:cxnLst/>
+          <a:rect l="0" t="0" r="0" b="0"/>
+          <a:pathLst>
+            <a:path>
+              <a:moveTo>
+                <a:pt x="45720" y="0"/>
+              </a:moveTo>
+              <a:lnTo>
+                <a:pt x="45720" y="1424907"/>
+              </a:lnTo>
+              <a:lnTo>
+                <a:pt x="58698" y="1424907"/>
+              </a:lnTo>
+            </a:path>
+          </a:pathLst>
+        </a:custGeom>
+        <a:noFill/>
+        <a:ln w="12700" cap="flat" cmpd="sng" algn="ctr">
+          <a:solidFill>
+            <a:schemeClr val="dk1">
+              <a:shade val="80000"/>
+              <a:hueOff val="0"/>
+              <a:satOff val="0"/>
+              <a:lumOff val="0"/>
+              <a:alphaOff val="0"/>
+            </a:schemeClr>
+          </a:solidFill>
+          <a:prstDash val="solid"/>
+          <a:miter lim="800000"/>
+        </a:ln>
+        <a:effectLst/>
+      </dsp:spPr>
+      <dsp:style>
+        <a:lnRef idx="2">
+          <a:scrgbClr r="0" g="0" b="0"/>
+        </a:lnRef>
+        <a:fillRef idx="0">
+          <a:scrgbClr r="0" g="0" b="0"/>
+        </a:fillRef>
+        <a:effectRef idx="0">
+          <a:scrgbClr r="0" g="0" b="0"/>
+        </a:effectRef>
+        <a:fontRef idx="minor"/>
+      </dsp:style>
+    </dsp:sp>
+    <dsp:sp modelId="{7966D3F4-0B80-446D-8505-0FF4720872B1}">
+      <dsp:nvSpPr>
+        <dsp:cNvPr id="0" name=""/>
+        <dsp:cNvSpPr/>
+      </dsp:nvSpPr>
+      <dsp:spPr>
+        <a:xfrm>
+          <a:off x="4526994" y="140485"/>
+          <a:ext cx="1001930" cy="528485"/>
+        </a:xfrm>
+        <a:custGeom>
+          <a:avLst/>
+          <a:gdLst/>
+          <a:ahLst/>
+          <a:cxnLst/>
+          <a:rect l="0" t="0" r="0" b="0"/>
+          <a:pathLst>
+            <a:path>
+              <a:moveTo>
+                <a:pt x="0" y="528485"/>
+              </a:moveTo>
+              <a:lnTo>
+                <a:pt x="1001930" y="0"/>
+              </a:lnTo>
+            </a:path>
+          </a:pathLst>
+        </a:custGeom>
+        <a:noFill/>
+        <a:ln w="12700" cap="flat" cmpd="sng" algn="ctr">
+          <a:solidFill>
+            <a:schemeClr val="dk1">
+              <a:shade val="60000"/>
+              <a:hueOff val="0"/>
+              <a:satOff val="0"/>
+              <a:lumOff val="0"/>
+              <a:alphaOff val="0"/>
+            </a:schemeClr>
+          </a:solidFill>
+          <a:prstDash val="solid"/>
+          <a:miter lim="800000"/>
+        </a:ln>
+        <a:effectLst/>
+      </dsp:spPr>
+      <dsp:style>
+        <a:lnRef idx="2">
+          <a:scrgbClr r="0" g="0" b="0"/>
+        </a:lnRef>
+        <a:fillRef idx="0">
+          <a:scrgbClr r="0" g="0" b="0"/>
+        </a:fillRef>
+        <a:effectRef idx="0">
+          <a:scrgbClr r="0" g="0" b="0"/>
+        </a:effectRef>
+        <a:fontRef idx="minor"/>
+      </dsp:style>
+    </dsp:sp>
+    <dsp:sp modelId="{6AD11DCB-C664-42E5-BBF3-B4C2D431D3FC}">
+      <dsp:nvSpPr>
+        <dsp:cNvPr id="0" name=""/>
+        <dsp:cNvSpPr/>
+      </dsp:nvSpPr>
+      <dsp:spPr>
+        <a:xfrm>
+          <a:off x="3187126" y="1618911"/>
+          <a:ext cx="267735" cy="2655814"/>
+        </a:xfrm>
+        <a:custGeom>
+          <a:avLst/>
+          <a:gdLst/>
+          <a:ahLst/>
+          <a:cxnLst/>
+          <a:rect l="0" t="0" r="0" b="0"/>
+          <a:pathLst>
+            <a:path>
+              <a:moveTo>
+                <a:pt x="0" y="0"/>
+              </a:moveTo>
+              <a:lnTo>
+                <a:pt x="0" y="2655814"/>
+              </a:lnTo>
+              <a:lnTo>
+                <a:pt x="267735" y="2655814"/>
+              </a:lnTo>
+            </a:path>
+          </a:pathLst>
+        </a:custGeom>
+        <a:noFill/>
+        <a:ln w="12700" cap="flat" cmpd="sng" algn="ctr">
+          <a:solidFill>
+            <a:schemeClr val="dk1">
+              <a:shade val="80000"/>
+              <a:hueOff val="0"/>
+              <a:satOff val="0"/>
+              <a:lumOff val="0"/>
+              <a:alphaOff val="0"/>
+            </a:schemeClr>
+          </a:solidFill>
+          <a:prstDash val="solid"/>
+          <a:miter lim="800000"/>
+        </a:ln>
+        <a:effectLst/>
+      </dsp:spPr>
+      <dsp:style>
+        <a:lnRef idx="2">
+          <a:scrgbClr r="0" g="0" b="0"/>
+        </a:lnRef>
+        <a:fillRef idx="0">
+          <a:scrgbClr r="0" g="0" b="0"/>
+        </a:fillRef>
+        <a:effectRef idx="0">
+          <a:scrgbClr r="0" g="0" b="0"/>
+        </a:effectRef>
+        <a:fontRef idx="minor"/>
+      </dsp:style>
+    </dsp:sp>
+    <dsp:sp modelId="{D4E333D4-5821-4E35-9CFD-783EAABF094D}">
+      <dsp:nvSpPr>
+        <dsp:cNvPr id="0" name=""/>
+        <dsp:cNvSpPr/>
+      </dsp:nvSpPr>
+      <dsp:spPr>
+        <a:xfrm>
+          <a:off x="3187126" y="1618911"/>
+          <a:ext cx="200691" cy="2515330"/>
+        </a:xfrm>
+        <a:custGeom>
+          <a:avLst/>
+          <a:gdLst/>
+          <a:ahLst/>
+          <a:cxnLst/>
+          <a:rect l="0" t="0" r="0" b="0"/>
+          <a:pathLst>
+            <a:path>
+              <a:moveTo>
+                <a:pt x="0" y="0"/>
+              </a:moveTo>
+              <a:lnTo>
+                <a:pt x="0" y="2515330"/>
+              </a:lnTo>
+              <a:lnTo>
+                <a:pt x="200691" y="2515330"/>
+              </a:lnTo>
+            </a:path>
+          </a:pathLst>
+        </a:custGeom>
+        <a:noFill/>
+        <a:ln w="12700" cap="flat" cmpd="sng" algn="ctr">
+          <a:solidFill>
+            <a:schemeClr val="dk1">
+              <a:shade val="80000"/>
+              <a:hueOff val="0"/>
+              <a:satOff val="0"/>
+              <a:lumOff val="0"/>
+              <a:alphaOff val="0"/>
+            </a:schemeClr>
+          </a:solidFill>
+          <a:prstDash val="solid"/>
+          <a:miter lim="800000"/>
+        </a:ln>
+        <a:effectLst/>
+      </dsp:spPr>
+      <dsp:style>
+        <a:lnRef idx="2">
+          <a:scrgbClr r="0" g="0" b="0"/>
+        </a:lnRef>
+        <a:fillRef idx="0">
+          <a:scrgbClr r="0" g="0" b="0"/>
+        </a:fillRef>
+        <a:effectRef idx="0">
+          <a:scrgbClr r="0" g="0" b="0"/>
+        </a:effectRef>
+        <a:fontRef idx="minor"/>
+      </dsp:style>
+    </dsp:sp>
+    <dsp:sp modelId="{5D2DEA48-0850-4DDF-9E12-7FDD1057307B}">
+      <dsp:nvSpPr>
+        <dsp:cNvPr id="0" name=""/>
+        <dsp:cNvSpPr/>
+      </dsp:nvSpPr>
+      <dsp:spPr>
+        <a:xfrm>
+          <a:off x="3187126" y="1618911"/>
+          <a:ext cx="200691" cy="1565391"/>
+        </a:xfrm>
+        <a:custGeom>
+          <a:avLst/>
+          <a:gdLst/>
+          <a:ahLst/>
+          <a:cxnLst/>
+          <a:rect l="0" t="0" r="0" b="0"/>
+          <a:pathLst>
+            <a:path>
+              <a:moveTo>
+                <a:pt x="0" y="0"/>
+              </a:moveTo>
+              <a:lnTo>
+                <a:pt x="0" y="1565391"/>
+              </a:lnTo>
+              <a:lnTo>
+                <a:pt x="200691" y="1565391"/>
+              </a:lnTo>
+            </a:path>
+          </a:pathLst>
+        </a:custGeom>
+        <a:noFill/>
+        <a:ln w="12700" cap="flat" cmpd="sng" algn="ctr">
+          <a:solidFill>
+            <a:schemeClr val="dk1">
+              <a:shade val="80000"/>
+              <a:hueOff val="0"/>
+              <a:satOff val="0"/>
+              <a:lumOff val="0"/>
+              <a:alphaOff val="0"/>
+            </a:schemeClr>
+          </a:solidFill>
+          <a:prstDash val="solid"/>
+          <a:miter lim="800000"/>
+        </a:ln>
+        <a:effectLst/>
+      </dsp:spPr>
+      <dsp:style>
+        <a:lnRef idx="2">
+          <a:scrgbClr r="0" g="0" b="0"/>
+        </a:lnRef>
+        <a:fillRef idx="0">
+          <a:scrgbClr r="0" g="0" b="0"/>
+        </a:fillRef>
+        <a:effectRef idx="0">
+          <a:scrgbClr r="0" g="0" b="0"/>
+        </a:effectRef>
+        <a:fontRef idx="minor"/>
+      </dsp:style>
+    </dsp:sp>
+    <dsp:sp modelId="{AA61B065-B481-440F-A44D-0B0420E0BB0B}">
+      <dsp:nvSpPr>
+        <dsp:cNvPr id="0" name=""/>
+        <dsp:cNvSpPr/>
+      </dsp:nvSpPr>
+      <dsp:spPr>
+        <a:xfrm>
+          <a:off x="3187126" y="1618911"/>
+          <a:ext cx="200691" cy="615453"/>
+        </a:xfrm>
+        <a:custGeom>
+          <a:avLst/>
+          <a:gdLst/>
+          <a:ahLst/>
+          <a:cxnLst/>
+          <a:rect l="0" t="0" r="0" b="0"/>
+          <a:pathLst>
+            <a:path>
+              <a:moveTo>
+                <a:pt x="0" y="0"/>
+              </a:moveTo>
+              <a:lnTo>
+                <a:pt x="0" y="615453"/>
+              </a:lnTo>
+              <a:lnTo>
+                <a:pt x="200691" y="615453"/>
+              </a:lnTo>
+            </a:path>
+          </a:pathLst>
+        </a:custGeom>
+        <a:noFill/>
+        <a:ln w="12700" cap="flat" cmpd="sng" algn="ctr">
+          <a:solidFill>
+            <a:schemeClr val="dk1">
+              <a:shade val="80000"/>
+              <a:hueOff val="0"/>
+              <a:satOff val="0"/>
+              <a:lumOff val="0"/>
+              <a:alphaOff val="0"/>
+            </a:schemeClr>
+          </a:solidFill>
+          <a:prstDash val="solid"/>
+          <a:miter lim="800000"/>
+        </a:ln>
+        <a:effectLst/>
+      </dsp:spPr>
+      <dsp:style>
+        <a:lnRef idx="2">
+          <a:scrgbClr r="0" g="0" b="0"/>
+        </a:lnRef>
+        <a:fillRef idx="0">
+          <a:scrgbClr r="0" g="0" b="0"/>
+        </a:fillRef>
+        <a:effectRef idx="0">
+          <a:scrgbClr r="0" g="0" b="0"/>
+        </a:effectRef>
+        <a:fontRef idx="minor"/>
+      </dsp:style>
+    </dsp:sp>
+    <dsp:sp modelId="{B038FDF5-2963-42C0-B632-23CDF9C286E0}">
+      <dsp:nvSpPr>
+        <dsp:cNvPr id="0" name=""/>
+        <dsp:cNvSpPr/>
+      </dsp:nvSpPr>
+      <dsp:spPr>
+        <a:xfrm>
+          <a:off x="3722302" y="668970"/>
+          <a:ext cx="804691" cy="280969"/>
+        </a:xfrm>
+        <a:custGeom>
+          <a:avLst/>
+          <a:gdLst/>
+          <a:ahLst/>
+          <a:cxnLst/>
+          <a:rect l="0" t="0" r="0" b="0"/>
+          <a:pathLst>
+            <a:path>
+              <a:moveTo>
+                <a:pt x="804691" y="0"/>
+              </a:moveTo>
+              <a:lnTo>
+                <a:pt x="804691" y="140485"/>
+              </a:lnTo>
+              <a:lnTo>
+                <a:pt x="0" y="140485"/>
+              </a:lnTo>
+              <a:lnTo>
+                <a:pt x="0" y="280969"/>
+              </a:lnTo>
+            </a:path>
+          </a:pathLst>
+        </a:custGeom>
+        <a:noFill/>
+        <a:ln w="12700" cap="flat" cmpd="sng" algn="ctr">
+          <a:solidFill>
+            <a:schemeClr val="dk1">
+              <a:shade val="60000"/>
+              <a:hueOff val="0"/>
+              <a:satOff val="0"/>
+              <a:lumOff val="0"/>
+              <a:alphaOff val="0"/>
+            </a:schemeClr>
+          </a:solidFill>
+          <a:prstDash val="solid"/>
+          <a:miter lim="800000"/>
+        </a:ln>
+        <a:effectLst/>
+      </dsp:spPr>
+      <dsp:style>
+        <a:lnRef idx="2">
+          <a:scrgbClr r="0" g="0" b="0"/>
+        </a:lnRef>
+        <a:fillRef idx="0">
+          <a:scrgbClr r="0" g="0" b="0"/>
+        </a:fillRef>
+        <a:effectRef idx="0">
+          <a:scrgbClr r="0" g="0" b="0"/>
+        </a:effectRef>
+        <a:fontRef idx="minor"/>
+      </dsp:style>
+    </dsp:sp>
+    <dsp:sp modelId="{55628B5D-270F-4E2A-928D-B7A8388A5409}">
+      <dsp:nvSpPr>
+        <dsp:cNvPr id="0" name=""/>
+        <dsp:cNvSpPr/>
+      </dsp:nvSpPr>
+      <dsp:spPr>
+        <a:xfrm>
+          <a:off x="1568216" y="1618911"/>
+          <a:ext cx="259667" cy="2784002"/>
+        </a:xfrm>
+        <a:custGeom>
+          <a:avLst/>
+          <a:gdLst/>
+          <a:ahLst/>
+          <a:cxnLst/>
+          <a:rect l="0" t="0" r="0" b="0"/>
+          <a:pathLst>
+            <a:path>
+              <a:moveTo>
+                <a:pt x="0" y="0"/>
+              </a:moveTo>
+              <a:lnTo>
+                <a:pt x="0" y="2784002"/>
+              </a:lnTo>
+              <a:lnTo>
+                <a:pt x="259667" y="2784002"/>
+              </a:lnTo>
+            </a:path>
+          </a:pathLst>
+        </a:custGeom>
+        <a:noFill/>
+        <a:ln w="12700" cap="flat" cmpd="sng" algn="ctr">
+          <a:solidFill>
+            <a:schemeClr val="dk1">
+              <a:shade val="80000"/>
+              <a:hueOff val="0"/>
+              <a:satOff val="0"/>
+              <a:lumOff val="0"/>
+              <a:alphaOff val="0"/>
+            </a:schemeClr>
+          </a:solidFill>
+          <a:prstDash val="solid"/>
+          <a:miter lim="800000"/>
+        </a:ln>
+        <a:effectLst/>
+      </dsp:spPr>
+      <dsp:style>
+        <a:lnRef idx="2">
+          <a:scrgbClr r="0" g="0" b="0"/>
+        </a:lnRef>
+        <a:fillRef idx="0">
+          <a:scrgbClr r="0" g="0" b="0"/>
+        </a:fillRef>
+        <a:effectRef idx="0">
+          <a:scrgbClr r="0" g="0" b="0"/>
+        </a:effectRef>
+        <a:fontRef idx="minor"/>
+      </dsp:style>
+    </dsp:sp>
+    <dsp:sp modelId="{7DFF36E6-1685-474C-9875-0723473C42D6}">
+      <dsp:nvSpPr>
+        <dsp:cNvPr id="0" name=""/>
+        <dsp:cNvSpPr/>
+      </dsp:nvSpPr>
+      <dsp:spPr>
+        <a:xfrm>
+          <a:off x="1568216" y="1618911"/>
+          <a:ext cx="200691" cy="2515330"/>
+        </a:xfrm>
+        <a:custGeom>
+          <a:avLst/>
+          <a:gdLst/>
+          <a:ahLst/>
+          <a:cxnLst/>
+          <a:rect l="0" t="0" r="0" b="0"/>
+          <a:pathLst>
+            <a:path>
+              <a:moveTo>
+                <a:pt x="0" y="0"/>
+              </a:moveTo>
+              <a:lnTo>
+                <a:pt x="0" y="2515330"/>
+              </a:lnTo>
+              <a:lnTo>
+                <a:pt x="200691" y="2515330"/>
+              </a:lnTo>
+            </a:path>
+          </a:pathLst>
+        </a:custGeom>
+        <a:noFill/>
+        <a:ln w="12700" cap="flat" cmpd="sng" algn="ctr">
+          <a:solidFill>
+            <a:schemeClr val="dk1">
+              <a:shade val="80000"/>
+              <a:hueOff val="0"/>
+              <a:satOff val="0"/>
+              <a:lumOff val="0"/>
+              <a:alphaOff val="0"/>
+            </a:schemeClr>
+          </a:solidFill>
+          <a:prstDash val="solid"/>
+          <a:miter lim="800000"/>
+        </a:ln>
+        <a:effectLst/>
+      </dsp:spPr>
+      <dsp:style>
+        <a:lnRef idx="2">
+          <a:scrgbClr r="0" g="0" b="0"/>
+        </a:lnRef>
+        <a:fillRef idx="0">
+          <a:scrgbClr r="0" g="0" b="0"/>
+        </a:fillRef>
+        <a:effectRef idx="0">
+          <a:scrgbClr r="0" g="0" b="0"/>
+        </a:effectRef>
+        <a:fontRef idx="minor"/>
+      </dsp:style>
+    </dsp:sp>
+    <dsp:sp modelId="{774BB48F-9223-42E5-B1DA-DF03860F8F37}">
+      <dsp:nvSpPr>
+        <dsp:cNvPr id="0" name=""/>
+        <dsp:cNvSpPr/>
+      </dsp:nvSpPr>
+      <dsp:spPr>
+        <a:xfrm>
+          <a:off x="1568216" y="1618911"/>
+          <a:ext cx="200691" cy="1565391"/>
+        </a:xfrm>
+        <a:custGeom>
+          <a:avLst/>
+          <a:gdLst/>
+          <a:ahLst/>
+          <a:cxnLst/>
+          <a:rect l="0" t="0" r="0" b="0"/>
+          <a:pathLst>
+            <a:path>
+              <a:moveTo>
+                <a:pt x="0" y="0"/>
+              </a:moveTo>
+              <a:lnTo>
+                <a:pt x="0" y="1565391"/>
+              </a:lnTo>
+              <a:lnTo>
+                <a:pt x="200691" y="1565391"/>
+              </a:lnTo>
+            </a:path>
+          </a:pathLst>
+        </a:custGeom>
+        <a:noFill/>
+        <a:ln w="12700" cap="flat" cmpd="sng" algn="ctr">
+          <a:solidFill>
+            <a:schemeClr val="dk1">
+              <a:shade val="80000"/>
+              <a:hueOff val="0"/>
+              <a:satOff val="0"/>
+              <a:lumOff val="0"/>
+              <a:alphaOff val="0"/>
+            </a:schemeClr>
+          </a:solidFill>
+          <a:prstDash val="solid"/>
+          <a:miter lim="800000"/>
+        </a:ln>
+        <a:effectLst/>
+      </dsp:spPr>
+      <dsp:style>
+        <a:lnRef idx="2">
+          <a:scrgbClr r="0" g="0" b="0"/>
+        </a:lnRef>
+        <a:fillRef idx="0">
+          <a:scrgbClr r="0" g="0" b="0"/>
+        </a:fillRef>
+        <a:effectRef idx="0">
+          <a:scrgbClr r="0" g="0" b="0"/>
+        </a:effectRef>
+        <a:fontRef idx="minor"/>
+      </dsp:style>
+    </dsp:sp>
+    <dsp:sp modelId="{5404E120-855B-46E6-AD8E-AA9697728001}">
+      <dsp:nvSpPr>
+        <dsp:cNvPr id="0" name=""/>
+        <dsp:cNvSpPr/>
+      </dsp:nvSpPr>
+      <dsp:spPr>
+        <a:xfrm>
+          <a:off x="1568216" y="1618911"/>
+          <a:ext cx="200691" cy="615453"/>
+        </a:xfrm>
+        <a:custGeom>
+          <a:avLst/>
+          <a:gdLst/>
+          <a:ahLst/>
+          <a:cxnLst/>
+          <a:rect l="0" t="0" r="0" b="0"/>
+          <a:pathLst>
+            <a:path>
+              <a:moveTo>
+                <a:pt x="0" y="0"/>
+              </a:moveTo>
+              <a:lnTo>
+                <a:pt x="0" y="615453"/>
+              </a:lnTo>
+              <a:lnTo>
+                <a:pt x="200691" y="615453"/>
+              </a:lnTo>
+            </a:path>
+          </a:pathLst>
+        </a:custGeom>
+        <a:noFill/>
+        <a:ln w="12700" cap="flat" cmpd="sng" algn="ctr">
+          <a:solidFill>
+            <a:schemeClr val="dk1">
+              <a:shade val="80000"/>
+              <a:hueOff val="0"/>
+              <a:satOff val="0"/>
+              <a:lumOff val="0"/>
+              <a:alphaOff val="0"/>
+            </a:schemeClr>
+          </a:solidFill>
+          <a:prstDash val="solid"/>
+          <a:miter lim="800000"/>
+        </a:ln>
+        <a:effectLst/>
+      </dsp:spPr>
+      <dsp:style>
+        <a:lnRef idx="2">
+          <a:scrgbClr r="0" g="0" b="0"/>
+        </a:lnRef>
+        <a:fillRef idx="0">
+          <a:scrgbClr r="0" g="0" b="0"/>
+        </a:fillRef>
+        <a:effectRef idx="0">
+          <a:scrgbClr r="0" g="0" b="0"/>
+        </a:effectRef>
+        <a:fontRef idx="minor"/>
+      </dsp:style>
+    </dsp:sp>
+    <dsp:sp modelId="{766E2027-4DB3-4C2F-ABFA-C218F25EE5D5}">
+      <dsp:nvSpPr>
+        <dsp:cNvPr id="0" name=""/>
+        <dsp:cNvSpPr/>
+      </dsp:nvSpPr>
+      <dsp:spPr>
+        <a:xfrm>
+          <a:off x="2103393" y="668970"/>
+          <a:ext cx="2423600" cy="280969"/>
+        </a:xfrm>
+        <a:custGeom>
+          <a:avLst/>
+          <a:gdLst/>
+          <a:ahLst/>
+          <a:cxnLst/>
+          <a:rect l="0" t="0" r="0" b="0"/>
+          <a:pathLst>
+            <a:path>
+              <a:moveTo>
+                <a:pt x="2423600" y="0"/>
+              </a:moveTo>
+              <a:lnTo>
+                <a:pt x="2423600" y="140485"/>
+              </a:lnTo>
+              <a:lnTo>
+                <a:pt x="0" y="140485"/>
+              </a:lnTo>
+              <a:lnTo>
+                <a:pt x="0" y="280969"/>
+              </a:lnTo>
+            </a:path>
+          </a:pathLst>
+        </a:custGeom>
+        <a:noFill/>
+        <a:ln w="12700" cap="flat" cmpd="sng" algn="ctr">
+          <a:solidFill>
+            <a:schemeClr val="dk1">
+              <a:shade val="60000"/>
+              <a:hueOff val="0"/>
+              <a:satOff val="0"/>
+              <a:lumOff val="0"/>
+              <a:alphaOff val="0"/>
+            </a:schemeClr>
+          </a:solidFill>
+          <a:prstDash val="solid"/>
+          <a:miter lim="800000"/>
+        </a:ln>
+        <a:effectLst/>
+      </dsp:spPr>
+      <dsp:style>
+        <a:lnRef idx="2">
+          <a:scrgbClr r="0" g="0" b="0"/>
+        </a:lnRef>
+        <a:fillRef idx="0">
+          <a:scrgbClr r="0" g="0" b="0"/>
+        </a:fillRef>
+        <a:effectRef idx="0">
+          <a:scrgbClr r="0" g="0" b="0"/>
+        </a:effectRef>
+        <a:fontRef idx="minor"/>
+      </dsp:style>
+    </dsp:sp>
+    <dsp:sp modelId="{ACB97B87-9E67-424E-86D9-0FDBA2F0D382}">
+      <dsp:nvSpPr>
+        <dsp:cNvPr id="0" name=""/>
+        <dsp:cNvSpPr/>
+      </dsp:nvSpPr>
+      <dsp:spPr>
+        <a:xfrm>
+          <a:off x="3858023" y="0"/>
+          <a:ext cx="1337941" cy="668970"/>
+        </a:xfrm>
+        <a:prstGeom prst="rect">
+          <a:avLst/>
+        </a:prstGeom>
+        <a:solidFill>
+          <a:schemeClr val="lt1">
+            <a:hueOff val="0"/>
+            <a:satOff val="0"/>
+            <a:lumOff val="0"/>
+            <a:alphaOff val="0"/>
+          </a:schemeClr>
+        </a:solidFill>
+        <a:ln w="12700" cap="flat" cmpd="sng" algn="ctr">
+          <a:solidFill>
+            <a:schemeClr val="dk1">
+              <a:shade val="80000"/>
+              <a:hueOff val="0"/>
+              <a:satOff val="0"/>
+              <a:lumOff val="0"/>
+              <a:alphaOff val="0"/>
+            </a:schemeClr>
+          </a:solidFill>
+          <a:prstDash val="solid"/>
+          <a:miter lim="800000"/>
+        </a:ln>
+        <a:effectLst/>
+      </dsp:spPr>
+      <dsp:style>
+        <a:lnRef idx="2">
+          <a:scrgbClr r="0" g="0" b="0"/>
+        </a:lnRef>
+        <a:fillRef idx="1">
+          <a:scrgbClr r="0" g="0" b="0"/>
+        </a:fillRef>
+        <a:effectRef idx="0">
+          <a:scrgbClr r="0" g="0" b="0"/>
+        </a:effectRef>
+        <a:fontRef idx="minor">
+          <a:schemeClr val="lt1"/>
+        </a:fontRef>
+      </dsp:style>
+      <dsp:txBody>
+        <a:bodyPr spcFirstLastPara="0" vert="horz" wrap="square" lIns="27305" tIns="27305" rIns="27305" bIns="27305" numCol="1" spcCol="1270" anchor="ctr" anchorCtr="0">
+          <a:noAutofit/>
+        </a:bodyPr>
+        <a:lstStyle/>
+        <a:p>
+          <a:pPr marL="0" lvl="0" indent="0" algn="ctr" defTabSz="1911350">
+            <a:lnSpc>
+              <a:spcPct val="90000"/>
+            </a:lnSpc>
+            <a:spcBef>
+              <a:spcPct val="0"/>
+            </a:spcBef>
+            <a:spcAft>
+              <a:spcPct val="35000"/>
+            </a:spcAft>
+            <a:buNone/>
+          </a:pPr>
+          <a:endParaRPr lang="en-US" sz="4300" kern="1200" dirty="0"/>
+        </a:p>
+      </dsp:txBody>
+      <dsp:txXfrm>
+        <a:off x="3858023" y="0"/>
+        <a:ext cx="1337941" cy="668970"/>
+      </dsp:txXfrm>
+    </dsp:sp>
+    <dsp:sp modelId="{AE18A72C-8093-48D4-9390-696BA6D151D1}">
+      <dsp:nvSpPr>
+        <dsp:cNvPr id="0" name=""/>
+        <dsp:cNvSpPr/>
+      </dsp:nvSpPr>
+      <dsp:spPr>
+        <a:xfrm>
+          <a:off x="1434422" y="949940"/>
+          <a:ext cx="1337941" cy="668970"/>
+        </a:xfrm>
+        <a:prstGeom prst="rect">
+          <a:avLst/>
+        </a:prstGeom>
+        <a:solidFill>
+          <a:schemeClr val="lt1">
+            <a:hueOff val="0"/>
+            <a:satOff val="0"/>
+            <a:lumOff val="0"/>
+            <a:alphaOff val="0"/>
+          </a:schemeClr>
+        </a:solidFill>
+        <a:ln w="12700" cap="flat" cmpd="sng" algn="ctr">
+          <a:solidFill>
+            <a:schemeClr val="dk1">
+              <a:shade val="80000"/>
+              <a:hueOff val="0"/>
+              <a:satOff val="0"/>
+              <a:lumOff val="0"/>
+              <a:alphaOff val="0"/>
+            </a:schemeClr>
+          </a:solidFill>
+          <a:prstDash val="solid"/>
+          <a:miter lim="800000"/>
+        </a:ln>
+        <a:effectLst/>
+      </dsp:spPr>
+      <dsp:style>
+        <a:lnRef idx="2">
+          <a:scrgbClr r="0" g="0" b="0"/>
+        </a:lnRef>
+        <a:fillRef idx="1">
+          <a:scrgbClr r="0" g="0" b="0"/>
+        </a:fillRef>
+        <a:effectRef idx="0">
+          <a:scrgbClr r="0" g="0" b="0"/>
+        </a:effectRef>
+        <a:fontRef idx="minor">
+          <a:schemeClr val="lt1"/>
+        </a:fontRef>
+      </dsp:style>
+      <dsp:txBody>
+        <a:bodyPr spcFirstLastPara="0" vert="horz" wrap="square" lIns="27305" tIns="27305" rIns="27305" bIns="27305" numCol="1" spcCol="1270" anchor="ctr" anchorCtr="0">
+          <a:noAutofit/>
+        </a:bodyPr>
+        <a:lstStyle/>
+        <a:p>
+          <a:pPr marL="0" lvl="0" indent="0" algn="ctr" defTabSz="1911350">
+            <a:lnSpc>
+              <a:spcPct val="90000"/>
+            </a:lnSpc>
+            <a:spcBef>
+              <a:spcPct val="0"/>
+            </a:spcBef>
+            <a:spcAft>
+              <a:spcPct val="35000"/>
+            </a:spcAft>
+            <a:buNone/>
+          </a:pPr>
+          <a:endParaRPr lang="en-US" sz="4300" kern="1200" dirty="0"/>
+        </a:p>
+      </dsp:txBody>
+      <dsp:txXfrm>
+        <a:off x="1434422" y="949940"/>
+        <a:ext cx="1337941" cy="668970"/>
+      </dsp:txXfrm>
+    </dsp:sp>
+    <dsp:sp modelId="{88021641-12F4-4FC9-83F1-16451E980259}">
+      <dsp:nvSpPr>
+        <dsp:cNvPr id="0" name=""/>
+        <dsp:cNvSpPr/>
+      </dsp:nvSpPr>
+      <dsp:spPr>
+        <a:xfrm>
+          <a:off x="1768907" y="1899878"/>
+          <a:ext cx="1337941" cy="668970"/>
+        </a:xfrm>
+        <a:prstGeom prst="rect">
+          <a:avLst/>
+        </a:prstGeom>
+        <a:solidFill>
+          <a:schemeClr val="lt1">
+            <a:hueOff val="0"/>
+            <a:satOff val="0"/>
+            <a:lumOff val="0"/>
+            <a:alphaOff val="0"/>
+          </a:schemeClr>
+        </a:solidFill>
+        <a:ln w="12700" cap="flat" cmpd="sng" algn="ctr">
+          <a:solidFill>
+            <a:schemeClr val="dk1">
+              <a:shade val="80000"/>
+              <a:hueOff val="0"/>
+              <a:satOff val="0"/>
+              <a:lumOff val="0"/>
+              <a:alphaOff val="0"/>
+            </a:schemeClr>
+          </a:solidFill>
+          <a:prstDash val="solid"/>
+          <a:miter lim="800000"/>
+        </a:ln>
+        <a:effectLst/>
+      </dsp:spPr>
+      <dsp:style>
+        <a:lnRef idx="2">
+          <a:scrgbClr r="0" g="0" b="0"/>
+        </a:lnRef>
+        <a:fillRef idx="1">
+          <a:scrgbClr r="0" g="0" b="0"/>
+        </a:fillRef>
+        <a:effectRef idx="0">
+          <a:scrgbClr r="0" g="0" b="0"/>
+        </a:effectRef>
+        <a:fontRef idx="minor">
+          <a:schemeClr val="lt1"/>
+        </a:fontRef>
+      </dsp:style>
+      <dsp:txBody>
+        <a:bodyPr spcFirstLastPara="0" vert="horz" wrap="square" lIns="27305" tIns="27305" rIns="27305" bIns="27305" numCol="1" spcCol="1270" anchor="ctr" anchorCtr="0">
+          <a:noAutofit/>
+        </a:bodyPr>
+        <a:lstStyle/>
+        <a:p>
+          <a:pPr marL="0" lvl="0" indent="0" algn="ctr" defTabSz="1911350">
+            <a:lnSpc>
+              <a:spcPct val="90000"/>
+            </a:lnSpc>
+            <a:spcBef>
+              <a:spcPct val="0"/>
+            </a:spcBef>
+            <a:spcAft>
+              <a:spcPct val="35000"/>
+            </a:spcAft>
+            <a:buNone/>
+          </a:pPr>
+          <a:endParaRPr lang="en-US" sz="4300" kern="1200" dirty="0"/>
+        </a:p>
+      </dsp:txBody>
+      <dsp:txXfrm>
+        <a:off x="1768907" y="1899878"/>
+        <a:ext cx="1337941" cy="668970"/>
+      </dsp:txXfrm>
+    </dsp:sp>
+    <dsp:sp modelId="{82C33C79-7E80-419E-84A1-7181BC601E0A}">
+      <dsp:nvSpPr>
+        <dsp:cNvPr id="0" name=""/>
+        <dsp:cNvSpPr/>
+      </dsp:nvSpPr>
+      <dsp:spPr>
+        <a:xfrm>
+          <a:off x="1768907" y="2849817"/>
+          <a:ext cx="1337941" cy="668970"/>
+        </a:xfrm>
+        <a:prstGeom prst="rect">
+          <a:avLst/>
+        </a:prstGeom>
+        <a:solidFill>
+          <a:schemeClr val="lt1">
+            <a:hueOff val="0"/>
+            <a:satOff val="0"/>
+            <a:lumOff val="0"/>
+            <a:alphaOff val="0"/>
+          </a:schemeClr>
+        </a:solidFill>
+        <a:ln w="12700" cap="flat" cmpd="sng" algn="ctr">
+          <a:solidFill>
+            <a:schemeClr val="dk1">
+              <a:shade val="80000"/>
+              <a:hueOff val="0"/>
+              <a:satOff val="0"/>
+              <a:lumOff val="0"/>
+              <a:alphaOff val="0"/>
+            </a:schemeClr>
+          </a:solidFill>
+          <a:prstDash val="solid"/>
+          <a:miter lim="800000"/>
+        </a:ln>
+        <a:effectLst/>
+      </dsp:spPr>
+      <dsp:style>
+        <a:lnRef idx="2">
+          <a:scrgbClr r="0" g="0" b="0"/>
+        </a:lnRef>
+        <a:fillRef idx="1">
+          <a:scrgbClr r="0" g="0" b="0"/>
+        </a:fillRef>
+        <a:effectRef idx="0">
+          <a:scrgbClr r="0" g="0" b="0"/>
+        </a:effectRef>
+        <a:fontRef idx="minor">
+          <a:schemeClr val="lt1"/>
+        </a:fontRef>
+      </dsp:style>
+      <dsp:txBody>
+        <a:bodyPr spcFirstLastPara="0" vert="horz" wrap="square" lIns="27305" tIns="27305" rIns="27305" bIns="27305" numCol="1" spcCol="1270" anchor="ctr" anchorCtr="0">
+          <a:noAutofit/>
+        </a:bodyPr>
+        <a:lstStyle/>
+        <a:p>
+          <a:pPr marL="0" lvl="0" indent="0" algn="ctr" defTabSz="1911350">
+            <a:lnSpc>
+              <a:spcPct val="90000"/>
+            </a:lnSpc>
+            <a:spcBef>
+              <a:spcPct val="0"/>
+            </a:spcBef>
+            <a:spcAft>
+              <a:spcPct val="35000"/>
+            </a:spcAft>
+            <a:buNone/>
+          </a:pPr>
+          <a:endParaRPr lang="en-US" sz="4300" kern="1200" dirty="0"/>
+        </a:p>
+      </dsp:txBody>
+      <dsp:txXfrm>
+        <a:off x="1768907" y="2849817"/>
+        <a:ext cx="1337941" cy="668970"/>
+      </dsp:txXfrm>
+    </dsp:sp>
+    <dsp:sp modelId="{6A892B32-1B12-483E-AC85-8EA6B1D70EFF}">
+      <dsp:nvSpPr>
+        <dsp:cNvPr id="0" name=""/>
+        <dsp:cNvSpPr/>
+      </dsp:nvSpPr>
+      <dsp:spPr>
+        <a:xfrm>
+          <a:off x="1768907" y="3799755"/>
+          <a:ext cx="1337941" cy="668970"/>
+        </a:xfrm>
+        <a:prstGeom prst="rect">
+          <a:avLst/>
+        </a:prstGeom>
+        <a:solidFill>
+          <a:schemeClr val="lt1">
+            <a:hueOff val="0"/>
+            <a:satOff val="0"/>
+            <a:lumOff val="0"/>
+            <a:alphaOff val="0"/>
+          </a:schemeClr>
+        </a:solidFill>
+        <a:ln w="12700" cap="flat" cmpd="sng" algn="ctr">
+          <a:solidFill>
+            <a:schemeClr val="dk1">
+              <a:shade val="80000"/>
+              <a:hueOff val="0"/>
+              <a:satOff val="0"/>
+              <a:lumOff val="0"/>
+              <a:alphaOff val="0"/>
+            </a:schemeClr>
+          </a:solidFill>
+          <a:prstDash val="solid"/>
+          <a:miter lim="800000"/>
+        </a:ln>
+        <a:effectLst/>
+      </dsp:spPr>
+      <dsp:style>
+        <a:lnRef idx="2">
+          <a:scrgbClr r="0" g="0" b="0"/>
+        </a:lnRef>
+        <a:fillRef idx="1">
+          <a:scrgbClr r="0" g="0" b="0"/>
+        </a:fillRef>
+        <a:effectRef idx="0">
+          <a:scrgbClr r="0" g="0" b="0"/>
+        </a:effectRef>
+        <a:fontRef idx="minor">
+          <a:schemeClr val="lt1"/>
+        </a:fontRef>
+      </dsp:style>
+      <dsp:txBody>
+        <a:bodyPr spcFirstLastPara="0" vert="horz" wrap="square" lIns="27305" tIns="27305" rIns="27305" bIns="27305" numCol="1" spcCol="1270" anchor="ctr" anchorCtr="0">
+          <a:noAutofit/>
+        </a:bodyPr>
+        <a:lstStyle/>
+        <a:p>
+          <a:pPr marL="0" lvl="0" indent="0" algn="ctr" defTabSz="1911350">
+            <a:lnSpc>
+              <a:spcPct val="90000"/>
+            </a:lnSpc>
+            <a:spcBef>
+              <a:spcPct val="0"/>
+            </a:spcBef>
+            <a:spcAft>
+              <a:spcPct val="35000"/>
+            </a:spcAft>
+            <a:buNone/>
+          </a:pPr>
+          <a:endParaRPr lang="en-US" sz="4300" kern="1200" dirty="0"/>
+        </a:p>
+      </dsp:txBody>
+      <dsp:txXfrm>
+        <a:off x="1768907" y="3799755"/>
+        <a:ext cx="1337941" cy="668970"/>
+      </dsp:txXfrm>
+    </dsp:sp>
+    <dsp:sp modelId="{F20F155C-210A-4AA6-8C25-4029D481A5F3}">
+      <dsp:nvSpPr>
+        <dsp:cNvPr id="0" name=""/>
+        <dsp:cNvSpPr/>
+      </dsp:nvSpPr>
+      <dsp:spPr>
+        <a:xfrm>
+          <a:off x="1827884" y="4068427"/>
+          <a:ext cx="1337941" cy="668970"/>
+        </a:xfrm>
+        <a:prstGeom prst="rect">
+          <a:avLst/>
+        </a:prstGeom>
+        <a:solidFill>
+          <a:schemeClr val="lt1">
+            <a:hueOff val="0"/>
+            <a:satOff val="0"/>
+            <a:lumOff val="0"/>
+            <a:alphaOff val="0"/>
+          </a:schemeClr>
+        </a:solidFill>
+        <a:ln w="12700" cap="flat" cmpd="sng" algn="ctr">
+          <a:solidFill>
+            <a:schemeClr val="dk1">
+              <a:shade val="80000"/>
+              <a:hueOff val="0"/>
+              <a:satOff val="0"/>
+              <a:lumOff val="0"/>
+              <a:alphaOff val="0"/>
+            </a:schemeClr>
+          </a:solidFill>
+          <a:prstDash val="solid"/>
+          <a:miter lim="800000"/>
+        </a:ln>
+        <a:effectLst/>
+      </dsp:spPr>
+      <dsp:style>
+        <a:lnRef idx="2">
+          <a:scrgbClr r="0" g="0" b="0"/>
+        </a:lnRef>
+        <a:fillRef idx="1">
+          <a:scrgbClr r="0" g="0" b="0"/>
+        </a:fillRef>
+        <a:effectRef idx="0">
+          <a:scrgbClr r="0" g="0" b="0"/>
+        </a:effectRef>
+        <a:fontRef idx="minor">
+          <a:schemeClr val="lt1"/>
+        </a:fontRef>
+      </dsp:style>
+      <dsp:txBody>
+        <a:bodyPr spcFirstLastPara="0" vert="horz" wrap="square" lIns="27305" tIns="27305" rIns="27305" bIns="27305" numCol="1" spcCol="1270" anchor="ctr" anchorCtr="0">
+          <a:noAutofit/>
+        </a:bodyPr>
+        <a:lstStyle/>
+        <a:p>
+          <a:pPr marL="0" lvl="0" indent="0" algn="ctr" defTabSz="1911350">
+            <a:lnSpc>
+              <a:spcPct val="90000"/>
+            </a:lnSpc>
+            <a:spcBef>
+              <a:spcPct val="0"/>
+            </a:spcBef>
+            <a:spcAft>
+              <a:spcPct val="35000"/>
+            </a:spcAft>
+            <a:buNone/>
+          </a:pPr>
+          <a:endParaRPr lang="en-US" sz="4300" kern="1200" dirty="0"/>
+        </a:p>
+      </dsp:txBody>
+      <dsp:txXfrm>
+        <a:off x="1827884" y="4068427"/>
+        <a:ext cx="1337941" cy="668970"/>
+      </dsp:txXfrm>
+    </dsp:sp>
+    <dsp:sp modelId="{FC370E98-E3C7-4347-A716-E7DA177239C7}">
+      <dsp:nvSpPr>
+        <dsp:cNvPr id="0" name=""/>
+        <dsp:cNvSpPr/>
+      </dsp:nvSpPr>
+      <dsp:spPr>
+        <a:xfrm>
+          <a:off x="3053331" y="949940"/>
+          <a:ext cx="1337941" cy="668970"/>
+        </a:xfrm>
+        <a:prstGeom prst="rect">
+          <a:avLst/>
+        </a:prstGeom>
+        <a:solidFill>
+          <a:schemeClr val="lt1">
+            <a:hueOff val="0"/>
+            <a:satOff val="0"/>
+            <a:lumOff val="0"/>
+            <a:alphaOff val="0"/>
+          </a:schemeClr>
+        </a:solidFill>
+        <a:ln w="12700" cap="flat" cmpd="sng" algn="ctr">
+          <a:solidFill>
+            <a:schemeClr val="dk1">
+              <a:shade val="80000"/>
+              <a:hueOff val="0"/>
+              <a:satOff val="0"/>
+              <a:lumOff val="0"/>
+              <a:alphaOff val="0"/>
+            </a:schemeClr>
+          </a:solidFill>
+          <a:prstDash val="solid"/>
+          <a:miter lim="800000"/>
+        </a:ln>
+        <a:effectLst/>
+      </dsp:spPr>
+      <dsp:style>
+        <a:lnRef idx="2">
+          <a:scrgbClr r="0" g="0" b="0"/>
+        </a:lnRef>
+        <a:fillRef idx="1">
+          <a:scrgbClr r="0" g="0" b="0"/>
+        </a:fillRef>
+        <a:effectRef idx="0">
+          <a:scrgbClr r="0" g="0" b="0"/>
+        </a:effectRef>
+        <a:fontRef idx="minor">
+          <a:schemeClr val="lt1"/>
+        </a:fontRef>
+      </dsp:style>
+      <dsp:txBody>
+        <a:bodyPr spcFirstLastPara="0" vert="horz" wrap="square" lIns="27305" tIns="27305" rIns="27305" bIns="27305" numCol="1" spcCol="1270" anchor="ctr" anchorCtr="0">
+          <a:noAutofit/>
+        </a:bodyPr>
+        <a:lstStyle/>
+        <a:p>
+          <a:pPr marL="0" lvl="0" indent="0" algn="ctr" defTabSz="1911350">
+            <a:lnSpc>
+              <a:spcPct val="90000"/>
+            </a:lnSpc>
+            <a:spcBef>
+              <a:spcPct val="0"/>
+            </a:spcBef>
+            <a:spcAft>
+              <a:spcPct val="35000"/>
+            </a:spcAft>
+            <a:buNone/>
+          </a:pPr>
+          <a:endParaRPr lang="en-US" sz="4300" kern="1200" dirty="0"/>
+        </a:p>
+      </dsp:txBody>
+      <dsp:txXfrm>
+        <a:off x="3053331" y="949940"/>
+        <a:ext cx="1337941" cy="668970"/>
+      </dsp:txXfrm>
+    </dsp:sp>
+    <dsp:sp modelId="{DD28AE78-2818-461C-B6FD-B5748297961B}">
+      <dsp:nvSpPr>
+        <dsp:cNvPr id="0" name=""/>
+        <dsp:cNvSpPr/>
+      </dsp:nvSpPr>
+      <dsp:spPr>
+        <a:xfrm>
+          <a:off x="3387817" y="1899878"/>
+          <a:ext cx="1337941" cy="668970"/>
+        </a:xfrm>
+        <a:prstGeom prst="rect">
+          <a:avLst/>
+        </a:prstGeom>
+        <a:solidFill>
+          <a:schemeClr val="lt1">
+            <a:hueOff val="0"/>
+            <a:satOff val="0"/>
+            <a:lumOff val="0"/>
+            <a:alphaOff val="0"/>
+          </a:schemeClr>
+        </a:solidFill>
+        <a:ln w="12700" cap="flat" cmpd="sng" algn="ctr">
+          <a:solidFill>
+            <a:schemeClr val="dk1">
+              <a:shade val="80000"/>
+              <a:hueOff val="0"/>
+              <a:satOff val="0"/>
+              <a:lumOff val="0"/>
+              <a:alphaOff val="0"/>
+            </a:schemeClr>
+          </a:solidFill>
+          <a:prstDash val="solid"/>
+          <a:miter lim="800000"/>
+        </a:ln>
+        <a:effectLst/>
+      </dsp:spPr>
+      <dsp:style>
+        <a:lnRef idx="2">
+          <a:scrgbClr r="0" g="0" b="0"/>
+        </a:lnRef>
+        <a:fillRef idx="1">
+          <a:scrgbClr r="0" g="0" b="0"/>
+        </a:fillRef>
+        <a:effectRef idx="0">
+          <a:scrgbClr r="0" g="0" b="0"/>
+        </a:effectRef>
+        <a:fontRef idx="minor">
+          <a:schemeClr val="lt1"/>
+        </a:fontRef>
+      </dsp:style>
+      <dsp:txBody>
+        <a:bodyPr spcFirstLastPara="0" vert="horz" wrap="square" lIns="27305" tIns="27305" rIns="27305" bIns="27305" numCol="1" spcCol="1270" anchor="ctr" anchorCtr="0">
+          <a:noAutofit/>
+        </a:bodyPr>
+        <a:lstStyle/>
+        <a:p>
+          <a:pPr marL="0" lvl="0" indent="0" algn="ctr" defTabSz="1911350">
+            <a:lnSpc>
+              <a:spcPct val="90000"/>
+            </a:lnSpc>
+            <a:spcBef>
+              <a:spcPct val="0"/>
+            </a:spcBef>
+            <a:spcAft>
+              <a:spcPct val="35000"/>
+            </a:spcAft>
+            <a:buNone/>
+          </a:pPr>
+          <a:endParaRPr lang="en-US" sz="4300" kern="1200" dirty="0"/>
+        </a:p>
+      </dsp:txBody>
+      <dsp:txXfrm>
+        <a:off x="3387817" y="1899878"/>
+        <a:ext cx="1337941" cy="668970"/>
+      </dsp:txXfrm>
+    </dsp:sp>
+    <dsp:sp modelId="{DE5880C4-91AF-4A17-B7F4-C0BFED1F2E11}">
+      <dsp:nvSpPr>
+        <dsp:cNvPr id="0" name=""/>
+        <dsp:cNvSpPr/>
+      </dsp:nvSpPr>
+      <dsp:spPr>
+        <a:xfrm>
+          <a:off x="3387817" y="2849817"/>
+          <a:ext cx="1337941" cy="668970"/>
+        </a:xfrm>
+        <a:prstGeom prst="rect">
+          <a:avLst/>
+        </a:prstGeom>
+        <a:solidFill>
+          <a:schemeClr val="lt1">
+            <a:hueOff val="0"/>
+            <a:satOff val="0"/>
+            <a:lumOff val="0"/>
+            <a:alphaOff val="0"/>
+          </a:schemeClr>
+        </a:solidFill>
+        <a:ln w="12700" cap="flat" cmpd="sng" algn="ctr">
+          <a:solidFill>
+            <a:schemeClr val="dk1">
+              <a:shade val="80000"/>
+              <a:hueOff val="0"/>
+              <a:satOff val="0"/>
+              <a:lumOff val="0"/>
+              <a:alphaOff val="0"/>
+            </a:schemeClr>
+          </a:solidFill>
+          <a:prstDash val="solid"/>
+          <a:miter lim="800000"/>
+        </a:ln>
+        <a:effectLst/>
+      </dsp:spPr>
+      <dsp:style>
+        <a:lnRef idx="2">
+          <a:scrgbClr r="0" g="0" b="0"/>
+        </a:lnRef>
+        <a:fillRef idx="1">
+          <a:scrgbClr r="0" g="0" b="0"/>
+        </a:fillRef>
+        <a:effectRef idx="0">
+          <a:scrgbClr r="0" g="0" b="0"/>
+        </a:effectRef>
+        <a:fontRef idx="minor">
+          <a:schemeClr val="lt1"/>
+        </a:fontRef>
+      </dsp:style>
+      <dsp:txBody>
+        <a:bodyPr spcFirstLastPara="0" vert="horz" wrap="square" lIns="27305" tIns="27305" rIns="27305" bIns="27305" numCol="1" spcCol="1270" anchor="ctr" anchorCtr="0">
+          <a:noAutofit/>
+        </a:bodyPr>
+        <a:lstStyle/>
+        <a:p>
+          <a:pPr marL="0" lvl="0" indent="0" algn="ctr" defTabSz="1911350">
+            <a:lnSpc>
+              <a:spcPct val="90000"/>
+            </a:lnSpc>
+            <a:spcBef>
+              <a:spcPct val="0"/>
+            </a:spcBef>
+            <a:spcAft>
+              <a:spcPct val="35000"/>
+            </a:spcAft>
+            <a:buNone/>
+          </a:pPr>
+          <a:endParaRPr lang="en-US" sz="4300" kern="1200" dirty="0"/>
+        </a:p>
+      </dsp:txBody>
+      <dsp:txXfrm>
+        <a:off x="3387817" y="2849817"/>
+        <a:ext cx="1337941" cy="668970"/>
+      </dsp:txXfrm>
+    </dsp:sp>
+    <dsp:sp modelId="{2ADCAF9F-F57D-42BD-94DD-D768767BC94F}">
+      <dsp:nvSpPr>
+        <dsp:cNvPr id="0" name=""/>
+        <dsp:cNvSpPr/>
+      </dsp:nvSpPr>
+      <dsp:spPr>
+        <a:xfrm>
+          <a:off x="3387817" y="3799755"/>
+          <a:ext cx="1337941" cy="668970"/>
+        </a:xfrm>
+        <a:prstGeom prst="rect">
+          <a:avLst/>
+        </a:prstGeom>
+        <a:solidFill>
+          <a:schemeClr val="lt1">
+            <a:hueOff val="0"/>
+            <a:satOff val="0"/>
+            <a:lumOff val="0"/>
+            <a:alphaOff val="0"/>
+          </a:schemeClr>
+        </a:solidFill>
+        <a:ln w="12700" cap="flat" cmpd="sng" algn="ctr">
+          <a:solidFill>
+            <a:schemeClr val="dk1">
+              <a:shade val="80000"/>
+              <a:hueOff val="0"/>
+              <a:satOff val="0"/>
+              <a:lumOff val="0"/>
+              <a:alphaOff val="0"/>
+            </a:schemeClr>
+          </a:solidFill>
+          <a:prstDash val="solid"/>
+          <a:miter lim="800000"/>
+        </a:ln>
+        <a:effectLst/>
+      </dsp:spPr>
+      <dsp:style>
+        <a:lnRef idx="2">
+          <a:scrgbClr r="0" g="0" b="0"/>
+        </a:lnRef>
+        <a:fillRef idx="1">
+          <a:scrgbClr r="0" g="0" b="0"/>
+        </a:fillRef>
+        <a:effectRef idx="0">
+          <a:scrgbClr r="0" g="0" b="0"/>
+        </a:effectRef>
+        <a:fontRef idx="minor">
+          <a:schemeClr val="lt1"/>
+        </a:fontRef>
+      </dsp:style>
+      <dsp:txBody>
+        <a:bodyPr spcFirstLastPara="0" vert="horz" wrap="square" lIns="27305" tIns="27305" rIns="27305" bIns="27305" numCol="1" spcCol="1270" anchor="ctr" anchorCtr="0">
+          <a:noAutofit/>
+        </a:bodyPr>
+        <a:lstStyle/>
+        <a:p>
+          <a:pPr marL="0" lvl="0" indent="0" algn="ctr" defTabSz="1911350">
+            <a:lnSpc>
+              <a:spcPct val="90000"/>
+            </a:lnSpc>
+            <a:spcBef>
+              <a:spcPct val="0"/>
+            </a:spcBef>
+            <a:spcAft>
+              <a:spcPct val="35000"/>
+            </a:spcAft>
+            <a:buNone/>
+          </a:pPr>
+          <a:endParaRPr lang="en-US" sz="4300" kern="1200" dirty="0"/>
+        </a:p>
+      </dsp:txBody>
+      <dsp:txXfrm>
+        <a:off x="3387817" y="3799755"/>
+        <a:ext cx="1337941" cy="668970"/>
+      </dsp:txXfrm>
+    </dsp:sp>
+    <dsp:sp modelId="{5A025A0A-65E4-48FD-888B-FB643B2705E2}">
+      <dsp:nvSpPr>
+        <dsp:cNvPr id="0" name=""/>
+        <dsp:cNvSpPr/>
+      </dsp:nvSpPr>
+      <dsp:spPr>
+        <a:xfrm>
+          <a:off x="3454861" y="3940239"/>
+          <a:ext cx="1337941" cy="668970"/>
+        </a:xfrm>
+        <a:prstGeom prst="rect">
+          <a:avLst/>
+        </a:prstGeom>
+        <a:solidFill>
+          <a:schemeClr val="lt1">
+            <a:hueOff val="0"/>
+            <a:satOff val="0"/>
+            <a:lumOff val="0"/>
+            <a:alphaOff val="0"/>
+          </a:schemeClr>
+        </a:solidFill>
+        <a:ln w="12700" cap="flat" cmpd="sng" algn="ctr">
+          <a:solidFill>
+            <a:schemeClr val="dk1">
+              <a:shade val="80000"/>
+              <a:hueOff val="0"/>
+              <a:satOff val="0"/>
+              <a:lumOff val="0"/>
+              <a:alphaOff val="0"/>
+            </a:schemeClr>
+          </a:solidFill>
+          <a:prstDash val="solid"/>
+          <a:miter lim="800000"/>
+        </a:ln>
+        <a:effectLst/>
+      </dsp:spPr>
+      <dsp:style>
+        <a:lnRef idx="2">
+          <a:scrgbClr r="0" g="0" b="0"/>
+        </a:lnRef>
+        <a:fillRef idx="1">
+          <a:scrgbClr r="0" g="0" b="0"/>
+        </a:fillRef>
+        <a:effectRef idx="0">
+          <a:scrgbClr r="0" g="0" b="0"/>
+        </a:effectRef>
+        <a:fontRef idx="minor">
+          <a:schemeClr val="lt1"/>
+        </a:fontRef>
+      </dsp:style>
+      <dsp:txBody>
+        <a:bodyPr spcFirstLastPara="0" vert="horz" wrap="square" lIns="27305" tIns="27305" rIns="27305" bIns="27305" numCol="1" spcCol="1270" anchor="ctr" anchorCtr="0">
+          <a:noAutofit/>
+        </a:bodyPr>
+        <a:lstStyle/>
+        <a:p>
+          <a:pPr marL="0" lvl="0" indent="0" algn="ctr" defTabSz="1911350">
+            <a:lnSpc>
+              <a:spcPct val="90000"/>
+            </a:lnSpc>
+            <a:spcBef>
+              <a:spcPct val="0"/>
+            </a:spcBef>
+            <a:spcAft>
+              <a:spcPct val="35000"/>
+            </a:spcAft>
+            <a:buNone/>
+          </a:pPr>
+          <a:endParaRPr lang="en-US" sz="4300" kern="1200" dirty="0"/>
+        </a:p>
+      </dsp:txBody>
+      <dsp:txXfrm>
+        <a:off x="3454861" y="3940239"/>
+        <a:ext cx="1337941" cy="668970"/>
+      </dsp:txXfrm>
+    </dsp:sp>
+    <dsp:sp modelId="{2D1BCDA4-C923-467E-B18A-630BDECC5F3D}">
+      <dsp:nvSpPr>
+        <dsp:cNvPr id="0" name=""/>
+        <dsp:cNvSpPr/>
+      </dsp:nvSpPr>
+      <dsp:spPr>
+        <a:xfrm>
+          <a:off x="4859954" y="140485"/>
+          <a:ext cx="1337941" cy="668970"/>
+        </a:xfrm>
+        <a:prstGeom prst="rect">
+          <a:avLst/>
+        </a:prstGeom>
+        <a:solidFill>
+          <a:schemeClr val="lt1">
+            <a:hueOff val="0"/>
+            <a:satOff val="0"/>
+            <a:lumOff val="0"/>
+            <a:alphaOff val="0"/>
+          </a:schemeClr>
+        </a:solidFill>
+        <a:ln w="12700" cap="flat" cmpd="sng" algn="ctr">
+          <a:solidFill>
+            <a:schemeClr val="dk1">
+              <a:shade val="80000"/>
+              <a:hueOff val="0"/>
+              <a:satOff val="0"/>
+              <a:lumOff val="0"/>
+              <a:alphaOff val="0"/>
+            </a:schemeClr>
+          </a:solidFill>
+          <a:prstDash val="solid"/>
+          <a:miter lim="800000"/>
+        </a:ln>
+        <a:effectLst/>
+      </dsp:spPr>
+      <dsp:style>
+        <a:lnRef idx="2">
+          <a:scrgbClr r="0" g="0" b="0"/>
+        </a:lnRef>
+        <a:fillRef idx="1">
+          <a:scrgbClr r="0" g="0" b="0"/>
+        </a:fillRef>
+        <a:effectRef idx="0">
+          <a:scrgbClr r="0" g="0" b="0"/>
+        </a:effectRef>
+        <a:fontRef idx="minor">
+          <a:schemeClr val="lt1"/>
+        </a:fontRef>
+      </dsp:style>
+      <dsp:txBody>
+        <a:bodyPr spcFirstLastPara="0" vert="horz" wrap="square" lIns="27305" tIns="27305" rIns="27305" bIns="27305" numCol="1" spcCol="1270" anchor="ctr" anchorCtr="0">
+          <a:noAutofit/>
+        </a:bodyPr>
+        <a:lstStyle/>
+        <a:p>
+          <a:pPr marL="0" lvl="0" indent="0" algn="ctr" defTabSz="1911350">
+            <a:lnSpc>
+              <a:spcPct val="90000"/>
+            </a:lnSpc>
+            <a:spcBef>
+              <a:spcPct val="0"/>
+            </a:spcBef>
+            <a:spcAft>
+              <a:spcPct val="35000"/>
+            </a:spcAft>
+            <a:buNone/>
+          </a:pPr>
+          <a:endParaRPr lang="en-US" sz="4300" kern="1200" dirty="0"/>
+        </a:p>
+      </dsp:txBody>
+      <dsp:txXfrm>
+        <a:off x="4859954" y="140485"/>
+        <a:ext cx="1337941" cy="668970"/>
+      </dsp:txXfrm>
+    </dsp:sp>
+    <dsp:sp modelId="{FD994018-F17C-4925-9B05-AABEAC518909}">
+      <dsp:nvSpPr>
+        <dsp:cNvPr id="0" name=""/>
+        <dsp:cNvSpPr/>
+      </dsp:nvSpPr>
+      <dsp:spPr>
+        <a:xfrm>
+          <a:off x="5006726" y="1899878"/>
+          <a:ext cx="1337941" cy="668970"/>
+        </a:xfrm>
+        <a:prstGeom prst="rect">
+          <a:avLst/>
+        </a:prstGeom>
+        <a:solidFill>
+          <a:schemeClr val="lt1">
+            <a:hueOff val="0"/>
+            <a:satOff val="0"/>
+            <a:lumOff val="0"/>
+            <a:alphaOff val="0"/>
+          </a:schemeClr>
+        </a:solidFill>
+        <a:ln w="12700" cap="flat" cmpd="sng" algn="ctr">
+          <a:solidFill>
+            <a:schemeClr val="dk1">
+              <a:shade val="80000"/>
+              <a:hueOff val="0"/>
+              <a:satOff val="0"/>
+              <a:lumOff val="0"/>
+              <a:alphaOff val="0"/>
+            </a:schemeClr>
+          </a:solidFill>
+          <a:prstDash val="solid"/>
+          <a:miter lim="800000"/>
+        </a:ln>
+        <a:effectLst/>
+      </dsp:spPr>
+      <dsp:style>
+        <a:lnRef idx="2">
+          <a:scrgbClr r="0" g="0" b="0"/>
+        </a:lnRef>
+        <a:fillRef idx="1">
+          <a:scrgbClr r="0" g="0" b="0"/>
+        </a:fillRef>
+        <a:effectRef idx="0">
+          <a:scrgbClr r="0" g="0" b="0"/>
+        </a:effectRef>
+        <a:fontRef idx="minor">
+          <a:schemeClr val="lt1"/>
+        </a:fontRef>
+      </dsp:style>
+      <dsp:txBody>
+        <a:bodyPr spcFirstLastPara="0" vert="horz" wrap="square" lIns="27305" tIns="27305" rIns="27305" bIns="27305" numCol="1" spcCol="1270" anchor="ctr" anchorCtr="0">
+          <a:noAutofit/>
+        </a:bodyPr>
+        <a:lstStyle/>
+        <a:p>
+          <a:pPr marL="0" lvl="0" indent="0" algn="ctr" defTabSz="1911350">
+            <a:lnSpc>
+              <a:spcPct val="90000"/>
+            </a:lnSpc>
+            <a:spcBef>
+              <a:spcPct val="0"/>
+            </a:spcBef>
+            <a:spcAft>
+              <a:spcPct val="35000"/>
+            </a:spcAft>
+            <a:buNone/>
+          </a:pPr>
+          <a:endParaRPr lang="en-US" sz="4300" kern="1200" dirty="0"/>
+        </a:p>
+      </dsp:txBody>
+      <dsp:txXfrm>
+        <a:off x="5006726" y="1899878"/>
+        <a:ext cx="1337941" cy="668970"/>
+      </dsp:txXfrm>
+    </dsp:sp>
+    <dsp:sp modelId="{094E8D50-BFD9-48EF-BE69-76EE110401BE}">
+      <dsp:nvSpPr>
+        <dsp:cNvPr id="0" name=""/>
+        <dsp:cNvSpPr/>
+      </dsp:nvSpPr>
+      <dsp:spPr>
+        <a:xfrm>
+          <a:off x="5006726" y="2849817"/>
+          <a:ext cx="1337941" cy="668970"/>
+        </a:xfrm>
+        <a:prstGeom prst="rect">
+          <a:avLst/>
+        </a:prstGeom>
+        <a:solidFill>
+          <a:schemeClr val="lt1">
+            <a:hueOff val="0"/>
+            <a:satOff val="0"/>
+            <a:lumOff val="0"/>
+            <a:alphaOff val="0"/>
+          </a:schemeClr>
+        </a:solidFill>
+        <a:ln w="12700" cap="flat" cmpd="sng" algn="ctr">
+          <a:solidFill>
+            <a:schemeClr val="dk1">
+              <a:shade val="80000"/>
+              <a:hueOff val="0"/>
+              <a:satOff val="0"/>
+              <a:lumOff val="0"/>
+              <a:alphaOff val="0"/>
+            </a:schemeClr>
+          </a:solidFill>
+          <a:prstDash val="solid"/>
+          <a:miter lim="800000"/>
+        </a:ln>
+        <a:effectLst/>
+      </dsp:spPr>
+      <dsp:style>
+        <a:lnRef idx="2">
+          <a:scrgbClr r="0" g="0" b="0"/>
+        </a:lnRef>
+        <a:fillRef idx="1">
+          <a:scrgbClr r="0" g="0" b="0"/>
+        </a:fillRef>
+        <a:effectRef idx="0">
+          <a:scrgbClr r="0" g="0" b="0"/>
+        </a:effectRef>
+        <a:fontRef idx="minor">
+          <a:schemeClr val="lt1"/>
+        </a:fontRef>
+      </dsp:style>
+      <dsp:txBody>
+        <a:bodyPr spcFirstLastPara="0" vert="horz" wrap="square" lIns="27305" tIns="27305" rIns="27305" bIns="27305" numCol="1" spcCol="1270" anchor="ctr" anchorCtr="0">
+          <a:noAutofit/>
+        </a:bodyPr>
+        <a:lstStyle/>
+        <a:p>
+          <a:pPr marL="0" lvl="0" indent="0" algn="ctr" defTabSz="1911350">
+            <a:lnSpc>
+              <a:spcPct val="90000"/>
+            </a:lnSpc>
+            <a:spcBef>
+              <a:spcPct val="0"/>
+            </a:spcBef>
+            <a:spcAft>
+              <a:spcPct val="35000"/>
+            </a:spcAft>
+            <a:buNone/>
+          </a:pPr>
+          <a:endParaRPr lang="en-US" sz="4300" kern="1200" dirty="0"/>
+        </a:p>
+      </dsp:txBody>
+      <dsp:txXfrm>
+        <a:off x="5006726" y="2849817"/>
+        <a:ext cx="1337941" cy="668970"/>
+      </dsp:txXfrm>
+    </dsp:sp>
+    <dsp:sp modelId="{FAE6A99F-9658-4407-88D4-E11F21CC982F}">
+      <dsp:nvSpPr>
+        <dsp:cNvPr id="0" name=""/>
+        <dsp:cNvSpPr/>
+      </dsp:nvSpPr>
+      <dsp:spPr>
+        <a:xfrm>
+          <a:off x="5006726" y="3799755"/>
+          <a:ext cx="1337941" cy="668970"/>
+        </a:xfrm>
+        <a:prstGeom prst="rect">
+          <a:avLst/>
+        </a:prstGeom>
+        <a:solidFill>
+          <a:schemeClr val="lt1">
+            <a:hueOff val="0"/>
+            <a:satOff val="0"/>
+            <a:lumOff val="0"/>
+            <a:alphaOff val="0"/>
+          </a:schemeClr>
+        </a:solidFill>
+        <a:ln w="12700" cap="flat" cmpd="sng" algn="ctr">
+          <a:solidFill>
+            <a:schemeClr val="dk1">
+              <a:shade val="80000"/>
+              <a:hueOff val="0"/>
+              <a:satOff val="0"/>
+              <a:lumOff val="0"/>
+              <a:alphaOff val="0"/>
+            </a:schemeClr>
+          </a:solidFill>
+          <a:prstDash val="solid"/>
+          <a:miter lim="800000"/>
+        </a:ln>
+        <a:effectLst/>
+      </dsp:spPr>
+      <dsp:style>
+        <a:lnRef idx="2">
+          <a:scrgbClr r="0" g="0" b="0"/>
+        </a:lnRef>
+        <a:fillRef idx="1">
+          <a:scrgbClr r="0" g="0" b="0"/>
+        </a:fillRef>
+        <a:effectRef idx="0">
+          <a:scrgbClr r="0" g="0" b="0"/>
+        </a:effectRef>
+        <a:fontRef idx="minor">
+          <a:schemeClr val="lt1"/>
+        </a:fontRef>
+      </dsp:style>
+      <dsp:txBody>
+        <a:bodyPr spcFirstLastPara="0" vert="horz" wrap="square" lIns="27305" tIns="27305" rIns="27305" bIns="27305" numCol="1" spcCol="1270" anchor="ctr" anchorCtr="0">
+          <a:noAutofit/>
+        </a:bodyPr>
+        <a:lstStyle/>
+        <a:p>
+          <a:pPr marL="0" lvl="0" indent="0" algn="ctr" defTabSz="1911350">
+            <a:lnSpc>
+              <a:spcPct val="90000"/>
+            </a:lnSpc>
+            <a:spcBef>
+              <a:spcPct val="0"/>
+            </a:spcBef>
+            <a:spcAft>
+              <a:spcPct val="35000"/>
+            </a:spcAft>
+            <a:buNone/>
+          </a:pPr>
+          <a:endParaRPr lang="en-US" sz="4300" kern="1200" dirty="0"/>
+        </a:p>
+      </dsp:txBody>
+      <dsp:txXfrm>
+        <a:off x="5006726" y="3799755"/>
+        <a:ext cx="1337941" cy="668970"/>
+      </dsp:txXfrm>
+    </dsp:sp>
+    <dsp:sp modelId="{3033ED67-32AD-439D-AEEC-69FDCEDF0557}">
+      <dsp:nvSpPr>
+        <dsp:cNvPr id="0" name=""/>
+        <dsp:cNvSpPr/>
+      </dsp:nvSpPr>
+      <dsp:spPr>
+        <a:xfrm>
+          <a:off x="5006726" y="4749694"/>
+          <a:ext cx="1337941" cy="668970"/>
+        </a:xfrm>
+        <a:prstGeom prst="rect">
+          <a:avLst/>
+        </a:prstGeom>
+        <a:solidFill>
+          <a:schemeClr val="lt1">
+            <a:hueOff val="0"/>
+            <a:satOff val="0"/>
+            <a:lumOff val="0"/>
+            <a:alphaOff val="0"/>
+          </a:schemeClr>
+        </a:solidFill>
+        <a:ln w="12700" cap="flat" cmpd="sng" algn="ctr">
+          <a:solidFill>
+            <a:schemeClr val="dk1">
+              <a:shade val="80000"/>
+              <a:hueOff val="0"/>
+              <a:satOff val="0"/>
+              <a:lumOff val="0"/>
+              <a:alphaOff val="0"/>
+            </a:schemeClr>
+          </a:solidFill>
+          <a:prstDash val="solid"/>
+          <a:miter lim="800000"/>
+        </a:ln>
+        <a:effectLst/>
+      </dsp:spPr>
+      <dsp:style>
+        <a:lnRef idx="2">
+          <a:scrgbClr r="0" g="0" b="0"/>
+        </a:lnRef>
+        <a:fillRef idx="1">
+          <a:scrgbClr r="0" g="0" b="0"/>
+        </a:fillRef>
+        <a:effectRef idx="0">
+          <a:scrgbClr r="0" g="0" b="0"/>
+        </a:effectRef>
+        <a:fontRef idx="minor">
+          <a:schemeClr val="lt1"/>
+        </a:fontRef>
+      </dsp:style>
+      <dsp:txBody>
+        <a:bodyPr spcFirstLastPara="0" vert="horz" wrap="square" lIns="27305" tIns="27305" rIns="27305" bIns="27305" numCol="1" spcCol="1270" anchor="ctr" anchorCtr="0">
+          <a:noAutofit/>
+        </a:bodyPr>
+        <a:lstStyle/>
+        <a:p>
+          <a:pPr marL="0" lvl="0" indent="0" algn="ctr" defTabSz="1911350">
+            <a:lnSpc>
+              <a:spcPct val="90000"/>
+            </a:lnSpc>
+            <a:spcBef>
+              <a:spcPct val="0"/>
+            </a:spcBef>
+            <a:spcAft>
+              <a:spcPct val="35000"/>
+            </a:spcAft>
+            <a:buNone/>
+          </a:pPr>
+          <a:endParaRPr lang="en-US" sz="4300" kern="1200" dirty="0"/>
+        </a:p>
+      </dsp:txBody>
+      <dsp:txXfrm>
+        <a:off x="5006726" y="4749694"/>
+        <a:ext cx="1337941" cy="668970"/>
+      </dsp:txXfrm>
+    </dsp:sp>
+    <dsp:sp modelId="{6CC8D5A8-B83C-4E32-AEDB-708EEF218CEA}">
+      <dsp:nvSpPr>
+        <dsp:cNvPr id="0" name=""/>
+        <dsp:cNvSpPr/>
+      </dsp:nvSpPr>
+      <dsp:spPr>
+        <a:xfrm>
+          <a:off x="6291150" y="949940"/>
+          <a:ext cx="1337941" cy="668970"/>
+        </a:xfrm>
+        <a:prstGeom prst="rect">
+          <a:avLst/>
+        </a:prstGeom>
+        <a:solidFill>
+          <a:schemeClr val="lt1">
+            <a:hueOff val="0"/>
+            <a:satOff val="0"/>
+            <a:lumOff val="0"/>
+            <a:alphaOff val="0"/>
+          </a:schemeClr>
+        </a:solidFill>
+        <a:ln w="12700" cap="flat" cmpd="sng" algn="ctr">
+          <a:solidFill>
+            <a:schemeClr val="dk1">
+              <a:shade val="80000"/>
+              <a:hueOff val="0"/>
+              <a:satOff val="0"/>
+              <a:lumOff val="0"/>
+              <a:alphaOff val="0"/>
+            </a:schemeClr>
+          </a:solidFill>
+          <a:prstDash val="solid"/>
+          <a:miter lim="800000"/>
+        </a:ln>
+        <a:effectLst/>
+      </dsp:spPr>
+      <dsp:style>
+        <a:lnRef idx="2">
+          <a:scrgbClr r="0" g="0" b="0"/>
+        </a:lnRef>
+        <a:fillRef idx="1">
+          <a:scrgbClr r="0" g="0" b="0"/>
+        </a:fillRef>
+        <a:effectRef idx="0">
+          <a:scrgbClr r="0" g="0" b="0"/>
+        </a:effectRef>
+        <a:fontRef idx="minor">
+          <a:schemeClr val="lt1"/>
+        </a:fontRef>
+      </dsp:style>
+      <dsp:txBody>
+        <a:bodyPr spcFirstLastPara="0" vert="horz" wrap="square" lIns="27305" tIns="27305" rIns="27305" bIns="27305" numCol="1" spcCol="1270" anchor="ctr" anchorCtr="0">
+          <a:noAutofit/>
+        </a:bodyPr>
+        <a:lstStyle/>
+        <a:p>
+          <a:pPr marL="0" lvl="0" indent="0" algn="ctr" defTabSz="1911350">
+            <a:lnSpc>
+              <a:spcPct val="90000"/>
+            </a:lnSpc>
+            <a:spcBef>
+              <a:spcPct val="0"/>
+            </a:spcBef>
+            <a:spcAft>
+              <a:spcPct val="35000"/>
+            </a:spcAft>
+            <a:buNone/>
+          </a:pPr>
+          <a:endParaRPr lang="en-US" sz="4300" kern="1200" dirty="0"/>
+        </a:p>
+      </dsp:txBody>
+      <dsp:txXfrm>
+        <a:off x="6291150" y="949940"/>
+        <a:ext cx="1337941" cy="668970"/>
+      </dsp:txXfrm>
+    </dsp:sp>
+    <dsp:sp modelId="{2C96B520-DA85-4003-A50C-0D9CBAB20E2E}">
+      <dsp:nvSpPr>
+        <dsp:cNvPr id="0" name=""/>
+        <dsp:cNvSpPr/>
+      </dsp:nvSpPr>
+      <dsp:spPr>
+        <a:xfrm>
+          <a:off x="6625635" y="1899878"/>
+          <a:ext cx="1337941" cy="668970"/>
+        </a:xfrm>
+        <a:prstGeom prst="rect">
+          <a:avLst/>
+        </a:prstGeom>
+        <a:solidFill>
+          <a:schemeClr val="lt1">
+            <a:hueOff val="0"/>
+            <a:satOff val="0"/>
+            <a:lumOff val="0"/>
+            <a:alphaOff val="0"/>
+          </a:schemeClr>
+        </a:solidFill>
+        <a:ln w="12700" cap="flat" cmpd="sng" algn="ctr">
+          <a:solidFill>
+            <a:schemeClr val="dk1">
+              <a:shade val="80000"/>
+              <a:hueOff val="0"/>
+              <a:satOff val="0"/>
+              <a:lumOff val="0"/>
+              <a:alphaOff val="0"/>
+            </a:schemeClr>
+          </a:solidFill>
+          <a:prstDash val="solid"/>
+          <a:miter lim="800000"/>
+        </a:ln>
+        <a:effectLst/>
+      </dsp:spPr>
+      <dsp:style>
+        <a:lnRef idx="2">
+          <a:scrgbClr r="0" g="0" b="0"/>
+        </a:lnRef>
+        <a:fillRef idx="1">
+          <a:scrgbClr r="0" g="0" b="0"/>
+        </a:fillRef>
+        <a:effectRef idx="0">
+          <a:scrgbClr r="0" g="0" b="0"/>
+        </a:effectRef>
+        <a:fontRef idx="minor">
+          <a:schemeClr val="lt1"/>
+        </a:fontRef>
+      </dsp:style>
+      <dsp:txBody>
+        <a:bodyPr spcFirstLastPara="0" vert="horz" wrap="square" lIns="27305" tIns="27305" rIns="27305" bIns="27305" numCol="1" spcCol="1270" anchor="ctr" anchorCtr="0">
+          <a:noAutofit/>
+        </a:bodyPr>
+        <a:lstStyle/>
+        <a:p>
+          <a:pPr marL="0" lvl="0" indent="0" algn="ctr" defTabSz="1911350">
+            <a:lnSpc>
+              <a:spcPct val="90000"/>
+            </a:lnSpc>
+            <a:spcBef>
+              <a:spcPct val="0"/>
+            </a:spcBef>
+            <a:spcAft>
+              <a:spcPct val="35000"/>
+            </a:spcAft>
+            <a:buNone/>
+          </a:pPr>
+          <a:endParaRPr lang="en-US" sz="4300" kern="1200" dirty="0"/>
+        </a:p>
+      </dsp:txBody>
+      <dsp:txXfrm>
+        <a:off x="6625635" y="1899878"/>
+        <a:ext cx="1337941" cy="668970"/>
+      </dsp:txXfrm>
+    </dsp:sp>
+    <dsp:sp modelId="{21B0C2F9-4491-4771-903E-2E57E65126AE}">
+      <dsp:nvSpPr>
+        <dsp:cNvPr id="0" name=""/>
+        <dsp:cNvSpPr/>
+      </dsp:nvSpPr>
+      <dsp:spPr>
+        <a:xfrm>
+          <a:off x="6625635" y="2849817"/>
+          <a:ext cx="1337941" cy="668970"/>
+        </a:xfrm>
+        <a:prstGeom prst="rect">
+          <a:avLst/>
+        </a:prstGeom>
+        <a:solidFill>
+          <a:schemeClr val="lt1">
+            <a:hueOff val="0"/>
+            <a:satOff val="0"/>
+            <a:lumOff val="0"/>
+            <a:alphaOff val="0"/>
+          </a:schemeClr>
+        </a:solidFill>
+        <a:ln w="12700" cap="flat" cmpd="sng" algn="ctr">
+          <a:solidFill>
+            <a:schemeClr val="dk1">
+              <a:shade val="80000"/>
+              <a:hueOff val="0"/>
+              <a:satOff val="0"/>
+              <a:lumOff val="0"/>
+              <a:alphaOff val="0"/>
+            </a:schemeClr>
+          </a:solidFill>
+          <a:prstDash val="solid"/>
+          <a:miter lim="800000"/>
+        </a:ln>
+        <a:effectLst/>
+      </dsp:spPr>
+      <dsp:style>
+        <a:lnRef idx="2">
+          <a:scrgbClr r="0" g="0" b="0"/>
+        </a:lnRef>
+        <a:fillRef idx="1">
+          <a:scrgbClr r="0" g="0" b="0"/>
+        </a:fillRef>
+        <a:effectRef idx="0">
+          <a:scrgbClr r="0" g="0" b="0"/>
+        </a:effectRef>
+        <a:fontRef idx="minor">
+          <a:schemeClr val="lt1"/>
+        </a:fontRef>
+      </dsp:style>
+      <dsp:txBody>
+        <a:bodyPr spcFirstLastPara="0" vert="horz" wrap="square" lIns="27305" tIns="27305" rIns="27305" bIns="27305" numCol="1" spcCol="1270" anchor="ctr" anchorCtr="0">
+          <a:noAutofit/>
+        </a:bodyPr>
+        <a:lstStyle/>
+        <a:p>
+          <a:pPr marL="0" lvl="0" indent="0" algn="ctr" defTabSz="1911350">
+            <a:lnSpc>
+              <a:spcPct val="90000"/>
+            </a:lnSpc>
+            <a:spcBef>
+              <a:spcPct val="0"/>
+            </a:spcBef>
+            <a:spcAft>
+              <a:spcPct val="35000"/>
+            </a:spcAft>
+            <a:buNone/>
+          </a:pPr>
+          <a:endParaRPr lang="en-US" sz="4300" kern="1200" dirty="0"/>
+        </a:p>
+      </dsp:txBody>
+      <dsp:txXfrm>
+        <a:off x="6625635" y="2849817"/>
+        <a:ext cx="1337941" cy="668970"/>
+      </dsp:txXfrm>
+    </dsp:sp>
+    <dsp:sp modelId="{A89C9113-97A5-490D-A335-B615D2C403F9}">
+      <dsp:nvSpPr>
+        <dsp:cNvPr id="0" name=""/>
+        <dsp:cNvSpPr/>
+      </dsp:nvSpPr>
+      <dsp:spPr>
+        <a:xfrm>
+          <a:off x="6625635" y="3799755"/>
+          <a:ext cx="1337941" cy="668970"/>
+        </a:xfrm>
+        <a:prstGeom prst="rect">
+          <a:avLst/>
+        </a:prstGeom>
+        <a:solidFill>
+          <a:schemeClr val="lt1">
+            <a:hueOff val="0"/>
+            <a:satOff val="0"/>
+            <a:lumOff val="0"/>
+            <a:alphaOff val="0"/>
+          </a:schemeClr>
+        </a:solidFill>
+        <a:ln w="12700" cap="flat" cmpd="sng" algn="ctr">
+          <a:solidFill>
+            <a:schemeClr val="dk1">
+              <a:shade val="80000"/>
+              <a:hueOff val="0"/>
+              <a:satOff val="0"/>
+              <a:lumOff val="0"/>
+              <a:alphaOff val="0"/>
+            </a:schemeClr>
+          </a:solidFill>
+          <a:prstDash val="solid"/>
+          <a:miter lim="800000"/>
+        </a:ln>
+        <a:effectLst/>
+      </dsp:spPr>
+      <dsp:style>
+        <a:lnRef idx="2">
+          <a:scrgbClr r="0" g="0" b="0"/>
+        </a:lnRef>
+        <a:fillRef idx="1">
+          <a:scrgbClr r="0" g="0" b="0"/>
+        </a:fillRef>
+        <a:effectRef idx="0">
+          <a:scrgbClr r="0" g="0" b="0"/>
+        </a:effectRef>
+        <a:fontRef idx="minor">
+          <a:schemeClr val="lt1"/>
+        </a:fontRef>
+      </dsp:style>
+      <dsp:txBody>
+        <a:bodyPr spcFirstLastPara="0" vert="horz" wrap="square" lIns="27305" tIns="27305" rIns="27305" bIns="27305" numCol="1" spcCol="1270" anchor="ctr" anchorCtr="0">
+          <a:noAutofit/>
+        </a:bodyPr>
+        <a:lstStyle/>
+        <a:p>
+          <a:pPr marL="0" lvl="0" indent="0" algn="ctr" defTabSz="1911350">
+            <a:lnSpc>
+              <a:spcPct val="90000"/>
+            </a:lnSpc>
+            <a:spcBef>
+              <a:spcPct val="0"/>
+            </a:spcBef>
+            <a:spcAft>
+              <a:spcPct val="35000"/>
+            </a:spcAft>
+            <a:buNone/>
+          </a:pPr>
+          <a:endParaRPr lang="en-US" sz="4300" kern="1200" dirty="0"/>
+        </a:p>
+      </dsp:txBody>
+      <dsp:txXfrm>
+        <a:off x="6625635" y="3799755"/>
+        <a:ext cx="1337941" cy="668970"/>
+      </dsp:txXfrm>
+    </dsp:sp>
+  </dsp:spTree>
+</dsp:drawing>
+</file>
+
+<file path=ppt/diagrams/layout1.xml><?xml version="1.0" encoding="utf-8"?>
+<dgm:layoutDef xmlns:dgm="http://schemas.openxmlformats.org/drawingml/2006/diagram" xmlns:a="http://schemas.openxmlformats.org/drawingml/2006/main" uniqueId="urn:microsoft.com/office/officeart/2005/8/layout/orgChart1">
+  <dgm:title val=""/>
+  <dgm:desc val=""/>
+  <dgm:catLst>
+    <dgm:cat type="hierarchy" pri="1000"/>
+    <dgm:cat type="convert" pri="6000"/>
+  </dgm:catLst>
+  <dgm:sampData>
+    <dgm:dataModel>
+      <dgm:ptLst>
+        <dgm:pt modelId="0" type="doc"/>
+        <dgm:pt modelId="1">
+          <dgm:prSet phldr="1"/>
+        </dgm:pt>
+        <dgm:pt modelId="2" type="asst">
+          <dgm:prSet phldr="1"/>
+        </dgm:pt>
+        <dgm:pt modelId="3">
+          <dgm:prSet phldr="1"/>
+        </dgm:pt>
+        <dgm:pt modelId="4">
+          <dgm:prSet phldr="1"/>
+        </dgm:pt>
+        <dgm:pt modelId="5">
+          <dgm:prSet phldr="1"/>
+        </dgm:pt>
+      </dgm:ptLst>
+      <dgm:cxnLst>
+        <dgm:cxn modelId="5" srcId="0" destId="1" srcOrd="0" destOrd="0"/>
+        <dgm:cxn modelId="6" srcId="1" destId="2" srcOrd="0" destOrd="0"/>
+        <dgm:cxn modelId="7" srcId="1" destId="3" srcOrd="1" destOrd="0"/>
+        <dgm:cxn modelId="8" srcId="1" destId="4" srcOrd="2" destOrd="0"/>
+        <dgm:cxn modelId="9" srcId="1" destId="5" srcOrd="3" destOrd="0"/>
+      </dgm:cxnLst>
+      <dgm:bg/>
+      <dgm:whole/>
+    </dgm:dataModel>
+  </dgm:sampData>
+  <dgm:styleData>
+    <dgm:dataModel>
+      <dgm:ptLst>
+        <dgm:pt modelId="0" type="doc"/>
+        <dgm:pt modelId="1"/>
+        <dgm:pt modelId="12"/>
+        <dgm:pt modelId="13"/>
+      </dgm:ptLst>
+      <dgm:cxnLst>
+        <dgm:cxn modelId="2" srcId="0" destId="1" srcOrd="0" destOrd="0"/>
+        <dgm:cxn modelId="16" srcId="1" destId="12" srcOrd="1" destOrd="0"/>
+        <dgm:cxn modelId="17" srcId="1" destId="13" srcOrd="2" destOrd="0"/>
+      </dgm:cxnLst>
+      <dgm:bg/>
+      <dgm:whole/>
+    </dgm:dataModel>
+  </dgm:styleData>
+  <dgm:clrData>
+    <dgm:dataModel>
+      <dgm:ptLst>
+        <dgm:pt modelId="0" type="doc"/>
+        <dgm:pt modelId="1"/>
+        <dgm:pt modelId="11" type="asst"/>
+        <dgm:pt modelId="12"/>
+        <dgm:pt modelId="13"/>
+        <dgm:pt modelId="14"/>
+      </dgm:ptLst>
+      <dgm:cxnLst>
+        <dgm:cxn modelId="2" srcId="0" destId="1" srcOrd="0" destOrd="0"/>
+        <dgm:cxn modelId="15" srcId="1" destId="11" srcOrd="0" destOrd="0"/>
+        <dgm:cxn modelId="16" srcId="1" destId="12" srcOrd="1" destOrd="0"/>
+        <dgm:cxn modelId="17" srcId="1" destId="13" srcOrd="2" destOrd="0"/>
+        <dgm:cxn modelId="18" srcId="1" destId="14" srcOrd="2" destOrd="0"/>
+      </dgm:cxnLst>
+      <dgm:bg/>
+      <dgm:whole/>
+    </dgm:dataModel>
+  </dgm:clrData>
+  <dgm:layoutNode name="hierChild1">
+    <dgm:varLst>
+      <dgm:orgChart val="1"/>
+      <dgm:chPref val="1"/>
+      <dgm:dir/>
+      <dgm:animOne val="branch"/>
+      <dgm:animLvl val="lvl"/>
+      <dgm:resizeHandles/>
+    </dgm:varLst>
+    <dgm:choose name="Name0">
+      <dgm:if name="Name1" func="var" arg="dir" op="equ" val="norm">
+        <dgm:alg type="hierChild">
+          <dgm:param type="linDir" val="fromL"/>
+        </dgm:alg>
+      </dgm:if>
+      <dgm:else name="Name2">
+        <dgm:alg type="hierChild">
+          <dgm:param type="linDir" val="fromR"/>
+        </dgm:alg>
+      </dgm:else>
+    </dgm:choose>
+    <dgm:shape xmlns:r="http://schemas.openxmlformats.org/officeDocument/2006/relationships" r:blip="">
+      <dgm:adjLst/>
+    </dgm:shape>
+    <dgm:presOf/>
+    <dgm:constrLst>
+      <dgm:constr type="w" for="des" forName="rootComposite1" refType="w" fact="10"/>
+      <dgm:constr type="h" for="des" forName="rootComposite1" refType="w" refFor="des" refForName="rootComposite1" fact="0.5"/>
+      <dgm:constr type="w" for="des" forName="rootComposite" refType="w" fact="10"/>
+      <dgm:constr type="h" for="des" forName="rootComposite" refType="w" refFor="des" refForName="rootComposite1" fact="0.5"/>
+      <dgm:constr type="w" for="des" forName="rootComposite3" refType="w" fact="10"/>
+      <dgm:constr type="h" for="des" forName="rootComposite3" refType="w" refFor="des" refForName="rootComposite1" fact="0.5"/>
+      <dgm:constr type="primFontSz" for="des" ptType="node" op="equ"/>
+      <dgm:constr type="sp" for="des" op="equ"/>
+      <dgm:constr type="sp" for="des" forName="hierRoot1" refType="w" refFor="des" refForName="rootComposite1" fact="0.21"/>
+      <dgm:constr type="sp" for="des" forName="hierRoot2" refType="sp" refFor="des" refForName="hierRoot1"/>
+      <dgm:constr type="sp" for="des" forName="hierRoot3" refType="sp" refFor="des" refForName="hierRoot1"/>
+      <dgm:constr type="sibSp" refType="w" refFor="des" refForName="rootComposite1" fact="0.21"/>
+      <dgm:constr type="sibSp" for="des" forName="hierChild2" refType="sibSp"/>
+      <dgm:constr type="sibSp" for="des" forName="hierChild3" refType="sibSp"/>
+      <dgm:constr type="sibSp" for="des" forName="hierChild4" refType="sibSp"/>
+      <dgm:constr type="sibSp" for="des" forName="hierChild5" refType="sibSp"/>
+      <dgm:constr type="sibSp" for="des" forName="hierChild6" refType="sibSp"/>
+      <dgm:constr type="sibSp" for="des" forName="hierChild7" refType="sibSp"/>
+      <dgm:constr type="secSibSp" refType="w" refFor="des" refForName="rootComposite1" fact="0.21"/>
+      <dgm:constr type="secSibSp" for="des" forName="hierChild2" refType="secSibSp"/>
+      <dgm:constr type="secSibSp" for="des" forName="hierChild3" refType="secSibSp"/>
+      <dgm:constr type="secSibSp" for="des" forName="hierChild4" refType="secSibSp"/>
+      <dgm:constr type="secSibSp" for="des" forName="hierChild5" refType="secSibSp"/>
+      <dgm:constr type="secSibSp" for="des" forName="hierChild6" refType="secSibSp"/>
+      <dgm:constr type="secSibSp" for="des" forName="hierChild7" refType="secSibSp"/>
+    </dgm:constrLst>
+    <dgm:ruleLst/>
+    <dgm:forEach name="Name3" axis="ch">
+      <dgm:forEach name="Name4" axis="self" ptType="node">
+        <dgm:layoutNode name="hierRoot1">
+          <dgm:varLst>
+            <dgm:hierBranch val="init"/>
+          </dgm:varLst>
+          <dgm:choose name="Name5">
+            <dgm:if name="Name6" func="var" arg="hierBranch" op="equ" val="l">
+              <dgm:choose name="Name7">
+                <dgm:if name="Name8" axis="ch" ptType="asst" func="cnt" op="gte" val="1">
+                  <dgm:alg type="hierRoot">
+                    <dgm:param type="hierAlign" val="tR"/>
+                  </dgm:alg>
+                  <dgm:constrLst>
+                    <dgm:constr type="alignOff" val="0.65"/>
+                  </dgm:constrLst>
+                </dgm:if>
+                <dgm:else name="Name9">
+                  <dgm:alg type="hierRoot">
+                    <dgm:param type="hierAlign" val="tR"/>
+                  </dgm:alg>
+                  <dgm:constrLst>
+                    <dgm:constr type="alignOff" val="0.25"/>
+                  </dgm:constrLst>
+                </dgm:else>
+              </dgm:choose>
+            </dgm:if>
+            <dgm:if name="Name10" func="var" arg="hierBranch" op="equ" val="r">
+              <dgm:choose name="Name11">
+                <dgm:if name="Name12" axis="ch" ptType="asst" func="cnt" op="gte" val="1">
+                  <dgm:alg type="hierRoot">
+                    <dgm:param type="hierAlign" val="tL"/>
+                  </dgm:alg>
+                  <dgm:constrLst>
+                    <dgm:constr type="alignOff" val="0.65"/>
+                  </dgm:constrLst>
+                </dgm:if>
+                <dgm:else name="Name13">
+                  <dgm:alg type="hierRoot">
+                    <dgm:param type="hierAlign" val="tL"/>
+                  </dgm:alg>
+                  <dgm:constrLst>
+                    <dgm:constr type="alignOff" val="0.25"/>
+                  </dgm:constrLst>
+                </dgm:else>
+              </dgm:choose>
+            </dgm:if>
+            <dgm:if name="Name14" func="var" arg="hierBranch" op="equ" val="hang">
+              <dgm:alg type="hierRoot"/>
+              <dgm:constrLst>
+                <dgm:constr type="alignOff" val="0.65"/>
+              </dgm:constrLst>
+            </dgm:if>
+            <dgm:else name="Name15">
+              <dgm:alg type="hierRoot"/>
+              <dgm:constrLst>
+                <dgm:constr type="alignOff"/>
+                <dgm:constr type="bendDist" for="des" ptType="parTrans" refType="sp" fact="0.5"/>
+              </dgm:constrLst>
+            </dgm:else>
+          </dgm:choose>
+          <dgm:shape xmlns:r="http://schemas.openxmlformats.org/officeDocument/2006/relationships" r:blip="">
+            <dgm:adjLst/>
+          </dgm:shape>
+          <dgm:presOf/>
+          <dgm:ruleLst/>
+          <dgm:layoutNode name="rootComposite1">
+            <dgm:alg type="composite"/>
+            <dgm:shape xmlns:r="http://schemas.openxmlformats.org/officeDocument/2006/relationships" r:blip="">
+              <dgm:adjLst/>
+            </dgm:shape>
+            <dgm:presOf axis="self" ptType="node" cnt="1"/>
+            <dgm:choose name="Name16">
+              <dgm:if name="Name17" func="var" arg="hierBranch" op="equ" val="init">
+                <dgm:constrLst>
+                  <dgm:constr type="l" for="ch" forName="rootText1"/>
+                  <dgm:constr type="t" for="ch" forName="rootText1"/>
+                  <dgm:constr type="w" for="ch" forName="rootText1" refType="w"/>
+                  <dgm:constr type="h" for="ch" forName="rootText1" refType="h"/>
+                  <dgm:constr type="l" for="ch" forName="rootConnector1"/>
+                  <dgm:constr type="t" for="ch" forName="rootConnector1"/>
+                  <dgm:constr type="w" for="ch" forName="rootConnector1" refType="w" refFor="ch" refForName="rootText1" fact="0.2"/>
+                  <dgm:constr type="h" for="ch" forName="rootConnector1" refType="h" refFor="ch" refForName="rootText1"/>
+                </dgm:constrLst>
+              </dgm:if>
+              <dgm:if name="Name18" func="var" arg="hierBranch" op="equ" val="l">
+                <dgm:constrLst>
+                  <dgm:constr type="l" for="ch" forName="rootText1"/>
+                  <dgm:constr type="t" for="ch" forName="rootText1"/>
+                  <dgm:constr type="w" for="ch" forName="rootText1" refType="w"/>
+                  <dgm:constr type="h" for="ch" forName="rootText1" refType="h"/>
+                  <dgm:constr type="r" for="ch" forName="rootConnector1" refType="w"/>
+                  <dgm:constr type="t" for="ch" forName="rootConnector1"/>
+                  <dgm:constr type="w" for="ch" forName="rootConnector1" refType="w" refFor="ch" refForName="rootText1" fact="0.2"/>
+                  <dgm:constr type="h" for="ch" forName="rootConnector1" refType="h" refFor="ch" refForName="rootText1"/>
+                </dgm:constrLst>
+              </dgm:if>
+              <dgm:if name="Name19" func="var" arg="hierBranch" op="equ" val="r">
+                <dgm:constrLst>
+                  <dgm:constr type="l" for="ch" forName="rootText1"/>
+                  <dgm:constr type="t" for="ch" forName="rootText1"/>
+                  <dgm:constr type="w" for="ch" forName="rootText1" refType="w"/>
+                  <dgm:constr type="h" for="ch" forName="rootText1" refType="h"/>
+                  <dgm:constr type="l" for="ch" forName="rootConnector1"/>
+                  <dgm:constr type="t" for="ch" forName="rootConnector1"/>
+                  <dgm:constr type="w" for="ch" forName="rootConnector1" refType="w" refFor="ch" refForName="rootText1" fact="0.2"/>
+                  <dgm:constr type="h" for="ch" forName="rootConnector1" refType="h" refFor="ch" refForName="rootText1"/>
+                </dgm:constrLst>
+              </dgm:if>
+              <dgm:else name="Name20">
+                <dgm:constrLst>
+                  <dgm:constr type="l" for="ch" forName="rootText1"/>
+                  <dgm:constr type="t" for="ch" forName="rootText1"/>
+                  <dgm:constr type="w" for="ch" forName="rootText1" refType="w"/>
+                  <dgm:constr type="h" for="ch" forName="rootText1" refType="h"/>
+                  <dgm:constr type="r" for="ch" forName="rootConnector1" refType="w"/>
+                  <dgm:constr type="t" for="ch" forName="rootConnector1"/>
+                  <dgm:constr type="w" for="ch" forName="rootConnector1" refType="w" refFor="ch" refForName="rootText1" fact="0.2"/>
+                  <dgm:constr type="h" for="ch" forName="rootConnector1" refType="h" refFor="ch" refForName="rootText1"/>
+                </dgm:constrLst>
+              </dgm:else>
+            </dgm:choose>
+            <dgm:ruleLst/>
+            <dgm:layoutNode name="rootText1" styleLbl="node0">
+              <dgm:varLst>
+                <dgm:chPref val="3"/>
+              </dgm:varLst>
+              <dgm:alg type="tx"/>
+              <dgm:shape xmlns:r="http://schemas.openxmlformats.org/officeDocument/2006/relationships" type="rect" r:blip="">
+                <dgm:adjLst/>
+              </dgm:shape>
+              <dgm:presOf axis="self" ptType="node" cnt="1"/>
+              <dgm:constrLst>
+                <dgm:constr type="primFontSz" val="65"/>
+                <dgm:constr type="lMarg" refType="primFontSz" fact="0.05"/>
+                <dgm:constr type="rMarg" refType="primFontSz" fact="0.05"/>
+                <dgm:constr type="tMarg" refType="primFontSz" fact="0.05"/>
+                <dgm:constr type="bMarg" refType="primFontSz" fact="0.05"/>
+              </dgm:constrLst>
+              <dgm:ruleLst>
+                <dgm:rule type="primFontSz" val="5" fact="NaN" max="NaN"/>
+              </dgm:ruleLst>
+            </dgm:layoutNode>
+            <dgm:layoutNode name="rootConnector1" moveWith="rootText1">
+              <dgm:alg type="sp"/>
+              <dgm:shape xmlns:r="http://schemas.openxmlformats.org/officeDocument/2006/relationships" type="rect" r:blip="" hideGeom="1">
+                <dgm:adjLst/>
+              </dgm:shape>
+              <dgm:presOf axis="self" ptType="node" cnt="1"/>
+              <dgm:constrLst/>
+              <dgm:ruleLst/>
+            </dgm:layoutNode>
+          </dgm:layoutNode>
+          <dgm:layoutNode name="hierChild2">
+            <dgm:choose name="Name21">
+              <dgm:if name="Name22" func="var" arg="hierBranch" op="equ" val="l">
+                <dgm:alg type="hierChild">
+                  <dgm:param type="chAlign" val="r"/>
+                  <dgm:param type="linDir" val="fromT"/>
+                </dgm:alg>
+              </dgm:if>
+              <dgm:if name="Name23" func="var" arg="hierBranch" op="equ" val="r">
+                <dgm:alg type="hierChild">
+                  <dgm:param type="chAlign" val="l"/>
+                  <dgm:param type="linDir" val="fromT"/>
+                </dgm:alg>
+              </dgm:if>
+              <dgm:if name="Name24" func="var" arg="hierBranch" op="equ" val="hang">
+                <dgm:choose name="Name25">
+                  <dgm:if name="Name26" func="var" arg="dir" op="equ" val="norm">
+                    <dgm:alg type="hierChild">
+                      <dgm:param type="chAlign" val="l"/>
+                      <dgm:param type="linDir" val="fromL"/>
+                      <dgm:param type="secChAlign" val="t"/>
+                      <dgm:param type="secLinDir" val="fromT"/>
+                    </dgm:alg>
+                  </dgm:if>
+                  <dgm:else name="Name27">
+                    <dgm:alg type="hierChild">
+                      <dgm:param type="chAlign" val="l"/>
+                      <dgm:param type="linDir" val="fromR"/>
+                      <dgm:param type="secChAlign" val="t"/>
+                      <dgm:param type="secLinDir" val="fromT"/>
+                    </dgm:alg>
+                  </dgm:else>
+                </dgm:choose>
+              </dgm:if>
+              <dgm:else name="Name28">
+                <dgm:choose name="Name29">
+                  <dgm:if name="Name30" func="var" arg="dir" op="equ" val="norm">
+                    <dgm:alg type="hierChild"/>
+                  </dgm:if>
+                  <dgm:else name="Name31">
+                    <dgm:alg type="hierChild">
+                      <dgm:param type="linDir" val="fromR"/>
+                    </dgm:alg>
+                  </dgm:else>
+                </dgm:choose>
+              </dgm:else>
+            </dgm:choose>
+            <dgm:shape xmlns:r="http://schemas.openxmlformats.org/officeDocument/2006/relationships" r:blip="">
+              <dgm:adjLst/>
+            </dgm:shape>
+            <dgm:presOf/>
+            <dgm:constrLst/>
+            <dgm:ruleLst/>
+            <dgm:forEach name="rep2a" axis="ch" ptType="nonAsst">
+              <dgm:forEach name="Name32" axis="precedSib" ptType="parTrans" st="-1" cnt="1">
+                <dgm:choose name="Name33">
+                  <dgm:if name="Name34" func="var" arg="hierBranch" op="equ" val="std">
+                    <dgm:layoutNode name="Name35">
+                      <dgm:alg type="conn">
+                        <dgm:param type="connRout" val="bend"/>
+                        <dgm:param type="dim" val="1D"/>
+                        <dgm:param type="endSty" val="noArr"/>
+                        <dgm:param type="begPts" val="bCtr"/>
+                        <dgm:param type="endPts" val="tCtr"/>
+                        <dgm:param type="bendPt" val="end"/>
+                      </dgm:alg>
+                      <dgm:shape xmlns:r="http://schemas.openxmlformats.org/officeDocument/2006/relationships" type="conn" r:blip="" zOrderOff="-99999">
+                        <dgm:adjLst/>
+                      </dgm:shape>
+                      <dgm:presOf axis="self"/>
+                      <dgm:constrLst>
+                        <dgm:constr type="begPad"/>
+                        <dgm:constr type="endPad"/>
+                      </dgm:constrLst>
+                      <dgm:ruleLst/>
+                    </dgm:layoutNode>
+                  </dgm:if>
+                  <dgm:if name="Name36" func="var" arg="hierBranch" op="equ" val="init">
+                    <dgm:layoutNode name="Name37">
+                      <dgm:choose name="Name38">
+                        <dgm:if name="Name39" axis="self" func="depth" op="lte" val="2">
+                          <dgm:alg type="conn">
+                            <dgm:param type="connRout" val="bend"/>
+                            <dgm:param type="dim" val="1D"/>
+                            <dgm:param type="endSty" val="noArr"/>
+                            <dgm:param type="begPts" val="bCtr"/>
+                            <dgm:param type="endPts" val="tCtr"/>
+                            <dgm:param type="bendPt" val="end"/>
+                          </dgm:alg>
+                        </dgm:if>
+                        <dgm:else name="Name40">
+                          <dgm:choose name="Name41">
+                            <dgm:if name="Name42" axis="par des" func="maxDepth" op="lte" val="1">
+                              <dgm:choose name="Name43">
+                                <dgm:if name="Name44" axis="par ch" ptType="node asst" func="cnt" op="gte" val="1">
+                                  <dgm:alg type="conn">
+                                    <dgm:param type="connRout" val="bend"/>
+                                    <dgm:param type="dim" val="1D"/>
+                                    <dgm:param type="endSty" val="noArr"/>
+                                    <dgm:param type="begPts" val="bCtr"/>
+                                    <dgm:param type="endPts" val="midL midR"/>
+                                  </dgm:alg>
+                                </dgm:if>
+                                <dgm:else name="Name45">
+                                  <dgm:alg type="conn">
+                                    <dgm:param type="connRout" val="bend"/>
+                                    <dgm:param type="dim" val="1D"/>
+                                    <dgm:param type="endSty" val="noArr"/>
+                                    <dgm:param type="begPts" val="bCtr"/>
+                                    <dgm:param type="endPts" val="midL midR"/>
+                                    <dgm:param type="srcNode" val="rootConnector"/>
+                                  </dgm:alg>
+                                </dgm:else>
+                              </dgm:choose>
+                            </dgm:if>
+                            <dgm:else name="Name46">
+                              <dgm:alg type="conn">
+                                <dgm:param type="connRout" val="bend"/>
+                                <dgm:param type="dim" val="1D"/>
+                                <dgm:param type="endSty" val="noArr"/>
+                                <dgm:param type="begPts" val="bCtr"/>
+                                <dgm:param type="endPts" val="tCtr"/>
+                                <dgm:param type="bendPt" val="end"/>
+                              </dgm:alg>
+                            </dgm:else>
+                          </dgm:choose>
+                        </dgm:else>
+                      </dgm:choose>
+                      <dgm:shape xmlns:r="http://schemas.openxmlformats.org/officeDocument/2006/relationships" type="conn" r:blip="" zOrderOff="-99999">
+                        <dgm:adjLst/>
+                      </dgm:shape>
+                      <dgm:presOf axis="self"/>
+                      <dgm:constrLst>
+                        <dgm:constr type="begPad"/>
+                        <dgm:constr type="endPad"/>
+                      </dgm:constrLst>
+                      <dgm:ruleLst/>
+                    </dgm:layoutNode>
+                  </dgm:if>
+                  <dgm:if name="Name47" func="var" arg="hierBranch" op="equ" val="hang">
+                    <dgm:layoutNode name="Name48">
+                      <dgm:alg type="conn">
+                        <dgm:param type="connRout" val="bend"/>
+                        <dgm:param type="dim" val="1D"/>
+                        <dgm:param type="endSty" val="noArr"/>
+                        <dgm:param type="begPts" val="bCtr"/>
+                        <dgm:param type="endPts" val="midL midR"/>
+                      </dgm:alg>
+                      <dgm:shape xmlns:r="http://schemas.openxmlformats.org/officeDocument/2006/relationships" type="conn" r:blip="" zOrderOff="-99999">
+                        <dgm:adjLst/>
+                      </dgm:shape>
+                      <dgm:presOf axis="self"/>
+                      <dgm:constrLst>
+                        <dgm:constr type="begPad"/>
+                        <dgm:constr type="endPad"/>
+                      </dgm:constrLst>
+                      <dgm:ruleLst/>
+                    </dgm:layoutNode>
+                  </dgm:if>
+                  <dgm:else name="Name49">
+                    <dgm:layoutNode name="Name50">
+                      <dgm:choose name="Name51">
+                        <dgm:if name="Name52" axis="self" func="depth" op="lte" val="2">
+                          <dgm:choose name="Name53">
+                            <dgm:if name="Name54" axis="par ch" ptType="node asst" func="cnt" op="gte" val="1">
+                              <dgm:alg type="conn">
+                                <dgm:param type="connRout" val="bend"/>
+                                <dgm:param type="dim" val="1D"/>
+                                <dgm:param type="endSty" val="noArr"/>
+                                <dgm:param type="begPts" val="bCtr"/>
+                                <dgm:param type="endPts" val="midL midR"/>
+                              </dgm:alg>
+                            </dgm:if>
+                            <dgm:else name="Name55">
+                              <dgm:alg type="conn">
+                                <dgm:param type="connRout" val="bend"/>
+                                <dgm:param type="dim" val="1D"/>
+                                <dgm:param type="endSty" val="noArr"/>
+                                <dgm:param type="begPts" val="bCtr"/>
+                                <dgm:param type="endPts" val="midL midR"/>
+                                <dgm:param type="srcNode" val="rootConnector1"/>
+                              </dgm:alg>
+                            </dgm:else>
+                          </dgm:choose>
+                        </dgm:if>
+                        <dgm:else name="Name56">
+                          <dgm:choose name="Name57">
+                            <dgm:if name="Name58" axis="par ch" ptType="node asst" func="cnt" op="gte" val="1">
+                              <dgm:alg type="conn">
+                                <dgm:param type="connRout" val="bend"/>
+                                <dgm:param type="dim" val="1D"/>
+                                <dgm:param type="endSty" val="noArr"/>
+                                <dgm:param type="begPts" val="bCtr"/>
+                                <dgm:param type="endPts" val="midL midR"/>
+                              </dgm:alg>
+                            </dgm:if>
+                            <dgm:else name="Name59">
+                              <dgm:alg type="conn">
+                                <dgm:param type="connRout" val="bend"/>
+                                <dgm:param type="dim" val="1D"/>
+                                <dgm:param type="endSty" val="noArr"/>
+                                <dgm:param type="begPts" val="bCtr"/>
+                                <dgm:param type="endPts" val="midL midR"/>
+                                <dgm:param type="srcNode" val="rootConnector"/>
+                              </dgm:alg>
+                            </dgm:else>
+                          </dgm:choose>
+                        </dgm:else>
+                      </dgm:choose>
+                      <dgm:shape xmlns:r="http://schemas.openxmlformats.org/officeDocument/2006/relationships" type="conn" r:blip="" zOrderOff="-99999">
+                        <dgm:adjLst/>
+                      </dgm:shape>
+                      <dgm:presOf axis="self"/>
+                      <dgm:constrLst>
+                        <dgm:constr type="begPad"/>
+                        <dgm:constr type="endPad"/>
+                      </dgm:constrLst>
+                      <dgm:ruleLst/>
+                    </dgm:layoutNode>
+                  </dgm:else>
+                </dgm:choose>
+              </dgm:forEach>
+              <dgm:layoutNode name="hierRoot2">
+                <dgm:varLst>
+                  <dgm:hierBranch val="init"/>
+                </dgm:varLst>
+                <dgm:choose name="Name60">
+                  <dgm:if name="Name61" func="var" arg="hierBranch" op="equ" val="l">
+                    <dgm:choose name="Name62">
+                      <dgm:if name="Name63" axis="ch" ptType="asst" func="cnt" op="gte" val="1">
+                        <dgm:alg type="hierRoot">
+                          <dgm:param type="hierAlign" val="tR"/>
+                        </dgm:alg>
+                        <dgm:shape xmlns:r="http://schemas.openxmlformats.org/officeDocument/2006/relationships" r:blip="">
+                          <dgm:adjLst/>
+                        </dgm:shape>
+                        <dgm:presOf/>
+                        <dgm:constrLst>
+                          <dgm:constr type="alignOff" val="0.65"/>
+                        </dgm:constrLst>
+                      </dgm:if>
+                      <dgm:else name="Name64">
+                        <dgm:alg type="hierRoot">
+                          <dgm:param type="hierAlign" val="tR"/>
+                        </dgm:alg>
+                        <dgm:shape xmlns:r="http://schemas.openxmlformats.org/officeDocument/2006/relationships" r:blip="">
+                          <dgm:adjLst/>
+                        </dgm:shape>
+                        <dgm:presOf/>
+                        <dgm:constrLst>
+                          <dgm:constr type="alignOff" val="0.25"/>
+                        </dgm:constrLst>
+                      </dgm:else>
+                    </dgm:choose>
+                  </dgm:if>
+                  <dgm:if name="Name65" func="var" arg="hierBranch" op="equ" val="r">
+                    <dgm:choose name="Name66">
+                      <dgm:if name="Name67" axis="ch" ptType="asst" func="cnt" op="gte" val="1">
+                        <dgm:alg type="hierRoot">
+                          <dgm:param type="hierAlign" val="tL"/>
+                        </dgm:alg>
+                        <dgm:shape xmlns:r="http://schemas.openxmlformats.org/officeDocument/2006/relationships" r:blip="">
+                          <dgm:adjLst/>
+                        </dgm:shape>
+                        <dgm:presOf/>
+                        <dgm:constrLst>
+                          <dgm:constr type="alignOff" val="0.65"/>
+                        </dgm:constrLst>
+                      </dgm:if>
+                      <dgm:else name="Name68">
+                        <dgm:alg type="hierRoot">
+                          <dgm:param type="hierAlign" val="tL"/>
+                        </dgm:alg>
+                        <dgm:shape xmlns:r="http://schemas.openxmlformats.org/officeDocument/2006/relationships" r:blip="">
+                          <dgm:adjLst/>
+                        </dgm:shape>
+                        <dgm:presOf/>
+                        <dgm:constrLst>
+                          <dgm:constr type="alignOff" val="0.25"/>
+                        </dgm:constrLst>
+                      </dgm:else>
+                    </dgm:choose>
+                  </dgm:if>
+                  <dgm:if name="Name69" func="var" arg="hierBranch" op="equ" val="std">
+                    <dgm:alg type="hierRoot"/>
+                    <dgm:shape xmlns:r="http://schemas.openxmlformats.org/officeDocument/2006/relationships" r:blip="">
+                      <dgm:adjLst/>
+                    </dgm:shape>
+                    <dgm:presOf/>
+                    <dgm:constrLst>
+                      <dgm:constr type="alignOff"/>
+                      <dgm:constr type="bendDist" for="des" ptType="parTrans" refType="sp" fact="0.5"/>
+                    </dgm:constrLst>
+                  </dgm:if>
+                  <dgm:if name="Name70" func="var" arg="hierBranch" op="equ" val="init">
+                    <dgm:choose name="Name71">
+                      <dgm:if name="Name72" axis="des" func="maxDepth" op="lte" val="1">
+                        <dgm:choose name="Name73">
+                          <dgm:if name="Name74" axis="ch" ptType="asst" func="cnt" op="gte" val="1">
+                            <dgm:alg type="hierRoot">
+                              <dgm:param type="hierAlign" val="tL"/>
+                            </dgm:alg>
+                            <dgm:shape xmlns:r="http://schemas.openxmlformats.org/officeDocument/2006/relationships" r:blip="">
+                              <dgm:adjLst/>
+                            </dgm:shape>
+                            <dgm:presOf/>
+                            <dgm:constrLst>
+                              <dgm:constr type="alignOff" val="0.65"/>
+                            </dgm:constrLst>
+                          </dgm:if>
+                          <dgm:else name="Name75">
+                            <dgm:alg type="hierRoot">
+                              <dgm:param type="hierAlign" val="tL"/>
+                            </dgm:alg>
+                            <dgm:shape xmlns:r="http://schemas.openxmlformats.org/officeDocument/2006/relationships" r:blip="">
+                              <dgm:adjLst/>
+                            </dgm:shape>
+                            <dgm:presOf/>
+                            <dgm:constrLst>
+                              <dgm:constr type="alignOff" val="0.25"/>
+                            </dgm:constrLst>
+                          </dgm:else>
+                        </dgm:choose>
+                      </dgm:if>
+                      <dgm:else name="Name76">
+                        <dgm:alg type="hierRoot"/>
+                        <dgm:shape xmlns:r="http://schemas.openxmlformats.org/officeDocument/2006/relationships" r:blip="">
+                          <dgm:adjLst/>
+                        </dgm:shape>
+                        <dgm:presOf/>
+                        <dgm:constrLst>
+                          <dgm:constr type="alignOff"/>
+                          <dgm:constr type="bendDist" for="des" ptType="parTrans" refType="sp" fact="0.5"/>
+                        </dgm:constrLst>
+                      </dgm:else>
+                    </dgm:choose>
+                  </dgm:if>
+                  <dgm:else name="Name77">
+                    <dgm:alg type="hierRoot"/>
+                    <dgm:shape xmlns:r="http://schemas.openxmlformats.org/officeDocument/2006/relationships" r:blip="">
+                      <dgm:adjLst/>
+                    </dgm:shape>
+                    <dgm:presOf/>
+                    <dgm:constrLst>
+                      <dgm:constr type="alignOff" val="0.65"/>
+                    </dgm:constrLst>
+                  </dgm:else>
+                </dgm:choose>
+                <dgm:ruleLst/>
+                <dgm:layoutNode name="rootComposite">
+                  <dgm:alg type="composite"/>
+                  <dgm:shape xmlns:r="http://schemas.openxmlformats.org/officeDocument/2006/relationships" r:blip="">
+                    <dgm:adjLst/>
+                  </dgm:shape>
+                  <dgm:presOf axis="self" ptType="node" cnt="1"/>
+                  <dgm:choose name="Name78">
+                    <dgm:if name="Name79" func="var" arg="hierBranch" op="equ" val="init">
+                      <dgm:constrLst>
+                        <dgm:constr type="l" for="ch" forName="rootText"/>
+                        <dgm:constr type="t" for="ch" forName="rootText"/>
+                        <dgm:constr type="w" for="ch" forName="rootText" refType="w"/>
+                        <dgm:constr type="h" for="ch" forName="rootText" refType="h"/>
+                        <dgm:constr type="l" for="ch" forName="rootConnector"/>
+                        <dgm:constr type="t" for="ch" forName="rootConnector"/>
+                        <dgm:constr type="w" for="ch" forName="rootConnector" refType="w" refFor="ch" refForName="rootText" fact="0.2"/>
+                        <dgm:constr type="h" for="ch" forName="rootConnector" refType="h" refFor="ch" refForName="rootText"/>
+                      </dgm:constrLst>
+                    </dgm:if>
+                    <dgm:if name="Name80" func="var" arg="hierBranch" op="equ" val="l">
+                      <dgm:constrLst>
+                        <dgm:constr type="l" for="ch" forName="rootText"/>
+                        <dgm:constr type="t" for="ch" forName="rootText"/>
+                        <dgm:constr type="w" for="ch" forName="rootText" refType="w"/>
+                        <dgm:constr type="h" for="ch" forName="rootText" refType="h"/>
+                        <dgm:constr type="r" for="ch" forName="rootConnector" refType="w"/>
+                        <dgm:constr type="t" for="ch" forName="rootConnector"/>
+                        <dgm:constr type="w" for="ch" forName="rootConnector" refType="w" refFor="ch" refForName="rootText" fact="0.2"/>
+                        <dgm:constr type="h" for="ch" forName="rootConnector" refType="h" refFor="ch" refForName="rootText"/>
+                      </dgm:constrLst>
+                    </dgm:if>
+                    <dgm:if name="Name81" func="var" arg="hierBranch" op="equ" val="r">
+                      <dgm:constrLst>
+                        <dgm:constr type="l" for="ch" forName="rootText"/>
+                        <dgm:constr type="t" for="ch" forName="rootText"/>
+                        <dgm:constr type="w" for="ch" forName="rootText" refType="w"/>
+                        <dgm:constr type="h" for="ch" forName="rootText" refType="h"/>
+                        <dgm:constr type="l" for="ch" forName="rootConnector"/>
+                        <dgm:constr type="t" for="ch" forName="rootConnector"/>
+                        <dgm:constr type="w" for="ch" forName="rootConnector" refType="w" refFor="ch" refForName="rootText" fact="0.2"/>
+                        <dgm:constr type="h" for="ch" forName="rootConnector" refType="h" refFor="ch" refForName="rootText"/>
+                      </dgm:constrLst>
+                    </dgm:if>
+                    <dgm:else name="Name82">
+                      <dgm:constrLst>
+                        <dgm:constr type="l" for="ch" forName="rootText"/>
+                        <dgm:constr type="t" for="ch" forName="rootText"/>
+                        <dgm:constr type="w" for="ch" forName="rootText" refType="w"/>
+                        <dgm:constr type="h" for="ch" forName="rootText" refType="h"/>
+                        <dgm:constr type="r" for="ch" forName="rootConnector" refType="w"/>
+                        <dgm:constr type="t" for="ch" forName="rootConnector"/>
+                        <dgm:constr type="w" for="ch" forName="rootConnector" refType="w" refFor="ch" refForName="rootText" fact="0.2"/>
+                        <dgm:constr type="h" for="ch" forName="rootConnector" refType="h" refFor="ch" refForName="rootText"/>
+                      </dgm:constrLst>
+                    </dgm:else>
+                  </dgm:choose>
+                  <dgm:ruleLst/>
+                  <dgm:layoutNode name="rootText">
+                    <dgm:varLst>
+                      <dgm:chPref val="3"/>
+                    </dgm:varLst>
+                    <dgm:alg type="tx"/>
+                    <dgm:shape xmlns:r="http://schemas.openxmlformats.org/officeDocument/2006/relationships" type="rect" r:blip="">
+                      <dgm:adjLst/>
+                    </dgm:shape>
+                    <dgm:presOf axis="self" ptType="node" cnt="1"/>
+                    <dgm:constrLst>
+                      <dgm:constr type="primFontSz" val="65"/>
+                      <dgm:constr type="lMarg" refType="primFontSz" fact="0.05"/>
+                      <dgm:constr type="rMarg" refType="primFontSz" fact="0.05"/>
+                      <dgm:constr type="tMarg" refType="primFontSz" fact="0.05"/>
+                      <dgm:constr type="bMarg" refType="primFontSz" fact="0.05"/>
+                    </dgm:constrLst>
+                    <dgm:ruleLst>
+                      <dgm:rule type="primFontSz" val="5" fact="NaN" max="NaN"/>
+                    </dgm:ruleLst>
+                  </dgm:layoutNode>
+                  <dgm:layoutNode name="rootConnector" moveWith="rootText">
+                    <dgm:alg type="sp"/>
+                    <dgm:shape xmlns:r="http://schemas.openxmlformats.org/officeDocument/2006/relationships" type="rect" r:blip="" hideGeom="1">
+                      <dgm:adjLst/>
+                    </dgm:shape>
+                    <dgm:presOf axis="self" ptType="node" cnt="1"/>
+                    <dgm:constrLst/>
+                    <dgm:ruleLst/>
+                  </dgm:layoutNode>
+                </dgm:layoutNode>
+                <dgm:layoutNode name="hierChild4">
+                  <dgm:choose name="Name83">
+                    <dgm:if name="Name84" func="var" arg="hierBranch" op="equ" val="l">
+                      <dgm:alg type="hierChild">
+                        <dgm:param type="chAlign" val="r"/>
+                        <dgm:param type="linDir" val="fromT"/>
+                      </dgm:alg>
+                    </dgm:if>
+                    <dgm:if name="Name85" func="var" arg="hierBranch" op="equ" val="r">
+                      <dgm:alg type="hierChild">
+                        <dgm:param type="chAlign" val="l"/>
+                        <dgm:param type="linDir" val="fromT"/>
+                      </dgm:alg>
+                    </dgm:if>
+                    <dgm:if name="Name86" func="var" arg="hierBranch" op="equ" val="hang">
+                      <dgm:choose name="Name87">
+                        <dgm:if name="Name88" func="var" arg="dir" op="equ" val="norm">
+                          <dgm:alg type="hierChild">
+                            <dgm:param type="chAlign" val="l"/>
+                            <dgm:param type="linDir" val="fromL"/>
+                            <dgm:param type="secChAlign" val="t"/>
+                            <dgm:param type="secLinDir" val="fromT"/>
+                          </dgm:alg>
+                        </dgm:if>
+                        <dgm:else name="Name89">
+                          <dgm:alg type="hierChild">
+                            <dgm:param type="chAlign" val="l"/>
+                            <dgm:param type="linDir" val="fromR"/>
+                            <dgm:param type="secChAlign" val="t"/>
+                            <dgm:param type="secLinDir" val="fromT"/>
+                          </dgm:alg>
+                        </dgm:else>
+                      </dgm:choose>
+                    </dgm:if>
+                    <dgm:if name="Name90" func="var" arg="hierBranch" op="equ" val="std">
+                      <dgm:choose name="Name91">
+                        <dgm:if name="Name92" func="var" arg="dir" op="equ" val="norm">
+                          <dgm:alg type="hierChild"/>
+                        </dgm:if>
+                        <dgm:else name="Name93">
+                          <dgm:alg type="hierChild">
+                            <dgm:param type="linDir" val="fromR"/>
+                          </dgm:alg>
+                        </dgm:else>
+                      </dgm:choose>
+                    </dgm:if>
+                    <dgm:if name="Name94" func="var" arg="hierBranch" op="equ" val="init">
+                      <dgm:choose name="Name95">
+                        <dgm:if name="Name96" axis="des" func="maxDepth" op="lte" val="1">
+                          <dgm:alg type="hierChild">
+                            <dgm:param type="chAlign" val="l"/>
+                            <dgm:param type="linDir" val="fromT"/>
+                          </dgm:alg>
+                        </dgm:if>
+                        <dgm:else name="Name97">
+                          <dgm:choose name="Name98">
+                            <dgm:if name="Name99" func="var" arg="dir" op="equ" val="norm">
+                              <dgm:alg type="hierChild"/>
+                            </dgm:if>
+                            <dgm:else name="Name100">
+                              <dgm:alg type="hierChild">
+                                <dgm:param type="linDir" val="fromR"/>
+                              </dgm:alg>
+                            </dgm:else>
+                          </dgm:choose>
+                        </dgm:else>
+                      </dgm:choose>
+                    </dgm:if>
+                    <dgm:else name="Name101"/>
+                  </dgm:choose>
+                  <dgm:shape xmlns:r="http://schemas.openxmlformats.org/officeDocument/2006/relationships" r:blip="">
+                    <dgm:adjLst/>
+                  </dgm:shape>
+                  <dgm:presOf/>
+                  <dgm:constrLst/>
+                  <dgm:ruleLst/>
+                  <dgm:forEach name="Name102" ref="rep2a"/>
+                </dgm:layoutNode>
+                <dgm:layoutNode name="hierChild5">
+                  <dgm:choose name="Name103">
+                    <dgm:if name="Name104" func="var" arg="dir" op="equ" val="norm">
+                      <dgm:alg type="hierChild">
+                        <dgm:param type="chAlign" val="l"/>
+                        <dgm:param type="linDir" val="fromL"/>
+                        <dgm:param type="secChAlign" val="t"/>
+                        <dgm:param type="secLinDir" val="fromT"/>
+                      </dgm:alg>
+                    </dgm:if>
+                    <dgm:else name="Name105">
+                      <dgm:alg type="hierChild">
+                        <dgm:param type="chAlign" val="l"/>
+                        <dgm:param type="linDir" val="fromR"/>
+                        <dgm:param type="secChAlign" val="t"/>
+                        <dgm:param type="secLinDir" val="fromT"/>
+                      </dgm:alg>
+                    </dgm:else>
+                  </dgm:choose>
+                  <dgm:shape xmlns:r="http://schemas.openxmlformats.org/officeDocument/2006/relationships" r:blip="">
+                    <dgm:adjLst/>
+                  </dgm:shape>
+                  <dgm:presOf/>
+                  <dgm:constrLst/>
+                  <dgm:ruleLst/>
+                  <dgm:forEach name="Name106" ref="rep2b"/>
+                </dgm:layoutNode>
+              </dgm:layoutNode>
+            </dgm:forEach>
+          </dgm:layoutNode>
+          <dgm:layoutNode name="hierChild3">
+            <dgm:choose name="Name107">
+              <dgm:if name="Name108" func="var" arg="dir" op="equ" val="norm">
+                <dgm:alg type="hierChild">
+                  <dgm:param type="chAlign" val="l"/>
+                  <dgm:param type="linDir" val="fromL"/>
+                  <dgm:param type="secChAlign" val="t"/>
+                  <dgm:param type="secLinDir" val="fromT"/>
+                </dgm:alg>
+              </dgm:if>
+              <dgm:else name="Name109">
+                <dgm:alg type="hierChild">
+                  <dgm:param type="chAlign" val="l"/>
+                  <dgm:param type="linDir" val="fromR"/>
+                  <dgm:param type="secChAlign" val="t"/>
+                  <dgm:param type="secLinDir" val="fromT"/>
+                </dgm:alg>
+              </dgm:else>
+            </dgm:choose>
+            <dgm:shape xmlns:r="http://schemas.openxmlformats.org/officeDocument/2006/relationships" r:blip="">
+              <dgm:adjLst/>
+            </dgm:shape>
+            <dgm:presOf/>
+            <dgm:constrLst/>
+            <dgm:ruleLst/>
+            <dgm:forEach name="rep2b" axis="ch" ptType="asst">
+              <dgm:forEach name="Name110" axis="precedSib" ptType="parTrans" st="-1" cnt="1">
+                <dgm:layoutNode name="Name111">
+                  <dgm:alg type="conn">
+                    <dgm:param type="connRout" val="bend"/>
+                    <dgm:param type="dim" val="1D"/>
+                    <dgm:param type="endSty" val="noArr"/>
+                    <dgm:param type="begPts" val="bCtr"/>
+                    <dgm:param type="endPts" val="midL midR"/>
+                  </dgm:alg>
+                  <dgm:shape xmlns:r="http://schemas.openxmlformats.org/officeDocument/2006/relationships" type="conn" r:blip="" zOrderOff="-99999">
+                    <dgm:adjLst/>
+                  </dgm:shape>
+                  <dgm:presOf axis="self"/>
+                  <dgm:constrLst>
+                    <dgm:constr type="begPad"/>
+                    <dgm:constr type="endPad"/>
+                  </dgm:constrLst>
+                  <dgm:ruleLst/>
+                </dgm:layoutNode>
+              </dgm:forEach>
+              <dgm:layoutNode name="hierRoot3">
+                <dgm:varLst>
+                  <dgm:hierBranch val="init"/>
+                </dgm:varLst>
+                <dgm:choose name="Name112">
+                  <dgm:if name="Name113" func="var" arg="hierBranch" op="equ" val="l">
+                    <dgm:alg type="hierRoot">
+                      <dgm:param type="hierAlign" val="tR"/>
+                    </dgm:alg>
+                    <dgm:shape xmlns:r="http://schemas.openxmlformats.org/officeDocument/2006/relationships" r:blip="">
+                      <dgm:adjLst/>
+                    </dgm:shape>
+                    <dgm:presOf/>
+                    <dgm:constrLst>
+                      <dgm:constr type="alignOff" val="0.65"/>
+                    </dgm:constrLst>
+                  </dgm:if>
+                  <dgm:if name="Name114" func="var" arg="hierBranch" op="equ" val="r">
+                    <dgm:alg type="hierRoot">
+                      <dgm:param type="hierAlign" val="tL"/>
+                    </dgm:alg>
+                    <dgm:shape xmlns:r="http://schemas.openxmlformats.org/officeDocument/2006/relationships" r:blip="">
+                      <dgm:adjLst/>
+                    </dgm:shape>
+                    <dgm:presOf/>
+                    <dgm:constrLst>
+                      <dgm:constr type="alignOff" val="0.65"/>
+                    </dgm:constrLst>
+                  </dgm:if>
+                  <dgm:if name="Name115" func="var" arg="hierBranch" op="equ" val="hang">
+                    <dgm:alg type="hierRoot"/>
+                    <dgm:shape xmlns:r="http://schemas.openxmlformats.org/officeDocument/2006/relationships" r:blip="">
+                      <dgm:adjLst/>
+                    </dgm:shape>
+                    <dgm:presOf/>
+                    <dgm:constrLst>
+                      <dgm:constr type="alignOff" val="0.65"/>
+                    </dgm:constrLst>
+                  </dgm:if>
+                  <dgm:if name="Name116" func="var" arg="hierBranch" op="equ" val="std">
+                    <dgm:alg type="hierRoot"/>
+                    <dgm:shape xmlns:r="http://schemas.openxmlformats.org/officeDocument/2006/relationships" r:blip="">
+                      <dgm:adjLst/>
+                    </dgm:shape>
+                    <dgm:presOf/>
+                    <dgm:constrLst>
+                      <dgm:constr type="alignOff"/>
+                      <dgm:constr type="bendDist" for="des" ptType="parTrans" refType="sp" fact="0.5"/>
+                    </dgm:constrLst>
+                  </dgm:if>
+                  <dgm:if name="Name117" func="var" arg="hierBranch" op="equ" val="init">
+                    <dgm:choose name="Name118">
+                      <dgm:if name="Name119" axis="des" func="maxDepth" op="lte" val="1">
+                        <dgm:alg type="hierRoot">
+                          <dgm:param type="hierAlign" val="tL"/>
+                        </dgm:alg>
+                        <dgm:shape xmlns:r="http://schemas.openxmlformats.org/officeDocument/2006/relationships" r:blip="">
+                          <dgm:adjLst/>
+                        </dgm:shape>
+                        <dgm:presOf/>
+                        <dgm:constrLst>
+                          <dgm:constr type="alignOff" val="0.65"/>
+                        </dgm:constrLst>
+                      </dgm:if>
+                      <dgm:else name="Name120">
+                        <dgm:alg type="hierRoot"/>
+                        <dgm:shape xmlns:r="http://schemas.openxmlformats.org/officeDocument/2006/relationships" r:blip="">
+                          <dgm:adjLst/>
+                        </dgm:shape>
+                        <dgm:presOf/>
+                        <dgm:constrLst>
+                          <dgm:constr type="alignOff"/>
+                          <dgm:constr type="bendDist" for="des" ptType="parTrans" refType="sp" fact="0.5"/>
+                        </dgm:constrLst>
+                      </dgm:else>
+                    </dgm:choose>
+                  </dgm:if>
+                  <dgm:else name="Name121"/>
+                </dgm:choose>
+                <dgm:ruleLst/>
+                <dgm:layoutNode name="rootComposite3">
+                  <dgm:alg type="composite"/>
+                  <dgm:shape xmlns:r="http://schemas.openxmlformats.org/officeDocument/2006/relationships" r:blip="">
+                    <dgm:adjLst/>
+                  </dgm:shape>
+                  <dgm:presOf axis="self" ptType="node" cnt="1"/>
+                  <dgm:choose name="Name122">
+                    <dgm:if name="Name123" func="var" arg="hierBranch" op="equ" val="init">
+                      <dgm:constrLst>
+                        <dgm:constr type="l" for="ch" forName="rootText3"/>
+                        <dgm:constr type="t" for="ch" forName="rootText3"/>
+                        <dgm:constr type="w" for="ch" forName="rootText3" refType="w"/>
+                        <dgm:constr type="h" for="ch" forName="rootText3" refType="h"/>
+                        <dgm:constr type="l" for="ch" forName="rootConnector3"/>
+                        <dgm:constr type="t" for="ch" forName="rootConnector3"/>
+                        <dgm:constr type="w" for="ch" forName="rootConnector3" refType="w" refFor="ch" refForName="rootText3" fact="0.2"/>
+                        <dgm:constr type="h" for="ch" forName="rootConnector3" refType="h" refFor="ch" refForName="rootText3"/>
+                      </dgm:constrLst>
+                    </dgm:if>
+                    <dgm:if name="Name124" func="var" arg="hierBranch" op="equ" val="l">
+                      <dgm:constrLst>
+                        <dgm:constr type="l" for="ch" forName="rootText3"/>
+                        <dgm:constr type="t" for="ch" forName="rootText3"/>
+                        <dgm:constr type="w" for="ch" forName="rootText3" refType="w"/>
+                        <dgm:constr type="h" for="ch" forName="rootText3" refType="h"/>
+                        <dgm:constr type="r" for="ch" forName="rootConnector3" refType="w"/>
+                        <dgm:constr type="t" for="ch" forName="rootConnector3"/>
+                        <dgm:constr type="w" for="ch" forName="rootConnector3" refType="w" refFor="ch" refForName="rootText3" fact="0.2"/>
+                        <dgm:constr type="h" for="ch" forName="rootConnector3" refType="h" refFor="ch" refForName="rootText3"/>
+                      </dgm:constrLst>
+                    </dgm:if>
+                    <dgm:if name="Name125" func="var" arg="hierBranch" op="equ" val="r">
+                      <dgm:constrLst>
+                        <dgm:constr type="l" for="ch" forName="rootText3"/>
+                        <dgm:constr type="t" for="ch" forName="rootText3"/>
+                        <dgm:constr type="w" for="ch" forName="rootText3" refType="w"/>
+                        <dgm:constr type="h" for="ch" forName="rootText3" refType="h"/>
+                        <dgm:constr type="l" for="ch" forName="rootConnector3"/>
+                        <dgm:constr type="t" for="ch" forName="rootConnector3"/>
+                        <dgm:constr type="w" for="ch" forName="rootConnector3" refType="w" refFor="ch" refForName="rootText3" fact="0.2"/>
+                        <dgm:constr type="h" for="ch" forName="rootConnector3" refType="h" refFor="ch" refForName="rootText3"/>
+                      </dgm:constrLst>
+                    </dgm:if>
+                    <dgm:else name="Name126">
+                      <dgm:constrLst>
+                        <dgm:constr type="l" for="ch" forName="rootText3"/>
+                        <dgm:constr type="t" for="ch" forName="rootText3"/>
+                        <dgm:constr type="w" for="ch" forName="rootText3" refType="w"/>
+                        <dgm:constr type="h" for="ch" forName="rootText3" refType="h"/>
+                        <dgm:constr type="r" for="ch" forName="rootConnector3" refType="w"/>
+                        <dgm:constr type="t" for="ch" forName="rootConnector3"/>
+                        <dgm:constr type="w" for="ch" forName="rootConnector3" refType="w" refFor="ch" refForName="rootText3" fact="0.2"/>
+                        <dgm:constr type="h" for="ch" forName="rootConnector3" refType="h" refFor="ch" refForName="rootText3"/>
+                      </dgm:constrLst>
+                    </dgm:else>
+                  </dgm:choose>
+                  <dgm:ruleLst/>
+                  <dgm:layoutNode name="rootText3">
+                    <dgm:varLst>
+                      <dgm:chPref val="3"/>
+                    </dgm:varLst>
+                    <dgm:alg type="tx"/>
+                    <dgm:shape xmlns:r="http://schemas.openxmlformats.org/officeDocument/2006/relationships" type="rect" r:blip="">
+                      <dgm:adjLst/>
+                    </dgm:shape>
+                    <dgm:presOf axis="self" ptType="node" cnt="1"/>
+                    <dgm:constrLst>
+                      <dgm:constr type="primFontSz" val="65"/>
+                      <dgm:constr type="lMarg" refType="primFontSz" fact="0.05"/>
+                      <dgm:constr type="rMarg" refType="primFontSz" fact="0.05"/>
+                      <dgm:constr type="tMarg" refType="primFontSz" fact="0.05"/>
+                      <dgm:constr type="bMarg" refType="primFontSz" fact="0.05"/>
+                    </dgm:constrLst>
+                    <dgm:ruleLst>
+                      <dgm:rule type="primFontSz" val="5" fact="NaN" max="NaN"/>
+                    </dgm:ruleLst>
+                  </dgm:layoutNode>
+                  <dgm:layoutNode name="rootConnector3" moveWith="rootText1">
+                    <dgm:alg type="sp"/>
+                    <dgm:shape xmlns:r="http://schemas.openxmlformats.org/officeDocument/2006/relationships" type="rect" r:blip="" hideGeom="1">
+                      <dgm:adjLst/>
+                    </dgm:shape>
+                    <dgm:presOf axis="self" ptType="node" cnt="1"/>
+                    <dgm:constrLst/>
+                    <dgm:ruleLst/>
+                  </dgm:layoutNode>
+                </dgm:layoutNode>
+                <dgm:layoutNode name="hierChild6">
+                  <dgm:choose name="Name127">
+                    <dgm:if name="Name128" func="var" arg="hierBranch" op="equ" val="l">
+                      <dgm:alg type="hierChild">
+                        <dgm:param type="chAlign" val="r"/>
+                        <dgm:param type="linDir" val="fromT"/>
+                      </dgm:alg>
+                    </dgm:if>
+                    <dgm:if name="Name129" func="var" arg="hierBranch" op="equ" val="r">
+                      <dgm:alg type="hierChild">
+                        <dgm:param type="chAlign" val="l"/>
+                        <dgm:param type="linDir" val="fromT"/>
+                      </dgm:alg>
+                    </dgm:if>
+                    <dgm:if name="Name130" func="var" arg="hierBranch" op="equ" val="hang">
+                      <dgm:choose name="Name131">
+                        <dgm:if name="Name132" func="var" arg="dir" op="equ" val="norm">
+                          <dgm:alg type="hierChild">
+                            <dgm:param type="chAlign" val="l"/>
+                            <dgm:param type="linDir" val="fromL"/>
+                            <dgm:param type="secChAlign" val="t"/>
+                            <dgm:param type="secLinDir" val="fromT"/>
+                          </dgm:alg>
+                        </dgm:if>
+                        <dgm:else name="Name133">
+                          <dgm:alg type="hierChild">
+                            <dgm:param type="chAlign" val="l"/>
+                            <dgm:param type="linDir" val="fromR"/>
+                            <dgm:param type="secChAlign" val="t"/>
+                            <dgm:param type="secLinDir" val="fromT"/>
+                          </dgm:alg>
+                        </dgm:else>
+                      </dgm:choose>
+                    </dgm:if>
+                    <dgm:if name="Name134" func="var" arg="hierBranch" op="equ" val="std">
+                      <dgm:choose name="Name135">
+                        <dgm:if name="Name136" func="var" arg="dir" op="equ" val="norm">
+                          <dgm:alg type="hierChild"/>
+                        </dgm:if>
+                        <dgm:else name="Name137">
+                          <dgm:alg type="hierChild">
+                            <dgm:param type="linDir" val="fromR"/>
+                          </dgm:alg>
+                        </dgm:else>
+                      </dgm:choose>
+                    </dgm:if>
+                    <dgm:if name="Name138" func="var" arg="hierBranch" op="equ" val="init">
+                      <dgm:choose name="Name139">
+                        <dgm:if name="Name140" axis="des" func="maxDepth" op="lte" val="1">
+                          <dgm:alg type="hierChild">
+                            <dgm:param type="chAlign" val="l"/>
+                            <dgm:param type="linDir" val="fromT"/>
+                          </dgm:alg>
+                        </dgm:if>
+                        <dgm:else name="Name141">
+                          <dgm:alg type="hierChild"/>
+                        </dgm:else>
+                      </dgm:choose>
+                    </dgm:if>
+                    <dgm:else name="Name142"/>
+                  </dgm:choose>
+                  <dgm:shape xmlns:r="http://schemas.openxmlformats.org/officeDocument/2006/relationships" r:blip="">
+                    <dgm:adjLst/>
+                  </dgm:shape>
+                  <dgm:presOf/>
+                  <dgm:constrLst/>
+                  <dgm:ruleLst/>
+                  <dgm:forEach name="Name143" ref="rep2a"/>
+                </dgm:layoutNode>
+                <dgm:layoutNode name="hierChild7">
+                  <dgm:choose name="Name144">
+                    <dgm:if name="Name145" func="var" arg="dir" op="equ" val="norm">
+                      <dgm:alg type="hierChild">
+                        <dgm:param type="chAlign" val="l"/>
+                        <dgm:param type="linDir" val="fromL"/>
+                        <dgm:param type="secChAlign" val="t"/>
+                        <dgm:param type="secLinDir" val="fromT"/>
+                      </dgm:alg>
+                    </dgm:if>
+                    <dgm:else name="Name146">
+                      <dgm:alg type="hierChild">
+                        <dgm:param type="chAlign" val="l"/>
+                        <dgm:param type="linDir" val="fromR"/>
+                        <dgm:param type="secChAlign" val="t"/>
+                        <dgm:param type="secLinDir" val="fromT"/>
+                      </dgm:alg>
+                    </dgm:else>
+                  </dgm:choose>
+                  <dgm:shape xmlns:r="http://schemas.openxmlformats.org/officeDocument/2006/relationships" r:blip="">
+                    <dgm:adjLst/>
+                  </dgm:shape>
+                  <dgm:presOf/>
+                  <dgm:constrLst/>
+                  <dgm:ruleLst/>
+                  <dgm:forEach name="Name147" ref="rep2b"/>
+                </dgm:layoutNode>
+              </dgm:layoutNode>
+            </dgm:forEach>
+          </dgm:layoutNode>
+        </dgm:layoutNode>
+      </dgm:forEach>
+    </dgm:forEach>
+  </dgm:layoutNode>
+</dgm:layoutDef>
+</file>
+
+<file path=ppt/diagrams/quickStyle1.xml><?xml version="1.0" encoding="utf-8"?>
+<dgm:styleDef xmlns:dgm="http://schemas.openxmlformats.org/drawingml/2006/diagram" xmlns:a="http://schemas.openxmlformats.org/drawingml/2006/main" uniqueId="urn:microsoft.com/office/officeart/2005/8/quickstyle/simple1">
+  <dgm:title val=""/>
+  <dgm:desc val=""/>
+  <dgm:catLst>
+    <dgm:cat type="simple" pri="10100"/>
+  </dgm:catLst>
+  <dgm:scene3d>
+    <a:camera prst="orthographicFront"/>
+    <a:lightRig rig="threePt" dir="t"/>
+  </dgm:scene3d>
+  <dgm:styleLbl name="node0">
+    <dgm:scene3d>
+      <a:camera prst="orthographicFront"/>
+      <a:lightRig rig="threePt" dir="t"/>
+    </dgm:scene3d>
+    <dgm:sp3d/>
+    <dgm:txPr/>
+    <dgm:style>
+      <a:lnRef idx="2">
+        <a:scrgbClr r="0" g="0" b="0"/>
+      </a:lnRef>
+      <a:fillRef idx="1">
+        <a:scrgbClr r="0" g="0" b="0"/>
+      </a:fillRef>
+      <a:effectRef idx="0">
+        <a:scrgbClr r="0" g="0" b="0"/>
+      </a:effectRef>
+      <a:fontRef idx="minor">
+        <a:schemeClr val="lt1"/>
+      </a:fontRef>
+    </dgm:style>
+  </dgm:styleLbl>
+  <dgm:styleLbl name="lnNode1">
+    <dgm:scene3d>
+      <a:camera prst="orthographicFront"/>
+      <a:lightRig rig="threePt" dir="t"/>
+    </dgm:scene3d>
+    <dgm:sp3d/>
+    <dgm:txPr/>
+    <dgm:style>
+      <a:lnRef idx="2">
+        <a:scrgbClr r="0" g="0" b="0"/>
+      </a:lnRef>
+      <a:fillRef idx="1">
+        <a:scrgbClr r="0" g="0" b="0"/>
+      </a:fillRef>
+      <a:effectRef idx="0">
+        <a:scrgbClr r="0" g="0" b="0"/>
+      </a:effectRef>
+      <a:fontRef idx="minor">
+        <a:schemeClr val="lt1"/>
+      </a:fontRef>
+    </dgm:style>
+  </dgm:styleLbl>
+  <dgm:styleLbl name="vennNode1">
+    <dgm:scene3d>
+      <a:camera prst="orthographicFront"/>
+      <a:lightRig rig="threePt" dir="t"/>
+    </dgm:scene3d>
+    <dgm:sp3d/>
+    <dgm:txPr/>
+    <dgm:style>
+      <a:lnRef idx="2">
+        <a:scrgbClr r="0" g="0" b="0"/>
+      </a:lnRef>
+      <a:fillRef idx="1">
+        <a:scrgbClr r="0" g="0" b="0"/>
+      </a:fillRef>
+      <a:effectRef idx="0">
+        <a:scrgbClr r="0" g="0" b="0"/>
+      </a:effectRef>
+      <a:fontRef idx="minor">
+        <a:schemeClr val="tx1"/>
+      </a:fontRef>
+    </dgm:style>
+  </dgm:styleLbl>
+  <dgm:styleLbl name="alignNode1">
+    <dgm:scene3d>
+      <a:camera prst="orthographicFront"/>
+      <a:lightRig rig="threePt" dir="t"/>
+    </dgm:scene3d>
+    <dgm:sp3d/>
+    <dgm:txPr/>
+    <dgm:style>
+      <a:lnRef idx="2">
+        <a:scrgbClr r="0" g="0" b="0"/>
+      </a:lnRef>
+      <a:fillRef idx="1">
+        <a:scrgbClr r="0" g="0" b="0"/>
+      </a:fillRef>
+      <a:effectRef idx="0">
+        <a:scrgbClr r="0" g="0" b="0"/>
+      </a:effectRef>
+      <a:fontRef idx="minor">
+        <a:schemeClr val="lt1"/>
+      </a:fontRef>
+    </dgm:style>
+  </dgm:styleLbl>
+  <dgm:styleLbl name="node1">
+    <dgm:scene3d>
+      <a:camera prst="orthographicFront"/>
+      <a:lightRig rig="threePt" dir="t"/>
+    </dgm:scene3d>
+    <dgm:sp3d/>
+    <dgm:txPr/>
+    <dgm:style>
+      <a:lnRef idx="2">
+        <a:scrgbClr r="0" g="0" b="0"/>
+      </a:lnRef>
+      <a:fillRef idx="1">
+        <a:scrgbClr r="0" g="0" b="0"/>
+      </a:fillRef>
+      <a:effectRef idx="0">
+        <a:scrgbClr r="0" g="0" b="0"/>
+      </a:effectRef>
+      <a:fontRef idx="minor">
+        <a:schemeClr val="lt1"/>
+      </a:fontRef>
+    </dgm:style>
+  </dgm:styleLbl>
+  <dgm:styleLbl name="node2">
+    <dgm:scene3d>
+      <a:camera prst="orthographicFront"/>
+      <a:lightRig rig="threePt" dir="t"/>
+    </dgm:scene3d>
+    <dgm:sp3d/>
+    <dgm:txPr/>
+    <dgm:style>
+      <a:lnRef idx="2">
+        <a:scrgbClr r="0" g="0" b="0"/>
+      </a:lnRef>
+      <a:fillRef idx="1">
+        <a:scrgbClr r="0" g="0" b="0"/>
+      </a:fillRef>
+      <a:effectRef idx="0">
+        <a:scrgbClr r="0" g="0" b="0"/>
+      </a:effectRef>
+      <a:fontRef idx="minor">
+        <a:schemeClr val="lt1"/>
+      </a:fontRef>
+    </dgm:style>
+  </dgm:styleLbl>
+  <dgm:styleLbl name="node3">
+    <dgm:scene3d>
+      <a:camera prst="orthographicFront"/>
+      <a:lightRig rig="threePt" dir="t"/>
+    </dgm:scene3d>
+    <dgm:sp3d/>
+    <dgm:txPr/>
+    <dgm:style>
+      <a:lnRef idx="2">
+        <a:scrgbClr r="0" g="0" b="0"/>
+      </a:lnRef>
+      <a:fillRef idx="1">
+        <a:scrgbClr r="0" g="0" b="0"/>
+      </a:fillRef>
+      <a:effectRef idx="0">
+        <a:scrgbClr r="0" g="0" b="0"/>
+      </a:effectRef>
+      <a:fontRef idx="minor">
+        <a:schemeClr val="lt1"/>
+      </a:fontRef>
+    </dgm:style>
+  </dgm:styleLbl>
+  <dgm:styleLbl name="node4">
+    <dgm:scene3d>
+      <a:camera prst="orthographicFront"/>
+      <a:lightRig rig="threePt" dir="t"/>
+    </dgm:scene3d>
+    <dgm:sp3d/>
+    <dgm:txPr/>
+    <dgm:style>
+      <a:lnRef idx="2">
+        <a:scrgbClr r="0" g="0" b="0"/>
+      </a:lnRef>
+      <a:fillRef idx="1">
+        <a:scrgbClr r="0" g="0" b="0"/>
+      </a:fillRef>
+      <a:effectRef idx="0">
+        <a:scrgbClr r="0" g="0" b="0"/>
+      </a:effectRef>
+      <a:fontRef idx="minor">
+        <a:schemeClr val="lt1"/>
+      </a:fontRef>
+    </dgm:style>
+  </dgm:styleLbl>
+  <dgm:styleLbl name="fgImgPlace1">
+    <dgm:scene3d>
+      <a:camera prst="orthographicFront"/>
+      <a:lightRig rig="threePt" dir="t"/>
+    </dgm:scene3d>
+    <dgm:sp3d/>
+    <dgm:txPr/>
+    <dgm:style>
+      <a:lnRef idx="2">
+        <a:scrgbClr r="0" g="0" b="0"/>
+      </a:lnRef>
+      <a:fillRef idx="1">
+        <a:scrgbClr r="0" g="0" b="0"/>
+      </a:fillRef>
+      <a:effectRef idx="0">
+        <a:scrgbClr r="0" g="0" b="0"/>
+      </a:effectRef>
+      <a:fontRef idx="minor"/>
+    </dgm:style>
+  </dgm:styleLbl>
+  <dgm:styleLbl name="alignImgPlace1">
+    <dgm:scene3d>
+      <a:camera prst="orthographicFront"/>
+      <a:lightRig rig="threePt" dir="t"/>
+    </dgm:scene3d>
+    <dgm:sp3d/>
+    <dgm:txPr/>
+    <dgm:style>
+      <a:lnRef idx="2">
+        <a:scrgbClr r="0" g="0" b="0"/>
+      </a:lnRef>
+      <a:fillRef idx="1">
+        <a:scrgbClr r="0" g="0" b="0"/>
+      </a:fillRef>
+      <a:effectRef idx="0">
+        <a:scrgbClr r="0" g="0" b="0"/>
+      </a:effectRef>
+      <a:fontRef idx="minor"/>
+    </dgm:style>
+  </dgm:styleLbl>
+  <dgm:styleLbl name="bgImgPlace1">
+    <dgm:scene3d>
+      <a:camera prst="orthographicFront"/>
+      <a:lightRig rig="threePt" dir="t"/>
+    </dgm:scene3d>
+    <dgm:sp3d/>
+    <dgm:txPr/>
+    <dgm:style>
+      <a:lnRef idx="2">
+        <a:scrgbClr r="0" g="0" b="0"/>
+      </a:lnRef>
+      <a:fillRef idx="1">
+        <a:scrgbClr r="0" g="0" b="0"/>
+      </a:fillRef>
+      <a:effectRef idx="0">
+        <a:scrgbClr r="0" g="0" b="0"/>
+      </a:effectRef>
+      <a:fontRef idx="minor"/>
+    </dgm:style>
+  </dgm:styleLbl>
+  <dgm:styleLbl name="sibTrans2D1">
+    <dgm:scene3d>
+      <a:camera prst="orthographicFront"/>
+      <a:lightRig rig="threePt" dir="t"/>
+    </dgm:scene3d>
+    <dgm:sp3d/>
+    <dgm:txPr/>
+    <dgm:style>
+      <a:lnRef idx="0">
+        <a:scrgbClr r="0" g="0" b="0"/>
+      </a:lnRef>
+      <a:fillRef idx="1">
+        <a:scrgbClr r="0" g="0" b="0"/>
+      </a:fillRef>
+      <a:effectRef idx="0">
+        <a:scrgbClr r="0" g="0" b="0"/>
+      </a:effectRef>
+      <a:fontRef idx="minor">
+        <a:schemeClr val="lt1"/>
+      </a:fontRef>
+    </dgm:style>
+  </dgm:styleLbl>
+  <dgm:styleLbl name="fgSibTrans2D1">
+    <dgm:scene3d>
+      <a:camera prst="orthographicFront"/>
+      <a:lightRig rig="threePt" dir="t"/>
+    </dgm:scene3d>
+    <dgm:sp3d/>
+    <dgm:txPr/>
+    <dgm:style>
+      <a:lnRef idx="0">
+        <a:scrgbClr r="0" g="0" b="0"/>
+      </a:lnRef>
+      <a:fillRef idx="1">
+        <a:scrgbClr r="0" g="0" b="0"/>
+      </a:fillRef>
+      <a:effectRef idx="0">
+        <a:scrgbClr r="0" g="0" b="0"/>
+      </a:effectRef>
+      <a:fontRef idx="minor">
+        <a:schemeClr val="lt1"/>
+      </a:fontRef>
+    </dgm:style>
+  </dgm:styleLbl>
+  <dgm:styleLbl name="bgSibTrans2D1">
+    <dgm:scene3d>
+      <a:camera prst="orthographicFront"/>
+      <a:lightRig rig="threePt" dir="t"/>
+    </dgm:scene3d>
+    <dgm:sp3d/>
+    <dgm:txPr/>
+    <dgm:style>
+      <a:lnRef idx="0">
+        <a:scrgbClr r="0" g="0" b="0"/>
+      </a:lnRef>
+      <a:fillRef idx="1">
+        <a:scrgbClr r="0" g="0" b="0"/>
+      </a:fillRef>
+      <a:effectRef idx="0">
+        <a:scrgbClr r="0" g="0" b="0"/>
+      </a:effectRef>
+      <a:fontRef idx="minor">
+        <a:schemeClr val="lt1"/>
+      </a:fontRef>
+    </dgm:style>
+  </dgm:styleLbl>
+  <dgm:styleLbl name="sibTrans1D1">
+    <dgm:scene3d>
+      <a:camera prst="orthographicFront"/>
+      <a:lightRig rig="threePt" dir="t"/>
+    </dgm:scene3d>
+    <dgm:sp3d/>
+    <dgm:txPr/>
+    <dgm:style>
+      <a:lnRef idx="1">
+        <a:scrgbClr r="0" g="0" b="0"/>
+      </a:lnRef>
+      <a:fillRef idx="0">
+        <a:scrgbClr r="0" g="0" b="0"/>
+      </a:fillRef>
+      <a:effectRef idx="0">
+        <a:scrgbClr r="0" g="0" b="0"/>
+      </a:effectRef>
+      <a:fontRef idx="minor"/>
+    </dgm:style>
+  </dgm:styleLbl>
+  <dgm:styleLbl name="callout">
+    <dgm:scene3d>
+      <a:camera prst="orthographicFront"/>
+      <a:lightRig rig="threePt" dir="t"/>
+    </dgm:scene3d>
+    <dgm:sp3d/>
+    <dgm:txPr/>
+    <dgm:style>
+      <a:lnRef idx="2">
+        <a:scrgbClr r="0" g="0" b="0"/>
+      </a:lnRef>
+      <a:fillRef idx="1">
+        <a:scrgbClr r="0" g="0" b="0"/>
+      </a:fillRef>
+      <a:effectRef idx="0">
+        <a:scrgbClr r="0" g="0" b="0"/>
+      </a:effectRef>
+      <a:fontRef idx="minor"/>
+    </dgm:style>
+  </dgm:styleLbl>
+  <dgm:styleLbl name="asst0">
+    <dgm:scene3d>
+      <a:camera prst="orthographicFront"/>
+      <a:lightRig rig="threePt" dir="t"/>
+    </dgm:scene3d>
+    <dgm:sp3d/>
+    <dgm:txPr/>
+    <dgm:style>
+      <a:lnRef idx="2">
+        <a:scrgbClr r="0" g="0" b="0"/>
+      </a:lnRef>
+      <a:fillRef idx="1">
+        <a:scrgbClr r="0" g="0" b="0"/>
+      </a:fillRef>
+      <a:effectRef idx="0">
+        <a:scrgbClr r="0" g="0" b="0"/>
+      </a:effectRef>
+      <a:fontRef idx="minor">
+        <a:schemeClr val="lt1"/>
+      </a:fontRef>
+    </dgm:style>
+  </dgm:styleLbl>
+  <dgm:styleLbl name="asst1">
+    <dgm:scene3d>
+      <a:camera prst="orthographicFront"/>
+      <a:lightRig rig="threePt" dir="t"/>
+    </dgm:scene3d>
+    <dgm:sp3d/>
+    <dgm:txPr/>
+    <dgm:style>
+      <a:lnRef idx="2">
+        <a:scrgbClr r="0" g="0" b="0"/>
+      </a:lnRef>
+      <a:fillRef idx="1">
+        <a:scrgbClr r="0" g="0" b="0"/>
+      </a:fillRef>
+      <a:effectRef idx="0">
+        <a:scrgbClr r="0" g="0" b="0"/>
+      </a:effectRef>
+      <a:fontRef idx="minor">
+        <a:schemeClr val="lt1"/>
+      </a:fontRef>
+    </dgm:style>
+  </dgm:styleLbl>
+  <dgm:styleLbl name="asst2">
+    <dgm:scene3d>
+      <a:camera prst="orthographicFront"/>
+      <a:lightRig rig="threePt" dir="t"/>
+    </dgm:scene3d>
+    <dgm:sp3d/>
+    <dgm:txPr/>
+    <dgm:style>
+      <a:lnRef idx="2">
+        <a:scrgbClr r="0" g="0" b="0"/>
+      </a:lnRef>
+      <a:fillRef idx="1">
+        <a:scrgbClr r="0" g="0" b="0"/>
+      </a:fillRef>
+      <a:effectRef idx="0">
+        <a:scrgbClr r="0" g="0" b="0"/>
+      </a:effectRef>
+      <a:fontRef idx="minor">
+        <a:schemeClr val="lt1"/>
+      </a:fontRef>
+    </dgm:style>
+  </dgm:styleLbl>
+  <dgm:styleLbl name="asst3">
+    <dgm:scene3d>
+      <a:camera prst="orthographicFront"/>
+      <a:lightRig rig="threePt" dir="t"/>
+    </dgm:scene3d>
+    <dgm:sp3d/>
+    <dgm:txPr/>
+    <dgm:style>
+      <a:lnRef idx="2">
+        <a:scrgbClr r="0" g="0" b="0"/>
+      </a:lnRef>
+      <a:fillRef idx="1">
+        <a:scrgbClr r="0" g="0" b="0"/>
+      </a:fillRef>
+      <a:effectRef idx="0">
+        <a:scrgbClr r="0" g="0" b="0"/>
+      </a:effectRef>
+      <a:fontRef idx="minor">
+        <a:schemeClr val="lt1"/>
+      </a:fontRef>
+    </dgm:style>
+  </dgm:styleLbl>
+  <dgm:styleLbl name="asst4">
+    <dgm:scene3d>
+      <a:camera prst="orthographicFront"/>
+      <a:lightRig rig="threePt" dir="t"/>
+    </dgm:scene3d>
+    <dgm:sp3d/>
+    <dgm:txPr/>
+    <dgm:style>
+      <a:lnRef idx="2">
+        <a:scrgbClr r="0" g="0" b="0"/>
+      </a:lnRef>
+      <a:fillRef idx="1">
+        <a:scrgbClr r="0" g="0" b="0"/>
+      </a:fillRef>
+      <a:effectRef idx="0">
+        <a:scrgbClr r="0" g="0" b="0"/>
+      </a:effectRef>
+      <a:fontRef idx="minor">
+        <a:schemeClr val="lt1"/>
+      </a:fontRef>
+    </dgm:style>
+  </dgm:styleLbl>
+  <dgm:styleLbl name="parChTrans2D1">
+    <dgm:scene3d>
+      <a:camera prst="orthographicFront"/>
+      <a:lightRig rig="threePt" dir="t"/>
+    </dgm:scene3d>
+    <dgm:sp3d/>
+    <dgm:txPr/>
+    <dgm:style>
+      <a:lnRef idx="2">
+        <a:scrgbClr r="0" g="0" b="0"/>
+      </a:lnRef>
+      <a:fillRef idx="1">
+        <a:scrgbClr r="0" g="0" b="0"/>
+      </a:fillRef>
+      <a:effectRef idx="0">
+        <a:scrgbClr r="0" g="0" b="0"/>
+      </a:effectRef>
+      <a:fontRef idx="minor">
+        <a:schemeClr val="lt1"/>
+      </a:fontRef>
+    </dgm:style>
+  </dgm:styleLbl>
+  <dgm:styleLbl name="parChTrans2D2">
+    <dgm:scene3d>
+      <a:camera prst="orthographicFront"/>
+      <a:lightRig rig="threePt" dir="t"/>
+    </dgm:scene3d>
+    <dgm:sp3d/>
+    <dgm:txPr/>
+    <dgm:style>
+      <a:lnRef idx="2">
+        <a:scrgbClr r="0" g="0" b="0"/>
+      </a:lnRef>
+      <a:fillRef idx="1">
+        <a:scrgbClr r="0" g="0" b="0"/>
+      </a:fillRef>
+      <a:effectRef idx="0">
+        <a:scrgbClr r="0" g="0" b="0"/>
+      </a:effectRef>
+      <a:fontRef idx="minor">
+        <a:schemeClr val="lt1"/>
+      </a:fontRef>
+    </dgm:style>
+  </dgm:styleLbl>
+  <dgm:styleLbl name="parChTrans2D3">
+    <dgm:scene3d>
+      <a:camera prst="orthographicFront"/>
+      <a:lightRig rig="threePt" dir="t"/>
+    </dgm:scene3d>
+    <dgm:sp3d/>
+    <dgm:txPr/>
+    <dgm:style>
+      <a:lnRef idx="2">
+        <a:scrgbClr r="0" g="0" b="0"/>
+      </a:lnRef>
+      <a:fillRef idx="1">
+        <a:scrgbClr r="0" g="0" b="0"/>
+      </a:fillRef>
+      <a:effectRef idx="0">
+        <a:scrgbClr r="0" g="0" b="0"/>
+      </a:effectRef>
+      <a:fontRef idx="minor">
+        <a:schemeClr val="lt1"/>
+      </a:fontRef>
+    </dgm:style>
+  </dgm:styleLbl>
+  <dgm:styleLbl name="parChTrans2D4">
+    <dgm:scene3d>
+      <a:camera prst="orthographicFront"/>
+      <a:lightRig rig="threePt" dir="t"/>
+    </dgm:scene3d>
+    <dgm:sp3d/>
+    <dgm:txPr/>
+    <dgm:style>
+      <a:lnRef idx="2">
+        <a:scrgbClr r="0" g="0" b="0"/>
+      </a:lnRef>
+      <a:fillRef idx="1">
+        <a:scrgbClr r="0" g="0" b="0"/>
+      </a:fillRef>
+      <a:effectRef idx="0">
+        <a:scrgbClr r="0" g="0" b="0"/>
+      </a:effectRef>
+      <a:fontRef idx="minor">
+        <a:schemeClr val="lt1"/>
+      </a:fontRef>
+    </dgm:style>
+  </dgm:styleLbl>
+  <dgm:styleLbl name="parChTrans1D1">
+    <dgm:scene3d>
+      <a:camera prst="orthographicFront"/>
+      <a:lightRig rig="threePt" dir="t"/>
+    </dgm:scene3d>
+    <dgm:sp3d/>
+    <dgm:txPr/>
+    <dgm:style>
+      <a:lnRef idx="2">
+        <a:scrgbClr r="0" g="0" b="0"/>
+      </a:lnRef>
+      <a:fillRef idx="0">
+        <a:scrgbClr r="0" g="0" b="0"/>
+      </a:fillRef>
+      <a:effectRef idx="0">
+        <a:scrgbClr r="0" g="0" b="0"/>
+      </a:effectRef>
+      <a:fontRef idx="minor"/>
+    </dgm:style>
+  </dgm:styleLbl>
+  <dgm:styleLbl name="parChTrans1D2">
+    <dgm:scene3d>
+      <a:camera prst="orthographicFront"/>
+      <a:lightRig rig="threePt" dir="t"/>
+    </dgm:scene3d>
+    <dgm:sp3d/>
+    <dgm:txPr/>
+    <dgm:style>
+      <a:lnRef idx="2">
+        <a:scrgbClr r="0" g="0" b="0"/>
+      </a:lnRef>
+      <a:fillRef idx="0">
+        <a:scrgbClr r="0" g="0" b="0"/>
+      </a:fillRef>
+      <a:effectRef idx="0">
+        <a:scrgbClr r="0" g="0" b="0"/>
+      </a:effectRef>
+      <a:fontRef idx="minor"/>
+    </dgm:style>
+  </dgm:styleLbl>
+  <dgm:styleLbl name="parChTrans1D3">
+    <dgm:scene3d>
+      <a:camera prst="orthographicFront"/>
+      <a:lightRig rig="threePt" dir="t"/>
+    </dgm:scene3d>
+    <dgm:sp3d/>
+    <dgm:txPr/>
+    <dgm:style>
+      <a:lnRef idx="2">
+        <a:scrgbClr r="0" g="0" b="0"/>
+      </a:lnRef>
+      <a:fillRef idx="0">
+        <a:scrgbClr r="0" g="0" b="0"/>
+      </a:fillRef>
+      <a:effectRef idx="0">
+        <a:scrgbClr r="0" g="0" b="0"/>
+      </a:effectRef>
+      <a:fontRef idx="minor"/>
+    </dgm:style>
+  </dgm:styleLbl>
+  <dgm:styleLbl name="parChTrans1D4">
+    <dgm:scene3d>
+      <a:camera prst="orthographicFront"/>
+      <a:lightRig rig="threePt" dir="t"/>
+    </dgm:scene3d>
+    <dgm:sp3d/>
+    <dgm:txPr/>
+    <dgm:style>
+      <a:lnRef idx="2">
+        <a:scrgbClr r="0" g="0" b="0"/>
+      </a:lnRef>
+      <a:fillRef idx="0">
+        <a:scrgbClr r="0" g="0" b="0"/>
+      </a:fillRef>
+      <a:effectRef idx="0">
+        <a:scrgbClr r="0" g="0" b="0"/>
+      </a:effectRef>
+      <a:fontRef idx="minor"/>
+    </dgm:style>
+  </dgm:styleLbl>
+  <dgm:styleLbl name="fgAcc1">
+    <dgm:scene3d>
+      <a:camera prst="orthographicFront"/>
+      <a:lightRig rig="threePt" dir="t"/>
+    </dgm:scene3d>
+    <dgm:sp3d/>
+    <dgm:txPr/>
+    <dgm:style>
+      <a:lnRef idx="2">
+        <a:scrgbClr r="0" g="0" b="0"/>
+      </a:lnRef>
+      <a:fillRef idx="1">
+        <a:scrgbClr r="0" g="0" b="0"/>
+      </a:fillRef>
+      <a:effectRef idx="0">
+        <a:scrgbClr r="0" g="0" b="0"/>
+      </a:effectRef>
+      <a:fontRef idx="minor"/>
+    </dgm:style>
+  </dgm:styleLbl>
+  <dgm:styleLbl name="conFgAcc1">
+    <dgm:scene3d>
+      <a:camera prst="orthographicFront"/>
+      <a:lightRig rig="threePt" dir="t"/>
+    </dgm:scene3d>
+    <dgm:sp3d/>
+    <dgm:txPr/>
+    <dgm:style>
+      <a:lnRef idx="2">
+        <a:scrgbClr r="0" g="0" b="0"/>
+      </a:lnRef>
+      <a:fillRef idx="1">
+        <a:scrgbClr r="0" g="0" b="0"/>
+      </a:fillRef>
+      <a:effectRef idx="0">
+        <a:scrgbClr r="0" g="0" b="0"/>
+      </a:effectRef>
+      <a:fontRef idx="minor"/>
+    </dgm:style>
+  </dgm:styleLbl>
+  <dgm:styleLbl name="alignAcc1">
+    <dgm:scene3d>
+      <a:camera prst="orthographicFront"/>
+      <a:lightRig rig="threePt" dir="t"/>
+    </dgm:scene3d>
+    <dgm:sp3d/>
+    <dgm:txPr/>
+    <dgm:style>
+      <a:lnRef idx="2">
+        <a:scrgbClr r="0" g="0" b="0"/>
+      </a:lnRef>
+      <a:fillRef idx="1">
+        <a:scrgbClr r="0" g="0" b="0"/>
+      </a:fillRef>
+      <a:effectRef idx="0">
+        <a:scrgbClr r="0" g="0" b="0"/>
+      </a:effectRef>
+      <a:fontRef idx="minor"/>
+    </dgm:style>
+  </dgm:styleLbl>
+  <dgm:styleLbl name="trAlignAcc1">
+    <dgm:scene3d>
+      <a:camera prst="orthographicFront"/>
+      <a:lightRig rig="threePt" dir="t"/>
+    </dgm:scene3d>
+    <dgm:sp3d/>
+    <dgm:txPr/>
+    <dgm:style>
+      <a:lnRef idx="1">
+        <a:scrgbClr r="0" g="0" b="0"/>
+      </a:lnRef>
+      <a:fillRef idx="1">
+        <a:scrgbClr r="0" g="0" b="0"/>
+      </a:fillRef>
+      <a:effectRef idx="0">
+        <a:scrgbClr r="0" g="0" b="0"/>
+      </a:effectRef>
+      <a:fontRef idx="minor"/>
+    </dgm:style>
+  </dgm:styleLbl>
+  <dgm:styleLbl name="bgAcc1">
+    <dgm:scene3d>
+      <a:camera prst="orthographicFront"/>
+      <a:lightRig rig="threePt" dir="t"/>
+    </dgm:scene3d>
+    <dgm:sp3d/>
+    <dgm:txPr/>
+    <dgm:style>
+      <a:lnRef idx="2">
+        <a:scrgbClr r="0" g="0" b="0"/>
+      </a:lnRef>
+      <a:fillRef idx="1">
+        <a:scrgbClr r="0" g="0" b="0"/>
+      </a:fillRef>
+      <a:effectRef idx="0">
+        <a:scrgbClr r="0" g="0" b="0"/>
+      </a:effectRef>
+      <a:fontRef idx="minor"/>
+    </dgm:style>
+  </dgm:styleLbl>
+  <dgm:styleLbl name="solidFgAcc1">
+    <dgm:scene3d>
+      <a:camera prst="orthographicFront"/>
+      <a:lightRig rig="threePt" dir="t"/>
+    </dgm:scene3d>
+    <dgm:sp3d/>
+    <dgm:txPr/>
+    <dgm:style>
+      <a:lnRef idx="2">
+        <a:scrgbClr r="0" g="0" b="0"/>
+      </a:lnRef>
+      <a:fillRef idx="1">
+        <a:scrgbClr r="0" g="0" b="0"/>
+      </a:fillRef>
+      <a:effectRef idx="0">
+        <a:scrgbClr r="0" g="0" b="0"/>
+      </a:effectRef>
+      <a:fontRef idx="minor"/>
+    </dgm:style>
+  </dgm:styleLbl>
+  <dgm:styleLbl name="solidAlignAcc1">
+    <dgm:scene3d>
+      <a:camera prst="orthographicFront"/>
+      <a:lightRig rig="threePt" dir="t"/>
+    </dgm:scene3d>
+    <dgm:sp3d/>
+    <dgm:txPr/>
+    <dgm:style>
+      <a:lnRef idx="2">
+        <a:scrgbClr r="0" g="0" b="0"/>
+      </a:lnRef>
+      <a:fillRef idx="1">
+        <a:scrgbClr r="0" g="0" b="0"/>
+      </a:fillRef>
+      <a:effectRef idx="0">
+        <a:scrgbClr r="0" g="0" b="0"/>
+      </a:effectRef>
+      <a:fontRef idx="minor"/>
+    </dgm:style>
+  </dgm:styleLbl>
+  <dgm:styleLbl name="solidBgAcc1">
+    <dgm:scene3d>
+      <a:camera prst="orthographicFront"/>
+      <a:lightRig rig="threePt" dir="t"/>
+    </dgm:scene3d>
+    <dgm:sp3d/>
+    <dgm:txPr/>
+    <dgm:style>
+      <a:lnRef idx="2">
+        <a:scrgbClr r="0" g="0" b="0"/>
+      </a:lnRef>
+      <a:fillRef idx="1">
+        <a:scrgbClr r="0" g="0" b="0"/>
+      </a:fillRef>
+      <a:effectRef idx="0">
+        <a:scrgbClr r="0" g="0" b="0"/>
+      </a:effectRef>
+      <a:fontRef idx="minor"/>
+    </dgm:style>
+  </dgm:styleLbl>
+  <dgm:styleLbl name="fgAccFollowNode1">
+    <dgm:scene3d>
+      <a:camera prst="orthographicFront"/>
+      <a:lightRig rig="threePt" dir="t"/>
+    </dgm:scene3d>
+    <dgm:sp3d/>
+    <dgm:txPr/>
+    <dgm:style>
+      <a:lnRef idx="2">
+        <a:scrgbClr r="0" g="0" b="0"/>
+      </a:lnRef>
+      <a:fillRef idx="1">
+        <a:scrgbClr r="0" g="0" b="0"/>
+      </a:fillRef>
+      <a:effectRef idx="0">
+        <a:scrgbClr r="0" g="0" b="0"/>
+      </a:effectRef>
+      <a:fontRef idx="minor"/>
+    </dgm:style>
+  </dgm:styleLbl>
+  <dgm:styleLbl name="alignAccFollowNode1">
+    <dgm:scene3d>
+      <a:camera prst="orthographicFront"/>
+      <a:lightRig rig="threePt" dir="t"/>
+    </dgm:scene3d>
+    <dgm:sp3d/>
+    <dgm:txPr/>
+    <dgm:style>
+      <a:lnRef idx="2">
+        <a:scrgbClr r="0" g="0" b="0"/>
+      </a:lnRef>
+      <a:fillRef idx="1">
+        <a:scrgbClr r="0" g="0" b="0"/>
+      </a:fillRef>
+      <a:effectRef idx="0">
+        <a:scrgbClr r="0" g="0" b="0"/>
+      </a:effectRef>
+      <a:fontRef idx="minor"/>
+    </dgm:style>
+  </dgm:styleLbl>
+  <dgm:styleLbl name="bgAccFollowNode1">
+    <dgm:scene3d>
+      <a:camera prst="orthographicFront"/>
+      <a:lightRig rig="threePt" dir="t"/>
+    </dgm:scene3d>
+    <dgm:sp3d/>
+    <dgm:txPr/>
+    <dgm:style>
+      <a:lnRef idx="2">
+        <a:scrgbClr r="0" g="0" b="0"/>
+      </a:lnRef>
+      <a:fillRef idx="1">
+        <a:scrgbClr r="0" g="0" b="0"/>
+      </a:fillRef>
+      <a:effectRef idx="0">
+        <a:scrgbClr r="0" g="0" b="0"/>
+      </a:effectRef>
+      <a:fontRef idx="minor"/>
+    </dgm:style>
+  </dgm:styleLbl>
+  <dgm:styleLbl name="fgAcc0">
+    <dgm:scene3d>
+      <a:camera prst="orthographicFront"/>
+      <a:lightRig rig="threePt" dir="t"/>
+    </dgm:scene3d>
+    <dgm:sp3d/>
+    <dgm:txPr/>
+    <dgm:style>
+      <a:lnRef idx="2">
+        <a:scrgbClr r="0" g="0" b="0"/>
+      </a:lnRef>
+      <a:fillRef idx="1">
+        <a:scrgbClr r="0" g="0" b="0"/>
+      </a:fillRef>
+      <a:effectRef idx="0">
+        <a:scrgbClr r="0" g="0" b="0"/>
+      </a:effectRef>
+      <a:fontRef idx="minor"/>
+    </dgm:style>
+  </dgm:styleLbl>
+  <dgm:styleLbl name="fgAcc2">
+    <dgm:scene3d>
+      <a:camera prst="orthographicFront"/>
+      <a:lightRig rig="threePt" dir="t"/>
+    </dgm:scene3d>
+    <dgm:sp3d/>
+    <dgm:txPr/>
+    <dgm:style>
+      <a:lnRef idx="2">
+        <a:scrgbClr r="0" g="0" b="0"/>
+      </a:lnRef>
+      <a:fillRef idx="1">
+        <a:scrgbClr r="0" g="0" b="0"/>
+      </a:fillRef>
+      <a:effectRef idx="0">
+        <a:scrgbClr r="0" g="0" b="0"/>
+      </a:effectRef>
+      <a:fontRef idx="minor"/>
+    </dgm:style>
+  </dgm:styleLbl>
+  <dgm:styleLbl name="fgAcc3">
+    <dgm:scene3d>
+      <a:camera prst="orthographicFront"/>
+      <a:lightRig rig="threePt" dir="t"/>
+    </dgm:scene3d>
+    <dgm:sp3d/>
+    <dgm:txPr/>
+    <dgm:style>
+      <a:lnRef idx="2">
+        <a:scrgbClr r="0" g="0" b="0"/>
+      </a:lnRef>
+      <a:fillRef idx="1">
+        <a:scrgbClr r="0" g="0" b="0"/>
+      </a:fillRef>
+      <a:effectRef idx="0">
+        <a:scrgbClr r="0" g="0" b="0"/>
+      </a:effectRef>
+      <a:fontRef idx="minor"/>
+    </dgm:style>
+  </dgm:styleLbl>
+  <dgm:styleLbl name="fgAcc4">
+    <dgm:scene3d>
+      <a:camera prst="orthographicFront"/>
+      <a:lightRig rig="threePt" dir="t"/>
+    </dgm:scene3d>
+    <dgm:sp3d/>
+    <dgm:txPr/>
+    <dgm:style>
+      <a:lnRef idx="2">
+        <a:scrgbClr r="0" g="0" b="0"/>
+      </a:lnRef>
+      <a:fillRef idx="1">
+        <a:scrgbClr r="0" g="0" b="0"/>
+      </a:fillRef>
+      <a:effectRef idx="0">
+        <a:scrgbClr r="0" g="0" b="0"/>
+      </a:effectRef>
+      <a:fontRef idx="minor"/>
+    </dgm:style>
+  </dgm:styleLbl>
+  <dgm:styleLbl name="bgShp">
+    <dgm:scene3d>
+      <a:camera prst="orthographicFront"/>
+      <a:lightRig rig="threePt" dir="t"/>
+    </dgm:scene3d>
+    <dgm:sp3d/>
+    <dgm:txPr/>
+    <dgm:style>
+      <a:lnRef idx="0">
+        <a:scrgbClr r="0" g="0" b="0"/>
+      </a:lnRef>
+      <a:fillRef idx="1">
+        <a:scrgbClr r="0" g="0" b="0"/>
+      </a:fillRef>
+      <a:effectRef idx="0">
+        <a:scrgbClr r="0" g="0" b="0"/>
+      </a:effectRef>
+      <a:fontRef idx="minor"/>
+    </dgm:style>
+  </dgm:styleLbl>
+  <dgm:styleLbl name="dkBgShp">
+    <dgm:scene3d>
+      <a:camera prst="orthographicFront"/>
+      <a:lightRig rig="threePt" dir="t"/>
+    </dgm:scene3d>
+    <dgm:sp3d/>
+    <dgm:txPr/>
+    <dgm:style>
+      <a:lnRef idx="0">
+        <a:scrgbClr r="0" g="0" b="0"/>
+      </a:lnRef>
+      <a:fillRef idx="1">
+        <a:scrgbClr r="0" g="0" b="0"/>
+      </a:fillRef>
+      <a:effectRef idx="0">
+        <a:scrgbClr r="0" g="0" b="0"/>
+      </a:effectRef>
+      <a:fontRef idx="minor"/>
+    </dgm:style>
+  </dgm:styleLbl>
+  <dgm:styleLbl name="trBgShp">
+    <dgm:scene3d>
+      <a:camera prst="orthographicFront"/>
+      <a:lightRig rig="threePt" dir="t"/>
+    </dgm:scene3d>
+    <dgm:sp3d/>
+    <dgm:txPr/>
+    <dgm:style>
+      <a:lnRef idx="0">
+        <a:scrgbClr r="0" g="0" b="0"/>
+      </a:lnRef>
+      <a:fillRef idx="1">
+        <a:scrgbClr r="0" g="0" b="0"/>
+      </a:fillRef>
+      <a:effectRef idx="0">
+        <a:scrgbClr r="0" g="0" b="0"/>
+      </a:effectRef>
+      <a:fontRef idx="minor"/>
+    </dgm:style>
+  </dgm:styleLbl>
+  <dgm:styleLbl name="fgShp">
+    <dgm:scene3d>
+      <a:camera prst="orthographicFront"/>
+      <a:lightRig rig="threePt" dir="t"/>
+    </dgm:scene3d>
+    <dgm:sp3d/>
+    <dgm:txPr/>
+    <dgm:style>
+      <a:lnRef idx="2">
+        <a:scrgbClr r="0" g="0" b="0"/>
+      </a:lnRef>
+      <a:fillRef idx="1">
+        <a:scrgbClr r="0" g="0" b="0"/>
+      </a:fillRef>
+      <a:effectRef idx="0">
+        <a:scrgbClr r="0" g="0" b="0"/>
+      </a:effectRef>
+      <a:fontRef idx="minor"/>
+    </dgm:style>
+  </dgm:styleLbl>
+  <dgm:styleLbl name="revTx">
+    <dgm:scene3d>
+      <a:camera prst="orthographicFront"/>
+      <a:lightRig rig="threePt" dir="t"/>
+    </dgm:scene3d>
+    <dgm:sp3d/>
+    <dgm:txPr/>
+    <dgm:style>
+      <a:lnRef idx="0">
+        <a:scrgbClr r="0" g="0" b="0"/>
+      </a:lnRef>
+      <a:fillRef idx="0">
+        <a:scrgbClr r="0" g="0" b="0"/>
+      </a:fillRef>
+      <a:effectRef idx="0">
+        <a:scrgbClr r="0" g="0" b="0"/>
+      </a:effectRef>
+      <a:fontRef idx="minor"/>
+    </dgm:style>
+  </dgm:styleLbl>
+</dgm:styleDef>
 </file>
 
 <file path=ppt/ink/ink1.xml><?xml version="1.0" encoding="utf-8"?>
@@ -6529,7 +13824,7 @@
           <a:p>
             <a:fld id="{90E7F101-AFD9-4336-B8E9-8175C2E38E7B}" type="datetimeFigureOut">
               <a:rPr lang="en-US" smtClean="0"/>
-              <a:t>5/1/2023</a:t>
+              <a:t>6/20/2023</a:t>
             </a:fld>
             <a:endParaRPr lang="en-US"/>
           </a:p>
@@ -6727,7 +14022,7 @@
           <a:p>
             <a:fld id="{90E7F101-AFD9-4336-B8E9-8175C2E38E7B}" type="datetimeFigureOut">
               <a:rPr lang="en-US" smtClean="0"/>
-              <a:t>5/1/2023</a:t>
+              <a:t>6/20/2023</a:t>
             </a:fld>
             <a:endParaRPr lang="en-US"/>
           </a:p>
@@ -6935,7 +14230,7 @@
           <a:p>
             <a:fld id="{90E7F101-AFD9-4336-B8E9-8175C2E38E7B}" type="datetimeFigureOut">
               <a:rPr lang="en-US" smtClean="0"/>
-              <a:t>5/1/2023</a:t>
+              <a:t>6/20/2023</a:t>
             </a:fld>
             <a:endParaRPr lang="en-US"/>
           </a:p>
@@ -7133,7 +14428,7 @@
           <a:p>
             <a:fld id="{90E7F101-AFD9-4336-B8E9-8175C2E38E7B}" type="datetimeFigureOut">
               <a:rPr lang="en-US" smtClean="0"/>
-              <a:t>5/1/2023</a:t>
+              <a:t>6/20/2023</a:t>
             </a:fld>
             <a:endParaRPr lang="en-US"/>
           </a:p>
@@ -7408,7 +14703,7 @@
           <a:p>
             <a:fld id="{90E7F101-AFD9-4336-B8E9-8175C2E38E7B}" type="datetimeFigureOut">
               <a:rPr lang="en-US" smtClean="0"/>
-              <a:t>5/1/2023</a:t>
+              <a:t>6/20/2023</a:t>
             </a:fld>
             <a:endParaRPr lang="en-US"/>
           </a:p>
@@ -7673,7 +14968,7 @@
           <a:p>
             <a:fld id="{90E7F101-AFD9-4336-B8E9-8175C2E38E7B}" type="datetimeFigureOut">
               <a:rPr lang="en-US" smtClean="0"/>
-              <a:t>5/1/2023</a:t>
+              <a:t>6/20/2023</a:t>
             </a:fld>
             <a:endParaRPr lang="en-US"/>
           </a:p>
@@ -8085,7 +15380,7 @@
           <a:p>
             <a:fld id="{90E7F101-AFD9-4336-B8E9-8175C2E38E7B}" type="datetimeFigureOut">
               <a:rPr lang="en-US" smtClean="0"/>
-              <a:t>5/1/2023</a:t>
+              <a:t>6/20/2023</a:t>
             </a:fld>
             <a:endParaRPr lang="en-US"/>
           </a:p>
@@ -8226,7 +15521,7 @@
           <a:p>
             <a:fld id="{90E7F101-AFD9-4336-B8E9-8175C2E38E7B}" type="datetimeFigureOut">
               <a:rPr lang="en-US" smtClean="0"/>
-              <a:t>5/1/2023</a:t>
+              <a:t>6/20/2023</a:t>
             </a:fld>
             <a:endParaRPr lang="en-US"/>
           </a:p>
@@ -8339,7 +15634,7 @@
           <a:p>
             <a:fld id="{90E7F101-AFD9-4336-B8E9-8175C2E38E7B}" type="datetimeFigureOut">
               <a:rPr lang="en-US" smtClean="0"/>
-              <a:t>5/1/2023</a:t>
+              <a:t>6/20/2023</a:t>
             </a:fld>
             <a:endParaRPr lang="en-US"/>
           </a:p>
@@ -8650,7 +15945,7 @@
           <a:p>
             <a:fld id="{90E7F101-AFD9-4336-B8E9-8175C2E38E7B}" type="datetimeFigureOut">
               <a:rPr lang="en-US" smtClean="0"/>
-              <a:t>5/1/2023</a:t>
+              <a:t>6/20/2023</a:t>
             </a:fld>
             <a:endParaRPr lang="en-US"/>
           </a:p>
@@ -8938,7 +16233,7 @@
           <a:p>
             <a:fld id="{90E7F101-AFD9-4336-B8E9-8175C2E38E7B}" type="datetimeFigureOut">
               <a:rPr lang="en-US" smtClean="0"/>
-              <a:t>5/1/2023</a:t>
+              <a:t>6/20/2023</a:t>
             </a:fld>
             <a:endParaRPr lang="en-US"/>
           </a:p>
@@ -9179,7 +16474,7 @@
           <a:p>
             <a:fld id="{90E7F101-AFD9-4336-B8E9-8175C2E38E7B}" type="datetimeFigureOut">
               <a:rPr lang="en-US" smtClean="0"/>
-              <a:t>5/1/2023</a:t>
+              <a:t>6/20/2023</a:t>
             </a:fld>
             <a:endParaRPr lang="en-US"/>
           </a:p>
@@ -21539,10 +28834,11 @@
           <a:solidFill>
             <a:schemeClr val="bg1"/>
           </a:solidFill>
-          <a:ln>
+          <a:ln w="28575">
             <a:solidFill>
-              <a:schemeClr val="tx1"/>
+              <a:srgbClr val="FF0000"/>
             </a:solidFill>
+            <a:prstDash val="sysDot"/>
           </a:ln>
         </p:spPr>
         <p:style>
@@ -21679,10 +28975,11 @@
           <a:solidFill>
             <a:schemeClr val="bg1"/>
           </a:solidFill>
-          <a:ln>
+          <a:ln w="28575">
             <a:solidFill>
-              <a:schemeClr val="tx1"/>
+              <a:srgbClr val="FF0000"/>
             </a:solidFill>
+            <a:prstDash val="sysDot"/>
           </a:ln>
         </p:spPr>
         <p:style>
@@ -21749,10 +29046,11 @@
           <a:solidFill>
             <a:schemeClr val="bg1"/>
           </a:solidFill>
-          <a:ln>
+          <a:ln w="28575">
             <a:solidFill>
-              <a:schemeClr val="tx1"/>
+              <a:srgbClr val="FF0000"/>
             </a:solidFill>
+            <a:prstDash val="sysDot"/>
           </a:ln>
         </p:spPr>
         <p:style>
@@ -21819,10 +29117,11 @@
           <a:solidFill>
             <a:schemeClr val="bg1"/>
           </a:solidFill>
-          <a:ln>
+          <a:ln w="28575">
             <a:solidFill>
-              <a:schemeClr val="tx1"/>
+              <a:srgbClr val="FF0000"/>
             </a:solidFill>
+            <a:prstDash val="sysDot"/>
           </a:ln>
         </p:spPr>
         <p:style>
@@ -21889,10 +29188,11 @@
           <a:solidFill>
             <a:schemeClr val="bg1"/>
           </a:solidFill>
-          <a:ln>
+          <a:ln w="28575">
             <a:solidFill>
-              <a:schemeClr val="tx1"/>
+              <a:srgbClr val="FF0000"/>
             </a:solidFill>
+            <a:prstDash val="sysDot"/>
           </a:ln>
         </p:spPr>
         <p:style>
@@ -21959,10 +29259,11 @@
           <a:solidFill>
             <a:schemeClr val="bg1"/>
           </a:solidFill>
-          <a:ln>
+          <a:ln w="28575">
             <a:solidFill>
-              <a:schemeClr val="tx1"/>
+              <a:srgbClr val="FF0000"/>
             </a:solidFill>
+            <a:prstDash val="sysDot"/>
           </a:ln>
         </p:spPr>
         <p:style>
@@ -22099,10 +29400,11 @@
           <a:solidFill>
             <a:schemeClr val="bg1"/>
           </a:solidFill>
-          <a:ln>
+          <a:ln w="28575">
             <a:solidFill>
-              <a:schemeClr val="tx1"/>
+              <a:srgbClr val="FF0000"/>
             </a:solidFill>
+            <a:prstDash val="sysDot"/>
           </a:ln>
         </p:spPr>
         <p:style>
@@ -22169,10 +29471,11 @@
           <a:solidFill>
             <a:schemeClr val="bg1"/>
           </a:solidFill>
-          <a:ln>
+          <a:ln w="28575">
             <a:solidFill>
-              <a:schemeClr val="tx1"/>
+              <a:srgbClr val="FF0000"/>
             </a:solidFill>
+            <a:prstDash val="sysDot"/>
           </a:ln>
         </p:spPr>
         <p:style>
@@ -22239,10 +29542,11 @@
           <a:solidFill>
             <a:schemeClr val="bg1"/>
           </a:solidFill>
-          <a:ln>
+          <a:ln w="28575">
             <a:solidFill>
-              <a:schemeClr val="tx1"/>
+              <a:srgbClr val="FF0000"/>
             </a:solidFill>
+            <a:prstDash val="sysDot"/>
           </a:ln>
         </p:spPr>
         <p:style>
@@ -22379,10 +29683,11 @@
           <a:solidFill>
             <a:schemeClr val="bg1"/>
           </a:solidFill>
-          <a:ln>
+          <a:ln w="28575">
             <a:solidFill>
-              <a:schemeClr val="tx1"/>
+              <a:srgbClr val="FF0000"/>
             </a:solidFill>
+            <a:prstDash val="sysDot"/>
           </a:ln>
         </p:spPr>
         <p:style>
@@ -22449,10 +29754,11 @@
           <a:solidFill>
             <a:schemeClr val="bg1"/>
           </a:solidFill>
-          <a:ln>
+          <a:ln w="28575">
             <a:solidFill>
-              <a:schemeClr val="tx1"/>
+              <a:srgbClr val="FF0000"/>
             </a:solidFill>
+            <a:prstDash val="sysDot"/>
           </a:ln>
         </p:spPr>
         <p:style>
@@ -22519,10 +29825,11 @@
           <a:solidFill>
             <a:schemeClr val="bg1"/>
           </a:solidFill>
-          <a:ln>
+          <a:ln w="28575">
             <a:solidFill>
-              <a:schemeClr val="tx1"/>
+              <a:srgbClr val="FF0000"/>
             </a:solidFill>
+            <a:prstDash val="sysDot"/>
           </a:ln>
         </p:spPr>
         <p:style>
@@ -22589,10 +29896,11 @@
           <a:solidFill>
             <a:schemeClr val="bg1"/>
           </a:solidFill>
-          <a:ln>
+          <a:ln w="28575">
             <a:solidFill>
-              <a:schemeClr val="tx1"/>
+              <a:srgbClr val="FF0000"/>
             </a:solidFill>
+            <a:prstDash val="sysDot"/>
           </a:ln>
         </p:spPr>
         <p:style>
@@ -22659,10 +29967,11 @@
           <a:solidFill>
             <a:schemeClr val="bg1"/>
           </a:solidFill>
-          <a:ln>
+          <a:ln w="28575">
             <a:solidFill>
-              <a:schemeClr val="tx1"/>
+              <a:srgbClr val="FF0000"/>
             </a:solidFill>
+            <a:prstDash val="sysDot"/>
           </a:ln>
         </p:spPr>
         <p:style>
@@ -22729,10 +30038,11 @@
           <a:solidFill>
             <a:schemeClr val="bg1"/>
           </a:solidFill>
-          <a:ln>
+          <a:ln w="28575">
             <a:solidFill>
-              <a:schemeClr val="tx1"/>
+              <a:srgbClr val="FF0000"/>
             </a:solidFill>
+            <a:prstDash val="sysDot"/>
           </a:ln>
         </p:spPr>
         <p:style>
@@ -22799,10 +30109,11 @@
           <a:solidFill>
             <a:schemeClr val="bg1"/>
           </a:solidFill>
-          <a:ln>
+          <a:ln w="28575">
             <a:solidFill>
-              <a:schemeClr val="tx1"/>
+              <a:srgbClr val="FF0000"/>
             </a:solidFill>
+            <a:prstDash val="sysDot"/>
           </a:ln>
         </p:spPr>
         <p:style>
@@ -22869,10 +30180,11 @@
           <a:solidFill>
             <a:schemeClr val="bg1"/>
           </a:solidFill>
-          <a:ln>
+          <a:ln w="28575">
             <a:solidFill>
-              <a:schemeClr val="tx1"/>
+              <a:srgbClr val="FF0000"/>
             </a:solidFill>
+            <a:prstDash val="sysDot"/>
           </a:ln>
         </p:spPr>
         <p:style>
@@ -22939,10 +30251,11 @@
           <a:solidFill>
             <a:schemeClr val="bg1"/>
           </a:solidFill>
-          <a:ln>
+          <a:ln w="28575">
             <a:solidFill>
-              <a:schemeClr val="tx1"/>
+              <a:srgbClr val="FF0000"/>
             </a:solidFill>
+            <a:prstDash val="sysDot"/>
           </a:ln>
         </p:spPr>
         <p:style>
@@ -23009,10 +30322,11 @@
           <a:solidFill>
             <a:schemeClr val="bg1"/>
           </a:solidFill>
-          <a:ln>
+          <a:ln w="28575">
             <a:solidFill>
-              <a:schemeClr val="tx1"/>
+              <a:srgbClr val="FF0000"/>
             </a:solidFill>
+            <a:prstDash val="sysDot"/>
           </a:ln>
         </p:spPr>
         <p:style>
@@ -24038,6 +31352,77 @@
           </a:fontRef>
         </p:style>
       </p:cxnSp>
+      <p:sp>
+        <p:nvSpPr>
+          <p:cNvPr id="2" name="Rectangle 1">
+            <a:extLst>
+              <a:ext uri="{FF2B5EF4-FFF2-40B4-BE49-F238E27FC236}">
+                <a16:creationId xmlns:a16="http://schemas.microsoft.com/office/drawing/2014/main" id="{D1E91169-D2DF-EFDA-B120-B49BEFA02EB6}"/>
+              </a:ext>
+            </a:extLst>
+          </p:cNvPr>
+          <p:cNvSpPr/>
+          <p:nvPr/>
+        </p:nvSpPr>
+        <p:spPr>
+          <a:xfrm>
+            <a:off x="9892636" y="610995"/>
+            <a:ext cx="612000" cy="612000"/>
+          </a:xfrm>
+          <a:prstGeom prst="rect">
+            <a:avLst/>
+          </a:prstGeom>
+          <a:solidFill>
+            <a:schemeClr val="bg1"/>
+          </a:solidFill>
+          <a:ln w="28575">
+            <a:solidFill>
+              <a:srgbClr val="FF0000"/>
+            </a:solidFill>
+            <a:prstDash val="sysDot"/>
+          </a:ln>
+        </p:spPr>
+        <p:style>
+          <a:lnRef idx="2">
+            <a:schemeClr val="accent1">
+              <a:shade val="50000"/>
+            </a:schemeClr>
+          </a:lnRef>
+          <a:fillRef idx="1">
+            <a:schemeClr val="accent1"/>
+          </a:fillRef>
+          <a:effectRef idx="0">
+            <a:schemeClr val="accent1"/>
+          </a:effectRef>
+          <a:fontRef idx="minor">
+            <a:schemeClr val="lt1"/>
+          </a:fontRef>
+        </p:style>
+        <p:txBody>
+          <a:bodyPr rtlCol="0" anchor="ctr"/>
+          <a:lstStyle/>
+          <a:p>
+            <a:pPr algn="ctr"/>
+            <a:r>
+              <a:rPr lang="en-CA" sz="1200" dirty="0">
+                <a:solidFill>
+                  <a:schemeClr val="tx1"/>
+                </a:solidFill>
+                <a:latin typeface="Times New Roman" panose="02020603050405020304" pitchFamily="18" charset="0"/>
+                <a:cs typeface="Times New Roman" panose="02020603050405020304" pitchFamily="18" charset="0"/>
+              </a:rPr>
+              <a:t>leaf box</a:t>
+            </a:r>
+            <a:endParaRPr lang="en-US" sz="1200" dirty="0">
+              <a:solidFill>
+                <a:schemeClr val="tx1"/>
+              </a:solidFill>
+              <a:latin typeface="Times New Roman" panose="02020603050405020304" pitchFamily="18" charset="0"/>
+              <a:cs typeface="Times New Roman" panose="02020603050405020304" pitchFamily="18" charset="0"/>
+            </a:endParaRPr>
+          </a:p>
+        </p:txBody>
+      </p:sp>
     </p:spTree>
     <p:extLst>
       <p:ext uri="{BB962C8B-B14F-4D97-AF65-F5344CB8AC3E}">
@@ -24052,6 +31437,64 @@
 </file>
 
 <file path=ppt/slides/slide17.xml><?xml version="1.0" encoding="utf-8"?>
+<p:sld xmlns:a="http://schemas.openxmlformats.org/drawingml/2006/main" xmlns:r="http://schemas.openxmlformats.org/officeDocument/2006/relationships" xmlns:p="http://schemas.openxmlformats.org/presentationml/2006/main">
+  <p:cSld>
+    <p:spTree>
+      <p:nvGrpSpPr>
+        <p:cNvPr id="1" name=""/>
+        <p:cNvGrpSpPr/>
+        <p:nvPr/>
+      </p:nvGrpSpPr>
+      <p:grpSpPr>
+        <a:xfrm>
+          <a:off x="0" y="0"/>
+          <a:ext cx="0" cy="0"/>
+          <a:chOff x="0" y="0"/>
+          <a:chExt cx="0" cy="0"/>
+        </a:xfrm>
+      </p:grpSpPr>
+      <p:graphicFrame>
+        <p:nvGraphicFramePr>
+          <p:cNvPr id="5" name="Diagram 4">
+            <a:extLst>
+              <a:ext uri="{FF2B5EF4-FFF2-40B4-BE49-F238E27FC236}">
+                <a16:creationId xmlns:a16="http://schemas.microsoft.com/office/drawing/2014/main" id="{05105525-FAD3-1BA3-3777-DCB2673EF1C1}"/>
+              </a:ext>
+            </a:extLst>
+          </p:cNvPr>
+          <p:cNvGraphicFramePr/>
+          <p:nvPr>
+            <p:extLst>
+              <p:ext uri="{D42A27DB-BD31-4B8C-83A1-F6EECF244321}">
+                <p14:modId xmlns:p14="http://schemas.microsoft.com/office/powerpoint/2010/main" val="343959527"/>
+              </p:ext>
+            </p:extLst>
+          </p:nvPr>
+        </p:nvGraphicFramePr>
+        <p:xfrm>
+          <a:off x="2032000" y="719666"/>
+          <a:ext cx="9398000" cy="5418667"/>
+        </p:xfrm>
+        <a:graphic>
+          <a:graphicData uri="http://schemas.openxmlformats.org/drawingml/2006/diagram">
+            <dgm:relIds xmlns:dgm="http://schemas.openxmlformats.org/drawingml/2006/diagram" xmlns:r="http://schemas.openxmlformats.org/officeDocument/2006/relationships" r:dm="rId2" r:lo="rId3" r:qs="rId4" r:cs="rId5"/>
+          </a:graphicData>
+        </a:graphic>
+      </p:graphicFrame>
+    </p:spTree>
+    <p:extLst>
+      <p:ext uri="{BB962C8B-B14F-4D97-AF65-F5344CB8AC3E}">
+        <p14:creationId xmlns:p14="http://schemas.microsoft.com/office/powerpoint/2010/main" val="1455899623"/>
+      </p:ext>
+    </p:extLst>
+  </p:cSld>
+  <p:clrMapOvr>
+    <a:masterClrMapping/>
+  </p:clrMapOvr>
+</p:sld>
+</file>
+
+<file path=ppt/slides/slide18.xml><?xml version="1.0" encoding="utf-8"?>
 <p:sld xmlns:a="http://schemas.openxmlformats.org/drawingml/2006/main" xmlns:r="http://schemas.openxmlformats.org/officeDocument/2006/relationships" xmlns:p="http://schemas.openxmlformats.org/presentationml/2006/main">
   <p:cSld>
     <p:spTree>
@@ -24502,7 +31945,7 @@
 </p:sld>
 </file>
 
-<file path=ppt/slides/slide18.xml><?xml version="1.0" encoding="utf-8"?>
+<file path=ppt/slides/slide19.xml><?xml version="1.0" encoding="utf-8"?>
 <p:sld xmlns:a="http://schemas.openxmlformats.org/drawingml/2006/main" xmlns:r="http://schemas.openxmlformats.org/officeDocument/2006/relationships" xmlns:p="http://schemas.openxmlformats.org/presentationml/2006/main">
   <p:cSld>
     <p:spTree>
@@ -26379,7 +33822,72 @@
 </p:sld>
 </file>
 
-<file path=ppt/slides/slide19.xml><?xml version="1.0" encoding="utf-8"?>
+<file path=ppt/slides/slide2.xml><?xml version="1.0" encoding="utf-8"?>
+<p:sld xmlns:a="http://schemas.openxmlformats.org/drawingml/2006/main" xmlns:r="http://schemas.openxmlformats.org/officeDocument/2006/relationships" xmlns:p="http://schemas.openxmlformats.org/presentationml/2006/main">
+  <p:cSld>
+    <p:spTree>
+      <p:nvGrpSpPr>
+        <p:cNvPr id="1" name=""/>
+        <p:cNvGrpSpPr/>
+        <p:nvPr/>
+      </p:nvGrpSpPr>
+      <p:grpSpPr>
+        <a:xfrm>
+          <a:off x="0" y="0"/>
+          <a:ext cx="0" cy="0"/>
+          <a:chOff x="0" y="0"/>
+          <a:chExt cx="0" cy="0"/>
+        </a:xfrm>
+      </p:grpSpPr>
+      <p:pic>
+        <p:nvPicPr>
+          <p:cNvPr id="7" name="Picture 6">
+            <a:extLst>
+              <a:ext uri="{FF2B5EF4-FFF2-40B4-BE49-F238E27FC236}">
+                <a16:creationId xmlns:a16="http://schemas.microsoft.com/office/drawing/2014/main" id="{43773F01-15B2-D51A-F24B-0F89D772348D}"/>
+              </a:ext>
+            </a:extLst>
+          </p:cNvPr>
+          <p:cNvPicPr>
+            <a:picLocks noChangeAspect="1"/>
+          </p:cNvPicPr>
+          <p:nvPr/>
+        </p:nvPicPr>
+        <p:blipFill rotWithShape="1">
+          <a:blip r:embed="rId2">
+            <a:extLst>
+              <a:ext uri="{28A0092B-C50C-407E-A947-70E740481C1C}">
+                <a14:useLocalDpi xmlns:a14="http://schemas.microsoft.com/office/drawing/2010/main" val="0"/>
+              </a:ext>
+            </a:extLst>
+          </a:blip>
+          <a:srcRect l="2" t="87500" r="-1387"/>
+          <a:stretch/>
+        </p:blipFill>
+        <p:spPr>
+          <a:xfrm>
+            <a:off x="3352800" y="5486400"/>
+            <a:ext cx="5562600" cy="685800"/>
+          </a:xfrm>
+          <a:prstGeom prst="rect">
+            <a:avLst/>
+          </a:prstGeom>
+        </p:spPr>
+      </p:pic>
+    </p:spTree>
+    <p:extLst>
+      <p:ext uri="{BB962C8B-B14F-4D97-AF65-F5344CB8AC3E}">
+        <p14:creationId xmlns:p14="http://schemas.microsoft.com/office/powerpoint/2010/main" val="1832403928"/>
+      </p:ext>
+    </p:extLst>
+  </p:cSld>
+  <p:clrMapOvr>
+    <a:masterClrMapping/>
+  </p:clrMapOvr>
+</p:sld>
+</file>
+
+<file path=ppt/slides/slide20.xml><?xml version="1.0" encoding="utf-8"?>
 <p:sld xmlns:a="http://schemas.openxmlformats.org/drawingml/2006/main" xmlns:r="http://schemas.openxmlformats.org/officeDocument/2006/relationships" xmlns:p="http://schemas.openxmlformats.org/presentationml/2006/main">
   <p:cSld>
     <p:spTree>
@@ -29054,72 +36562,7 @@
 </p:sld>
 </file>
 
-<file path=ppt/slides/slide2.xml><?xml version="1.0" encoding="utf-8"?>
-<p:sld xmlns:a="http://schemas.openxmlformats.org/drawingml/2006/main" xmlns:r="http://schemas.openxmlformats.org/officeDocument/2006/relationships" xmlns:p="http://schemas.openxmlformats.org/presentationml/2006/main">
-  <p:cSld>
-    <p:spTree>
-      <p:nvGrpSpPr>
-        <p:cNvPr id="1" name=""/>
-        <p:cNvGrpSpPr/>
-        <p:nvPr/>
-      </p:nvGrpSpPr>
-      <p:grpSpPr>
-        <a:xfrm>
-          <a:off x="0" y="0"/>
-          <a:ext cx="0" cy="0"/>
-          <a:chOff x="0" y="0"/>
-          <a:chExt cx="0" cy="0"/>
-        </a:xfrm>
-      </p:grpSpPr>
-      <p:pic>
-        <p:nvPicPr>
-          <p:cNvPr id="7" name="Picture 6">
-            <a:extLst>
-              <a:ext uri="{FF2B5EF4-FFF2-40B4-BE49-F238E27FC236}">
-                <a16:creationId xmlns:a16="http://schemas.microsoft.com/office/drawing/2014/main" id="{43773F01-15B2-D51A-F24B-0F89D772348D}"/>
-              </a:ext>
-            </a:extLst>
-          </p:cNvPr>
-          <p:cNvPicPr>
-            <a:picLocks noChangeAspect="1"/>
-          </p:cNvPicPr>
-          <p:nvPr/>
-        </p:nvPicPr>
-        <p:blipFill rotWithShape="1">
-          <a:blip r:embed="rId2">
-            <a:extLst>
-              <a:ext uri="{28A0092B-C50C-407E-A947-70E740481C1C}">
-                <a14:useLocalDpi xmlns:a14="http://schemas.microsoft.com/office/drawing/2010/main" val="0"/>
-              </a:ext>
-            </a:extLst>
-          </a:blip>
-          <a:srcRect l="2" t="87500" r="-1387"/>
-          <a:stretch/>
-        </p:blipFill>
-        <p:spPr>
-          <a:xfrm>
-            <a:off x="3352800" y="5486400"/>
-            <a:ext cx="5562600" cy="685800"/>
-          </a:xfrm>
-          <a:prstGeom prst="rect">
-            <a:avLst/>
-          </a:prstGeom>
-        </p:spPr>
-      </p:pic>
-    </p:spTree>
-    <p:extLst>
-      <p:ext uri="{BB962C8B-B14F-4D97-AF65-F5344CB8AC3E}">
-        <p14:creationId xmlns:p14="http://schemas.microsoft.com/office/powerpoint/2010/main" val="1832403928"/>
-      </p:ext>
-    </p:extLst>
-  </p:cSld>
-  <p:clrMapOvr>
-    <a:masterClrMapping/>
-  </p:clrMapOvr>
-</p:sld>
-</file>
-
-<file path=ppt/slides/slide20.xml><?xml version="1.0" encoding="utf-8"?>
+<file path=ppt/slides/slide21.xml><?xml version="1.0" encoding="utf-8"?>
 <p:sld xmlns:a="http://schemas.openxmlformats.org/drawingml/2006/main" xmlns:r="http://schemas.openxmlformats.org/officeDocument/2006/relationships" xmlns:p="http://schemas.openxmlformats.org/presentationml/2006/main">
   <p:cSld>
     <p:spTree>
@@ -29619,7 +37062,7 @@
 </p:sld>
 </file>
 
-<file path=ppt/slides/slide21.xml><?xml version="1.0" encoding="utf-8"?>
+<file path=ppt/slides/slide22.xml><?xml version="1.0" encoding="utf-8"?>
 <p:sld xmlns:a="http://schemas.openxmlformats.org/drawingml/2006/main" xmlns:r="http://schemas.openxmlformats.org/officeDocument/2006/relationships" xmlns:p="http://schemas.openxmlformats.org/presentationml/2006/main">
   <p:cSld>
     <p:spTree>
@@ -32723,7 +40166,7 @@
 </p:sld>
 </file>
 
-<file path=ppt/slides/slide22.xml><?xml version="1.0" encoding="utf-8"?>
+<file path=ppt/slides/slide23.xml><?xml version="1.0" encoding="utf-8"?>
 <p:sld xmlns:a="http://schemas.openxmlformats.org/drawingml/2006/main" xmlns:r="http://schemas.openxmlformats.org/officeDocument/2006/relationships" xmlns:p="http://schemas.openxmlformats.org/presentationml/2006/main">
   <p:cSld>
     <p:spTree>
@@ -35398,7 +42841,7 @@
 </p:sld>
 </file>
 
-<file path=ppt/slides/slide23.xml><?xml version="1.0" encoding="utf-8"?>
+<file path=ppt/slides/slide24.xml><?xml version="1.0" encoding="utf-8"?>
 <p:sld xmlns:a="http://schemas.openxmlformats.org/drawingml/2006/main" xmlns:r="http://schemas.openxmlformats.org/officeDocument/2006/relationships" xmlns:p="http://schemas.openxmlformats.org/presentationml/2006/main">
   <p:cSld>
     <p:spTree>
@@ -35490,7 +42933,7 @@
 </p:sld>
 </file>
 
-<file path=ppt/slides/slide24.xml><?xml version="1.0" encoding="utf-8"?>
+<file path=ppt/slides/slide25.xml><?xml version="1.0" encoding="utf-8"?>
 <p:sld xmlns:a="http://schemas.openxmlformats.org/drawingml/2006/main" xmlns:r="http://schemas.openxmlformats.org/officeDocument/2006/relationships" xmlns:p="http://schemas.openxmlformats.org/presentationml/2006/main">
   <p:cSld>
     <p:spTree>
@@ -35990,7 +43433,7 @@
 </p:sld>
 </file>
 
-<file path=ppt/slides/slide25.xml><?xml version="1.0" encoding="utf-8"?>
+<file path=ppt/slides/slide26.xml><?xml version="1.0" encoding="utf-8"?>
 <p:sld xmlns:a="http://schemas.openxmlformats.org/drawingml/2006/main" xmlns:r="http://schemas.openxmlformats.org/officeDocument/2006/relationships" xmlns:p="http://schemas.openxmlformats.org/presentationml/2006/main">
   <p:cSld>
     <p:spTree>
@@ -36153,7 +43596,7 @@
 </p:sld>
 </file>
 
-<file path=ppt/slides/slide26.xml><?xml version="1.0" encoding="utf-8"?>
+<file path=ppt/slides/slide27.xml><?xml version="1.0" encoding="utf-8"?>
 <p:sld xmlns:a="http://schemas.openxmlformats.org/drawingml/2006/main" xmlns:r="http://schemas.openxmlformats.org/officeDocument/2006/relationships" xmlns:p="http://schemas.openxmlformats.org/presentationml/2006/main">
   <p:cSld>
     <p:spTree>
@@ -36219,7 +43662,7 @@
 </p:sld>
 </file>
 
-<file path=ppt/slides/slide27.xml><?xml version="1.0" encoding="utf-8"?>
+<file path=ppt/slides/slide28.xml><?xml version="1.0" encoding="utf-8"?>
 <p:sld xmlns:a="http://schemas.openxmlformats.org/drawingml/2006/main" xmlns:r="http://schemas.openxmlformats.org/officeDocument/2006/relationships" xmlns:p="http://schemas.openxmlformats.org/presentationml/2006/main">
   <p:cSld>
     <p:spTree>
@@ -36423,7 +43866,7 @@
 </p:sld>
 </file>
 
-<file path=ppt/slides/slide28.xml><?xml version="1.0" encoding="utf-8"?>
+<file path=ppt/slides/slide29.xml><?xml version="1.0" encoding="utf-8"?>
 <p:sld xmlns:a="http://schemas.openxmlformats.org/drawingml/2006/main" xmlns:r="http://schemas.openxmlformats.org/officeDocument/2006/relationships" xmlns:p="http://schemas.openxmlformats.org/presentationml/2006/main">
   <p:cSld>
     <p:spTree>
@@ -36489,7 +43932,37 @@
 </p:sld>
 </file>
 
-<file path=ppt/slides/slide29.xml><?xml version="1.0" encoding="utf-8"?>
+<file path=ppt/slides/slide3.xml><?xml version="1.0" encoding="utf-8"?>
+<p:sld xmlns:a="http://schemas.openxmlformats.org/drawingml/2006/main" xmlns:r="http://schemas.openxmlformats.org/officeDocument/2006/relationships" xmlns:p="http://schemas.openxmlformats.org/presentationml/2006/main">
+  <p:cSld>
+    <p:spTree>
+      <p:nvGrpSpPr>
+        <p:cNvPr id="1" name=""/>
+        <p:cNvGrpSpPr/>
+        <p:nvPr/>
+      </p:nvGrpSpPr>
+      <p:grpSpPr>
+        <a:xfrm>
+          <a:off x="0" y="0"/>
+          <a:ext cx="0" cy="0"/>
+          <a:chOff x="0" y="0"/>
+          <a:chExt cx="0" cy="0"/>
+        </a:xfrm>
+      </p:grpSpPr>
+    </p:spTree>
+    <p:extLst>
+      <p:ext uri="{BB962C8B-B14F-4D97-AF65-F5344CB8AC3E}">
+        <p14:creationId xmlns:p14="http://schemas.microsoft.com/office/powerpoint/2010/main" val="3546886733"/>
+      </p:ext>
+    </p:extLst>
+  </p:cSld>
+  <p:clrMapOvr>
+    <a:masterClrMapping/>
+  </p:clrMapOvr>
+</p:sld>
+</file>
+
+<file path=ppt/slides/slide30.xml><?xml version="1.0" encoding="utf-8"?>
 <p:sld xmlns:a="http://schemas.openxmlformats.org/drawingml/2006/main" xmlns:r="http://schemas.openxmlformats.org/officeDocument/2006/relationships" xmlns:p="http://schemas.openxmlformats.org/presentationml/2006/main">
   <p:cSld>
     <p:spTree>
@@ -36546,36 +44019,6 @@
     <p:extLst>
       <p:ext uri="{BB962C8B-B14F-4D97-AF65-F5344CB8AC3E}">
         <p14:creationId xmlns:p14="http://schemas.microsoft.com/office/powerpoint/2010/main" val="951323092"/>
-      </p:ext>
-    </p:extLst>
-  </p:cSld>
-  <p:clrMapOvr>
-    <a:masterClrMapping/>
-  </p:clrMapOvr>
-</p:sld>
-</file>
-
-<file path=ppt/slides/slide3.xml><?xml version="1.0" encoding="utf-8"?>
-<p:sld xmlns:a="http://schemas.openxmlformats.org/drawingml/2006/main" xmlns:r="http://schemas.openxmlformats.org/officeDocument/2006/relationships" xmlns:p="http://schemas.openxmlformats.org/presentationml/2006/main">
-  <p:cSld>
-    <p:spTree>
-      <p:nvGrpSpPr>
-        <p:cNvPr id="1" name=""/>
-        <p:cNvGrpSpPr/>
-        <p:nvPr/>
-      </p:nvGrpSpPr>
-      <p:grpSpPr>
-        <a:xfrm>
-          <a:off x="0" y="0"/>
-          <a:ext cx="0" cy="0"/>
-          <a:chOff x="0" y="0"/>
-          <a:chExt cx="0" cy="0"/>
-        </a:xfrm>
-      </p:grpSpPr>
-    </p:spTree>
-    <p:extLst>
-      <p:ext uri="{BB962C8B-B14F-4D97-AF65-F5344CB8AC3E}">
-        <p14:creationId xmlns:p14="http://schemas.microsoft.com/office/powerpoint/2010/main" val="3546886733"/>
       </p:ext>
     </p:extLst>
   </p:cSld>

--- a/Misc/Nbody drawings.pptx
+++ b/Misc/Nbody drawings.pptx
@@ -20,21 +20,22 @@
     <p:sldId id="282" r:id="rId14"/>
     <p:sldId id="283" r:id="rId15"/>
     <p:sldId id="287" r:id="rId16"/>
-    <p:sldId id="281" r:id="rId17"/>
-    <p:sldId id="288" r:id="rId18"/>
-    <p:sldId id="268" r:id="rId19"/>
-    <p:sldId id="257" r:id="rId20"/>
-    <p:sldId id="262" r:id="rId21"/>
-    <p:sldId id="260" r:id="rId22"/>
-    <p:sldId id="263" r:id="rId23"/>
-    <p:sldId id="264" r:id="rId24"/>
-    <p:sldId id="265" r:id="rId25"/>
-    <p:sldId id="266" r:id="rId26"/>
-    <p:sldId id="261" r:id="rId27"/>
-    <p:sldId id="285" r:id="rId28"/>
-    <p:sldId id="286" r:id="rId29"/>
-    <p:sldId id="267" r:id="rId30"/>
-    <p:sldId id="284" r:id="rId31"/>
+    <p:sldId id="289" r:id="rId17"/>
+    <p:sldId id="281" r:id="rId18"/>
+    <p:sldId id="288" r:id="rId19"/>
+    <p:sldId id="268" r:id="rId20"/>
+    <p:sldId id="257" r:id="rId21"/>
+    <p:sldId id="262" r:id="rId22"/>
+    <p:sldId id="260" r:id="rId23"/>
+    <p:sldId id="263" r:id="rId24"/>
+    <p:sldId id="264" r:id="rId25"/>
+    <p:sldId id="265" r:id="rId26"/>
+    <p:sldId id="266" r:id="rId27"/>
+    <p:sldId id="261" r:id="rId28"/>
+    <p:sldId id="285" r:id="rId29"/>
+    <p:sldId id="286" r:id="rId30"/>
+    <p:sldId id="267" r:id="rId31"/>
+    <p:sldId id="284" r:id="rId32"/>
   </p:sldIdLst>
   <p:sldSz cx="12192000" cy="6858000"/>
   <p:notesSz cx="6858000" cy="9144000"/>
@@ -144,7 +145,7 @@
 <file path=ppt/revisionInfo.xml><?xml version="1.0" encoding="utf-8"?>
 <p1510:revInfo xmlns:a="http://schemas.openxmlformats.org/drawingml/2006/main" xmlns:r="http://schemas.openxmlformats.org/officeDocument/2006/relationships" xmlns:p1510="http://schemas.microsoft.com/office/powerpoint/2015/10/main">
   <p1510:revLst>
-    <p1510:client id="{D7C0658D-90F2-4913-A583-EF94A943791B}" v="90" dt="2023-06-20T18:54:53.249"/>
+    <p1510:client id="{D7C0658D-90F2-4913-A583-EF94A943791B}" v="113" dt="2023-06-24T16:56:36.224"/>
   </p1510:revLst>
 </p1510:revInfo>
 </file>
@@ -153,8 +154,8 @@
 <pc:chgInfo xmlns:a="http://schemas.openxmlformats.org/drawingml/2006/main" xmlns:r="http://schemas.openxmlformats.org/officeDocument/2006/relationships" xmlns:ac="http://schemas.microsoft.com/office/drawing/2013/main/command" xmlns:pc="http://schemas.microsoft.com/office/powerpoint/2013/main/command">
   <pc:docChgLst>
     <pc:chgData name="Tay Zhan Keith" userId="c2142f1051427aa6" providerId="LiveId" clId="{D7C0658D-90F2-4913-A583-EF94A943791B}"/>
-    <pc:docChg chg="undo custSel addSld modSld">
-      <pc:chgData name="Tay Zhan Keith" userId="c2142f1051427aa6" providerId="LiveId" clId="{D7C0658D-90F2-4913-A583-EF94A943791B}" dt="2023-06-20T18:56:24.110" v="135" actId="693"/>
+    <pc:docChg chg="undo redo custSel addSld modSld">
+      <pc:chgData name="Tay Zhan Keith" userId="c2142f1051427aa6" providerId="LiveId" clId="{D7C0658D-90F2-4913-A583-EF94A943791B}" dt="2023-06-24T19:17:41.992" v="627" actId="14100"/>
       <pc:docMkLst>
         <pc:docMk/>
       </pc:docMkLst>
@@ -333,6 +334,68 @@
           </ac:cxnSpMkLst>
         </pc:cxnChg>
       </pc:sldChg>
+      <pc:sldChg chg="addSp delSp modSp mod">
+        <pc:chgData name="Tay Zhan Keith" userId="c2142f1051427aa6" providerId="LiveId" clId="{D7C0658D-90F2-4913-A583-EF94A943791B}" dt="2023-06-24T00:06:51.311" v="158" actId="1076"/>
+        <pc:sldMkLst>
+          <pc:docMk/>
+          <pc:sldMk cId="3569024520" sldId="286"/>
+        </pc:sldMkLst>
+        <pc:spChg chg="mod">
+          <ac:chgData name="Tay Zhan Keith" userId="c2142f1051427aa6" providerId="LiveId" clId="{D7C0658D-90F2-4913-A583-EF94A943791B}" dt="2023-06-24T00:05:54.272" v="136" actId="1076"/>
+          <ac:spMkLst>
+            <pc:docMk/>
+            <pc:sldMk cId="3569024520" sldId="286"/>
+            <ac:spMk id="5" creationId="{7E8CF5D2-29AF-1750-D84B-99794A2D7BC0}"/>
+          </ac:spMkLst>
+        </pc:spChg>
+        <pc:spChg chg="add mod">
+          <ac:chgData name="Tay Zhan Keith" userId="c2142f1051427aa6" providerId="LiveId" clId="{D7C0658D-90F2-4913-A583-EF94A943791B}" dt="2023-06-24T00:06:03.577" v="148" actId="20577"/>
+          <ac:spMkLst>
+            <pc:docMk/>
+            <pc:sldMk cId="3569024520" sldId="286"/>
+            <ac:spMk id="6" creationId="{23F3E98F-09AC-7CD0-3D02-6B1F642B5240}"/>
+          </ac:spMkLst>
+        </pc:spChg>
+        <pc:picChg chg="mod">
+          <ac:chgData name="Tay Zhan Keith" userId="c2142f1051427aa6" providerId="LiveId" clId="{D7C0658D-90F2-4913-A583-EF94A943791B}" dt="2023-06-24T00:05:54.272" v="136" actId="1076"/>
+          <ac:picMkLst>
+            <pc:docMk/>
+            <pc:sldMk cId="3569024520" sldId="286"/>
+            <ac:picMk id="7" creationId="{448944A9-F5B1-1BA1-A8EC-C3EFD5A502C7}"/>
+          </ac:picMkLst>
+        </pc:picChg>
+        <pc:picChg chg="add del mod">
+          <ac:chgData name="Tay Zhan Keith" userId="c2142f1051427aa6" providerId="LiveId" clId="{D7C0658D-90F2-4913-A583-EF94A943791B}" dt="2023-06-24T00:06:24.538" v="151" actId="478"/>
+          <ac:picMkLst>
+            <pc:docMk/>
+            <pc:sldMk cId="3569024520" sldId="286"/>
+            <ac:picMk id="8" creationId="{59E4EE34-2472-80D4-9E4B-8A60E799A9E8}"/>
+          </ac:picMkLst>
+        </pc:picChg>
+        <pc:picChg chg="add mod">
+          <ac:chgData name="Tay Zhan Keith" userId="c2142f1051427aa6" providerId="LiveId" clId="{D7C0658D-90F2-4913-A583-EF94A943791B}" dt="2023-06-24T00:06:51.311" v="158" actId="1076"/>
+          <ac:picMkLst>
+            <pc:docMk/>
+            <pc:sldMk cId="3569024520" sldId="286"/>
+            <ac:picMk id="10" creationId="{2CAAE562-88B4-B5BA-800C-E6CAA22090EE}"/>
+          </ac:picMkLst>
+        </pc:picChg>
+      </pc:sldChg>
+      <pc:sldChg chg="modSp mod">
+        <pc:chgData name="Tay Zhan Keith" userId="c2142f1051427aa6" providerId="LiveId" clId="{D7C0658D-90F2-4913-A583-EF94A943791B}" dt="2023-06-24T16:21:58.985" v="160" actId="1076"/>
+        <pc:sldMkLst>
+          <pc:docMk/>
+          <pc:sldMk cId="4229474001" sldId="287"/>
+        </pc:sldMkLst>
+        <pc:spChg chg="mod">
+          <ac:chgData name="Tay Zhan Keith" userId="c2142f1051427aa6" providerId="LiveId" clId="{D7C0658D-90F2-4913-A583-EF94A943791B}" dt="2023-06-24T16:21:58.985" v="160" actId="1076"/>
+          <ac:spMkLst>
+            <pc:docMk/>
+            <pc:sldMk cId="4229474001" sldId="287"/>
+            <ac:spMk id="136" creationId="{81E4C660-1210-E350-019E-F9D210E17864}"/>
+          </ac:spMkLst>
+        </pc:spChg>
+      </pc:sldChg>
       <pc:sldChg chg="addSp delSp modSp new mod">
         <pc:chgData name="Tay Zhan Keith" userId="c2142f1051427aa6" providerId="LiveId" clId="{D7C0658D-90F2-4913-A583-EF94A943791B}" dt="2023-06-20T18:53:30.296" v="97" actId="20577"/>
         <pc:sldMkLst>
@@ -371,6 +434,477 @@
             <ac:graphicFrameMk id="5" creationId="{05105525-FAD3-1BA3-3777-DCB2673EF1C1}"/>
           </ac:graphicFrameMkLst>
         </pc:graphicFrameChg>
+      </pc:sldChg>
+      <pc:sldChg chg="addSp delSp modSp add mod">
+        <pc:chgData name="Tay Zhan Keith" userId="c2142f1051427aa6" providerId="LiveId" clId="{D7C0658D-90F2-4913-A583-EF94A943791B}" dt="2023-06-24T19:17:41.992" v="627" actId="14100"/>
+        <pc:sldMkLst>
+          <pc:docMk/>
+          <pc:sldMk cId="180685912" sldId="289"/>
+        </pc:sldMkLst>
+        <pc:spChg chg="add mod">
+          <ac:chgData name="Tay Zhan Keith" userId="c2142f1051427aa6" providerId="LiveId" clId="{D7C0658D-90F2-4913-A583-EF94A943791B}" dt="2023-06-24T16:26:43.194" v="308" actId="1076"/>
+          <ac:spMkLst>
+            <pc:docMk/>
+            <pc:sldMk cId="180685912" sldId="289"/>
+            <ac:spMk id="2" creationId="{C5897EC9-F834-AEFF-0045-377BA2D5A537}"/>
+          </ac:spMkLst>
+        </pc:spChg>
+        <pc:spChg chg="add mod">
+          <ac:chgData name="Tay Zhan Keith" userId="c2142f1051427aa6" providerId="LiveId" clId="{D7C0658D-90F2-4913-A583-EF94A943791B}" dt="2023-06-24T16:26:11.178" v="297" actId="1076"/>
+          <ac:spMkLst>
+            <pc:docMk/>
+            <pc:sldMk cId="180685912" sldId="289"/>
+            <ac:spMk id="3" creationId="{0F245984-0883-C818-F8C6-23D3D780D083}"/>
+          </ac:spMkLst>
+        </pc:spChg>
+        <pc:spChg chg="del mod">
+          <ac:chgData name="Tay Zhan Keith" userId="c2142f1051427aa6" providerId="LiveId" clId="{D7C0658D-90F2-4913-A583-EF94A943791B}" dt="2023-06-24T16:29:59.447" v="392" actId="478"/>
+          <ac:spMkLst>
+            <pc:docMk/>
+            <pc:sldMk cId="180685912" sldId="289"/>
+            <ac:spMk id="4" creationId="{E25CC6E7-71EB-883F-41FF-06308FD3DDEA}"/>
+          </ac:spMkLst>
+        </pc:spChg>
+        <pc:spChg chg="add mod">
+          <ac:chgData name="Tay Zhan Keith" userId="c2142f1051427aa6" providerId="LiveId" clId="{D7C0658D-90F2-4913-A583-EF94A943791B}" dt="2023-06-24T16:24:04.365" v="264" actId="571"/>
+          <ac:spMkLst>
+            <pc:docMk/>
+            <pc:sldMk cId="180685912" sldId="289"/>
+            <ac:spMk id="5" creationId="{0A6C2B02-29F6-4F5A-8B04-4943DDDE4B33}"/>
+          </ac:spMkLst>
+        </pc:spChg>
+        <pc:spChg chg="add mod ord">
+          <ac:chgData name="Tay Zhan Keith" userId="c2142f1051427aa6" providerId="LiveId" clId="{D7C0658D-90F2-4913-A583-EF94A943791B}" dt="2023-06-24T16:29:27.821" v="387" actId="1076"/>
+          <ac:spMkLst>
+            <pc:docMk/>
+            <pc:sldMk cId="180685912" sldId="289"/>
+            <ac:spMk id="8" creationId="{CBC32CC2-8E3E-DB59-21DE-4CB543A93709}"/>
+          </ac:spMkLst>
+        </pc:spChg>
+        <pc:spChg chg="mod">
+          <ac:chgData name="Tay Zhan Keith" userId="c2142f1051427aa6" providerId="LiveId" clId="{D7C0658D-90F2-4913-A583-EF94A943791B}" dt="2023-06-24T16:55:16.469" v="488" actId="1076"/>
+          <ac:spMkLst>
+            <pc:docMk/>
+            <pc:sldMk cId="180685912" sldId="289"/>
+            <ac:spMk id="10" creationId="{8E8A02F6-9B8F-7751-1A35-7B0B0F05D15C}"/>
+          </ac:spMkLst>
+        </pc:spChg>
+        <pc:spChg chg="mod">
+          <ac:chgData name="Tay Zhan Keith" userId="c2142f1051427aa6" providerId="LiveId" clId="{D7C0658D-90F2-4913-A583-EF94A943791B}" dt="2023-06-24T16:57:26.489" v="574" actId="20577"/>
+          <ac:spMkLst>
+            <pc:docMk/>
+            <pc:sldMk cId="180685912" sldId="289"/>
+            <ac:spMk id="11" creationId="{F4A49180-D52F-DF45-8205-1FED895EC7C6}"/>
+          </ac:spMkLst>
+        </pc:spChg>
+        <pc:spChg chg="add mod">
+          <ac:chgData name="Tay Zhan Keith" userId="c2142f1051427aa6" providerId="LiveId" clId="{D7C0658D-90F2-4913-A583-EF94A943791B}" dt="2023-06-24T16:27:54.844" v="344" actId="1076"/>
+          <ac:spMkLst>
+            <pc:docMk/>
+            <pc:sldMk cId="180685912" sldId="289"/>
+            <ac:spMk id="19" creationId="{24CA3782-5CBE-FA4D-0E18-BD070199190D}"/>
+          </ac:spMkLst>
+        </pc:spChg>
+        <pc:spChg chg="del mod">
+          <ac:chgData name="Tay Zhan Keith" userId="c2142f1051427aa6" providerId="LiveId" clId="{D7C0658D-90F2-4913-A583-EF94A943791B}" dt="2023-06-24T16:29:59.447" v="392" actId="478"/>
+          <ac:spMkLst>
+            <pc:docMk/>
+            <pc:sldMk cId="180685912" sldId="289"/>
+            <ac:spMk id="20" creationId="{10338F05-54C3-AA6D-C154-2C5619AF4918}"/>
+          </ac:spMkLst>
+        </pc:spChg>
+        <pc:spChg chg="add del mod">
+          <ac:chgData name="Tay Zhan Keith" userId="c2142f1051427aa6" providerId="LiveId" clId="{D7C0658D-90F2-4913-A583-EF94A943791B}" dt="2023-06-24T16:28:26.755" v="370" actId="478"/>
+          <ac:spMkLst>
+            <pc:docMk/>
+            <pc:sldMk cId="180685912" sldId="289"/>
+            <ac:spMk id="21" creationId="{2C419BA7-4586-1CC8-A420-178D35E12D6F}"/>
+          </ac:spMkLst>
+        </pc:spChg>
+        <pc:spChg chg="add mod">
+          <ac:chgData name="Tay Zhan Keith" userId="c2142f1051427aa6" providerId="LiveId" clId="{D7C0658D-90F2-4913-A583-EF94A943791B}" dt="2023-06-24T16:57:11.042" v="571" actId="1076"/>
+          <ac:spMkLst>
+            <pc:docMk/>
+            <pc:sldMk cId="180685912" sldId="289"/>
+            <ac:spMk id="29" creationId="{076226AB-4855-EB46-2E2C-79B742D655B5}"/>
+          </ac:spMkLst>
+        </pc:spChg>
+        <pc:spChg chg="add mod">
+          <ac:chgData name="Tay Zhan Keith" userId="c2142f1051427aa6" providerId="LiveId" clId="{D7C0658D-90F2-4913-A583-EF94A943791B}" dt="2023-06-24T16:58:33.494" v="589" actId="14100"/>
+          <ac:spMkLst>
+            <pc:docMk/>
+            <pc:sldMk cId="180685912" sldId="289"/>
+            <ac:spMk id="30" creationId="{22BAEA20-5FD9-E7C2-46A9-9365016189E9}"/>
+          </ac:spMkLst>
+        </pc:spChg>
+        <pc:spChg chg="add mod">
+          <ac:chgData name="Tay Zhan Keith" userId="c2142f1051427aa6" providerId="LiveId" clId="{D7C0658D-90F2-4913-A583-EF94A943791B}" dt="2023-06-24T19:17:29.404" v="626" actId="14100"/>
+          <ac:spMkLst>
+            <pc:docMk/>
+            <pc:sldMk cId="180685912" sldId="289"/>
+            <ac:spMk id="31" creationId="{3393F656-14FE-859C-FED0-6F408BA4874B}"/>
+          </ac:spMkLst>
+        </pc:spChg>
+        <pc:spChg chg="add mod">
+          <ac:chgData name="Tay Zhan Keith" userId="c2142f1051427aa6" providerId="LiveId" clId="{D7C0658D-90F2-4913-A583-EF94A943791B}" dt="2023-06-24T16:56:32.932" v="537" actId="1076"/>
+          <ac:spMkLst>
+            <pc:docMk/>
+            <pc:sldMk cId="180685912" sldId="289"/>
+            <ac:spMk id="35" creationId="{4BC21A8F-9DB6-7130-2434-B9DAAAA691BE}"/>
+          </ac:spMkLst>
+        </pc:spChg>
+        <pc:spChg chg="add mod">
+          <ac:chgData name="Tay Zhan Keith" userId="c2142f1051427aa6" providerId="LiveId" clId="{D7C0658D-90F2-4913-A583-EF94A943791B}" dt="2023-06-24T17:00:25.112" v="604" actId="1076"/>
+          <ac:spMkLst>
+            <pc:docMk/>
+            <pc:sldMk cId="180685912" sldId="289"/>
+            <ac:spMk id="36" creationId="{B35853DE-BEB4-C403-BFE6-6D4285265220}"/>
+          </ac:spMkLst>
+        </pc:spChg>
+        <pc:spChg chg="add mod">
+          <ac:chgData name="Tay Zhan Keith" userId="c2142f1051427aa6" providerId="LiveId" clId="{D7C0658D-90F2-4913-A583-EF94A943791B}" dt="2023-06-24T17:00:28.101" v="606" actId="1035"/>
+          <ac:spMkLst>
+            <pc:docMk/>
+            <pc:sldMk cId="180685912" sldId="289"/>
+            <ac:spMk id="39" creationId="{6D2FD397-D941-D1FF-16D3-303B3972354F}"/>
+          </ac:spMkLst>
+        </pc:spChg>
+        <pc:spChg chg="mod">
+          <ac:chgData name="Tay Zhan Keith" userId="c2142f1051427aa6" providerId="LiveId" clId="{D7C0658D-90F2-4913-A583-EF94A943791B}" dt="2023-06-24T16:57:52.286" v="583" actId="20577"/>
+          <ac:spMkLst>
+            <pc:docMk/>
+            <pc:sldMk cId="180685912" sldId="289"/>
+            <ac:spMk id="102" creationId="{72BE10BA-C19B-AA5F-7D55-936B282F0B4D}"/>
+          </ac:spMkLst>
+        </pc:spChg>
+        <pc:spChg chg="del mod">
+          <ac:chgData name="Tay Zhan Keith" userId="c2142f1051427aa6" providerId="LiveId" clId="{D7C0658D-90F2-4913-A583-EF94A943791B}" dt="2023-06-24T16:29:59.447" v="392" actId="478"/>
+          <ac:spMkLst>
+            <pc:docMk/>
+            <pc:sldMk cId="180685912" sldId="289"/>
+            <ac:spMk id="103" creationId="{D0BBA8B0-6133-E2F9-E1F1-F6D9425C68C0}"/>
+          </ac:spMkLst>
+        </pc:spChg>
+        <pc:spChg chg="del mod">
+          <ac:chgData name="Tay Zhan Keith" userId="c2142f1051427aa6" providerId="LiveId" clId="{D7C0658D-90F2-4913-A583-EF94A943791B}" dt="2023-06-24T16:29:59.447" v="392" actId="478"/>
+          <ac:spMkLst>
+            <pc:docMk/>
+            <pc:sldMk cId="180685912" sldId="289"/>
+            <ac:spMk id="104" creationId="{DBCD75BB-C541-C65B-FBAE-0F9961F276F7}"/>
+          </ac:spMkLst>
+        </pc:spChg>
+        <pc:spChg chg="del mod">
+          <ac:chgData name="Tay Zhan Keith" userId="c2142f1051427aa6" providerId="LiveId" clId="{D7C0658D-90F2-4913-A583-EF94A943791B}" dt="2023-06-24T16:29:59.447" v="392" actId="478"/>
+          <ac:spMkLst>
+            <pc:docMk/>
+            <pc:sldMk cId="180685912" sldId="289"/>
+            <ac:spMk id="132" creationId="{D48806F9-27C7-46D8-5993-CBDC66D15FCB}"/>
+          </ac:spMkLst>
+        </pc:spChg>
+        <pc:spChg chg="del mod">
+          <ac:chgData name="Tay Zhan Keith" userId="c2142f1051427aa6" providerId="LiveId" clId="{D7C0658D-90F2-4913-A583-EF94A943791B}" dt="2023-06-24T16:29:59.447" v="392" actId="478"/>
+          <ac:spMkLst>
+            <pc:docMk/>
+            <pc:sldMk cId="180685912" sldId="289"/>
+            <ac:spMk id="133" creationId="{14B99FBB-8D30-581C-8D8F-D09071DC9153}"/>
+          </ac:spMkLst>
+        </pc:spChg>
+        <pc:spChg chg="del mod">
+          <ac:chgData name="Tay Zhan Keith" userId="c2142f1051427aa6" providerId="LiveId" clId="{D7C0658D-90F2-4913-A583-EF94A943791B}" dt="2023-06-24T16:29:59.447" v="392" actId="478"/>
+          <ac:spMkLst>
+            <pc:docMk/>
+            <pc:sldMk cId="180685912" sldId="289"/>
+            <ac:spMk id="135" creationId="{81CE97E5-8EF4-678F-7ABC-1E50FEA714AA}"/>
+          </ac:spMkLst>
+        </pc:spChg>
+        <pc:spChg chg="add del mod">
+          <ac:chgData name="Tay Zhan Keith" userId="c2142f1051427aa6" providerId="LiveId" clId="{D7C0658D-90F2-4913-A583-EF94A943791B}" dt="2023-06-24T19:17:41.992" v="627" actId="14100"/>
+          <ac:spMkLst>
+            <pc:docMk/>
+            <pc:sldMk cId="180685912" sldId="289"/>
+            <ac:spMk id="136" creationId="{81E4C660-1210-E350-019E-F9D210E17864}"/>
+          </ac:spMkLst>
+        </pc:spChg>
+        <pc:grpChg chg="del">
+          <ac:chgData name="Tay Zhan Keith" userId="c2142f1051427aa6" providerId="LiveId" clId="{D7C0658D-90F2-4913-A583-EF94A943791B}" dt="2023-06-24T16:25:45.072" v="292" actId="165"/>
+          <ac:grpSpMkLst>
+            <pc:docMk/>
+            <pc:sldMk cId="180685912" sldId="289"/>
+            <ac:grpSpMk id="12" creationId="{493E4B36-57A8-0E08-6AEE-15C92CC2A3CB}"/>
+          </ac:grpSpMkLst>
+        </pc:grpChg>
+        <pc:grpChg chg="del">
+          <ac:chgData name="Tay Zhan Keith" userId="c2142f1051427aa6" providerId="LiveId" clId="{D7C0658D-90F2-4913-A583-EF94A943791B}" dt="2023-06-24T16:22:48.567" v="189" actId="165"/>
+          <ac:grpSpMkLst>
+            <pc:docMk/>
+            <pc:sldMk cId="180685912" sldId="289"/>
+            <ac:grpSpMk id="13" creationId="{8F51EEB6-E54C-B5A0-EA4C-AD064C988B92}"/>
+          </ac:grpSpMkLst>
+        </pc:grpChg>
+        <pc:grpChg chg="del mod">
+          <ac:chgData name="Tay Zhan Keith" userId="c2142f1051427aa6" providerId="LiveId" clId="{D7C0658D-90F2-4913-A583-EF94A943791B}" dt="2023-06-24T16:29:59.447" v="392" actId="478"/>
+          <ac:grpSpMkLst>
+            <pc:docMk/>
+            <pc:sldMk cId="180685912" sldId="289"/>
+            <ac:grpSpMk id="16" creationId="{9A3F2B57-3B6C-4E7D-57AF-F5F16E214FCF}"/>
+          </ac:grpSpMkLst>
+        </pc:grpChg>
+        <pc:grpChg chg="del mod">
+          <ac:chgData name="Tay Zhan Keith" userId="c2142f1051427aa6" providerId="LiveId" clId="{D7C0658D-90F2-4913-A583-EF94A943791B}" dt="2023-06-24T16:29:59.447" v="392" actId="478"/>
+          <ac:grpSpMkLst>
+            <pc:docMk/>
+            <pc:sldMk cId="180685912" sldId="289"/>
+            <ac:grpSpMk id="118" creationId="{C08AEE39-628C-6F90-4673-10FB485933AB}"/>
+          </ac:grpSpMkLst>
+        </pc:grpChg>
+        <pc:grpChg chg="del mod">
+          <ac:chgData name="Tay Zhan Keith" userId="c2142f1051427aa6" providerId="LiveId" clId="{D7C0658D-90F2-4913-A583-EF94A943791B}" dt="2023-06-24T16:29:59.447" v="392" actId="478"/>
+          <ac:grpSpMkLst>
+            <pc:docMk/>
+            <pc:sldMk cId="180685912" sldId="289"/>
+            <ac:grpSpMk id="119" creationId="{7685FA35-6999-80D5-6BA0-B337193319AE}"/>
+          </ac:grpSpMkLst>
+        </pc:grpChg>
+        <pc:grpChg chg="del mod">
+          <ac:chgData name="Tay Zhan Keith" userId="c2142f1051427aa6" providerId="LiveId" clId="{D7C0658D-90F2-4913-A583-EF94A943791B}" dt="2023-06-24T16:29:59.447" v="392" actId="478"/>
+          <ac:grpSpMkLst>
+            <pc:docMk/>
+            <pc:sldMk cId="180685912" sldId="289"/>
+            <ac:grpSpMk id="129" creationId="{D4F58B68-F2B3-894B-B691-BF1EE394AA7E}"/>
+          </ac:grpSpMkLst>
+        </pc:grpChg>
+        <pc:picChg chg="mod topLvl">
+          <ac:chgData name="Tay Zhan Keith" userId="c2142f1051427aa6" providerId="LiveId" clId="{D7C0658D-90F2-4913-A583-EF94A943791B}" dt="2023-06-24T16:29:42.024" v="390" actId="1076"/>
+          <ac:picMkLst>
+            <pc:docMk/>
+            <pc:sldMk cId="180685912" sldId="289"/>
+            <ac:picMk id="6" creationId="{536C0A80-3C28-91C3-40D4-9E420F943FDF}"/>
+          </ac:picMkLst>
+        </pc:picChg>
+        <pc:picChg chg="add mod">
+          <ac:chgData name="Tay Zhan Keith" userId="c2142f1051427aa6" providerId="LiveId" clId="{D7C0658D-90F2-4913-A583-EF94A943791B}" dt="2023-06-24T16:27:50.872" v="343" actId="1076"/>
+          <ac:picMkLst>
+            <pc:docMk/>
+            <pc:sldMk cId="180685912" sldId="289"/>
+            <ac:picMk id="7" creationId="{5886F3E6-3203-0738-8C26-DF7FE9F22DCB}"/>
+          </ac:picMkLst>
+        </pc:picChg>
+        <pc:picChg chg="mod topLvl">
+          <ac:chgData name="Tay Zhan Keith" userId="c2142f1051427aa6" providerId="LiveId" clId="{D7C0658D-90F2-4913-A583-EF94A943791B}" dt="2023-06-24T16:26:06.897" v="296" actId="1076"/>
+          <ac:picMkLst>
+            <pc:docMk/>
+            <pc:sldMk cId="180685912" sldId="289"/>
+            <ac:picMk id="9" creationId="{8B588C00-3F81-ACDE-962B-11B9EE7500FF}"/>
+          </ac:picMkLst>
+        </pc:picChg>
+        <pc:picChg chg="del mod topLvl">
+          <ac:chgData name="Tay Zhan Keith" userId="c2142f1051427aa6" providerId="LiveId" clId="{D7C0658D-90F2-4913-A583-EF94A943791B}" dt="2023-06-24T16:29:59.447" v="392" actId="478"/>
+          <ac:picMkLst>
+            <pc:docMk/>
+            <pc:sldMk cId="180685912" sldId="289"/>
+            <ac:picMk id="14" creationId="{F4B95A34-6DF3-3107-1C43-F3F48B8A5F12}"/>
+          </ac:picMkLst>
+        </pc:picChg>
+        <pc:picChg chg="mod topLvl">
+          <ac:chgData name="Tay Zhan Keith" userId="c2142f1051427aa6" providerId="LiveId" clId="{D7C0658D-90F2-4913-A583-EF94A943791B}" dt="2023-06-24T16:26:58.341" v="312" actId="196"/>
+          <ac:picMkLst>
+            <pc:docMk/>
+            <pc:sldMk cId="180685912" sldId="289"/>
+            <ac:picMk id="15" creationId="{826DDC07-7D40-5BCC-B631-4E7EEFB15BF2}"/>
+          </ac:picMkLst>
+        </pc:picChg>
+        <pc:picChg chg="add del mod">
+          <ac:chgData name="Tay Zhan Keith" userId="c2142f1051427aa6" providerId="LiveId" clId="{D7C0658D-90F2-4913-A583-EF94A943791B}" dt="2023-06-24T16:55:20.382" v="489" actId="478"/>
+          <ac:picMkLst>
+            <pc:docMk/>
+            <pc:sldMk cId="180685912" sldId="289"/>
+            <ac:picMk id="32" creationId="{7E51BAF9-1648-6034-B2CB-D6DC8366929F}"/>
+          </ac:picMkLst>
+        </pc:picChg>
+        <pc:picChg chg="add del mod">
+          <ac:chgData name="Tay Zhan Keith" userId="c2142f1051427aa6" providerId="LiveId" clId="{D7C0658D-90F2-4913-A583-EF94A943791B}" dt="2023-06-24T16:55:24.478" v="491"/>
+          <ac:picMkLst>
+            <pc:docMk/>
+            <pc:sldMk cId="180685912" sldId="289"/>
+            <ac:picMk id="33" creationId="{113683BD-C07F-2A8B-E7A1-D97BAF768AB1}"/>
+          </ac:picMkLst>
+        </pc:picChg>
+        <pc:cxnChg chg="del">
+          <ac:chgData name="Tay Zhan Keith" userId="c2142f1051427aa6" providerId="LiveId" clId="{D7C0658D-90F2-4913-A583-EF94A943791B}" dt="2023-06-24T16:22:26.110" v="186" actId="478"/>
+          <ac:cxnSpMkLst>
+            <pc:docMk/>
+            <pc:sldMk cId="180685912" sldId="289"/>
+            <ac:cxnSpMk id="22" creationId="{4F783A37-4A8B-0A22-AC5E-A59B5D67F115}"/>
+          </ac:cxnSpMkLst>
+        </pc:cxnChg>
+        <pc:cxnChg chg="del">
+          <ac:chgData name="Tay Zhan Keith" userId="c2142f1051427aa6" providerId="LiveId" clId="{D7C0658D-90F2-4913-A583-EF94A943791B}" dt="2023-06-24T16:22:25.545" v="185" actId="478"/>
+          <ac:cxnSpMkLst>
+            <pc:docMk/>
+            <pc:sldMk cId="180685912" sldId="289"/>
+            <ac:cxnSpMk id="23" creationId="{01BF72FB-D86A-1C6E-2A33-A96E1EACED8F}"/>
+          </ac:cxnSpMkLst>
+        </pc:cxnChg>
+        <pc:cxnChg chg="del">
+          <ac:chgData name="Tay Zhan Keith" userId="c2142f1051427aa6" providerId="LiveId" clId="{D7C0658D-90F2-4913-A583-EF94A943791B}" dt="2023-06-24T16:22:24.932" v="184" actId="478"/>
+          <ac:cxnSpMkLst>
+            <pc:docMk/>
+            <pc:sldMk cId="180685912" sldId="289"/>
+            <ac:cxnSpMk id="24" creationId="{AD984099-00C1-9B44-CF9A-27EB01C4A295}"/>
+          </ac:cxnSpMkLst>
+        </pc:cxnChg>
+        <pc:cxnChg chg="del">
+          <ac:chgData name="Tay Zhan Keith" userId="c2142f1051427aa6" providerId="LiveId" clId="{D7C0658D-90F2-4913-A583-EF94A943791B}" dt="2023-06-24T16:22:14.768" v="171" actId="478"/>
+          <ac:cxnSpMkLst>
+            <pc:docMk/>
+            <pc:sldMk cId="180685912" sldId="289"/>
+            <ac:cxnSpMk id="26" creationId="{4BFCEE6A-2274-8F4B-A1B5-0E5B3755F532}"/>
+          </ac:cxnSpMkLst>
+        </pc:cxnChg>
+        <pc:cxnChg chg="del">
+          <ac:chgData name="Tay Zhan Keith" userId="c2142f1051427aa6" providerId="LiveId" clId="{D7C0658D-90F2-4913-A583-EF94A943791B}" dt="2023-06-24T16:22:24.415" v="183" actId="478"/>
+          <ac:cxnSpMkLst>
+            <pc:docMk/>
+            <pc:sldMk cId="180685912" sldId="289"/>
+            <ac:cxnSpMk id="27" creationId="{1F44AE93-1F35-95C7-43B3-00EE26F771A7}"/>
+          </ac:cxnSpMkLst>
+        </pc:cxnChg>
+        <pc:cxnChg chg="del">
+          <ac:chgData name="Tay Zhan Keith" userId="c2142f1051427aa6" providerId="LiveId" clId="{D7C0658D-90F2-4913-A583-EF94A943791B}" dt="2023-06-24T16:22:23.850" v="182" actId="478"/>
+          <ac:cxnSpMkLst>
+            <pc:docMk/>
+            <pc:sldMk cId="180685912" sldId="289"/>
+            <ac:cxnSpMk id="28" creationId="{428AE7D6-3EFF-2898-38FC-FB60826F8076}"/>
+          </ac:cxnSpMkLst>
+        </pc:cxnChg>
+        <pc:cxnChg chg="del">
+          <ac:chgData name="Tay Zhan Keith" userId="c2142f1051427aa6" providerId="LiveId" clId="{D7C0658D-90F2-4913-A583-EF94A943791B}" dt="2023-06-24T16:22:14.234" v="170" actId="478"/>
+          <ac:cxnSpMkLst>
+            <pc:docMk/>
+            <pc:sldMk cId="180685912" sldId="289"/>
+            <ac:cxnSpMk id="34" creationId="{C3967FF0-AB14-BA35-51AE-89C2F5784EFB}"/>
+          </ac:cxnSpMkLst>
+        </pc:cxnChg>
+        <pc:cxnChg chg="del">
+          <ac:chgData name="Tay Zhan Keith" userId="c2142f1051427aa6" providerId="LiveId" clId="{D7C0658D-90F2-4913-A583-EF94A943791B}" dt="2023-06-24T16:22:23.269" v="181" actId="478"/>
+          <ac:cxnSpMkLst>
+            <pc:docMk/>
+            <pc:sldMk cId="180685912" sldId="289"/>
+            <ac:cxnSpMk id="37" creationId="{7006D285-00DF-0912-3D6D-7E3D8FC00F2B}"/>
+          </ac:cxnSpMkLst>
+        </pc:cxnChg>
+        <pc:cxnChg chg="del">
+          <ac:chgData name="Tay Zhan Keith" userId="c2142f1051427aa6" providerId="LiveId" clId="{D7C0658D-90F2-4913-A583-EF94A943791B}" dt="2023-06-24T16:22:22.642" v="180" actId="478"/>
+          <ac:cxnSpMkLst>
+            <pc:docMk/>
+            <pc:sldMk cId="180685912" sldId="289"/>
+            <ac:cxnSpMk id="42" creationId="{72C700D3-B96A-4FDB-53EE-598A048989D4}"/>
+          </ac:cxnSpMkLst>
+        </pc:cxnChg>
+        <pc:cxnChg chg="del">
+          <ac:chgData name="Tay Zhan Keith" userId="c2142f1051427aa6" providerId="LiveId" clId="{D7C0658D-90F2-4913-A583-EF94A943791B}" dt="2023-06-24T16:22:13.666" v="169" actId="478"/>
+          <ac:cxnSpMkLst>
+            <pc:docMk/>
+            <pc:sldMk cId="180685912" sldId="289"/>
+            <ac:cxnSpMk id="45" creationId="{4ED3B829-76CB-356A-08BD-A1449509EB6F}"/>
+          </ac:cxnSpMkLst>
+        </pc:cxnChg>
+        <pc:cxnChg chg="del mod">
+          <ac:chgData name="Tay Zhan Keith" userId="c2142f1051427aa6" providerId="LiveId" clId="{D7C0658D-90F2-4913-A583-EF94A943791B}" dt="2023-06-24T16:22:13.035" v="168" actId="478"/>
+          <ac:cxnSpMkLst>
+            <pc:docMk/>
+            <pc:sldMk cId="180685912" sldId="289"/>
+            <ac:cxnSpMk id="71" creationId="{05AEFA8C-B82F-374A-6901-E27298F7B3F3}"/>
+          </ac:cxnSpMkLst>
+        </pc:cxnChg>
+        <pc:cxnChg chg="del">
+          <ac:chgData name="Tay Zhan Keith" userId="c2142f1051427aa6" providerId="LiveId" clId="{D7C0658D-90F2-4913-A583-EF94A943791B}" dt="2023-06-24T16:22:21.904" v="179" actId="478"/>
+          <ac:cxnSpMkLst>
+            <pc:docMk/>
+            <pc:sldMk cId="180685912" sldId="289"/>
+            <ac:cxnSpMk id="75" creationId="{89ACD2C3-2415-43AA-DE79-5813A14DCDB1}"/>
+          </ac:cxnSpMkLst>
+        </pc:cxnChg>
+        <pc:cxnChg chg="del">
+          <ac:chgData name="Tay Zhan Keith" userId="c2142f1051427aa6" providerId="LiveId" clId="{D7C0658D-90F2-4913-A583-EF94A943791B}" dt="2023-06-24T16:22:12.093" v="167" actId="478"/>
+          <ac:cxnSpMkLst>
+            <pc:docMk/>
+            <pc:sldMk cId="180685912" sldId="289"/>
+            <ac:cxnSpMk id="77" creationId="{E90A7B58-CD1B-E5A0-AA4A-692AD57406E7}"/>
+          </ac:cxnSpMkLst>
+        </pc:cxnChg>
+        <pc:cxnChg chg="del">
+          <ac:chgData name="Tay Zhan Keith" userId="c2142f1051427aa6" providerId="LiveId" clId="{D7C0658D-90F2-4913-A583-EF94A943791B}" dt="2023-06-24T16:22:21.041" v="178" actId="478"/>
+          <ac:cxnSpMkLst>
+            <pc:docMk/>
+            <pc:sldMk cId="180685912" sldId="289"/>
+            <ac:cxnSpMk id="79" creationId="{F691DC20-F0DE-C978-5FE7-A4DD21308C02}"/>
+          </ac:cxnSpMkLst>
+        </pc:cxnChg>
+        <pc:cxnChg chg="del">
+          <ac:chgData name="Tay Zhan Keith" userId="c2142f1051427aa6" providerId="LiveId" clId="{D7C0658D-90F2-4913-A583-EF94A943791B}" dt="2023-06-24T16:22:20.100" v="177" actId="478"/>
+          <ac:cxnSpMkLst>
+            <pc:docMk/>
+            <pc:sldMk cId="180685912" sldId="289"/>
+            <ac:cxnSpMk id="81" creationId="{7EC62044-2392-6461-F4F9-705C6782FC02}"/>
+          </ac:cxnSpMkLst>
+        </pc:cxnChg>
+        <pc:cxnChg chg="del">
+          <ac:chgData name="Tay Zhan Keith" userId="c2142f1051427aa6" providerId="LiveId" clId="{D7C0658D-90F2-4913-A583-EF94A943791B}" dt="2023-06-24T16:22:19.268" v="176" actId="478"/>
+          <ac:cxnSpMkLst>
+            <pc:docMk/>
+            <pc:sldMk cId="180685912" sldId="289"/>
+            <ac:cxnSpMk id="83" creationId="{F3E86FF5-FB43-E578-1033-5EE7DCF41F6D}"/>
+          </ac:cxnSpMkLst>
+        </pc:cxnChg>
+        <pc:cxnChg chg="del">
+          <ac:chgData name="Tay Zhan Keith" userId="c2142f1051427aa6" providerId="LiveId" clId="{D7C0658D-90F2-4913-A583-EF94A943791B}" dt="2023-06-24T16:22:11.528" v="166" actId="478"/>
+          <ac:cxnSpMkLst>
+            <pc:docMk/>
+            <pc:sldMk cId="180685912" sldId="289"/>
+            <ac:cxnSpMk id="84" creationId="{BE5A9573-DCF1-A27C-BE0B-BC701CBC492B}"/>
+          </ac:cxnSpMkLst>
+        </pc:cxnChg>
+        <pc:cxnChg chg="del">
+          <ac:chgData name="Tay Zhan Keith" userId="c2142f1051427aa6" providerId="LiveId" clId="{D7C0658D-90F2-4913-A583-EF94A943791B}" dt="2023-06-24T16:22:10.541" v="165" actId="478"/>
+          <ac:cxnSpMkLst>
+            <pc:docMk/>
+            <pc:sldMk cId="180685912" sldId="289"/>
+            <ac:cxnSpMk id="85" creationId="{A3B6B32B-E578-1852-7832-2E6F8D853C30}"/>
+          </ac:cxnSpMkLst>
+        </pc:cxnChg>
+        <pc:cxnChg chg="del">
+          <ac:chgData name="Tay Zhan Keith" userId="c2142f1051427aa6" providerId="LiveId" clId="{D7C0658D-90F2-4913-A583-EF94A943791B}" dt="2023-06-24T16:22:09.439" v="164" actId="478"/>
+          <ac:cxnSpMkLst>
+            <pc:docMk/>
+            <pc:sldMk cId="180685912" sldId="289"/>
+            <ac:cxnSpMk id="86" creationId="{289C0022-1B0E-6F48-CAF1-DAF0D00725ED}"/>
+          </ac:cxnSpMkLst>
+        </pc:cxnChg>
+        <pc:cxnChg chg="del">
+          <ac:chgData name="Tay Zhan Keith" userId="c2142f1051427aa6" providerId="LiveId" clId="{D7C0658D-90F2-4913-A583-EF94A943791B}" dt="2023-06-24T16:22:18.382" v="175" actId="478"/>
+          <ac:cxnSpMkLst>
+            <pc:docMk/>
+            <pc:sldMk cId="180685912" sldId="289"/>
+            <ac:cxnSpMk id="87" creationId="{69C621E5-35B9-2832-DB10-D51FFC24E362}"/>
+          </ac:cxnSpMkLst>
+        </pc:cxnChg>
+        <pc:cxnChg chg="del">
+          <ac:chgData name="Tay Zhan Keith" userId="c2142f1051427aa6" providerId="LiveId" clId="{D7C0658D-90F2-4913-A583-EF94A943791B}" dt="2023-06-24T16:22:17.482" v="174" actId="478"/>
+          <ac:cxnSpMkLst>
+            <pc:docMk/>
+            <pc:sldMk cId="180685912" sldId="289"/>
+            <ac:cxnSpMk id="88" creationId="{A39ACA6E-17F4-31C5-45FB-979BDF669C51}"/>
+          </ac:cxnSpMkLst>
+        </pc:cxnChg>
+        <pc:cxnChg chg="del mod">
+          <ac:chgData name="Tay Zhan Keith" userId="c2142f1051427aa6" providerId="LiveId" clId="{D7C0658D-90F2-4913-A583-EF94A943791B}" dt="2023-06-24T16:29:59.447" v="392" actId="478"/>
+          <ac:cxnSpMkLst>
+            <pc:docMk/>
+            <pc:sldMk cId="180685912" sldId="289"/>
+            <ac:cxnSpMk id="134" creationId="{B0468936-F72E-09E4-FE76-6C657AAAF3D1}"/>
+          </ac:cxnSpMkLst>
+        </pc:cxnChg>
       </pc:sldChg>
     </pc:docChg>
   </pc:docChgLst>
@@ -13824,7 +14358,7 @@
           <a:p>
             <a:fld id="{90E7F101-AFD9-4336-B8E9-8175C2E38E7B}" type="datetimeFigureOut">
               <a:rPr lang="en-US" smtClean="0"/>
-              <a:t>6/20/2023</a:t>
+              <a:t>6/24/2023</a:t>
             </a:fld>
             <a:endParaRPr lang="en-US"/>
           </a:p>
@@ -14022,7 +14556,7 @@
           <a:p>
             <a:fld id="{90E7F101-AFD9-4336-B8E9-8175C2E38E7B}" type="datetimeFigureOut">
               <a:rPr lang="en-US" smtClean="0"/>
-              <a:t>6/20/2023</a:t>
+              <a:t>6/24/2023</a:t>
             </a:fld>
             <a:endParaRPr lang="en-US"/>
           </a:p>
@@ -14230,7 +14764,7 @@
           <a:p>
             <a:fld id="{90E7F101-AFD9-4336-B8E9-8175C2E38E7B}" type="datetimeFigureOut">
               <a:rPr lang="en-US" smtClean="0"/>
-              <a:t>6/20/2023</a:t>
+              <a:t>6/24/2023</a:t>
             </a:fld>
             <a:endParaRPr lang="en-US"/>
           </a:p>
@@ -14428,7 +14962,7 @@
           <a:p>
             <a:fld id="{90E7F101-AFD9-4336-B8E9-8175C2E38E7B}" type="datetimeFigureOut">
               <a:rPr lang="en-US" smtClean="0"/>
-              <a:t>6/20/2023</a:t>
+              <a:t>6/24/2023</a:t>
             </a:fld>
             <a:endParaRPr lang="en-US"/>
           </a:p>
@@ -14703,7 +15237,7 @@
           <a:p>
             <a:fld id="{90E7F101-AFD9-4336-B8E9-8175C2E38E7B}" type="datetimeFigureOut">
               <a:rPr lang="en-US" smtClean="0"/>
-              <a:t>6/20/2023</a:t>
+              <a:t>6/24/2023</a:t>
             </a:fld>
             <a:endParaRPr lang="en-US"/>
           </a:p>
@@ -14968,7 +15502,7 @@
           <a:p>
             <a:fld id="{90E7F101-AFD9-4336-B8E9-8175C2E38E7B}" type="datetimeFigureOut">
               <a:rPr lang="en-US" smtClean="0"/>
-              <a:t>6/20/2023</a:t>
+              <a:t>6/24/2023</a:t>
             </a:fld>
             <a:endParaRPr lang="en-US"/>
           </a:p>
@@ -15380,7 +15914,7 @@
           <a:p>
             <a:fld id="{90E7F101-AFD9-4336-B8E9-8175C2E38E7B}" type="datetimeFigureOut">
               <a:rPr lang="en-US" smtClean="0"/>
-              <a:t>6/20/2023</a:t>
+              <a:t>6/24/2023</a:t>
             </a:fld>
             <a:endParaRPr lang="en-US"/>
           </a:p>
@@ -15521,7 +16055,7 @@
           <a:p>
             <a:fld id="{90E7F101-AFD9-4336-B8E9-8175C2E38E7B}" type="datetimeFigureOut">
               <a:rPr lang="en-US" smtClean="0"/>
-              <a:t>6/20/2023</a:t>
+              <a:t>6/24/2023</a:t>
             </a:fld>
             <a:endParaRPr lang="en-US"/>
           </a:p>
@@ -15634,7 +16168,7 @@
           <a:p>
             <a:fld id="{90E7F101-AFD9-4336-B8E9-8175C2E38E7B}" type="datetimeFigureOut">
               <a:rPr lang="en-US" smtClean="0"/>
-              <a:t>6/20/2023</a:t>
+              <a:t>6/24/2023</a:t>
             </a:fld>
             <a:endParaRPr lang="en-US"/>
           </a:p>
@@ -15945,7 +16479,7 @@
           <a:p>
             <a:fld id="{90E7F101-AFD9-4336-B8E9-8175C2E38E7B}" type="datetimeFigureOut">
               <a:rPr lang="en-US" smtClean="0"/>
-              <a:t>6/20/2023</a:t>
+              <a:t>6/24/2023</a:t>
             </a:fld>
             <a:endParaRPr lang="en-US"/>
           </a:p>
@@ -16233,7 +16767,7 @@
           <a:p>
             <a:fld id="{90E7F101-AFD9-4336-B8E9-8175C2E38E7B}" type="datetimeFigureOut">
               <a:rPr lang="en-US" smtClean="0"/>
-              <a:t>6/20/2023</a:t>
+              <a:t>6/24/2023</a:t>
             </a:fld>
             <a:endParaRPr lang="en-US"/>
           </a:p>
@@ -16474,7 +17008,7 @@
           <a:p>
             <a:fld id="{90E7F101-AFD9-4336-B8E9-8175C2E38E7B}" type="datetimeFigureOut">
               <a:rPr lang="en-US" smtClean="0"/>
-              <a:t>6/20/2023</a:t>
+              <a:t>6/24/2023</a:t>
             </a:fld>
             <a:endParaRPr lang="en-US"/>
           </a:p>
@@ -28603,6 +29137,878 @@
       </p:grpSpPr>
       <p:sp>
         <p:nvSpPr>
+          <p:cNvPr id="136" name="TextBox 135">
+            <a:extLst>
+              <a:ext uri="{FF2B5EF4-FFF2-40B4-BE49-F238E27FC236}">
+                <a16:creationId xmlns:a16="http://schemas.microsoft.com/office/drawing/2014/main" id="{81E4C660-1210-E350-019E-F9D210E17864}"/>
+              </a:ext>
+            </a:extLst>
+          </p:cNvPr>
+          <p:cNvSpPr txBox="1"/>
+          <p:nvPr/>
+        </p:nvSpPr>
+        <p:spPr>
+          <a:xfrm>
+            <a:off x="256767" y="975596"/>
+            <a:ext cx="9742366" cy="3693319"/>
+          </a:xfrm>
+          <a:prstGeom prst="rect">
+            <a:avLst/>
+          </a:prstGeom>
+          <a:solidFill>
+            <a:schemeClr val="bg1"/>
+          </a:solidFill>
+        </p:spPr>
+        <p:txBody>
+          <a:bodyPr wrap="square" rtlCol="0">
+            <a:spAutoFit/>
+          </a:bodyPr>
+          <a:lstStyle/>
+          <a:p>
+            <a:endParaRPr lang="en-CA" dirty="0"/>
+          </a:p>
+          <a:p>
+            <a:endParaRPr lang="en-US" dirty="0"/>
+          </a:p>
+          <a:p>
+            <a:endParaRPr lang="en-US" dirty="0"/>
+          </a:p>
+          <a:p>
+            <a:endParaRPr lang="en-US" dirty="0"/>
+          </a:p>
+          <a:p>
+            <a:endParaRPr lang="en-US" dirty="0"/>
+          </a:p>
+          <a:p>
+            <a:endParaRPr lang="en-US" dirty="0"/>
+          </a:p>
+          <a:p>
+            <a:endParaRPr lang="en-US" dirty="0"/>
+          </a:p>
+          <a:p>
+            <a:endParaRPr lang="en-US" dirty="0"/>
+          </a:p>
+          <a:p>
+            <a:endParaRPr lang="en-US" dirty="0"/>
+          </a:p>
+          <a:p>
+            <a:endParaRPr lang="en-US" dirty="0"/>
+          </a:p>
+          <a:p>
+            <a:endParaRPr lang="en-US" dirty="0"/>
+          </a:p>
+          <a:p>
+            <a:endParaRPr lang="en-US" dirty="0"/>
+          </a:p>
+          <a:p>
+            <a:endParaRPr lang="en-US" dirty="0"/>
+          </a:p>
+        </p:txBody>
+      </p:sp>
+      <p:pic>
+        <p:nvPicPr>
+          <p:cNvPr id="6" name="Picture 5">
+            <a:extLst>
+              <a:ext uri="{FF2B5EF4-FFF2-40B4-BE49-F238E27FC236}">
+                <a16:creationId xmlns:a16="http://schemas.microsoft.com/office/drawing/2014/main" id="{536C0A80-3C28-91C3-40D4-9E420F943FDF}"/>
+              </a:ext>
+            </a:extLst>
+          </p:cNvPr>
+          <p:cNvPicPr>
+            <a:picLocks noChangeAspect="1"/>
+          </p:cNvPicPr>
+          <p:nvPr/>
+        </p:nvPicPr>
+        <p:blipFill rotWithShape="1">
+          <a:blip r:embed="rId2"/>
+          <a:srcRect l="22083" t="24001" r="-2"/>
+          <a:stretch/>
+        </p:blipFill>
+        <p:spPr>
+          <a:xfrm>
+            <a:off x="4399959" y="2641082"/>
+            <a:ext cx="486194" cy="489515"/>
+          </a:xfrm>
+          <a:prstGeom prst="rect">
+            <a:avLst/>
+          </a:prstGeom>
+        </p:spPr>
+      </p:pic>
+      <p:pic>
+        <p:nvPicPr>
+          <p:cNvPr id="9" name="Picture 8">
+            <a:extLst>
+              <a:ext uri="{FF2B5EF4-FFF2-40B4-BE49-F238E27FC236}">
+                <a16:creationId xmlns:a16="http://schemas.microsoft.com/office/drawing/2014/main" id="{8B588C00-3F81-ACDE-962B-11B9EE7500FF}"/>
+              </a:ext>
+            </a:extLst>
+          </p:cNvPr>
+          <p:cNvPicPr>
+            <a:picLocks noChangeAspect="1"/>
+          </p:cNvPicPr>
+          <p:nvPr/>
+        </p:nvPicPr>
+        <p:blipFill>
+          <a:blip r:embed="rId3"/>
+          <a:stretch>
+            <a:fillRect/>
+          </a:stretch>
+        </p:blipFill>
+        <p:spPr>
+          <a:xfrm>
+            <a:off x="1075404" y="2541007"/>
+            <a:ext cx="400071" cy="431822"/>
+          </a:xfrm>
+          <a:prstGeom prst="rect">
+            <a:avLst/>
+          </a:prstGeom>
+        </p:spPr>
+      </p:pic>
+      <p:sp>
+        <p:nvSpPr>
+          <p:cNvPr id="10" name="TextBox 9">
+            <a:extLst>
+              <a:ext uri="{FF2B5EF4-FFF2-40B4-BE49-F238E27FC236}">
+                <a16:creationId xmlns:a16="http://schemas.microsoft.com/office/drawing/2014/main" id="{8E8A02F6-9B8F-7751-1A35-7B0B0F05D15C}"/>
+              </a:ext>
+            </a:extLst>
+          </p:cNvPr>
+          <p:cNvSpPr txBox="1"/>
+          <p:nvPr/>
+        </p:nvSpPr>
+        <p:spPr>
+          <a:xfrm>
+            <a:off x="4906371" y="2632097"/>
+            <a:ext cx="1102138" cy="276999"/>
+          </a:xfrm>
+          <a:prstGeom prst="rect">
+            <a:avLst/>
+          </a:prstGeom>
+          <a:noFill/>
+        </p:spPr>
+        <p:txBody>
+          <a:bodyPr wrap="square" rtlCol="0">
+            <a:spAutoFit/>
+          </a:bodyPr>
+          <a:lstStyle/>
+          <a:p>
+            <a:r>
+              <a:rPr lang="en-CA" sz="1200" i="1" dirty="0">
+                <a:latin typeface="Times New Roman" panose="02020603050405020304" pitchFamily="18" charset="0"/>
+                <a:cs typeface="Times New Roman" panose="02020603050405020304" pitchFamily="18" charset="0"/>
+              </a:rPr>
+              <a:t>t </a:t>
+            </a:r>
+            <a:r>
+              <a:rPr lang="en-CA" sz="1200" dirty="0">
+                <a:latin typeface="Times New Roman" panose="02020603050405020304" pitchFamily="18" charset="0"/>
+                <a:cs typeface="Times New Roman" panose="02020603050405020304" pitchFamily="18" charset="0"/>
+              </a:rPr>
+              <a:t>targets</a:t>
+            </a:r>
+            <a:endParaRPr lang="en-US" sz="1200" dirty="0">
+              <a:latin typeface="Times New Roman" panose="02020603050405020304" pitchFamily="18" charset="0"/>
+              <a:cs typeface="Times New Roman" panose="02020603050405020304" pitchFamily="18" charset="0"/>
+            </a:endParaRPr>
+          </a:p>
+        </p:txBody>
+      </p:sp>
+      <p:sp>
+        <p:nvSpPr>
+          <p:cNvPr id="11" name="TextBox 10">
+            <a:extLst>
+              <a:ext uri="{FF2B5EF4-FFF2-40B4-BE49-F238E27FC236}">
+                <a16:creationId xmlns:a16="http://schemas.microsoft.com/office/drawing/2014/main" id="{F4A49180-D52F-DF45-8205-1FED895EC7C6}"/>
+              </a:ext>
+            </a:extLst>
+          </p:cNvPr>
+          <p:cNvSpPr txBox="1"/>
+          <p:nvPr/>
+        </p:nvSpPr>
+        <p:spPr>
+          <a:xfrm>
+            <a:off x="2341373" y="2770596"/>
+            <a:ext cx="1739711" cy="461665"/>
+          </a:xfrm>
+          <a:prstGeom prst="rect">
+            <a:avLst/>
+          </a:prstGeom>
+          <a:noFill/>
+        </p:spPr>
+        <p:txBody>
+          <a:bodyPr wrap="square" rtlCol="0">
+            <a:spAutoFit/>
+          </a:bodyPr>
+          <a:lstStyle/>
+          <a:p>
+            <a:r>
+              <a:rPr lang="en-CA" sz="1200" i="1" dirty="0">
+                <a:latin typeface="Times New Roman" panose="02020603050405020304" pitchFamily="18" charset="0"/>
+                <a:cs typeface="Times New Roman" panose="02020603050405020304" pitchFamily="18" charset="0"/>
+              </a:rPr>
+              <a:t>g</a:t>
+            </a:r>
+            <a:r>
+              <a:rPr lang="en-CA" sz="1200" dirty="0">
+                <a:latin typeface="Times New Roman" panose="02020603050405020304" pitchFamily="18" charset="0"/>
+                <a:cs typeface="Times New Roman" panose="02020603050405020304" pitchFamily="18" charset="0"/>
+              </a:rPr>
+              <a:t> source groups</a:t>
+            </a:r>
+          </a:p>
+          <a:p>
+            <a:r>
+              <a:rPr lang="en-CA" sz="1200" dirty="0">
+                <a:latin typeface="Times New Roman" panose="02020603050405020304" pitchFamily="18" charset="0"/>
+                <a:cs typeface="Times New Roman" panose="02020603050405020304" pitchFamily="18" charset="0"/>
+              </a:rPr>
+              <a:t>(each with s particles)</a:t>
+            </a:r>
+            <a:endParaRPr lang="en-US" sz="1200" dirty="0">
+              <a:latin typeface="Times New Roman" panose="02020603050405020304" pitchFamily="18" charset="0"/>
+              <a:cs typeface="Times New Roman" panose="02020603050405020304" pitchFamily="18" charset="0"/>
+            </a:endParaRPr>
+          </a:p>
+        </p:txBody>
+      </p:sp>
+      <p:pic>
+        <p:nvPicPr>
+          <p:cNvPr id="15" name="Picture 14">
+            <a:extLst>
+              <a:ext uri="{FF2B5EF4-FFF2-40B4-BE49-F238E27FC236}">
+                <a16:creationId xmlns:a16="http://schemas.microsoft.com/office/drawing/2014/main" id="{826DDC07-7D40-5BCC-B631-4E7EEFB15BF2}"/>
+              </a:ext>
+            </a:extLst>
+          </p:cNvPr>
+          <p:cNvPicPr>
+            <a:picLocks noChangeAspect="1"/>
+          </p:cNvPicPr>
+          <p:nvPr/>
+        </p:nvPicPr>
+        <p:blipFill>
+          <a:blip r:embed="rId3"/>
+          <a:stretch>
+            <a:fillRect/>
+          </a:stretch>
+        </p:blipFill>
+        <p:spPr>
+          <a:xfrm rot="5674009" flipH="1">
+            <a:off x="1340661" y="1885097"/>
+            <a:ext cx="400071" cy="431822"/>
+          </a:xfrm>
+          <a:prstGeom prst="rect">
+            <a:avLst/>
+          </a:prstGeom>
+        </p:spPr>
+      </p:pic>
+      <p:sp>
+        <p:nvSpPr>
+          <p:cNvPr id="102" name="TextBox 101">
+            <a:extLst>
+              <a:ext uri="{FF2B5EF4-FFF2-40B4-BE49-F238E27FC236}">
+                <a16:creationId xmlns:a16="http://schemas.microsoft.com/office/drawing/2014/main" id="{72BE10BA-C19B-AA5F-7D55-936B282F0B4D}"/>
+              </a:ext>
+            </a:extLst>
+          </p:cNvPr>
+          <p:cNvSpPr txBox="1"/>
+          <p:nvPr/>
+        </p:nvSpPr>
+        <p:spPr>
+          <a:xfrm>
+            <a:off x="6649794" y="1885573"/>
+            <a:ext cx="1930084" cy="307777"/>
+          </a:xfrm>
+          <a:prstGeom prst="rect">
+            <a:avLst/>
+          </a:prstGeom>
+          <a:noFill/>
+        </p:spPr>
+        <p:txBody>
+          <a:bodyPr wrap="square" rtlCol="0">
+            <a:spAutoFit/>
+          </a:bodyPr>
+          <a:lstStyle/>
+          <a:p>
+            <a:r>
+              <a:rPr lang="en-CA" sz="1400" dirty="0">
+                <a:latin typeface="Times New Roman" panose="02020603050405020304" pitchFamily="18" charset="0"/>
+                <a:cs typeface="Times New Roman" panose="02020603050405020304" pitchFamily="18" charset="0"/>
+              </a:rPr>
+              <a:t>Direct calculation: </a:t>
+            </a:r>
+            <a:r>
+              <a:rPr lang="en-CA" sz="1400" i="1" dirty="0">
+                <a:latin typeface="Times New Roman" panose="02020603050405020304" pitchFamily="18" charset="0"/>
+                <a:cs typeface="Times New Roman" panose="02020603050405020304" pitchFamily="18" charset="0"/>
+              </a:rPr>
+              <a:t>gst</a:t>
+            </a:r>
+          </a:p>
+        </p:txBody>
+      </p:sp>
+      <p:sp>
+        <p:nvSpPr>
+          <p:cNvPr id="2" name="TextBox 1">
+            <a:extLst>
+              <a:ext uri="{FF2B5EF4-FFF2-40B4-BE49-F238E27FC236}">
+                <a16:creationId xmlns:a16="http://schemas.microsoft.com/office/drawing/2014/main" id="{C5897EC9-F834-AEFF-0045-377BA2D5A537}"/>
+              </a:ext>
+            </a:extLst>
+          </p:cNvPr>
+          <p:cNvSpPr txBox="1"/>
+          <p:nvPr/>
+        </p:nvSpPr>
+        <p:spPr>
+          <a:xfrm>
+            <a:off x="524335" y="1831169"/>
+            <a:ext cx="1102138" cy="276999"/>
+          </a:xfrm>
+          <a:prstGeom prst="rect">
+            <a:avLst/>
+          </a:prstGeom>
+          <a:noFill/>
+        </p:spPr>
+        <p:txBody>
+          <a:bodyPr wrap="square" rtlCol="0">
+            <a:spAutoFit/>
+          </a:bodyPr>
+          <a:lstStyle/>
+          <a:p>
+            <a:r>
+              <a:rPr lang="en-CA" sz="1200" i="1" dirty="0">
+                <a:latin typeface="Times New Roman" panose="02020603050405020304" pitchFamily="18" charset="0"/>
+                <a:cs typeface="Times New Roman" panose="02020603050405020304" pitchFamily="18" charset="0"/>
+              </a:rPr>
+              <a:t>s </a:t>
+            </a:r>
+            <a:r>
+              <a:rPr lang="en-CA" sz="1200" dirty="0">
+                <a:latin typeface="Times New Roman" panose="02020603050405020304" pitchFamily="18" charset="0"/>
+                <a:cs typeface="Times New Roman" panose="02020603050405020304" pitchFamily="18" charset="0"/>
+              </a:rPr>
+              <a:t>sources</a:t>
+            </a:r>
+            <a:endParaRPr lang="en-US" sz="1200" dirty="0">
+              <a:latin typeface="Times New Roman" panose="02020603050405020304" pitchFamily="18" charset="0"/>
+              <a:cs typeface="Times New Roman" panose="02020603050405020304" pitchFamily="18" charset="0"/>
+            </a:endParaRPr>
+          </a:p>
+        </p:txBody>
+      </p:sp>
+      <p:sp>
+        <p:nvSpPr>
+          <p:cNvPr id="3" name="TextBox 2">
+            <a:extLst>
+              <a:ext uri="{FF2B5EF4-FFF2-40B4-BE49-F238E27FC236}">
+                <a16:creationId xmlns:a16="http://schemas.microsoft.com/office/drawing/2014/main" id="{0F245984-0883-C818-F8C6-23D3D780D083}"/>
+              </a:ext>
+            </a:extLst>
+          </p:cNvPr>
+          <p:cNvSpPr txBox="1"/>
+          <p:nvPr/>
+        </p:nvSpPr>
+        <p:spPr>
+          <a:xfrm>
+            <a:off x="337620" y="2593607"/>
+            <a:ext cx="1102138" cy="276999"/>
+          </a:xfrm>
+          <a:prstGeom prst="rect">
+            <a:avLst/>
+          </a:prstGeom>
+          <a:noFill/>
+        </p:spPr>
+        <p:txBody>
+          <a:bodyPr wrap="square" rtlCol="0">
+            <a:spAutoFit/>
+          </a:bodyPr>
+          <a:lstStyle/>
+          <a:p>
+            <a:r>
+              <a:rPr lang="en-CA" sz="1200" i="1" dirty="0">
+                <a:latin typeface="Times New Roman" panose="02020603050405020304" pitchFamily="18" charset="0"/>
+                <a:cs typeface="Times New Roman" panose="02020603050405020304" pitchFamily="18" charset="0"/>
+              </a:rPr>
+              <a:t>s </a:t>
+            </a:r>
+            <a:r>
+              <a:rPr lang="en-CA" sz="1200" dirty="0">
+                <a:latin typeface="Times New Roman" panose="02020603050405020304" pitchFamily="18" charset="0"/>
+                <a:cs typeface="Times New Roman" panose="02020603050405020304" pitchFamily="18" charset="0"/>
+              </a:rPr>
+              <a:t>sources</a:t>
+            </a:r>
+            <a:endParaRPr lang="en-US" sz="1200" dirty="0">
+              <a:latin typeface="Times New Roman" panose="02020603050405020304" pitchFamily="18" charset="0"/>
+              <a:cs typeface="Times New Roman" panose="02020603050405020304" pitchFamily="18" charset="0"/>
+            </a:endParaRPr>
+          </a:p>
+        </p:txBody>
+      </p:sp>
+      <p:sp>
+        <p:nvSpPr>
+          <p:cNvPr id="8" name="TextBox 7">
+            <a:extLst>
+              <a:ext uri="{FF2B5EF4-FFF2-40B4-BE49-F238E27FC236}">
+                <a16:creationId xmlns:a16="http://schemas.microsoft.com/office/drawing/2014/main" id="{CBC32CC2-8E3E-DB59-21DE-4CB543A93709}"/>
+              </a:ext>
+            </a:extLst>
+          </p:cNvPr>
+          <p:cNvSpPr txBox="1"/>
+          <p:nvPr/>
+        </p:nvSpPr>
+        <p:spPr>
+          <a:xfrm>
+            <a:off x="1158382" y="2879701"/>
+            <a:ext cx="1739711" cy="830997"/>
+          </a:xfrm>
+          <a:prstGeom prst="rect">
+            <a:avLst/>
+          </a:prstGeom>
+          <a:noFill/>
+        </p:spPr>
+        <p:txBody>
+          <a:bodyPr wrap="square" rtlCol="0">
+            <a:spAutoFit/>
+          </a:bodyPr>
+          <a:lstStyle/>
+          <a:p>
+            <a:r>
+              <a:rPr lang="en-CA" sz="1600" dirty="0">
+                <a:latin typeface="Times New Roman" panose="02020603050405020304" pitchFamily="18" charset="0"/>
+                <a:cs typeface="Times New Roman" panose="02020603050405020304" pitchFamily="18" charset="0"/>
+              </a:rPr>
+              <a:t>.</a:t>
+            </a:r>
+          </a:p>
+          <a:p>
+            <a:r>
+              <a:rPr lang="en-CA" sz="1600" dirty="0">
+                <a:latin typeface="Times New Roman" panose="02020603050405020304" pitchFamily="18" charset="0"/>
+                <a:cs typeface="Times New Roman" panose="02020603050405020304" pitchFamily="18" charset="0"/>
+              </a:rPr>
+              <a:t>.</a:t>
+            </a:r>
+          </a:p>
+          <a:p>
+            <a:r>
+              <a:rPr lang="en-CA" sz="1600" dirty="0">
+                <a:latin typeface="Times New Roman" panose="02020603050405020304" pitchFamily="18" charset="0"/>
+                <a:cs typeface="Times New Roman" panose="02020603050405020304" pitchFamily="18" charset="0"/>
+              </a:rPr>
+              <a:t>.</a:t>
+            </a:r>
+            <a:endParaRPr lang="en-US" sz="1600" dirty="0">
+              <a:latin typeface="Times New Roman" panose="02020603050405020304" pitchFamily="18" charset="0"/>
+              <a:cs typeface="Times New Roman" panose="02020603050405020304" pitchFamily="18" charset="0"/>
+            </a:endParaRPr>
+          </a:p>
+        </p:txBody>
+      </p:sp>
+      <p:pic>
+        <p:nvPicPr>
+          <p:cNvPr id="7" name="Picture 6">
+            <a:extLst>
+              <a:ext uri="{FF2B5EF4-FFF2-40B4-BE49-F238E27FC236}">
+                <a16:creationId xmlns:a16="http://schemas.microsoft.com/office/drawing/2014/main" id="{5886F3E6-3203-0738-8C26-DF7FE9F22DCB}"/>
+              </a:ext>
+            </a:extLst>
+          </p:cNvPr>
+          <p:cNvPicPr>
+            <a:picLocks noChangeAspect="1"/>
+          </p:cNvPicPr>
+          <p:nvPr/>
+        </p:nvPicPr>
+        <p:blipFill>
+          <a:blip r:embed="rId3"/>
+          <a:stretch>
+            <a:fillRect/>
+          </a:stretch>
+        </p:blipFill>
+        <p:spPr>
+          <a:xfrm rot="4372016" flipV="1">
+            <a:off x="1522440" y="3601747"/>
+            <a:ext cx="400071" cy="431822"/>
+          </a:xfrm>
+          <a:prstGeom prst="rect">
+            <a:avLst/>
+          </a:prstGeom>
+        </p:spPr>
+      </p:pic>
+      <p:sp>
+        <p:nvSpPr>
+          <p:cNvPr id="19" name="TextBox 18">
+            <a:extLst>
+              <a:ext uri="{FF2B5EF4-FFF2-40B4-BE49-F238E27FC236}">
+                <a16:creationId xmlns:a16="http://schemas.microsoft.com/office/drawing/2014/main" id="{24CA3782-5CBE-FA4D-0E18-BD070199190D}"/>
+              </a:ext>
+            </a:extLst>
+          </p:cNvPr>
+          <p:cNvSpPr txBox="1"/>
+          <p:nvPr/>
+        </p:nvSpPr>
+        <p:spPr>
+          <a:xfrm>
+            <a:off x="683447" y="3736575"/>
+            <a:ext cx="1102138" cy="276999"/>
+          </a:xfrm>
+          <a:prstGeom prst="rect">
+            <a:avLst/>
+          </a:prstGeom>
+          <a:noFill/>
+        </p:spPr>
+        <p:txBody>
+          <a:bodyPr wrap="square" rtlCol="0">
+            <a:spAutoFit/>
+          </a:bodyPr>
+          <a:lstStyle/>
+          <a:p>
+            <a:r>
+              <a:rPr lang="en-CA" sz="1200" i="1" dirty="0">
+                <a:latin typeface="Times New Roman" panose="02020603050405020304" pitchFamily="18" charset="0"/>
+                <a:cs typeface="Times New Roman" panose="02020603050405020304" pitchFamily="18" charset="0"/>
+              </a:rPr>
+              <a:t>s </a:t>
+            </a:r>
+            <a:r>
+              <a:rPr lang="en-CA" sz="1200" dirty="0">
+                <a:latin typeface="Times New Roman" panose="02020603050405020304" pitchFamily="18" charset="0"/>
+                <a:cs typeface="Times New Roman" panose="02020603050405020304" pitchFamily="18" charset="0"/>
+              </a:rPr>
+              <a:t>sources</a:t>
+            </a:r>
+            <a:endParaRPr lang="en-US" sz="1200" dirty="0">
+              <a:latin typeface="Times New Roman" panose="02020603050405020304" pitchFamily="18" charset="0"/>
+              <a:cs typeface="Times New Roman" panose="02020603050405020304" pitchFamily="18" charset="0"/>
+            </a:endParaRPr>
+          </a:p>
+        </p:txBody>
+      </p:sp>
+      <p:sp>
+        <p:nvSpPr>
+          <p:cNvPr id="29" name="Left Brace 28">
+            <a:extLst>
+              <a:ext uri="{FF2B5EF4-FFF2-40B4-BE49-F238E27FC236}">
+                <a16:creationId xmlns:a16="http://schemas.microsoft.com/office/drawing/2014/main" id="{076226AB-4855-EB46-2E2C-79B742D655B5}"/>
+              </a:ext>
+            </a:extLst>
+          </p:cNvPr>
+          <p:cNvSpPr/>
+          <p:nvPr/>
+        </p:nvSpPr>
+        <p:spPr>
+          <a:xfrm flipH="1">
+            <a:off x="1904316" y="1579733"/>
+            <a:ext cx="428712" cy="2715348"/>
+          </a:xfrm>
+          <a:prstGeom prst="leftBrace">
+            <a:avLst>
+              <a:gd name="adj1" fmla="val 38808"/>
+              <a:gd name="adj2" fmla="val 50000"/>
+            </a:avLst>
+          </a:prstGeom>
+          <a:noFill/>
+          <a:ln>
+            <a:solidFill>
+              <a:schemeClr val="tx1"/>
+            </a:solidFill>
+          </a:ln>
+        </p:spPr>
+        <p:style>
+          <a:lnRef idx="1">
+            <a:schemeClr val="accent1"/>
+          </a:lnRef>
+          <a:fillRef idx="0">
+            <a:schemeClr val="accent1"/>
+          </a:fillRef>
+          <a:effectRef idx="0">
+            <a:schemeClr val="accent1"/>
+          </a:effectRef>
+          <a:fontRef idx="minor">
+            <a:schemeClr val="tx1"/>
+          </a:fontRef>
+        </p:style>
+        <p:txBody>
+          <a:bodyPr rtlCol="0" anchor="ctr"/>
+          <a:lstStyle/>
+          <a:p>
+            <a:pPr algn="ctr"/>
+            <a:endParaRPr lang="en-US"/>
+          </a:p>
+        </p:txBody>
+      </p:sp>
+      <p:sp>
+        <p:nvSpPr>
+          <p:cNvPr id="30" name="TextBox 29">
+            <a:extLst>
+              <a:ext uri="{FF2B5EF4-FFF2-40B4-BE49-F238E27FC236}">
+                <a16:creationId xmlns:a16="http://schemas.microsoft.com/office/drawing/2014/main" id="{22BAEA20-5FD9-E7C2-46A9-9365016189E9}"/>
+              </a:ext>
+            </a:extLst>
+          </p:cNvPr>
+          <p:cNvSpPr txBox="1"/>
+          <p:nvPr/>
+        </p:nvSpPr>
+        <p:spPr>
+          <a:xfrm>
+            <a:off x="6649794" y="2593608"/>
+            <a:ext cx="2511140" cy="307777"/>
+          </a:xfrm>
+          <a:prstGeom prst="rect">
+            <a:avLst/>
+          </a:prstGeom>
+          <a:noFill/>
+        </p:spPr>
+        <p:txBody>
+          <a:bodyPr wrap="square" rtlCol="0">
+            <a:spAutoFit/>
+          </a:bodyPr>
+          <a:lstStyle/>
+          <a:p>
+            <a:r>
+              <a:rPr lang="en-CA" sz="1400" dirty="0">
+                <a:latin typeface="Times New Roman" panose="02020603050405020304" pitchFamily="18" charset="0"/>
+                <a:cs typeface="Times New Roman" panose="02020603050405020304" pitchFamily="18" charset="0"/>
+              </a:rPr>
+              <a:t>Source representation: </a:t>
+            </a:r>
+            <a:r>
+              <a:rPr lang="en-CA" sz="1400" i="1" dirty="0">
+                <a:latin typeface="Times New Roman" panose="02020603050405020304" pitchFamily="18" charset="0"/>
+                <a:cs typeface="Times New Roman" panose="02020603050405020304" pitchFamily="18" charset="0"/>
+              </a:rPr>
+              <a:t>g </a:t>
+            </a:r>
+            <a:r>
+              <a:rPr lang="en-CA" sz="1400" dirty="0">
+                <a:latin typeface="Times New Roman" panose="02020603050405020304" pitchFamily="18" charset="0"/>
+                <a:cs typeface="Times New Roman" panose="02020603050405020304" pitchFamily="18" charset="0"/>
+              </a:rPr>
+              <a:t>(</a:t>
+            </a:r>
+            <a:r>
+              <a:rPr lang="en-CA" sz="1400" i="1" dirty="0">
+                <a:latin typeface="Times New Roman" panose="02020603050405020304" pitchFamily="18" charset="0"/>
+                <a:cs typeface="Times New Roman" panose="02020603050405020304" pitchFamily="18" charset="0"/>
+              </a:rPr>
+              <a:t>s + t</a:t>
+            </a:r>
+            <a:r>
+              <a:rPr lang="en-CA" sz="1400" dirty="0">
+                <a:latin typeface="Times New Roman" panose="02020603050405020304" pitchFamily="18" charset="0"/>
+                <a:cs typeface="Times New Roman" panose="02020603050405020304" pitchFamily="18" charset="0"/>
+              </a:rPr>
+              <a:t>)</a:t>
+            </a:r>
+          </a:p>
+        </p:txBody>
+      </p:sp>
+      <p:sp>
+        <p:nvSpPr>
+          <p:cNvPr id="31" name="TextBox 30">
+            <a:extLst>
+              <a:ext uri="{FF2B5EF4-FFF2-40B4-BE49-F238E27FC236}">
+                <a16:creationId xmlns:a16="http://schemas.microsoft.com/office/drawing/2014/main" id="{3393F656-14FE-859C-FED0-6F408BA4874B}"/>
+              </a:ext>
+            </a:extLst>
+          </p:cNvPr>
+          <p:cNvSpPr txBox="1"/>
+          <p:nvPr/>
+        </p:nvSpPr>
+        <p:spPr>
+          <a:xfrm>
+            <a:off x="6649793" y="3301283"/>
+            <a:ext cx="3239273" cy="307777"/>
+          </a:xfrm>
+          <a:prstGeom prst="rect">
+            <a:avLst/>
+          </a:prstGeom>
+          <a:noFill/>
+        </p:spPr>
+        <p:txBody>
+          <a:bodyPr wrap="square" rtlCol="0">
+            <a:spAutoFit/>
+          </a:bodyPr>
+          <a:lstStyle/>
+          <a:p>
+            <a:r>
+              <a:rPr lang="en-CA" sz="1400" dirty="0">
+                <a:latin typeface="Times New Roman" panose="02020603050405020304" pitchFamily="18" charset="0"/>
+                <a:cs typeface="Times New Roman" panose="02020603050405020304" pitchFamily="18" charset="0"/>
+              </a:rPr>
+              <a:t>Source and target representation: </a:t>
+            </a:r>
+            <a:r>
+              <a:rPr lang="en-CA" sz="1400" i="1" dirty="0">
+                <a:latin typeface="Times New Roman" panose="02020603050405020304" pitchFamily="18" charset="0"/>
+                <a:cs typeface="Times New Roman" panose="02020603050405020304" pitchFamily="18" charset="0"/>
+              </a:rPr>
+              <a:t>gs + t</a:t>
+            </a:r>
+            <a:endParaRPr lang="en-CA" sz="1400" dirty="0">
+              <a:latin typeface="Times New Roman" panose="02020603050405020304" pitchFamily="18" charset="0"/>
+              <a:cs typeface="Times New Roman" panose="02020603050405020304" pitchFamily="18" charset="0"/>
+            </a:endParaRPr>
+          </a:p>
+        </p:txBody>
+      </p:sp>
+      <p:sp>
+        <p:nvSpPr>
+          <p:cNvPr id="35" name="TextBox 34">
+            <a:extLst>
+              <a:ext uri="{FF2B5EF4-FFF2-40B4-BE49-F238E27FC236}">
+                <a16:creationId xmlns:a16="http://schemas.microsoft.com/office/drawing/2014/main" id="{4BC21A8F-9DB6-7130-2434-B9DAAAA691BE}"/>
+              </a:ext>
+            </a:extLst>
+          </p:cNvPr>
+          <p:cNvSpPr txBox="1"/>
+          <p:nvPr/>
+        </p:nvSpPr>
+        <p:spPr>
+          <a:xfrm>
+            <a:off x="4425300" y="2710144"/>
+            <a:ext cx="1102138" cy="369332"/>
+          </a:xfrm>
+          <a:prstGeom prst="rect">
+            <a:avLst/>
+          </a:prstGeom>
+          <a:noFill/>
+        </p:spPr>
+        <p:txBody>
+          <a:bodyPr wrap="square" rtlCol="0">
+            <a:spAutoFit/>
+          </a:bodyPr>
+          <a:lstStyle/>
+          <a:p>
+            <a:r>
+              <a:rPr lang="en-CA" b="1" dirty="0">
+                <a:latin typeface="Times New Roman" panose="02020603050405020304" pitchFamily="18" charset="0"/>
+                <a:cs typeface="Times New Roman" panose="02020603050405020304" pitchFamily="18" charset="0"/>
+              </a:rPr>
+              <a:t>×</a:t>
+            </a:r>
+            <a:endParaRPr lang="en-US" b="1" dirty="0">
+              <a:latin typeface="Times New Roman" panose="02020603050405020304" pitchFamily="18" charset="0"/>
+              <a:cs typeface="Times New Roman" panose="02020603050405020304" pitchFamily="18" charset="0"/>
+            </a:endParaRPr>
+          </a:p>
+        </p:txBody>
+      </p:sp>
+      <p:sp>
+        <p:nvSpPr>
+          <p:cNvPr id="36" name="TextBox 35">
+            <a:extLst>
+              <a:ext uri="{FF2B5EF4-FFF2-40B4-BE49-F238E27FC236}">
+                <a16:creationId xmlns:a16="http://schemas.microsoft.com/office/drawing/2014/main" id="{B35853DE-BEB4-C403-BFE6-6D4285265220}"/>
+              </a:ext>
+            </a:extLst>
+          </p:cNvPr>
+          <p:cNvSpPr txBox="1"/>
+          <p:nvPr/>
+        </p:nvSpPr>
+        <p:spPr>
+          <a:xfrm>
+            <a:off x="4103627" y="4025447"/>
+            <a:ext cx="282108" cy="369332"/>
+          </a:xfrm>
+          <a:prstGeom prst="rect">
+            <a:avLst/>
+          </a:prstGeom>
+          <a:noFill/>
+        </p:spPr>
+        <p:txBody>
+          <a:bodyPr wrap="square" rtlCol="0">
+            <a:spAutoFit/>
+          </a:bodyPr>
+          <a:lstStyle/>
+          <a:p>
+            <a:r>
+              <a:rPr lang="en-CA" b="1" dirty="0">
+                <a:latin typeface="Times New Roman" panose="02020603050405020304" pitchFamily="18" charset="0"/>
+                <a:cs typeface="Times New Roman" panose="02020603050405020304" pitchFamily="18" charset="0"/>
+              </a:rPr>
+              <a:t>×</a:t>
+            </a:r>
+            <a:endParaRPr lang="en-US" dirty="0">
+              <a:latin typeface="Times New Roman" panose="02020603050405020304" pitchFamily="18" charset="0"/>
+              <a:cs typeface="Times New Roman" panose="02020603050405020304" pitchFamily="18" charset="0"/>
+            </a:endParaRPr>
+          </a:p>
+        </p:txBody>
+      </p:sp>
+      <p:sp>
+        <p:nvSpPr>
+          <p:cNvPr id="39" name="TextBox 38">
+            <a:extLst>
+              <a:ext uri="{FF2B5EF4-FFF2-40B4-BE49-F238E27FC236}">
+                <a16:creationId xmlns:a16="http://schemas.microsoft.com/office/drawing/2014/main" id="{6D2FD397-D941-D1FF-16D3-303B3972354F}"/>
+              </a:ext>
+            </a:extLst>
+          </p:cNvPr>
+          <p:cNvSpPr txBox="1"/>
+          <p:nvPr/>
+        </p:nvSpPr>
+        <p:spPr>
+          <a:xfrm>
+            <a:off x="4270503" y="4066437"/>
+            <a:ext cx="1825497" cy="276999"/>
+          </a:xfrm>
+          <a:prstGeom prst="rect">
+            <a:avLst/>
+          </a:prstGeom>
+          <a:noFill/>
+        </p:spPr>
+        <p:txBody>
+          <a:bodyPr wrap="square">
+            <a:spAutoFit/>
+          </a:bodyPr>
+          <a:lstStyle/>
+          <a:p>
+            <a:r>
+              <a:rPr lang="en-CA" sz="1200" dirty="0">
+                <a:latin typeface="Times New Roman" panose="02020603050405020304" pitchFamily="18" charset="0"/>
+                <a:cs typeface="Times New Roman" panose="02020603050405020304" pitchFamily="18" charset="0"/>
+              </a:rPr>
+              <a:t>: target expansion centre</a:t>
+            </a:r>
+            <a:endParaRPr lang="en-US" sz="1200" dirty="0">
+              <a:latin typeface="Times New Roman" panose="02020603050405020304" pitchFamily="18" charset="0"/>
+              <a:cs typeface="Times New Roman" panose="02020603050405020304" pitchFamily="18" charset="0"/>
+            </a:endParaRPr>
+          </a:p>
+        </p:txBody>
+      </p:sp>
+    </p:spTree>
+    <p:extLst>
+      <p:ext uri="{BB962C8B-B14F-4D97-AF65-F5344CB8AC3E}">
+        <p14:creationId xmlns:p14="http://schemas.microsoft.com/office/powerpoint/2010/main" val="180685912"/>
+      </p:ext>
+    </p:extLst>
+  </p:cSld>
+  <p:clrMapOvr>
+    <a:masterClrMapping/>
+  </p:clrMapOvr>
+</p:sld>
+</file>
+
+<file path=ppt/slides/slide17.xml><?xml version="1.0" encoding="utf-8"?>
+<p:sld xmlns:a="http://schemas.openxmlformats.org/drawingml/2006/main" xmlns:r="http://schemas.openxmlformats.org/officeDocument/2006/relationships" xmlns:p="http://schemas.openxmlformats.org/presentationml/2006/main">
+  <p:cSld>
+    <p:spTree>
+      <p:nvGrpSpPr>
+        <p:cNvPr id="1" name=""/>
+        <p:cNvGrpSpPr/>
+        <p:nvPr/>
+      </p:nvGrpSpPr>
+      <p:grpSpPr>
+        <a:xfrm>
+          <a:off x="0" y="0"/>
+          <a:ext cx="0" cy="0"/>
+          <a:chOff x="0" y="0"/>
+          <a:chExt cx="0" cy="0"/>
+        </a:xfrm>
+      </p:grpSpPr>
+      <p:sp>
+        <p:nvSpPr>
           <p:cNvPr id="4" name="Rectangle 3">
             <a:extLst>
               <a:ext uri="{FF2B5EF4-FFF2-40B4-BE49-F238E27FC236}">
@@ -31436,7 +32842,7 @@
 </p:sld>
 </file>
 
-<file path=ppt/slides/slide17.xml><?xml version="1.0" encoding="utf-8"?>
+<file path=ppt/slides/slide18.xml><?xml version="1.0" encoding="utf-8"?>
 <p:sld xmlns:a="http://schemas.openxmlformats.org/drawingml/2006/main" xmlns:r="http://schemas.openxmlformats.org/officeDocument/2006/relationships" xmlns:p="http://schemas.openxmlformats.org/presentationml/2006/main">
   <p:cSld>
     <p:spTree>
@@ -31494,7 +32900,7 @@
 </p:sld>
 </file>
 
-<file path=ppt/slides/slide18.xml><?xml version="1.0" encoding="utf-8"?>
+<file path=ppt/slides/slide19.xml><?xml version="1.0" encoding="utf-8"?>
 <p:sld xmlns:a="http://schemas.openxmlformats.org/drawingml/2006/main" xmlns:r="http://schemas.openxmlformats.org/officeDocument/2006/relationships" xmlns:p="http://schemas.openxmlformats.org/presentationml/2006/main">
   <p:cSld>
     <p:spTree>
@@ -31945,7 +33351,72 @@
 </p:sld>
 </file>
 
-<file path=ppt/slides/slide19.xml><?xml version="1.0" encoding="utf-8"?>
+<file path=ppt/slides/slide2.xml><?xml version="1.0" encoding="utf-8"?>
+<p:sld xmlns:a="http://schemas.openxmlformats.org/drawingml/2006/main" xmlns:r="http://schemas.openxmlformats.org/officeDocument/2006/relationships" xmlns:p="http://schemas.openxmlformats.org/presentationml/2006/main">
+  <p:cSld>
+    <p:spTree>
+      <p:nvGrpSpPr>
+        <p:cNvPr id="1" name=""/>
+        <p:cNvGrpSpPr/>
+        <p:nvPr/>
+      </p:nvGrpSpPr>
+      <p:grpSpPr>
+        <a:xfrm>
+          <a:off x="0" y="0"/>
+          <a:ext cx="0" cy="0"/>
+          <a:chOff x="0" y="0"/>
+          <a:chExt cx="0" cy="0"/>
+        </a:xfrm>
+      </p:grpSpPr>
+      <p:pic>
+        <p:nvPicPr>
+          <p:cNvPr id="7" name="Picture 6">
+            <a:extLst>
+              <a:ext uri="{FF2B5EF4-FFF2-40B4-BE49-F238E27FC236}">
+                <a16:creationId xmlns:a16="http://schemas.microsoft.com/office/drawing/2014/main" id="{43773F01-15B2-D51A-F24B-0F89D772348D}"/>
+              </a:ext>
+            </a:extLst>
+          </p:cNvPr>
+          <p:cNvPicPr>
+            <a:picLocks noChangeAspect="1"/>
+          </p:cNvPicPr>
+          <p:nvPr/>
+        </p:nvPicPr>
+        <p:blipFill rotWithShape="1">
+          <a:blip r:embed="rId2">
+            <a:extLst>
+              <a:ext uri="{28A0092B-C50C-407E-A947-70E740481C1C}">
+                <a14:useLocalDpi xmlns:a14="http://schemas.microsoft.com/office/drawing/2010/main" val="0"/>
+              </a:ext>
+            </a:extLst>
+          </a:blip>
+          <a:srcRect l="2" t="87500" r="-1387"/>
+          <a:stretch/>
+        </p:blipFill>
+        <p:spPr>
+          <a:xfrm>
+            <a:off x="3352800" y="5486400"/>
+            <a:ext cx="5562600" cy="685800"/>
+          </a:xfrm>
+          <a:prstGeom prst="rect">
+            <a:avLst/>
+          </a:prstGeom>
+        </p:spPr>
+      </p:pic>
+    </p:spTree>
+    <p:extLst>
+      <p:ext uri="{BB962C8B-B14F-4D97-AF65-F5344CB8AC3E}">
+        <p14:creationId xmlns:p14="http://schemas.microsoft.com/office/powerpoint/2010/main" val="1832403928"/>
+      </p:ext>
+    </p:extLst>
+  </p:cSld>
+  <p:clrMapOvr>
+    <a:masterClrMapping/>
+  </p:clrMapOvr>
+</p:sld>
+</file>
+
+<file path=ppt/slides/slide20.xml><?xml version="1.0" encoding="utf-8"?>
 <p:sld xmlns:a="http://schemas.openxmlformats.org/drawingml/2006/main" xmlns:r="http://schemas.openxmlformats.org/officeDocument/2006/relationships" xmlns:p="http://schemas.openxmlformats.org/presentationml/2006/main">
   <p:cSld>
     <p:spTree>
@@ -33822,72 +35293,7 @@
 </p:sld>
 </file>
 
-<file path=ppt/slides/slide2.xml><?xml version="1.0" encoding="utf-8"?>
-<p:sld xmlns:a="http://schemas.openxmlformats.org/drawingml/2006/main" xmlns:r="http://schemas.openxmlformats.org/officeDocument/2006/relationships" xmlns:p="http://schemas.openxmlformats.org/presentationml/2006/main">
-  <p:cSld>
-    <p:spTree>
-      <p:nvGrpSpPr>
-        <p:cNvPr id="1" name=""/>
-        <p:cNvGrpSpPr/>
-        <p:nvPr/>
-      </p:nvGrpSpPr>
-      <p:grpSpPr>
-        <a:xfrm>
-          <a:off x="0" y="0"/>
-          <a:ext cx="0" cy="0"/>
-          <a:chOff x="0" y="0"/>
-          <a:chExt cx="0" cy="0"/>
-        </a:xfrm>
-      </p:grpSpPr>
-      <p:pic>
-        <p:nvPicPr>
-          <p:cNvPr id="7" name="Picture 6">
-            <a:extLst>
-              <a:ext uri="{FF2B5EF4-FFF2-40B4-BE49-F238E27FC236}">
-                <a16:creationId xmlns:a16="http://schemas.microsoft.com/office/drawing/2014/main" id="{43773F01-15B2-D51A-F24B-0F89D772348D}"/>
-              </a:ext>
-            </a:extLst>
-          </p:cNvPr>
-          <p:cNvPicPr>
-            <a:picLocks noChangeAspect="1"/>
-          </p:cNvPicPr>
-          <p:nvPr/>
-        </p:nvPicPr>
-        <p:blipFill rotWithShape="1">
-          <a:blip r:embed="rId2">
-            <a:extLst>
-              <a:ext uri="{28A0092B-C50C-407E-A947-70E740481C1C}">
-                <a14:useLocalDpi xmlns:a14="http://schemas.microsoft.com/office/drawing/2010/main" val="0"/>
-              </a:ext>
-            </a:extLst>
-          </a:blip>
-          <a:srcRect l="2" t="87500" r="-1387"/>
-          <a:stretch/>
-        </p:blipFill>
-        <p:spPr>
-          <a:xfrm>
-            <a:off x="3352800" y="5486400"/>
-            <a:ext cx="5562600" cy="685800"/>
-          </a:xfrm>
-          <a:prstGeom prst="rect">
-            <a:avLst/>
-          </a:prstGeom>
-        </p:spPr>
-      </p:pic>
-    </p:spTree>
-    <p:extLst>
-      <p:ext uri="{BB962C8B-B14F-4D97-AF65-F5344CB8AC3E}">
-        <p14:creationId xmlns:p14="http://schemas.microsoft.com/office/powerpoint/2010/main" val="1832403928"/>
-      </p:ext>
-    </p:extLst>
-  </p:cSld>
-  <p:clrMapOvr>
-    <a:masterClrMapping/>
-  </p:clrMapOvr>
-</p:sld>
-</file>
-
-<file path=ppt/slides/slide20.xml><?xml version="1.0" encoding="utf-8"?>
+<file path=ppt/slides/slide21.xml><?xml version="1.0" encoding="utf-8"?>
 <p:sld xmlns:a="http://schemas.openxmlformats.org/drawingml/2006/main" xmlns:r="http://schemas.openxmlformats.org/officeDocument/2006/relationships" xmlns:p="http://schemas.openxmlformats.org/presentationml/2006/main">
   <p:cSld>
     <p:spTree>
@@ -36562,7 +37968,7 @@
 </p:sld>
 </file>
 
-<file path=ppt/slides/slide21.xml><?xml version="1.0" encoding="utf-8"?>
+<file path=ppt/slides/slide22.xml><?xml version="1.0" encoding="utf-8"?>
 <p:sld xmlns:a="http://schemas.openxmlformats.org/drawingml/2006/main" xmlns:r="http://schemas.openxmlformats.org/officeDocument/2006/relationships" xmlns:p="http://schemas.openxmlformats.org/presentationml/2006/main">
   <p:cSld>
     <p:spTree>
@@ -37062,7 +38468,7 @@
 </p:sld>
 </file>
 
-<file path=ppt/slides/slide22.xml><?xml version="1.0" encoding="utf-8"?>
+<file path=ppt/slides/slide23.xml><?xml version="1.0" encoding="utf-8"?>
 <p:sld xmlns:a="http://schemas.openxmlformats.org/drawingml/2006/main" xmlns:r="http://schemas.openxmlformats.org/officeDocument/2006/relationships" xmlns:p="http://schemas.openxmlformats.org/presentationml/2006/main">
   <p:cSld>
     <p:spTree>
@@ -40166,7 +41572,7 @@
 </p:sld>
 </file>
 
-<file path=ppt/slides/slide23.xml><?xml version="1.0" encoding="utf-8"?>
+<file path=ppt/slides/slide24.xml><?xml version="1.0" encoding="utf-8"?>
 <p:sld xmlns:a="http://schemas.openxmlformats.org/drawingml/2006/main" xmlns:r="http://schemas.openxmlformats.org/officeDocument/2006/relationships" xmlns:p="http://schemas.openxmlformats.org/presentationml/2006/main">
   <p:cSld>
     <p:spTree>
@@ -42841,7 +44247,7 @@
 </p:sld>
 </file>
 
-<file path=ppt/slides/slide24.xml><?xml version="1.0" encoding="utf-8"?>
+<file path=ppt/slides/slide25.xml><?xml version="1.0" encoding="utf-8"?>
 <p:sld xmlns:a="http://schemas.openxmlformats.org/drawingml/2006/main" xmlns:r="http://schemas.openxmlformats.org/officeDocument/2006/relationships" xmlns:p="http://schemas.openxmlformats.org/presentationml/2006/main">
   <p:cSld>
     <p:spTree>
@@ -42933,7 +44339,7 @@
 </p:sld>
 </file>
 
-<file path=ppt/slides/slide25.xml><?xml version="1.0" encoding="utf-8"?>
+<file path=ppt/slides/slide26.xml><?xml version="1.0" encoding="utf-8"?>
 <p:sld xmlns:a="http://schemas.openxmlformats.org/drawingml/2006/main" xmlns:r="http://schemas.openxmlformats.org/officeDocument/2006/relationships" xmlns:p="http://schemas.openxmlformats.org/presentationml/2006/main">
   <p:cSld>
     <p:spTree>
@@ -43433,7 +44839,7 @@
 </p:sld>
 </file>
 
-<file path=ppt/slides/slide26.xml><?xml version="1.0" encoding="utf-8"?>
+<file path=ppt/slides/slide27.xml><?xml version="1.0" encoding="utf-8"?>
 <p:sld xmlns:a="http://schemas.openxmlformats.org/drawingml/2006/main" xmlns:r="http://schemas.openxmlformats.org/officeDocument/2006/relationships" xmlns:p="http://schemas.openxmlformats.org/presentationml/2006/main">
   <p:cSld>
     <p:spTree>
@@ -43596,7 +45002,7 @@
 </p:sld>
 </file>
 
-<file path=ppt/slides/slide27.xml><?xml version="1.0" encoding="utf-8"?>
+<file path=ppt/slides/slide28.xml><?xml version="1.0" encoding="utf-8"?>
 <p:sld xmlns:a="http://schemas.openxmlformats.org/drawingml/2006/main" xmlns:r="http://schemas.openxmlformats.org/officeDocument/2006/relationships" xmlns:p="http://schemas.openxmlformats.org/presentationml/2006/main">
   <p:cSld>
     <p:spTree>
@@ -43662,7 +45068,7 @@
 </p:sld>
 </file>
 
-<file path=ppt/slides/slide28.xml><?xml version="1.0" encoding="utf-8"?>
+<file path=ppt/slides/slide29.xml><?xml version="1.0" encoding="utf-8"?>
 <p:sld xmlns:a="http://schemas.openxmlformats.org/drawingml/2006/main" xmlns:r="http://schemas.openxmlformats.org/officeDocument/2006/relationships" xmlns:p="http://schemas.openxmlformats.org/presentationml/2006/main">
   <p:cSld>
     <p:spTree>
@@ -43801,7 +45207,7 @@
         </p:nvSpPr>
         <p:spPr>
           <a:xfrm>
-            <a:off x="5529347" y="1143000"/>
+            <a:off x="5519187" y="958334"/>
             <a:ext cx="1532086" cy="369332"/>
           </a:xfrm>
           <a:prstGeom prst="rect">
@@ -43845,8 +45251,74 @@
         </p:blipFill>
         <p:spPr>
           <a:xfrm>
-            <a:off x="5295654" y="1210185"/>
+            <a:off x="5285494" y="1025519"/>
             <a:ext cx="254013" cy="234962"/>
+          </a:xfrm>
+          <a:prstGeom prst="rect">
+            <a:avLst/>
+          </a:prstGeom>
+        </p:spPr>
+      </p:pic>
+      <p:sp>
+        <p:nvSpPr>
+          <p:cNvPr id="6" name="TextBox 5">
+            <a:extLst>
+              <a:ext uri="{FF2B5EF4-FFF2-40B4-BE49-F238E27FC236}">
+                <a16:creationId xmlns:a16="http://schemas.microsoft.com/office/drawing/2014/main" id="{23F3E98F-09AC-7CD0-3D02-6B1F642B5240}"/>
+              </a:ext>
+            </a:extLst>
+          </p:cNvPr>
+          <p:cNvSpPr txBox="1"/>
+          <p:nvPr/>
+        </p:nvSpPr>
+        <p:spPr>
+          <a:xfrm>
+            <a:off x="5519187" y="1273068"/>
+            <a:ext cx="1156150" cy="369332"/>
+          </a:xfrm>
+          <a:prstGeom prst="rect">
+            <a:avLst/>
+          </a:prstGeom>
+          <a:noFill/>
+        </p:spPr>
+        <p:txBody>
+          <a:bodyPr wrap="none" rtlCol="0">
+            <a:spAutoFit/>
+          </a:bodyPr>
+          <a:lstStyle/>
+          <a:p>
+            <a:r>
+              <a:rPr lang="en-CA" dirty="0"/>
+              <a:t>Target box</a:t>
+            </a:r>
+            <a:endParaRPr lang="en-US" dirty="0"/>
+          </a:p>
+        </p:txBody>
+      </p:sp>
+      <p:pic>
+        <p:nvPicPr>
+          <p:cNvPr id="10" name="Picture 9">
+            <a:extLst>
+              <a:ext uri="{FF2B5EF4-FFF2-40B4-BE49-F238E27FC236}">
+                <a16:creationId xmlns:a16="http://schemas.microsoft.com/office/drawing/2014/main" id="{2CAAE562-88B4-B5BA-800C-E6CAA22090EE}"/>
+              </a:ext>
+            </a:extLst>
+          </p:cNvPr>
+          <p:cNvPicPr>
+            <a:picLocks noChangeAspect="1"/>
+          </p:cNvPicPr>
+          <p:nvPr/>
+        </p:nvPicPr>
+        <p:blipFill>
+          <a:blip r:embed="rId6"/>
+          <a:stretch>
+            <a:fillRect/>
+          </a:stretch>
+        </p:blipFill>
+        <p:spPr>
+          <a:xfrm>
+            <a:off x="5333121" y="1384705"/>
+            <a:ext cx="158758" cy="146058"/>
           </a:xfrm>
           <a:prstGeom prst="rect">
             <a:avLst/>
@@ -43866,7 +45338,37 @@
 </p:sld>
 </file>
 
-<file path=ppt/slides/slide29.xml><?xml version="1.0" encoding="utf-8"?>
+<file path=ppt/slides/slide3.xml><?xml version="1.0" encoding="utf-8"?>
+<p:sld xmlns:a="http://schemas.openxmlformats.org/drawingml/2006/main" xmlns:r="http://schemas.openxmlformats.org/officeDocument/2006/relationships" xmlns:p="http://schemas.openxmlformats.org/presentationml/2006/main">
+  <p:cSld>
+    <p:spTree>
+      <p:nvGrpSpPr>
+        <p:cNvPr id="1" name=""/>
+        <p:cNvGrpSpPr/>
+        <p:nvPr/>
+      </p:nvGrpSpPr>
+      <p:grpSpPr>
+        <a:xfrm>
+          <a:off x="0" y="0"/>
+          <a:ext cx="0" cy="0"/>
+          <a:chOff x="0" y="0"/>
+          <a:chExt cx="0" cy="0"/>
+        </a:xfrm>
+      </p:grpSpPr>
+    </p:spTree>
+    <p:extLst>
+      <p:ext uri="{BB962C8B-B14F-4D97-AF65-F5344CB8AC3E}">
+        <p14:creationId xmlns:p14="http://schemas.microsoft.com/office/powerpoint/2010/main" val="3546886733"/>
+      </p:ext>
+    </p:extLst>
+  </p:cSld>
+  <p:clrMapOvr>
+    <a:masterClrMapping/>
+  </p:clrMapOvr>
+</p:sld>
+</file>
+
+<file path=ppt/slides/slide30.xml><?xml version="1.0" encoding="utf-8"?>
 <p:sld xmlns:a="http://schemas.openxmlformats.org/drawingml/2006/main" xmlns:r="http://schemas.openxmlformats.org/officeDocument/2006/relationships" xmlns:p="http://schemas.openxmlformats.org/presentationml/2006/main">
   <p:cSld>
     <p:spTree>
@@ -43932,37 +45434,7 @@
 </p:sld>
 </file>
 
-<file path=ppt/slides/slide3.xml><?xml version="1.0" encoding="utf-8"?>
-<p:sld xmlns:a="http://schemas.openxmlformats.org/drawingml/2006/main" xmlns:r="http://schemas.openxmlformats.org/officeDocument/2006/relationships" xmlns:p="http://schemas.openxmlformats.org/presentationml/2006/main">
-  <p:cSld>
-    <p:spTree>
-      <p:nvGrpSpPr>
-        <p:cNvPr id="1" name=""/>
-        <p:cNvGrpSpPr/>
-        <p:nvPr/>
-      </p:nvGrpSpPr>
-      <p:grpSpPr>
-        <a:xfrm>
-          <a:off x="0" y="0"/>
-          <a:ext cx="0" cy="0"/>
-          <a:chOff x="0" y="0"/>
-          <a:chExt cx="0" cy="0"/>
-        </a:xfrm>
-      </p:grpSpPr>
-    </p:spTree>
-    <p:extLst>
-      <p:ext uri="{BB962C8B-B14F-4D97-AF65-F5344CB8AC3E}">
-        <p14:creationId xmlns:p14="http://schemas.microsoft.com/office/powerpoint/2010/main" val="3546886733"/>
-      </p:ext>
-    </p:extLst>
-  </p:cSld>
-  <p:clrMapOvr>
-    <a:masterClrMapping/>
-  </p:clrMapOvr>
-</p:sld>
-</file>
-
-<file path=ppt/slides/slide30.xml><?xml version="1.0" encoding="utf-8"?>
+<file path=ppt/slides/slide31.xml><?xml version="1.0" encoding="utf-8"?>
 <p:sld xmlns:a="http://schemas.openxmlformats.org/drawingml/2006/main" xmlns:r="http://schemas.openxmlformats.org/officeDocument/2006/relationships" xmlns:p="http://schemas.openxmlformats.org/presentationml/2006/main">
   <p:cSld>
     <p:spTree>

--- a/Misc/Nbody drawings.pptx
+++ b/Misc/Nbody drawings.pptx
@@ -36,6 +36,7 @@
     <p:sldId id="286" r:id="rId30"/>
     <p:sldId id="267" r:id="rId31"/>
     <p:sldId id="284" r:id="rId32"/>
+    <p:sldId id="290" r:id="rId33"/>
   </p:sldIdLst>
   <p:sldSz cx="12192000" cy="6858000"/>
   <p:notesSz cx="6858000" cy="9144000"/>
@@ -145,7 +146,7 @@
 <file path=ppt/revisionInfo.xml><?xml version="1.0" encoding="utf-8"?>
 <p1510:revInfo xmlns:a="http://schemas.openxmlformats.org/drawingml/2006/main" xmlns:r="http://schemas.openxmlformats.org/officeDocument/2006/relationships" xmlns:p1510="http://schemas.microsoft.com/office/powerpoint/2015/10/main">
   <p1510:revLst>
-    <p1510:client id="{D7C0658D-90F2-4913-A583-EF94A943791B}" v="113" dt="2023-06-24T16:56:36.224"/>
+    <p1510:client id="{D7C0658D-90F2-4913-A583-EF94A943791B}" v="115" dt="2023-07-24T15:16:38.101"/>
   </p1510:revLst>
 </p1510:revInfo>
 </file>
@@ -155,7 +156,7 @@
   <pc:docChgLst>
     <pc:chgData name="Tay Zhan Keith" userId="c2142f1051427aa6" providerId="LiveId" clId="{D7C0658D-90F2-4913-A583-EF94A943791B}"/>
     <pc:docChg chg="undo redo custSel addSld modSld">
-      <pc:chgData name="Tay Zhan Keith" userId="c2142f1051427aa6" providerId="LiveId" clId="{D7C0658D-90F2-4913-A583-EF94A943791B}" dt="2023-06-24T19:17:41.992" v="627" actId="14100"/>
+      <pc:chgData name="Tay Zhan Keith" userId="c2142f1051427aa6" providerId="LiveId" clId="{D7C0658D-90F2-4913-A583-EF94A943791B}" dt="2023-07-24T15:16:38.101" v="631" actId="478"/>
       <pc:docMkLst>
         <pc:docMk/>
       </pc:docMkLst>
@@ -905,6 +906,37 @@
             <ac:cxnSpMk id="134" creationId="{B0468936-F72E-09E4-FE76-6C657AAAF3D1}"/>
           </ac:cxnSpMkLst>
         </pc:cxnChg>
+      </pc:sldChg>
+      <pc:sldChg chg="addSp delSp modSp new mod">
+        <pc:chgData name="Tay Zhan Keith" userId="c2142f1051427aa6" providerId="LiveId" clId="{D7C0658D-90F2-4913-A583-EF94A943791B}" dt="2023-07-24T15:16:38.101" v="631" actId="478"/>
+        <pc:sldMkLst>
+          <pc:docMk/>
+          <pc:sldMk cId="1464739500" sldId="290"/>
+        </pc:sldMkLst>
+        <pc:spChg chg="del">
+          <ac:chgData name="Tay Zhan Keith" userId="c2142f1051427aa6" providerId="LiveId" clId="{D7C0658D-90F2-4913-A583-EF94A943791B}" dt="2023-07-24T15:16:32.498" v="629" actId="478"/>
+          <ac:spMkLst>
+            <pc:docMk/>
+            <pc:sldMk cId="1464739500" sldId="290"/>
+            <ac:spMk id="2" creationId="{C3FC662C-102E-4D71-276D-261F5909082D}"/>
+          </ac:spMkLst>
+        </pc:spChg>
+        <pc:spChg chg="del">
+          <ac:chgData name="Tay Zhan Keith" userId="c2142f1051427aa6" providerId="LiveId" clId="{D7C0658D-90F2-4913-A583-EF94A943791B}" dt="2023-07-24T15:16:32.498" v="629" actId="478"/>
+          <ac:spMkLst>
+            <pc:docMk/>
+            <pc:sldMk cId="1464739500" sldId="290"/>
+            <ac:spMk id="3" creationId="{4C4901E3-7CEF-55AD-9489-859AE9F8D4B3}"/>
+          </ac:spMkLst>
+        </pc:spChg>
+        <pc:spChg chg="add del mod">
+          <ac:chgData name="Tay Zhan Keith" userId="c2142f1051427aa6" providerId="LiveId" clId="{D7C0658D-90F2-4913-A583-EF94A943791B}" dt="2023-07-24T15:16:38.101" v="631" actId="478"/>
+          <ac:spMkLst>
+            <pc:docMk/>
+            <pc:sldMk cId="1464739500" sldId="290"/>
+            <ac:spMk id="4" creationId="{BA540D6A-B9CF-3698-6722-6137AA8AA28D}"/>
+          </ac:spMkLst>
+        </pc:spChg>
       </pc:sldChg>
     </pc:docChg>
   </pc:docChgLst>
@@ -14358,7 +14390,7 @@
           <a:p>
             <a:fld id="{90E7F101-AFD9-4336-B8E9-8175C2E38E7B}" type="datetimeFigureOut">
               <a:rPr lang="en-US" smtClean="0"/>
-              <a:t>6/24/2023</a:t>
+              <a:t>7/24/2023</a:t>
             </a:fld>
             <a:endParaRPr lang="en-US"/>
           </a:p>
@@ -14556,7 +14588,7 @@
           <a:p>
             <a:fld id="{90E7F101-AFD9-4336-B8E9-8175C2E38E7B}" type="datetimeFigureOut">
               <a:rPr lang="en-US" smtClean="0"/>
-              <a:t>6/24/2023</a:t>
+              <a:t>7/24/2023</a:t>
             </a:fld>
             <a:endParaRPr lang="en-US"/>
           </a:p>
@@ -14764,7 +14796,7 @@
           <a:p>
             <a:fld id="{90E7F101-AFD9-4336-B8E9-8175C2E38E7B}" type="datetimeFigureOut">
               <a:rPr lang="en-US" smtClean="0"/>
-              <a:t>6/24/2023</a:t>
+              <a:t>7/24/2023</a:t>
             </a:fld>
             <a:endParaRPr lang="en-US"/>
           </a:p>
@@ -14962,7 +14994,7 @@
           <a:p>
             <a:fld id="{90E7F101-AFD9-4336-B8E9-8175C2E38E7B}" type="datetimeFigureOut">
               <a:rPr lang="en-US" smtClean="0"/>
-              <a:t>6/24/2023</a:t>
+              <a:t>7/24/2023</a:t>
             </a:fld>
             <a:endParaRPr lang="en-US"/>
           </a:p>
@@ -15237,7 +15269,7 @@
           <a:p>
             <a:fld id="{90E7F101-AFD9-4336-B8E9-8175C2E38E7B}" type="datetimeFigureOut">
               <a:rPr lang="en-US" smtClean="0"/>
-              <a:t>6/24/2023</a:t>
+              <a:t>7/24/2023</a:t>
             </a:fld>
             <a:endParaRPr lang="en-US"/>
           </a:p>
@@ -15502,7 +15534,7 @@
           <a:p>
             <a:fld id="{90E7F101-AFD9-4336-B8E9-8175C2E38E7B}" type="datetimeFigureOut">
               <a:rPr lang="en-US" smtClean="0"/>
-              <a:t>6/24/2023</a:t>
+              <a:t>7/24/2023</a:t>
             </a:fld>
             <a:endParaRPr lang="en-US"/>
           </a:p>
@@ -15914,7 +15946,7 @@
           <a:p>
             <a:fld id="{90E7F101-AFD9-4336-B8E9-8175C2E38E7B}" type="datetimeFigureOut">
               <a:rPr lang="en-US" smtClean="0"/>
-              <a:t>6/24/2023</a:t>
+              <a:t>7/24/2023</a:t>
             </a:fld>
             <a:endParaRPr lang="en-US"/>
           </a:p>
@@ -16055,7 +16087,7 @@
           <a:p>
             <a:fld id="{90E7F101-AFD9-4336-B8E9-8175C2E38E7B}" type="datetimeFigureOut">
               <a:rPr lang="en-US" smtClean="0"/>
-              <a:t>6/24/2023</a:t>
+              <a:t>7/24/2023</a:t>
             </a:fld>
             <a:endParaRPr lang="en-US"/>
           </a:p>
@@ -16168,7 +16200,7 @@
           <a:p>
             <a:fld id="{90E7F101-AFD9-4336-B8E9-8175C2E38E7B}" type="datetimeFigureOut">
               <a:rPr lang="en-US" smtClean="0"/>
-              <a:t>6/24/2023</a:t>
+              <a:t>7/24/2023</a:t>
             </a:fld>
             <a:endParaRPr lang="en-US"/>
           </a:p>
@@ -16479,7 +16511,7 @@
           <a:p>
             <a:fld id="{90E7F101-AFD9-4336-B8E9-8175C2E38E7B}" type="datetimeFigureOut">
               <a:rPr lang="en-US" smtClean="0"/>
-              <a:t>6/24/2023</a:t>
+              <a:t>7/24/2023</a:t>
             </a:fld>
             <a:endParaRPr lang="en-US"/>
           </a:p>
@@ -16767,7 +16799,7 @@
           <a:p>
             <a:fld id="{90E7F101-AFD9-4336-B8E9-8175C2E38E7B}" type="datetimeFigureOut">
               <a:rPr lang="en-US" smtClean="0"/>
-              <a:t>6/24/2023</a:t>
+              <a:t>7/24/2023</a:t>
             </a:fld>
             <a:endParaRPr lang="en-US"/>
           </a:p>
@@ -17008,7 +17040,7 @@
           <a:p>
             <a:fld id="{90E7F101-AFD9-4336-B8E9-8175C2E38E7B}" type="datetimeFigureOut">
               <a:rPr lang="en-US" smtClean="0"/>
-              <a:t>6/24/2023</a:t>
+              <a:t>7/24/2023</a:t>
             </a:fld>
             <a:endParaRPr lang="en-US"/>
           </a:p>
@@ -45500,6 +45532,36 @@
 </p:sld>
 </file>
 
+<file path=ppt/slides/slide32.xml><?xml version="1.0" encoding="utf-8"?>
+<p:sld xmlns:a="http://schemas.openxmlformats.org/drawingml/2006/main" xmlns:r="http://schemas.openxmlformats.org/officeDocument/2006/relationships" xmlns:p="http://schemas.openxmlformats.org/presentationml/2006/main">
+  <p:cSld>
+    <p:spTree>
+      <p:nvGrpSpPr>
+        <p:cNvPr id="1" name=""/>
+        <p:cNvGrpSpPr/>
+        <p:nvPr/>
+      </p:nvGrpSpPr>
+      <p:grpSpPr>
+        <a:xfrm>
+          <a:off x="0" y="0"/>
+          <a:ext cx="0" cy="0"/>
+          <a:chOff x="0" y="0"/>
+          <a:chExt cx="0" cy="0"/>
+        </a:xfrm>
+      </p:grpSpPr>
+    </p:spTree>
+    <p:extLst>
+      <p:ext uri="{BB962C8B-B14F-4D97-AF65-F5344CB8AC3E}">
+        <p14:creationId xmlns:p14="http://schemas.microsoft.com/office/powerpoint/2010/main" val="1464739500"/>
+      </p:ext>
+    </p:extLst>
+  </p:cSld>
+  <p:clrMapOvr>
+    <a:masterClrMapping/>
+  </p:clrMapOvr>
+</p:sld>
+</file>
+
 <file path=ppt/slides/slide4.xml><?xml version="1.0" encoding="utf-8"?>
 <p:sld xmlns:a="http://schemas.openxmlformats.org/drawingml/2006/main" xmlns:r="http://schemas.openxmlformats.org/officeDocument/2006/relationships" xmlns:p="http://schemas.openxmlformats.org/presentationml/2006/main">
   <p:cSld>
